--- a/paper/shimozawa.pptx
+++ b/paper/shimozawa.pptx
@@ -226,7 +226,7 @@
           <a:p>
             <a:fld id="{2BFE9D47-A5E2-4416-924B-D108B50498DE}" type="datetimeFigureOut">
               <a:rPr kumimoji="1" lang="ja-JP" altLang="en-US" smtClean="0"/>
-              <a:t>2025/2/27</a:t>
+              <a:t>2025/2/28</a:t>
             </a:fld>
             <a:endParaRPr kumimoji="1" lang="ja-JP" altLang="en-US"/>
           </a:p>
@@ -14109,7 +14109,7 @@
       </p:sp>
       <p:pic>
         <p:nvPicPr>
-          <p:cNvPr id="6" name="Picture 5" descr="A group of blue and white squares&#10;&#10;AI-generated content may be incorrect.">
+          <p:cNvPr id="6" name="Picture 5">
             <a:extLst>
               <a:ext uri="{FF2B5EF4-FFF2-40B4-BE49-F238E27FC236}">
                 <a16:creationId xmlns:a16="http://schemas.microsoft.com/office/drawing/2014/main" id="{DD76F92E-3198-9A73-DB3D-5502922A4B74}"/>
@@ -14129,14 +14129,13 @@
               </a:ext>
             </a:extLst>
           </a:blip>
-          <a:stretch>
-            <a:fillRect/>
-          </a:stretch>
+          <a:srcRect/>
+          <a:stretch/>
         </p:blipFill>
         <p:spPr>
           <a:xfrm>
-            <a:off x="-252536" y="1772816"/>
-            <a:ext cx="9326401" cy="4013515"/>
+            <a:off x="-252536" y="1773884"/>
+            <a:ext cx="9326401" cy="4011378"/>
           </a:xfrm>
           <a:prstGeom prst="rect">
             <a:avLst/>

--- a/paper/shimozawa.pptx
+++ b/paper/shimozawa.pptx
@@ -19,12 +19,12 @@
     <p:sldId id="265" r:id="rId10"/>
     <p:sldId id="268" r:id="rId11"/>
     <p:sldId id="278" r:id="rId12"/>
-    <p:sldId id="280" r:id="rId13"/>
-    <p:sldId id="260" r:id="rId14"/>
-    <p:sldId id="262" r:id="rId15"/>
-    <p:sldId id="279" r:id="rId16"/>
-    <p:sldId id="275" r:id="rId17"/>
-    <p:sldId id="267" r:id="rId18"/>
+    <p:sldId id="260" r:id="rId13"/>
+    <p:sldId id="262" r:id="rId14"/>
+    <p:sldId id="279" r:id="rId15"/>
+    <p:sldId id="275" r:id="rId16"/>
+    <p:sldId id="267" r:id="rId17"/>
+    <p:sldId id="280" r:id="rId18"/>
     <p:sldId id="259" r:id="rId19"/>
     <p:sldId id="276" r:id="rId20"/>
   </p:sldIdLst>
@@ -226,7 +226,7 @@
           <a:p>
             <a:fld id="{2BFE9D47-A5E2-4416-924B-D108B50498DE}" type="datetimeFigureOut">
               <a:rPr kumimoji="1" lang="ja-JP" altLang="en-US" smtClean="0"/>
-              <a:t>2025/2/27</a:t>
+              <a:t>2025/2/28</a:t>
             </a:fld>
             <a:endParaRPr kumimoji="1" lang="ja-JP" altLang="en-US"/>
           </a:p>
@@ -722,13 +722,7 @@
   <p:cSld>
     <p:spTree>
       <p:nvGrpSpPr>
-        <p:cNvPr id="1" name="">
-          <a:extLst>
-            <a:ext uri="{FF2B5EF4-FFF2-40B4-BE49-F238E27FC236}">
-              <a16:creationId xmlns:a16="http://schemas.microsoft.com/office/drawing/2014/main" id="{18269874-7FC2-AECC-7DE6-34F700ABB5A8}"/>
-            </a:ext>
-          </a:extLst>
-        </p:cNvPr>
+        <p:cNvPr id="1" name=""/>
         <p:cNvGrpSpPr/>
         <p:nvPr/>
       </p:nvGrpSpPr>
@@ -742,13 +736,7 @@
       </p:grpSpPr>
       <p:sp>
         <p:nvSpPr>
-          <p:cNvPr id="2" name="スライド イメージ プレースホルダー 1">
-            <a:extLst>
-              <a:ext uri="{FF2B5EF4-FFF2-40B4-BE49-F238E27FC236}">
-                <a16:creationId xmlns:a16="http://schemas.microsoft.com/office/drawing/2014/main" id="{D947BBB9-E3B7-C1EE-8DDA-7321F3668A11}"/>
-              </a:ext>
-            </a:extLst>
-          </p:cNvPr>
+          <p:cNvPr id="2" name="スライド イメージ プレースホルダー 1"/>
           <p:cNvSpPr>
             <a:spLocks noGrp="1" noRot="1" noChangeAspect="1"/>
           </p:cNvSpPr>
@@ -760,13 +748,7 @@
       </p:sp>
       <p:sp>
         <p:nvSpPr>
-          <p:cNvPr id="3" name="ノート プレースホルダー 2">
-            <a:extLst>
-              <a:ext uri="{FF2B5EF4-FFF2-40B4-BE49-F238E27FC236}">
-                <a16:creationId xmlns:a16="http://schemas.microsoft.com/office/drawing/2014/main" id="{91A455D1-EE73-37B4-BBD8-B437DD5C61B9}"/>
-              </a:ext>
-            </a:extLst>
-          </p:cNvPr>
+          <p:cNvPr id="3" name="ノート プレースホルダー 2"/>
           <p:cNvSpPr>
             <a:spLocks noGrp="1"/>
           </p:cNvSpPr>
@@ -780,8 +762,54 @@
           <a:lstStyle/>
           <a:p>
             <a:r>
+              <a:rPr kumimoji="1" lang="en-US" altLang="ja-JP" dirty="0"/>
+              <a:t>11a</a:t>
+            </a:r>
+            <a:r>
               <a:rPr kumimoji="1" lang="ja-JP" altLang="en-US" dirty="0"/>
-              <a:t>精度を調べるため二つのシミュレーションを行った</a:t>
+              <a:t>規格、</a:t>
+            </a:r>
+            <a:r>
+              <a:rPr kumimoji="1" lang="en-US" altLang="ja-JP" dirty="0"/>
+              <a:t>1</a:t>
+            </a:r>
+            <a:r>
+              <a:rPr kumimoji="1" lang="ja-JP" altLang="en-US" dirty="0"/>
+              <a:t>～</a:t>
+            </a:r>
+            <a:r>
+              <a:rPr kumimoji="1" lang="en-US" altLang="ja-JP" dirty="0"/>
+              <a:t>80</a:t>
+            </a:r>
+            <a:r>
+              <a:rPr kumimoji="1" lang="ja-JP" altLang="en-US" dirty="0"/>
+              <a:t>台で</a:t>
+            </a:r>
+            <a:r>
+              <a:rPr kumimoji="1" lang="en-US" altLang="ja-JP" dirty="0"/>
+              <a:t>24Mbps</a:t>
+            </a:r>
+            <a:r>
+              <a:rPr kumimoji="1" lang="ja-JP" altLang="en-US" dirty="0"/>
+              <a:t>固定、試行回数は</a:t>
+            </a:r>
+            <a:r>
+              <a:rPr kumimoji="1" lang="en-US" altLang="ja-JP" dirty="0"/>
+              <a:t>1000</a:t>
+            </a:r>
+            <a:r>
+              <a:rPr kumimoji="1" lang="ja-JP" altLang="en-US" dirty="0"/>
+              <a:t>回</a:t>
+            </a:r>
+            <a:endParaRPr kumimoji="1" lang="en-US" altLang="ja-JP" dirty="0"/>
+          </a:p>
+          <a:p>
+            <a:endParaRPr kumimoji="1" lang="en-US" altLang="ja-JP" dirty="0"/>
+          </a:p>
+          <a:p>
+            <a:r>
+              <a:rPr kumimoji="1" lang="ja-JP" altLang="en-US" dirty="0"/>
+              <a:t>今回シミュレーションで求めた値とマルコフ連鎖モデルでシミュレーションした理論値と比較した</a:t>
             </a:r>
             <a:endParaRPr kumimoji="1" lang="en-GB" altLang="ja-JP" dirty="0"/>
           </a:p>
@@ -791,56 +819,24 @@
           <a:p>
             <a:r>
               <a:rPr kumimoji="1" lang="ja-JP" altLang="en-US" dirty="0"/>
-              <a:t>シミュレーション</a:t>
-            </a:r>
-            <a:r>
-              <a:rPr kumimoji="1" lang="en-GB" altLang="ja-JP" dirty="0"/>
-              <a:t>1</a:t>
-            </a:r>
+              <a:t>先ほど説明したモデル化</a:t>
+            </a:r>
+            <a:endParaRPr kumimoji="1" lang="en-US" altLang="ja-JP" dirty="0"/>
+          </a:p>
+          <a:p>
+            <a:endParaRPr kumimoji="1" lang="en-US" altLang="ja-JP" dirty="0"/>
+          </a:p>
+          <a:p>
             <a:r>
               <a:rPr kumimoji="1" lang="ja-JP" altLang="en-US" dirty="0"/>
-              <a:t>では</a:t>
-            </a:r>
-            <a:endParaRPr kumimoji="1" lang="en-GB" altLang="ja-JP" dirty="0"/>
-          </a:p>
-          <a:p>
-            <a:endParaRPr kumimoji="1" lang="en-GB" altLang="ja-JP" dirty="0"/>
-          </a:p>
-          <a:p>
-            <a:r>
-              <a:rPr kumimoji="1" lang="ja-JP" altLang="en-US" dirty="0"/>
-              <a:t>を行い理論値との比較を行った</a:t>
-            </a:r>
-            <a:endParaRPr kumimoji="1" lang="en-GB" altLang="ja-JP" dirty="0"/>
-          </a:p>
-          <a:p>
-            <a:endParaRPr kumimoji="1" lang="en-GB" altLang="ja-JP" dirty="0"/>
-          </a:p>
-          <a:p>
-            <a:r>
-              <a:rPr kumimoji="1" lang="ja-JP" altLang="en-US" dirty="0"/>
-              <a:t>シミュレーション</a:t>
-            </a:r>
-            <a:r>
-              <a:rPr kumimoji="1" lang="en-GB" altLang="ja-JP" dirty="0"/>
-              <a:t>2</a:t>
-            </a:r>
-            <a:r>
-              <a:rPr kumimoji="1" lang="ja-JP" altLang="en-US" dirty="0"/>
-              <a:t>では</a:t>
-            </a:r>
-          </a:p>
-        </p:txBody>
-      </p:sp>
-      <p:sp>
-        <p:nvSpPr>
-          <p:cNvPr id="4" name="スライド番号プレースホルダー 3">
-            <a:extLst>
-              <a:ext uri="{FF2B5EF4-FFF2-40B4-BE49-F238E27FC236}">
-                <a16:creationId xmlns:a16="http://schemas.microsoft.com/office/drawing/2014/main" id="{65276B6C-DC94-2286-242C-1F3FD3B763FA}"/>
-              </a:ext>
-            </a:extLst>
-          </p:cNvPr>
+              <a:t>実際には文献よりもより現実的なパラメータで近似している</a:t>
+            </a:r>
+          </a:p>
+        </p:txBody>
+      </p:sp>
+      <p:sp>
+        <p:nvSpPr>
+          <p:cNvPr id="4" name="スライド番号プレースホルダー 3"/>
           <p:cNvSpPr>
             <a:spLocks noGrp="1"/>
           </p:cNvSpPr>
@@ -864,7 +860,7 @@
     </p:spTree>
     <p:extLst>
       <p:ext uri="{BB962C8B-B14F-4D97-AF65-F5344CB8AC3E}">
-        <p14:creationId xmlns:p14="http://schemas.microsoft.com/office/powerpoint/2010/main" val="1478322880"/>
+        <p14:creationId xmlns:p14="http://schemas.microsoft.com/office/powerpoint/2010/main" val="3090377162"/>
       </p:ext>
     </p:extLst>
   </p:cSld>
@@ -920,74 +916,9 @@
           <a:p>
             <a:r>
               <a:rPr kumimoji="1" lang="en-US" altLang="ja-JP" dirty="0"/>
-              <a:t>11a</a:t>
-            </a:r>
-            <a:r>
-              <a:rPr kumimoji="1" lang="ja-JP" altLang="en-US" dirty="0"/>
-              <a:t>規格、</a:t>
-            </a:r>
-            <a:r>
-              <a:rPr kumimoji="1" lang="en-US" altLang="ja-JP" dirty="0"/>
-              <a:t>1</a:t>
-            </a:r>
-            <a:r>
-              <a:rPr kumimoji="1" lang="ja-JP" altLang="en-US" dirty="0"/>
-              <a:t>～</a:t>
-            </a:r>
-            <a:r>
-              <a:rPr kumimoji="1" lang="en-US" altLang="ja-JP" dirty="0"/>
-              <a:t>80</a:t>
-            </a:r>
-            <a:r>
-              <a:rPr kumimoji="1" lang="ja-JP" altLang="en-US" dirty="0"/>
-              <a:t>台で</a:t>
-            </a:r>
-            <a:r>
-              <a:rPr kumimoji="1" lang="en-US" altLang="ja-JP" dirty="0"/>
-              <a:t>24Mbps</a:t>
-            </a:r>
-            <a:r>
-              <a:rPr kumimoji="1" lang="ja-JP" altLang="en-US" dirty="0"/>
-              <a:t>固定、試行回数は</a:t>
-            </a:r>
-            <a:r>
-              <a:rPr kumimoji="1" lang="en-US" altLang="ja-JP" dirty="0"/>
-              <a:t>1000</a:t>
-            </a:r>
-            <a:r>
-              <a:rPr kumimoji="1" lang="ja-JP" altLang="en-US" dirty="0"/>
-              <a:t>回</a:t>
-            </a:r>
-            <a:endParaRPr kumimoji="1" lang="en-US" altLang="ja-JP" dirty="0"/>
-          </a:p>
-          <a:p>
-            <a:endParaRPr kumimoji="1" lang="en-US" altLang="ja-JP" dirty="0"/>
-          </a:p>
-          <a:p>
-            <a:r>
-              <a:rPr kumimoji="1" lang="ja-JP" altLang="en-US" dirty="0"/>
-              <a:t>今回シミュレーションで求めた値とマルコフ連鎖モデルでシミュレーションした理論値と比較した</a:t>
-            </a:r>
-            <a:endParaRPr kumimoji="1" lang="en-GB" altLang="ja-JP" dirty="0"/>
-          </a:p>
-          <a:p>
-            <a:endParaRPr kumimoji="1" lang="en-GB" altLang="ja-JP" dirty="0"/>
-          </a:p>
-          <a:p>
-            <a:r>
-              <a:rPr kumimoji="1" lang="ja-JP" altLang="en-US" dirty="0"/>
-              <a:t>先ほど説明したモデル化</a:t>
-            </a:r>
-            <a:endParaRPr kumimoji="1" lang="en-US" altLang="ja-JP" dirty="0"/>
-          </a:p>
-          <a:p>
-            <a:endParaRPr kumimoji="1" lang="en-US" altLang="ja-JP" dirty="0"/>
-          </a:p>
-          <a:p>
-            <a:r>
-              <a:rPr kumimoji="1" lang="ja-JP" altLang="en-US" dirty="0"/>
-              <a:t>実際には文献よりもより現実的なパラメータで近似している</a:t>
-            </a:r>
+              <a:t>MCS Index </a:t>
+            </a:r>
+            <a:endParaRPr kumimoji="1" lang="ja-JP" altLang="en-US" dirty="0"/>
           </a:p>
         </p:txBody>
       </p:sp>
@@ -1017,7 +948,7 @@
     </p:spTree>
     <p:extLst>
       <p:ext uri="{BB962C8B-B14F-4D97-AF65-F5344CB8AC3E}">
-        <p14:creationId xmlns:p14="http://schemas.microsoft.com/office/powerpoint/2010/main" val="3090377162"/>
+        <p14:creationId xmlns:p14="http://schemas.microsoft.com/office/powerpoint/2010/main" val="2909012404"/>
       </p:ext>
     </p:extLst>
   </p:cSld>
@@ -1046,7 +977,7 @@
       </p:grpSpPr>
       <p:sp>
         <p:nvSpPr>
-          <p:cNvPr id="2" name="スライド イメージ プレースホルダー 1"/>
+          <p:cNvPr id="2" name="Slide Image Placeholder 1"/>
           <p:cNvSpPr>
             <a:spLocks noGrp="1" noRot="1" noChangeAspect="1"/>
           </p:cNvSpPr>
@@ -1058,7 +989,7 @@
       </p:sp>
       <p:sp>
         <p:nvSpPr>
-          <p:cNvPr id="3" name="ノート プレースホルダー 2"/>
+          <p:cNvPr id="3" name="Notes Placeholder 2"/>
           <p:cNvSpPr>
             <a:spLocks noGrp="1"/>
           </p:cNvSpPr>
@@ -1071,17 +1002,13 @@
           <a:bodyPr/>
           <a:lstStyle/>
           <a:p>
-            <a:r>
-              <a:rPr kumimoji="1" lang="en-US" altLang="ja-JP" dirty="0"/>
-              <a:t>MCS Index </a:t>
-            </a:r>
-            <a:endParaRPr kumimoji="1" lang="ja-JP" altLang="en-US" dirty="0"/>
-          </a:p>
-        </p:txBody>
-      </p:sp>
-      <p:sp>
-        <p:nvSpPr>
-          <p:cNvPr id="4" name="スライド番号プレースホルダー 3"/>
+            <a:endParaRPr lang="en-GB" dirty="0"/>
+          </a:p>
+        </p:txBody>
+      </p:sp>
+      <p:sp>
+        <p:nvSpPr>
+          <p:cNvPr id="4" name="Slide Number Placeholder 3"/>
           <p:cNvSpPr>
             <a:spLocks noGrp="1"/>
           </p:cNvSpPr>
@@ -1096,7 +1023,7 @@
           <a:p>
             <a:fld id="{D6349F50-0211-4302-8A79-63D7B7674E84}" type="slidenum">
               <a:rPr kumimoji="1" lang="ja-JP" altLang="en-US" smtClean="0"/>
-              <a:t>14</a:t>
+              <a:t>15</a:t>
             </a:fld>
             <a:endParaRPr kumimoji="1" lang="ja-JP" altLang="en-US"/>
           </a:p>
@@ -1105,7 +1032,7 @@
     </p:spTree>
     <p:extLst>
       <p:ext uri="{BB962C8B-B14F-4D97-AF65-F5344CB8AC3E}">
-        <p14:creationId xmlns:p14="http://schemas.microsoft.com/office/powerpoint/2010/main" val="2909012404"/>
+        <p14:creationId xmlns:p14="http://schemas.microsoft.com/office/powerpoint/2010/main" val="3933272311"/>
       </p:ext>
     </p:extLst>
   </p:cSld>
@@ -1120,7 +1047,13 @@
   <p:cSld>
     <p:spTree>
       <p:nvGrpSpPr>
-        <p:cNvPr id="1" name=""/>
+        <p:cNvPr id="1" name="">
+          <a:extLst>
+            <a:ext uri="{FF2B5EF4-FFF2-40B4-BE49-F238E27FC236}">
+              <a16:creationId xmlns:a16="http://schemas.microsoft.com/office/drawing/2014/main" id="{18269874-7FC2-AECC-7DE6-34F700ABB5A8}"/>
+            </a:ext>
+          </a:extLst>
+        </p:cNvPr>
         <p:cNvGrpSpPr/>
         <p:nvPr/>
       </p:nvGrpSpPr>
@@ -1134,7 +1067,13 @@
       </p:grpSpPr>
       <p:sp>
         <p:nvSpPr>
-          <p:cNvPr id="2" name="Slide Image Placeholder 1"/>
+          <p:cNvPr id="2" name="スライド イメージ プレースホルダー 1">
+            <a:extLst>
+              <a:ext uri="{FF2B5EF4-FFF2-40B4-BE49-F238E27FC236}">
+                <a16:creationId xmlns:a16="http://schemas.microsoft.com/office/drawing/2014/main" id="{D947BBB9-E3B7-C1EE-8DDA-7321F3668A11}"/>
+              </a:ext>
+            </a:extLst>
+          </p:cNvPr>
           <p:cNvSpPr>
             <a:spLocks noGrp="1" noRot="1" noChangeAspect="1"/>
           </p:cNvSpPr>
@@ -1146,7 +1085,13 @@
       </p:sp>
       <p:sp>
         <p:nvSpPr>
-          <p:cNvPr id="3" name="Notes Placeholder 2"/>
+          <p:cNvPr id="3" name="ノート プレースホルダー 2">
+            <a:extLst>
+              <a:ext uri="{FF2B5EF4-FFF2-40B4-BE49-F238E27FC236}">
+                <a16:creationId xmlns:a16="http://schemas.microsoft.com/office/drawing/2014/main" id="{91A455D1-EE73-37B4-BBD8-B437DD5C61B9}"/>
+              </a:ext>
+            </a:extLst>
+          </p:cNvPr>
           <p:cNvSpPr>
             <a:spLocks noGrp="1"/>
           </p:cNvSpPr>
@@ -1159,13 +1104,68 @@
           <a:bodyPr/>
           <a:lstStyle/>
           <a:p>
-            <a:endParaRPr lang="en-GB" dirty="0"/>
-          </a:p>
-        </p:txBody>
-      </p:sp>
-      <p:sp>
-        <p:nvSpPr>
-          <p:cNvPr id="4" name="Slide Number Placeholder 3"/>
+            <a:r>
+              <a:rPr kumimoji="1" lang="ja-JP" altLang="en-US" dirty="0"/>
+              <a:t>精度を調べるため二つのシミュレーションを行った</a:t>
+            </a:r>
+            <a:endParaRPr kumimoji="1" lang="en-GB" altLang="ja-JP" dirty="0"/>
+          </a:p>
+          <a:p>
+            <a:endParaRPr kumimoji="1" lang="en-GB" altLang="ja-JP" dirty="0"/>
+          </a:p>
+          <a:p>
+            <a:r>
+              <a:rPr kumimoji="1" lang="ja-JP" altLang="en-US" dirty="0"/>
+              <a:t>シミュレーション</a:t>
+            </a:r>
+            <a:r>
+              <a:rPr kumimoji="1" lang="en-GB" altLang="ja-JP" dirty="0"/>
+              <a:t>1</a:t>
+            </a:r>
+            <a:r>
+              <a:rPr kumimoji="1" lang="ja-JP" altLang="en-US" dirty="0"/>
+              <a:t>では</a:t>
+            </a:r>
+            <a:endParaRPr kumimoji="1" lang="en-GB" altLang="ja-JP" dirty="0"/>
+          </a:p>
+          <a:p>
+            <a:endParaRPr kumimoji="1" lang="en-GB" altLang="ja-JP" dirty="0"/>
+          </a:p>
+          <a:p>
+            <a:r>
+              <a:rPr kumimoji="1" lang="ja-JP" altLang="en-US" dirty="0"/>
+              <a:t>を行い理論値との比較を行った</a:t>
+            </a:r>
+            <a:endParaRPr kumimoji="1" lang="en-GB" altLang="ja-JP" dirty="0"/>
+          </a:p>
+          <a:p>
+            <a:endParaRPr kumimoji="1" lang="en-GB" altLang="ja-JP" dirty="0"/>
+          </a:p>
+          <a:p>
+            <a:r>
+              <a:rPr kumimoji="1" lang="ja-JP" altLang="en-US" dirty="0"/>
+              <a:t>シミュレーション</a:t>
+            </a:r>
+            <a:r>
+              <a:rPr kumimoji="1" lang="en-GB" altLang="ja-JP" dirty="0"/>
+              <a:t>2</a:t>
+            </a:r>
+            <a:r>
+              <a:rPr kumimoji="1" lang="ja-JP" altLang="en-US" dirty="0"/>
+              <a:t>では</a:t>
+            </a:r>
+          </a:p>
+        </p:txBody>
+      </p:sp>
+      <p:sp>
+        <p:nvSpPr>
+          <p:cNvPr id="4" name="スライド番号プレースホルダー 3">
+            <a:extLst>
+              <a:ext uri="{FF2B5EF4-FFF2-40B4-BE49-F238E27FC236}">
+                <a16:creationId xmlns:a16="http://schemas.microsoft.com/office/drawing/2014/main" id="{65276B6C-DC94-2286-242C-1F3FD3B763FA}"/>
+              </a:ext>
+            </a:extLst>
+          </p:cNvPr>
           <p:cNvSpPr>
             <a:spLocks noGrp="1"/>
           </p:cNvSpPr>
@@ -1180,7 +1180,7 @@
           <a:p>
             <a:fld id="{D6349F50-0211-4302-8A79-63D7B7674E84}" type="slidenum">
               <a:rPr kumimoji="1" lang="ja-JP" altLang="en-US" smtClean="0"/>
-              <a:t>16</a:t>
+              <a:t>17</a:t>
             </a:fld>
             <a:endParaRPr kumimoji="1" lang="ja-JP" altLang="en-US"/>
           </a:p>
@@ -1189,7 +1189,7 @@
     </p:spTree>
     <p:extLst>
       <p:ext uri="{BB962C8B-B14F-4D97-AF65-F5344CB8AC3E}">
-        <p14:creationId xmlns:p14="http://schemas.microsoft.com/office/powerpoint/2010/main" val="3933272311"/>
+        <p14:creationId xmlns:p14="http://schemas.microsoft.com/office/powerpoint/2010/main" val="1478322880"/>
       </p:ext>
     </p:extLst>
   </p:cSld>
@@ -2304,7 +2304,35 @@
           <a:bodyPr/>
           <a:lstStyle/>
           <a:p>
-            <a:endParaRPr lang="en-GB"/>
+            <a:r>
+              <a:rPr lang="en-GB" dirty="0"/>
+              <a:t>Contention Window</a:t>
+            </a:r>
+            <a:r>
+              <a:rPr lang="ja-JP" altLang="en-US" dirty="0"/>
+              <a:t>、乱数発生範囲の決め方には</a:t>
+            </a:r>
+            <a:r>
+              <a:rPr lang="en-GB" altLang="ja-JP" dirty="0"/>
+              <a:t>2</a:t>
+            </a:r>
+            <a:r>
+              <a:rPr lang="ja-JP" altLang="en-US" dirty="0"/>
+              <a:t>進数バックオフ方式というものが採用されています</a:t>
+            </a:r>
+            <a:endParaRPr lang="en-GB" altLang="ja-JP" dirty="0"/>
+          </a:p>
+          <a:p>
+            <a:endParaRPr lang="en-GB" altLang="ja-JP" dirty="0"/>
+          </a:p>
+          <a:p>
+            <a:endParaRPr lang="en-GB" altLang="ja-JP" dirty="0"/>
+          </a:p>
+          <a:p>
+            <a:endParaRPr lang="en-GB" dirty="0"/>
+          </a:p>
+          <a:p>
+            <a:endParaRPr lang="en-GB" dirty="0"/>
           </a:p>
         </p:txBody>
       </p:sp>
@@ -7646,12 +7674,13 @@
           <a:lstStyle/>
           <a:p>
             <a:r>
-              <a:rPr kumimoji="1" lang="ja-JP" altLang="en-US" dirty="0">
-                <a:latin typeface="BIZ UDPゴシック" panose="020B0400000000000000" pitchFamily="50" charset="-128"/>
-                <a:ea typeface="BIZ UDPゴシック" panose="020B0400000000000000" pitchFamily="50" charset="-128"/>
-              </a:rPr>
-              <a:t>実装</a:t>
-            </a:r>
+              <a:rPr lang="ja-JP" altLang="en-US" dirty="0"/>
+              <a:t>ネットワーク構成</a:t>
+            </a:r>
+            <a:endParaRPr kumimoji="1" lang="ja-JP" altLang="en-US" dirty="0">
+              <a:latin typeface="BIZ UDPゴシック" panose="020B0400000000000000" pitchFamily="50" charset="-128"/>
+              <a:ea typeface="BIZ UDPゴシック" panose="020B0400000000000000" pitchFamily="50" charset="-128"/>
+            </a:endParaRPr>
           </a:p>
         </p:txBody>
       </p:sp>
@@ -7698,8 +7727,8 @@
         </p:nvGrpSpPr>
         <p:grpSpPr>
           <a:xfrm>
-            <a:off x="107504" y="2204864"/>
-            <a:ext cx="4201239" cy="3302245"/>
+            <a:off x="107505" y="1484785"/>
+            <a:ext cx="3888432" cy="3096344"/>
             <a:chOff x="78974" y="2014206"/>
             <a:chExt cx="4201239" cy="3302245"/>
           </a:xfrm>
@@ -7994,8 +8023,8 @@
         </p:nvSpPr>
         <p:spPr>
           <a:xfrm>
-            <a:off x="3750990" y="2784649"/>
-            <a:ext cx="5532686" cy="1569660"/>
+            <a:off x="4110950" y="3811688"/>
+            <a:ext cx="4835656" cy="769441"/>
           </a:xfrm>
           <a:prstGeom prst="rect">
             <a:avLst/>
@@ -8008,66 +8037,677 @@
           </a:bodyPr>
           <a:lstStyle/>
           <a:p>
-            <a:pPr marL="285750" indent="-285750">
-              <a:buFont typeface="Arial" panose="020B0604020202020204" pitchFamily="34" charset="0"/>
-              <a:buChar char="•"/>
-            </a:pPr>
-            <a:r>
-              <a:rPr kumimoji="1" lang="en-GB" altLang="ja-JP" sz="2400" dirty="0">
-                <a:latin typeface="BIZ UDPゴシック" panose="020B0400000000000000" pitchFamily="50" charset="-128"/>
-                <a:ea typeface="BIZ UDPゴシック" panose="020B0400000000000000" pitchFamily="50" charset="-128"/>
-              </a:rPr>
-              <a:t>IEEE</a:t>
-            </a:r>
-            <a:r>
-              <a:rPr kumimoji="1" lang="ja-JP" altLang="en-US" sz="2400" dirty="0">
-                <a:latin typeface="BIZ UDPゴシック" panose="020B0400000000000000" pitchFamily="50" charset="-128"/>
-                <a:ea typeface="BIZ UDPゴシック" panose="020B0400000000000000" pitchFamily="50" charset="-128"/>
-              </a:rPr>
-              <a:t> </a:t>
-            </a:r>
-            <a:r>
-              <a:rPr kumimoji="1" lang="en-GB" altLang="ja-JP" sz="2400" dirty="0">
-                <a:latin typeface="BIZ UDPゴシック" panose="020B0400000000000000" pitchFamily="50" charset="-128"/>
-                <a:ea typeface="BIZ UDPゴシック" panose="020B0400000000000000" pitchFamily="50" charset="-128"/>
-              </a:rPr>
-              <a:t>802.11a/b/g</a:t>
-            </a:r>
-            <a:r>
-              <a:rPr kumimoji="1" lang="ja-JP" altLang="en-US" sz="2400" dirty="0">
-                <a:latin typeface="BIZ UDPゴシック" panose="020B0400000000000000" pitchFamily="50" charset="-128"/>
-                <a:ea typeface="BIZ UDPゴシック" panose="020B0400000000000000" pitchFamily="50" charset="-128"/>
-              </a:rPr>
-              <a:t>に対応</a:t>
-            </a:r>
-            <a:endParaRPr lang="en-GB" altLang="ja-JP" sz="2400" dirty="0">
+            <a:r>
+              <a:rPr kumimoji="1" lang="ja-JP" altLang="en-US" sz="2200" dirty="0">
+                <a:latin typeface="BIZ UDPゴシック" panose="020B0400000000000000" pitchFamily="50" charset="-128"/>
+                <a:ea typeface="BIZ UDPゴシック" panose="020B0400000000000000" pitchFamily="50" charset="-128"/>
+              </a:rPr>
+              <a:t>プロトコルを評価するために見通し内</a:t>
+            </a:r>
+            <a:endParaRPr kumimoji="1" lang="en-GB" altLang="ja-JP" sz="2200" dirty="0">
               <a:latin typeface="BIZ UDPゴシック" panose="020B0400000000000000" pitchFamily="50" charset="-128"/>
               <a:ea typeface="BIZ UDPゴシック" panose="020B0400000000000000" pitchFamily="50" charset="-128"/>
             </a:endParaRPr>
           </a:p>
           <a:p>
-            <a:pPr marL="285750" indent="-285750">
-              <a:buFont typeface="Arial" panose="020B0604020202020204" pitchFamily="34" charset="0"/>
-              <a:buChar char="•"/>
-            </a:pPr>
-            <a:r>
-              <a:rPr kumimoji="1" lang="ja-JP" altLang="en-US" sz="2400" dirty="0">
-                <a:latin typeface="BIZ UDPゴシック" panose="020B0400000000000000" pitchFamily="50" charset="-128"/>
-                <a:ea typeface="BIZ UDPゴシック" panose="020B0400000000000000" pitchFamily="50" charset="-128"/>
-              </a:rPr>
-              <a:t>プロトコルを評価するために見通し内として電力は加味しないこととした</a:t>
-            </a:r>
-            <a:endParaRPr lang="en-US" altLang="ja-JP" sz="2400" dirty="0">
+            <a:r>
+              <a:rPr kumimoji="1" lang="ja-JP" altLang="en-US" sz="2200" dirty="0">
+                <a:latin typeface="BIZ UDPゴシック" panose="020B0400000000000000" pitchFamily="50" charset="-128"/>
+                <a:ea typeface="BIZ UDPゴシック" panose="020B0400000000000000" pitchFamily="50" charset="-128"/>
+              </a:rPr>
+              <a:t>として電力は加味しないこととした</a:t>
+            </a:r>
+            <a:endParaRPr lang="en-US" altLang="ja-JP" sz="2200" dirty="0">
               <a:latin typeface="BIZ UDPゴシック" panose="020B0400000000000000" pitchFamily="50" charset="-128"/>
               <a:ea typeface="BIZ UDPゴシック" panose="020B0400000000000000" pitchFamily="50" charset="-128"/>
             </a:endParaRPr>
           </a:p>
-          <a:p>
-            <a:pPr marL="285750" indent="-285750">
-              <a:buFont typeface="Arial" panose="020B0604020202020204" pitchFamily="34" charset="0"/>
-              <a:buChar char="•"/>
-            </a:pPr>
-            <a:endParaRPr kumimoji="1" lang="ja-JP" altLang="en-US" sz="2400" dirty="0">
+        </p:txBody>
+      </p:sp>
+      <p:graphicFrame>
+        <p:nvGraphicFramePr>
+          <p:cNvPr id="2" name="Table 1">
+            <a:extLst>
+              <a:ext uri="{FF2B5EF4-FFF2-40B4-BE49-F238E27FC236}">
+                <a16:creationId xmlns:a16="http://schemas.microsoft.com/office/drawing/2014/main" id="{9146B002-24D0-089C-9E96-0253F6506D57}"/>
+              </a:ext>
+            </a:extLst>
+          </p:cNvPr>
+          <p:cNvGraphicFramePr>
+            <a:graphicFrameLocks noGrp="1"/>
+          </p:cNvGraphicFramePr>
+          <p:nvPr>
+            <p:extLst>
+              <p:ext uri="{D42A27DB-BD31-4B8C-83A1-F6EECF244321}">
+                <p14:modId xmlns:p14="http://schemas.microsoft.com/office/powerpoint/2010/main" val="3638448303"/>
+              </p:ext>
+            </p:extLst>
+          </p:nvPr>
+        </p:nvGraphicFramePr>
+        <p:xfrm>
+          <a:off x="4088821" y="1851616"/>
+          <a:ext cx="4947674" cy="1898368"/>
+        </p:xfrm>
+        <a:graphic>
+          <a:graphicData uri="http://schemas.openxmlformats.org/drawingml/2006/table">
+            <a:tbl>
+              <a:tblPr>
+                <a:tableStyleId>{5C22544A-7EE6-4342-B048-85BDC9FD1C3A}</a:tableStyleId>
+              </a:tblPr>
+              <a:tblGrid>
+                <a:gridCol w="2154555">
+                  <a:extLst>
+                    <a:ext uri="{9D8B030D-6E8A-4147-A177-3AD203B41FA5}">
+                      <a16:colId xmlns:a16="http://schemas.microsoft.com/office/drawing/2014/main" val="794870208"/>
+                    </a:ext>
+                  </a:extLst>
+                </a:gridCol>
+                <a:gridCol w="2793119">
+                  <a:extLst>
+                    <a:ext uri="{9D8B030D-6E8A-4147-A177-3AD203B41FA5}">
+                      <a16:colId xmlns:a16="http://schemas.microsoft.com/office/drawing/2014/main" val="3777863158"/>
+                    </a:ext>
+                  </a:extLst>
+                </a:gridCol>
+              </a:tblGrid>
+              <a:tr h="400113">
+                <a:tc>
+                  <a:txBody>
+                    <a:bodyPr/>
+                    <a:lstStyle/>
+                    <a:p>
+                      <a:pPr algn="ctr"/>
+                      <a:r>
+                        <a:rPr lang="ja-JP" altLang="en-US" dirty="0">
+                          <a:latin typeface="BIZ UDPGothic" panose="020B0400000000000000" pitchFamily="34" charset="-128"/>
+                          <a:ea typeface="BIZ UDPGothic" panose="020B0400000000000000" pitchFamily="34" charset="-128"/>
+                        </a:rPr>
+                        <a:t>対応モード</a:t>
+                      </a:r>
+                      <a:endParaRPr lang="en-GB" dirty="0">
+                        <a:latin typeface="BIZ UDPGothic" panose="020B0400000000000000" pitchFamily="34" charset="-128"/>
+                        <a:ea typeface="BIZ UDPGothic" panose="020B0400000000000000" pitchFamily="34" charset="-128"/>
+                      </a:endParaRPr>
+                    </a:p>
+                  </a:txBody>
+                  <a:tcPr anchor="ctr">
+                    <a:lnL w="12700" cap="flat" cmpd="sng" algn="ctr">
+                      <a:solidFill>
+                        <a:schemeClr val="tx1"/>
+                      </a:solidFill>
+                      <a:prstDash val="solid"/>
+                      <a:round/>
+                      <a:headEnd type="none" w="med" len="med"/>
+                      <a:tailEnd type="none" w="med" len="med"/>
+                    </a:lnL>
+                    <a:lnR w="12700" cap="flat" cmpd="sng" algn="ctr">
+                      <a:solidFill>
+                        <a:schemeClr val="tx1"/>
+                      </a:solidFill>
+                      <a:prstDash val="solid"/>
+                      <a:round/>
+                      <a:headEnd type="none" w="med" len="med"/>
+                      <a:tailEnd type="none" w="med" len="med"/>
+                    </a:lnR>
+                    <a:lnT w="12700" cap="flat" cmpd="sng" algn="ctr">
+                      <a:solidFill>
+                        <a:schemeClr val="tx1"/>
+                      </a:solidFill>
+                      <a:prstDash val="solid"/>
+                      <a:round/>
+                      <a:headEnd type="none" w="med" len="med"/>
+                      <a:tailEnd type="none" w="med" len="med"/>
+                    </a:lnT>
+                    <a:lnB w="12700" cap="flat" cmpd="sng" algn="ctr">
+                      <a:solidFill>
+                        <a:schemeClr val="tx1"/>
+                      </a:solidFill>
+                      <a:prstDash val="solid"/>
+                      <a:round/>
+                      <a:headEnd type="none" w="med" len="med"/>
+                      <a:tailEnd type="none" w="med" len="med"/>
+                    </a:lnB>
+                    <a:noFill/>
+                  </a:tcPr>
+                </a:tc>
+                <a:tc>
+                  <a:txBody>
+                    <a:bodyPr/>
+                    <a:lstStyle/>
+                    <a:p>
+                      <a:pPr algn="l"/>
+                      <a:r>
+                        <a:rPr lang="en-GB" dirty="0">
+                          <a:latin typeface="BIZ UDPGothic" panose="020B0400000000000000" pitchFamily="34" charset="-128"/>
+                          <a:ea typeface="BIZ UDPGothic" panose="020B0400000000000000" pitchFamily="34" charset="-128"/>
+                        </a:rPr>
+                        <a:t>IEEE 802.11a/b/g</a:t>
+                      </a:r>
+                    </a:p>
+                  </a:txBody>
+                  <a:tcPr anchor="ctr">
+                    <a:lnL w="12700" cap="flat" cmpd="sng" algn="ctr">
+                      <a:solidFill>
+                        <a:schemeClr val="tx1"/>
+                      </a:solidFill>
+                      <a:prstDash val="solid"/>
+                      <a:round/>
+                      <a:headEnd type="none" w="med" len="med"/>
+                      <a:tailEnd type="none" w="med" len="med"/>
+                    </a:lnL>
+                    <a:lnR w="12700" cap="flat" cmpd="sng" algn="ctr">
+                      <a:solidFill>
+                        <a:schemeClr val="tx1"/>
+                      </a:solidFill>
+                      <a:prstDash val="solid"/>
+                      <a:round/>
+                      <a:headEnd type="none" w="med" len="med"/>
+                      <a:tailEnd type="none" w="med" len="med"/>
+                    </a:lnR>
+                    <a:lnT w="12700" cap="flat" cmpd="sng" algn="ctr">
+                      <a:solidFill>
+                        <a:schemeClr val="tx1"/>
+                      </a:solidFill>
+                      <a:prstDash val="solid"/>
+                      <a:round/>
+                      <a:headEnd type="none" w="med" len="med"/>
+                      <a:tailEnd type="none" w="med" len="med"/>
+                    </a:lnT>
+                    <a:lnB w="12700" cap="flat" cmpd="sng" algn="ctr">
+                      <a:solidFill>
+                        <a:schemeClr val="tx1"/>
+                      </a:solidFill>
+                      <a:prstDash val="solid"/>
+                      <a:round/>
+                      <a:headEnd type="none" w="med" len="med"/>
+                      <a:tailEnd type="none" w="med" len="med"/>
+                    </a:lnB>
+                    <a:noFill/>
+                  </a:tcPr>
+                </a:tc>
+                <a:extLst>
+                  <a:ext uri="{0D108BD9-81ED-4DB2-BD59-A6C34878D82A}">
+                    <a16:rowId xmlns:a16="http://schemas.microsoft.com/office/drawing/2014/main" val="2055741785"/>
+                  </a:ext>
+                </a:extLst>
+              </a:tr>
+              <a:tr h="698029">
+                <a:tc>
+                  <a:txBody>
+                    <a:bodyPr/>
+                    <a:lstStyle/>
+                    <a:p>
+                      <a:pPr algn="ctr"/>
+                      <a:r>
+                        <a:rPr lang="ja-JP" altLang="en-US" dirty="0">
+                          <a:latin typeface="BIZ UDPGothic" panose="020B0400000000000000" pitchFamily="34" charset="-128"/>
+                          <a:ea typeface="BIZ UDPGothic" panose="020B0400000000000000" pitchFamily="34" charset="-128"/>
+                        </a:rPr>
+                        <a:t>周波数</a:t>
+                      </a:r>
+                      <a:endParaRPr lang="en-GB" dirty="0">
+                        <a:latin typeface="BIZ UDPGothic" panose="020B0400000000000000" pitchFamily="34" charset="-128"/>
+                        <a:ea typeface="BIZ UDPGothic" panose="020B0400000000000000" pitchFamily="34" charset="-128"/>
+                      </a:endParaRPr>
+                    </a:p>
+                  </a:txBody>
+                  <a:tcPr anchor="ctr">
+                    <a:lnL w="12700" cap="flat" cmpd="sng" algn="ctr">
+                      <a:solidFill>
+                        <a:schemeClr val="tx1"/>
+                      </a:solidFill>
+                      <a:prstDash val="solid"/>
+                      <a:round/>
+                      <a:headEnd type="none" w="med" len="med"/>
+                      <a:tailEnd type="none" w="med" len="med"/>
+                    </a:lnL>
+                    <a:lnR w="12700" cap="flat" cmpd="sng" algn="ctr">
+                      <a:solidFill>
+                        <a:schemeClr val="tx1"/>
+                      </a:solidFill>
+                      <a:prstDash val="solid"/>
+                      <a:round/>
+                      <a:headEnd type="none" w="med" len="med"/>
+                      <a:tailEnd type="none" w="med" len="med"/>
+                    </a:lnR>
+                    <a:lnT w="12700" cap="flat" cmpd="sng" algn="ctr">
+                      <a:solidFill>
+                        <a:schemeClr val="tx1"/>
+                      </a:solidFill>
+                      <a:prstDash val="solid"/>
+                      <a:round/>
+                      <a:headEnd type="none" w="med" len="med"/>
+                      <a:tailEnd type="none" w="med" len="med"/>
+                    </a:lnT>
+                    <a:lnB w="12700" cap="flat" cmpd="sng" algn="ctr">
+                      <a:solidFill>
+                        <a:schemeClr val="tx1"/>
+                      </a:solidFill>
+                      <a:prstDash val="solid"/>
+                      <a:round/>
+                      <a:headEnd type="none" w="med" len="med"/>
+                      <a:tailEnd type="none" w="med" len="med"/>
+                    </a:lnB>
+                    <a:noFill/>
+                  </a:tcPr>
+                </a:tc>
+                <a:tc>
+                  <a:txBody>
+                    <a:bodyPr/>
+                    <a:lstStyle/>
+                    <a:p>
+                      <a:pPr algn="l"/>
+                      <a:r>
+                        <a:rPr lang="en-GB" dirty="0">
+                          <a:latin typeface="BIZ UDPGothic" panose="020B0400000000000000" pitchFamily="34" charset="-128"/>
+                          <a:ea typeface="BIZ UDPGothic" panose="020B0400000000000000" pitchFamily="34" charset="-128"/>
+                        </a:rPr>
+                        <a:t>a</a:t>
+                      </a:r>
+                      <a:r>
+                        <a:rPr lang="ja-JP" altLang="en-US" dirty="0">
+                          <a:latin typeface="BIZ UDPGothic" panose="020B0400000000000000" pitchFamily="34" charset="-128"/>
+                          <a:ea typeface="BIZ UDPGothic" panose="020B0400000000000000" pitchFamily="34" charset="-128"/>
+                        </a:rPr>
+                        <a:t>　　  </a:t>
+                      </a:r>
+                      <a:r>
+                        <a:rPr lang="en-GB" dirty="0">
+                          <a:latin typeface="BIZ UDPGothic" panose="020B0400000000000000" pitchFamily="34" charset="-128"/>
+                          <a:ea typeface="BIZ UDPGothic" panose="020B0400000000000000" pitchFamily="34" charset="-128"/>
+                        </a:rPr>
+                        <a:t>: 5.2 GHz</a:t>
+                      </a:r>
+                    </a:p>
+                    <a:p>
+                      <a:pPr algn="l"/>
+                      <a:r>
+                        <a:rPr lang="en-GB" dirty="0">
+                          <a:latin typeface="BIZ UDPGothic" panose="020B0400000000000000" pitchFamily="34" charset="-128"/>
+                          <a:ea typeface="BIZ UDPGothic" panose="020B0400000000000000" pitchFamily="34" charset="-128"/>
+                        </a:rPr>
+                        <a:t>b/g</a:t>
+                      </a:r>
+                      <a:r>
+                        <a:rPr lang="ja-JP" altLang="en-US" dirty="0">
+                          <a:latin typeface="BIZ UDPGothic" panose="020B0400000000000000" pitchFamily="34" charset="-128"/>
+                          <a:ea typeface="BIZ UDPGothic" panose="020B0400000000000000" pitchFamily="34" charset="-128"/>
+                        </a:rPr>
+                        <a:t>  </a:t>
+                      </a:r>
+                      <a:r>
+                        <a:rPr lang="en-GB" dirty="0">
+                          <a:latin typeface="BIZ UDPGothic" panose="020B0400000000000000" pitchFamily="34" charset="-128"/>
+                          <a:ea typeface="BIZ UDPGothic" panose="020B0400000000000000" pitchFamily="34" charset="-128"/>
+                        </a:rPr>
+                        <a:t>: 2.4GHz</a:t>
+                      </a:r>
+                    </a:p>
+                  </a:txBody>
+                  <a:tcPr anchor="ctr">
+                    <a:lnL w="12700" cap="flat" cmpd="sng" algn="ctr">
+                      <a:solidFill>
+                        <a:schemeClr val="tx1"/>
+                      </a:solidFill>
+                      <a:prstDash val="solid"/>
+                      <a:round/>
+                      <a:headEnd type="none" w="med" len="med"/>
+                      <a:tailEnd type="none" w="med" len="med"/>
+                    </a:lnL>
+                    <a:lnR w="12700" cap="flat" cmpd="sng" algn="ctr">
+                      <a:solidFill>
+                        <a:schemeClr val="tx1"/>
+                      </a:solidFill>
+                      <a:prstDash val="solid"/>
+                      <a:round/>
+                      <a:headEnd type="none" w="med" len="med"/>
+                      <a:tailEnd type="none" w="med" len="med"/>
+                    </a:lnR>
+                    <a:lnT w="12700" cap="flat" cmpd="sng" algn="ctr">
+                      <a:solidFill>
+                        <a:schemeClr val="tx1"/>
+                      </a:solidFill>
+                      <a:prstDash val="solid"/>
+                      <a:round/>
+                      <a:headEnd type="none" w="med" len="med"/>
+                      <a:tailEnd type="none" w="med" len="med"/>
+                    </a:lnT>
+                    <a:lnB w="12700" cap="flat" cmpd="sng" algn="ctr">
+                      <a:solidFill>
+                        <a:schemeClr val="tx1"/>
+                      </a:solidFill>
+                      <a:prstDash val="solid"/>
+                      <a:round/>
+                      <a:headEnd type="none" w="med" len="med"/>
+                      <a:tailEnd type="none" w="med" len="med"/>
+                    </a:lnB>
+                    <a:noFill/>
+                  </a:tcPr>
+                </a:tc>
+                <a:extLst>
+                  <a:ext uri="{0D108BD9-81ED-4DB2-BD59-A6C34878D82A}">
+                    <a16:rowId xmlns:a16="http://schemas.microsoft.com/office/drawing/2014/main" val="2030260452"/>
+                  </a:ext>
+                </a:extLst>
+              </a:tr>
+              <a:tr h="400113">
+                <a:tc>
+                  <a:txBody>
+                    <a:bodyPr/>
+                    <a:lstStyle/>
+                    <a:p>
+                      <a:pPr algn="ctr"/>
+                      <a:r>
+                        <a:rPr lang="ja-JP" altLang="en-US" dirty="0">
+                          <a:latin typeface="BIZ UDPGothic" panose="020B0400000000000000" pitchFamily="34" charset="-128"/>
+                          <a:ea typeface="BIZ UDPGothic" panose="020B0400000000000000" pitchFamily="34" charset="-128"/>
+                        </a:rPr>
+                        <a:t>ガードインターバル</a:t>
+                      </a:r>
+                      <a:endParaRPr lang="en-GB" dirty="0">
+                        <a:latin typeface="BIZ UDPGothic" panose="020B0400000000000000" pitchFamily="34" charset="-128"/>
+                        <a:ea typeface="BIZ UDPGothic" panose="020B0400000000000000" pitchFamily="34" charset="-128"/>
+                      </a:endParaRPr>
+                    </a:p>
+                  </a:txBody>
+                  <a:tcPr anchor="ctr">
+                    <a:lnL w="12700" cap="flat" cmpd="sng" algn="ctr">
+                      <a:solidFill>
+                        <a:schemeClr val="tx1"/>
+                      </a:solidFill>
+                      <a:prstDash val="solid"/>
+                      <a:round/>
+                      <a:headEnd type="none" w="med" len="med"/>
+                      <a:tailEnd type="none" w="med" len="med"/>
+                    </a:lnL>
+                    <a:lnR w="12700" cap="flat" cmpd="sng" algn="ctr">
+                      <a:solidFill>
+                        <a:schemeClr val="tx1"/>
+                      </a:solidFill>
+                      <a:prstDash val="solid"/>
+                      <a:round/>
+                      <a:headEnd type="none" w="med" len="med"/>
+                      <a:tailEnd type="none" w="med" len="med"/>
+                    </a:lnR>
+                    <a:lnT w="12700" cap="flat" cmpd="sng" algn="ctr">
+                      <a:solidFill>
+                        <a:schemeClr val="tx1"/>
+                      </a:solidFill>
+                      <a:prstDash val="solid"/>
+                      <a:round/>
+                      <a:headEnd type="none" w="med" len="med"/>
+                      <a:tailEnd type="none" w="med" len="med"/>
+                    </a:lnT>
+                    <a:lnB w="12700" cap="flat" cmpd="sng" algn="ctr">
+                      <a:solidFill>
+                        <a:schemeClr val="tx1"/>
+                      </a:solidFill>
+                      <a:prstDash val="solid"/>
+                      <a:round/>
+                      <a:headEnd type="none" w="med" len="med"/>
+                      <a:tailEnd type="none" w="med" len="med"/>
+                    </a:lnB>
+                    <a:noFill/>
+                  </a:tcPr>
+                </a:tc>
+                <a:tc>
+                  <a:txBody>
+                    <a:bodyPr/>
+                    <a:lstStyle/>
+                    <a:p>
+                      <a:pPr algn="l"/>
+                      <a:endParaRPr lang="en-GB" dirty="0">
+                        <a:latin typeface="BIZ UDPGothic" panose="020B0400000000000000" pitchFamily="34" charset="-128"/>
+                        <a:ea typeface="BIZ UDPGothic" panose="020B0400000000000000" pitchFamily="34" charset="-128"/>
+                      </a:endParaRPr>
+                    </a:p>
+                  </a:txBody>
+                  <a:tcPr anchor="ctr">
+                    <a:lnL w="12700" cap="flat" cmpd="sng" algn="ctr">
+                      <a:solidFill>
+                        <a:schemeClr val="tx1"/>
+                      </a:solidFill>
+                      <a:prstDash val="solid"/>
+                      <a:round/>
+                      <a:headEnd type="none" w="med" len="med"/>
+                      <a:tailEnd type="none" w="med" len="med"/>
+                    </a:lnL>
+                    <a:lnR w="12700" cap="flat" cmpd="sng" algn="ctr">
+                      <a:solidFill>
+                        <a:schemeClr val="tx1"/>
+                      </a:solidFill>
+                      <a:prstDash val="solid"/>
+                      <a:round/>
+                      <a:headEnd type="none" w="med" len="med"/>
+                      <a:tailEnd type="none" w="med" len="med"/>
+                    </a:lnR>
+                    <a:lnT w="12700" cap="flat" cmpd="sng" algn="ctr">
+                      <a:solidFill>
+                        <a:schemeClr val="tx1"/>
+                      </a:solidFill>
+                      <a:prstDash val="solid"/>
+                      <a:round/>
+                      <a:headEnd type="none" w="med" len="med"/>
+                      <a:tailEnd type="none" w="med" len="med"/>
+                    </a:lnT>
+                    <a:lnB w="12700" cap="flat" cmpd="sng" algn="ctr">
+                      <a:solidFill>
+                        <a:schemeClr val="tx1"/>
+                      </a:solidFill>
+                      <a:prstDash val="solid"/>
+                      <a:round/>
+                      <a:headEnd type="none" w="med" len="med"/>
+                      <a:tailEnd type="none" w="med" len="med"/>
+                    </a:lnB>
+                    <a:noFill/>
+                  </a:tcPr>
+                </a:tc>
+                <a:extLst>
+                  <a:ext uri="{0D108BD9-81ED-4DB2-BD59-A6C34878D82A}">
+                    <a16:rowId xmlns:a16="http://schemas.microsoft.com/office/drawing/2014/main" val="1640374727"/>
+                  </a:ext>
+                </a:extLst>
+              </a:tr>
+              <a:tr h="400113">
+                <a:tc>
+                  <a:txBody>
+                    <a:bodyPr/>
+                    <a:lstStyle/>
+                    <a:p>
+                      <a:pPr algn="ctr"/>
+                      <a:endParaRPr lang="en-GB" dirty="0">
+                        <a:latin typeface="BIZ UDPGothic" panose="020B0400000000000000" pitchFamily="34" charset="-128"/>
+                        <a:ea typeface="BIZ UDPGothic" panose="020B0400000000000000" pitchFamily="34" charset="-128"/>
+                      </a:endParaRPr>
+                    </a:p>
+                  </a:txBody>
+                  <a:tcPr anchor="ctr">
+                    <a:lnL w="12700" cap="flat" cmpd="sng" algn="ctr">
+                      <a:solidFill>
+                        <a:schemeClr val="tx1"/>
+                      </a:solidFill>
+                      <a:prstDash val="solid"/>
+                      <a:round/>
+                      <a:headEnd type="none" w="med" len="med"/>
+                      <a:tailEnd type="none" w="med" len="med"/>
+                    </a:lnL>
+                    <a:lnR w="12700" cap="flat" cmpd="sng" algn="ctr">
+                      <a:solidFill>
+                        <a:schemeClr val="tx1"/>
+                      </a:solidFill>
+                      <a:prstDash val="solid"/>
+                      <a:round/>
+                      <a:headEnd type="none" w="med" len="med"/>
+                      <a:tailEnd type="none" w="med" len="med"/>
+                    </a:lnR>
+                    <a:lnT w="12700" cap="flat" cmpd="sng" algn="ctr">
+                      <a:solidFill>
+                        <a:schemeClr val="tx1"/>
+                      </a:solidFill>
+                      <a:prstDash val="solid"/>
+                      <a:round/>
+                      <a:headEnd type="none" w="med" len="med"/>
+                      <a:tailEnd type="none" w="med" len="med"/>
+                    </a:lnT>
+                    <a:lnB w="12700" cap="flat" cmpd="sng" algn="ctr">
+                      <a:solidFill>
+                        <a:schemeClr val="tx1"/>
+                      </a:solidFill>
+                      <a:prstDash val="solid"/>
+                      <a:round/>
+                      <a:headEnd type="none" w="med" len="med"/>
+                      <a:tailEnd type="none" w="med" len="med"/>
+                    </a:lnB>
+                    <a:noFill/>
+                  </a:tcPr>
+                </a:tc>
+                <a:tc>
+                  <a:txBody>
+                    <a:bodyPr/>
+                    <a:lstStyle/>
+                    <a:p>
+                      <a:pPr algn="l"/>
+                      <a:endParaRPr lang="en-GB" dirty="0">
+                        <a:latin typeface="BIZ UDPGothic" panose="020B0400000000000000" pitchFamily="34" charset="-128"/>
+                        <a:ea typeface="BIZ UDPGothic" panose="020B0400000000000000" pitchFamily="34" charset="-128"/>
+                      </a:endParaRPr>
+                    </a:p>
+                  </a:txBody>
+                  <a:tcPr anchor="ctr">
+                    <a:lnL w="12700" cap="flat" cmpd="sng" algn="ctr">
+                      <a:solidFill>
+                        <a:schemeClr val="tx1"/>
+                      </a:solidFill>
+                      <a:prstDash val="solid"/>
+                      <a:round/>
+                      <a:headEnd type="none" w="med" len="med"/>
+                      <a:tailEnd type="none" w="med" len="med"/>
+                    </a:lnL>
+                    <a:lnR w="12700" cap="flat" cmpd="sng" algn="ctr">
+                      <a:solidFill>
+                        <a:schemeClr val="tx1"/>
+                      </a:solidFill>
+                      <a:prstDash val="solid"/>
+                      <a:round/>
+                      <a:headEnd type="none" w="med" len="med"/>
+                      <a:tailEnd type="none" w="med" len="med"/>
+                    </a:lnR>
+                    <a:lnT w="12700" cap="flat" cmpd="sng" algn="ctr">
+                      <a:solidFill>
+                        <a:schemeClr val="tx1"/>
+                      </a:solidFill>
+                      <a:prstDash val="solid"/>
+                      <a:round/>
+                      <a:headEnd type="none" w="med" len="med"/>
+                      <a:tailEnd type="none" w="med" len="med"/>
+                    </a:lnT>
+                    <a:lnB w="12700" cap="flat" cmpd="sng" algn="ctr">
+                      <a:solidFill>
+                        <a:schemeClr val="tx1"/>
+                      </a:solidFill>
+                      <a:prstDash val="solid"/>
+                      <a:round/>
+                      <a:headEnd type="none" w="med" len="med"/>
+                      <a:tailEnd type="none" w="med" len="med"/>
+                    </a:lnB>
+                    <a:noFill/>
+                  </a:tcPr>
+                </a:tc>
+                <a:extLst>
+                  <a:ext uri="{0D108BD9-81ED-4DB2-BD59-A6C34878D82A}">
+                    <a16:rowId xmlns:a16="http://schemas.microsoft.com/office/drawing/2014/main" val="3782078352"/>
+                  </a:ext>
+                </a:extLst>
+              </a:tr>
+            </a:tbl>
+          </a:graphicData>
+        </a:graphic>
+      </p:graphicFrame>
+      <p:sp>
+        <p:nvSpPr>
+          <p:cNvPr id="6" name="テキスト ボックス 36">
+            <a:extLst>
+              <a:ext uri="{FF2B5EF4-FFF2-40B4-BE49-F238E27FC236}">
+                <a16:creationId xmlns:a16="http://schemas.microsoft.com/office/drawing/2014/main" id="{62AC04D0-9391-7368-9DC8-C25A103D4DE2}"/>
+              </a:ext>
+            </a:extLst>
+          </p:cNvPr>
+          <p:cNvSpPr txBox="1"/>
+          <p:nvPr/>
+        </p:nvSpPr>
+        <p:spPr>
+          <a:xfrm>
+            <a:off x="577883" y="5144414"/>
+            <a:ext cx="6836107" cy="430887"/>
+          </a:xfrm>
+          <a:prstGeom prst="rect">
+            <a:avLst/>
+          </a:prstGeom>
+          <a:noFill/>
+        </p:spPr>
+        <p:txBody>
+          <a:bodyPr wrap="square" rtlCol="0">
+            <a:spAutoFit/>
+          </a:bodyPr>
+          <a:lstStyle/>
+          <a:p>
+            <a:r>
+              <a:rPr lang="en-GB" altLang="ja-JP" sz="2200" dirty="0">
+                <a:latin typeface="BIZ UDPゴシック" panose="020B0400000000000000" pitchFamily="50" charset="-128"/>
+                <a:ea typeface="BIZ UDPゴシック" panose="020B0400000000000000" pitchFamily="50" charset="-128"/>
+              </a:rPr>
+              <a:t>24Mbps</a:t>
+            </a:r>
+            <a:r>
+              <a:rPr lang="ja-JP" altLang="en-US" sz="2200" dirty="0">
+                <a:latin typeface="BIZ UDPゴシック" panose="020B0400000000000000" pitchFamily="50" charset="-128"/>
+                <a:ea typeface="BIZ UDPゴシック" panose="020B0400000000000000" pitchFamily="50" charset="-128"/>
+              </a:rPr>
+              <a:t>固定，</a:t>
+            </a:r>
+            <a:r>
+              <a:rPr lang="en-GB" altLang="ja-JP" sz="2200" dirty="0">
+                <a:latin typeface="BIZ UDPゴシック" panose="020B0400000000000000" pitchFamily="50" charset="-128"/>
+                <a:ea typeface="BIZ UDPゴシック" panose="020B0400000000000000" pitchFamily="50" charset="-128"/>
+              </a:rPr>
+              <a:t>1</a:t>
+            </a:r>
+            <a:r>
+              <a:rPr lang="ja-JP" altLang="en-US" sz="2200" dirty="0">
+                <a:latin typeface="BIZ UDPゴシック" panose="020B0400000000000000" pitchFamily="50" charset="-128"/>
+                <a:ea typeface="BIZ UDPゴシック" panose="020B0400000000000000" pitchFamily="50" charset="-128"/>
+              </a:rPr>
+              <a:t>～</a:t>
+            </a:r>
+            <a:r>
+              <a:rPr lang="en-GB" altLang="ja-JP" sz="2200" dirty="0">
+                <a:latin typeface="BIZ UDPゴシック" panose="020B0400000000000000" pitchFamily="50" charset="-128"/>
+                <a:ea typeface="BIZ UDPゴシック" panose="020B0400000000000000" pitchFamily="50" charset="-128"/>
+              </a:rPr>
+              <a:t>80</a:t>
+            </a:r>
+            <a:r>
+              <a:rPr lang="ja-JP" altLang="en-US" sz="2200" dirty="0">
+                <a:latin typeface="BIZ UDPゴシック" panose="020B0400000000000000" pitchFamily="50" charset="-128"/>
+                <a:ea typeface="BIZ UDPゴシック" panose="020B0400000000000000" pitchFamily="50" charset="-128"/>
+              </a:rPr>
+              <a:t>台，</a:t>
+            </a:r>
+            <a:r>
+              <a:rPr lang="en-GB" altLang="ja-JP" sz="2200" dirty="0">
+                <a:latin typeface="BIZ UDPゴシック" panose="020B0400000000000000" pitchFamily="50" charset="-128"/>
+                <a:ea typeface="BIZ UDPゴシック" panose="020B0400000000000000" pitchFamily="50" charset="-128"/>
+              </a:rPr>
+              <a:t>1000</a:t>
+            </a:r>
+            <a:r>
+              <a:rPr lang="ja-JP" altLang="en-US" sz="2200" dirty="0">
+                <a:latin typeface="BIZ UDPゴシック" panose="020B0400000000000000" pitchFamily="50" charset="-128"/>
+                <a:ea typeface="BIZ UDPゴシック" panose="020B0400000000000000" pitchFamily="50" charset="-128"/>
+              </a:rPr>
+              <a:t>回</a:t>
+            </a:r>
+            <a:endParaRPr lang="en-US" altLang="ja-JP" sz="2200" dirty="0">
               <a:latin typeface="BIZ UDPゴシック" panose="020B0400000000000000" pitchFamily="50" charset="-128"/>
               <a:ea typeface="BIZ UDPゴシック" panose="020B0400000000000000" pitchFamily="50" charset="-128"/>
             </a:endParaRPr>
@@ -8088,483 +8728,6 @@
 </file>
 
 <file path=ppt/slides/slide12.xml><?xml version="1.0" encoding="utf-8"?>
-<p:sld xmlns:a="http://schemas.openxmlformats.org/drawingml/2006/main" xmlns:r="http://schemas.openxmlformats.org/officeDocument/2006/relationships" xmlns:p="http://schemas.openxmlformats.org/presentationml/2006/main">
-  <p:cSld>
-    <p:spTree>
-      <p:nvGrpSpPr>
-        <p:cNvPr id="1" name="">
-          <a:extLst>
-            <a:ext uri="{FF2B5EF4-FFF2-40B4-BE49-F238E27FC236}">
-              <a16:creationId xmlns:a16="http://schemas.microsoft.com/office/drawing/2014/main" id="{73DE6B7A-B10F-E565-B72C-741CEB121C2F}"/>
-            </a:ext>
-          </a:extLst>
-        </p:cNvPr>
-        <p:cNvGrpSpPr/>
-        <p:nvPr/>
-      </p:nvGrpSpPr>
-      <p:grpSpPr>
-        <a:xfrm>
-          <a:off x="0" y="0"/>
-          <a:ext cx="0" cy="0"/>
-          <a:chOff x="0" y="0"/>
-          <a:chExt cx="0" cy="0"/>
-        </a:xfrm>
-      </p:grpSpPr>
-      <p:sp>
-        <p:nvSpPr>
-          <p:cNvPr id="3" name="タイトル 2">
-            <a:extLst>
-              <a:ext uri="{FF2B5EF4-FFF2-40B4-BE49-F238E27FC236}">
-                <a16:creationId xmlns:a16="http://schemas.microsoft.com/office/drawing/2014/main" id="{AE41B013-2D92-A350-0D2F-B5B4A63B2521}"/>
-              </a:ext>
-            </a:extLst>
-          </p:cNvPr>
-          <p:cNvSpPr>
-            <a:spLocks noGrp="1"/>
-          </p:cNvSpPr>
-          <p:nvPr>
-            <p:ph type="title"/>
-          </p:nvPr>
-        </p:nvSpPr>
-        <p:spPr/>
-        <p:txBody>
-          <a:bodyPr/>
-          <a:lstStyle/>
-          <a:p>
-            <a:r>
-              <a:rPr kumimoji="1" lang="ja-JP" altLang="en-US" dirty="0">
-                <a:latin typeface="BIZ UDPゴシック" panose="020B0400000000000000" pitchFamily="50" charset="-128"/>
-                <a:ea typeface="BIZ UDPゴシック" panose="020B0400000000000000" pitchFamily="50" charset="-128"/>
-              </a:rPr>
-              <a:t>シミュレーション 概要</a:t>
-            </a:r>
-            <a:endParaRPr kumimoji="1" lang="ja-JP" altLang="en-US" dirty="0"/>
-          </a:p>
-        </p:txBody>
-      </p:sp>
-      <p:sp>
-        <p:nvSpPr>
-          <p:cNvPr id="4" name="スライド番号プレースホルダー 3">
-            <a:extLst>
-              <a:ext uri="{FF2B5EF4-FFF2-40B4-BE49-F238E27FC236}">
-                <a16:creationId xmlns:a16="http://schemas.microsoft.com/office/drawing/2014/main" id="{FC46EFAB-A64D-3BA7-0964-638701B3426F}"/>
-              </a:ext>
-            </a:extLst>
-          </p:cNvPr>
-          <p:cNvSpPr>
-            <a:spLocks noGrp="1"/>
-          </p:cNvSpPr>
-          <p:nvPr>
-            <p:ph type="sldNum" sz="quarter" idx="10"/>
-          </p:nvPr>
-        </p:nvSpPr>
-        <p:spPr/>
-        <p:txBody>
-          <a:bodyPr/>
-          <a:lstStyle/>
-          <a:p>
-            <a:fld id="{D2D8002D-B5B0-4BAC-B1F6-782DDCCE6D9C}" type="slidenum">
-              <a:rPr kumimoji="1" lang="ja-JP" altLang="en-US" smtClean="0"/>
-              <a:t>12</a:t>
-            </a:fld>
-            <a:endParaRPr kumimoji="1" lang="ja-JP" altLang="en-US"/>
-          </a:p>
-        </p:txBody>
-      </p:sp>
-      <p:sp>
-        <p:nvSpPr>
-          <p:cNvPr id="5" name="テキスト ボックス 4">
-            <a:extLst>
-              <a:ext uri="{FF2B5EF4-FFF2-40B4-BE49-F238E27FC236}">
-                <a16:creationId xmlns:a16="http://schemas.microsoft.com/office/drawing/2014/main" id="{7DC153BA-C70F-613E-668B-BE0806A3984C}"/>
-              </a:ext>
-            </a:extLst>
-          </p:cNvPr>
-          <p:cNvSpPr txBox="1"/>
-          <p:nvPr/>
-        </p:nvSpPr>
-        <p:spPr>
-          <a:xfrm>
-            <a:off x="1131342" y="2014134"/>
-            <a:ext cx="4896544" cy="1569660"/>
-          </a:xfrm>
-          <a:prstGeom prst="rect">
-            <a:avLst/>
-          </a:prstGeom>
-          <a:noFill/>
-        </p:spPr>
-        <p:txBody>
-          <a:bodyPr wrap="square" rtlCol="0">
-            <a:spAutoFit/>
-          </a:bodyPr>
-          <a:lstStyle/>
-          <a:p>
-            <a:pPr marL="285750" indent="-285750">
-              <a:buFont typeface="Arial" panose="020B0604020202020204" pitchFamily="34" charset="0"/>
-              <a:buChar char="•"/>
-            </a:pPr>
-            <a:r>
-              <a:rPr kumimoji="1" lang="en-US" altLang="ja-JP" sz="2400" dirty="0">
-                <a:latin typeface="BIZ UDPゴシック" panose="020B0400000000000000" pitchFamily="50" charset="-128"/>
-                <a:ea typeface="BIZ UDPゴシック" panose="020B0400000000000000" pitchFamily="50" charset="-128"/>
-              </a:rPr>
-              <a:t>IEEE 802.11a </a:t>
-            </a:r>
-            <a:r>
-              <a:rPr kumimoji="1" lang="ja-JP" altLang="en-US" sz="2400" dirty="0">
-                <a:latin typeface="BIZ UDPゴシック" panose="020B0400000000000000" pitchFamily="50" charset="-128"/>
-                <a:ea typeface="BIZ UDPゴシック" panose="020B0400000000000000" pitchFamily="50" charset="-128"/>
-              </a:rPr>
-              <a:t>規格</a:t>
-            </a:r>
-            <a:endParaRPr kumimoji="1" lang="en-US" altLang="ja-JP" sz="2400" dirty="0">
-              <a:latin typeface="BIZ UDPゴシック" panose="020B0400000000000000" pitchFamily="50" charset="-128"/>
-              <a:ea typeface="BIZ UDPゴシック" panose="020B0400000000000000" pitchFamily="50" charset="-128"/>
-            </a:endParaRPr>
-          </a:p>
-          <a:p>
-            <a:pPr marL="285750" indent="-285750">
-              <a:buFont typeface="Arial" panose="020B0604020202020204" pitchFamily="34" charset="0"/>
-              <a:buChar char="•"/>
-            </a:pPr>
-            <a:r>
-              <a:rPr kumimoji="1" lang="en-US" altLang="ja-JP" sz="2400" dirty="0">
-                <a:latin typeface="BIZ UDPゴシック" panose="020B0400000000000000" pitchFamily="50" charset="-128"/>
-                <a:ea typeface="BIZ UDPゴシック" panose="020B0400000000000000" pitchFamily="50" charset="-128"/>
-              </a:rPr>
-              <a:t>24Mbps</a:t>
-            </a:r>
-            <a:r>
-              <a:rPr kumimoji="1" lang="ja-JP" altLang="en-US" sz="2400" dirty="0">
-                <a:latin typeface="BIZ UDPゴシック" panose="020B0400000000000000" pitchFamily="50" charset="-128"/>
-                <a:ea typeface="BIZ UDPゴシック" panose="020B0400000000000000" pitchFamily="50" charset="-128"/>
-              </a:rPr>
-              <a:t>固定</a:t>
-            </a:r>
-            <a:endParaRPr kumimoji="1" lang="en-US" altLang="ja-JP" sz="2400" dirty="0">
-              <a:latin typeface="BIZ UDPゴシック" panose="020B0400000000000000" pitchFamily="50" charset="-128"/>
-              <a:ea typeface="BIZ UDPゴシック" panose="020B0400000000000000" pitchFamily="50" charset="-128"/>
-            </a:endParaRPr>
-          </a:p>
-          <a:p>
-            <a:pPr marL="285750" indent="-285750">
-              <a:buFont typeface="Arial" panose="020B0604020202020204" pitchFamily="34" charset="0"/>
-              <a:buChar char="•"/>
-            </a:pPr>
-            <a:r>
-              <a:rPr kumimoji="1" lang="en-US" altLang="ja-JP" sz="2400" dirty="0">
-                <a:latin typeface="BIZ UDPゴシック" panose="020B0400000000000000" pitchFamily="50" charset="-128"/>
-                <a:ea typeface="BIZ UDPゴシック" panose="020B0400000000000000" pitchFamily="50" charset="-128"/>
-              </a:rPr>
-              <a:t>1</a:t>
-            </a:r>
-            <a:r>
-              <a:rPr kumimoji="1" lang="ja-JP" altLang="en-US" sz="2400" dirty="0">
-                <a:latin typeface="BIZ UDPゴシック" panose="020B0400000000000000" pitchFamily="50" charset="-128"/>
-                <a:ea typeface="BIZ UDPゴシック" panose="020B0400000000000000" pitchFamily="50" charset="-128"/>
-              </a:rPr>
-              <a:t>～</a:t>
-            </a:r>
-            <a:r>
-              <a:rPr kumimoji="1" lang="en-US" altLang="ja-JP" sz="2400" dirty="0">
-                <a:latin typeface="BIZ UDPゴシック" panose="020B0400000000000000" pitchFamily="50" charset="-128"/>
-                <a:ea typeface="BIZ UDPゴシック" panose="020B0400000000000000" pitchFamily="50" charset="-128"/>
-              </a:rPr>
-              <a:t>80</a:t>
-            </a:r>
-            <a:r>
-              <a:rPr kumimoji="1" lang="ja-JP" altLang="en-US" sz="2400" dirty="0">
-                <a:latin typeface="BIZ UDPゴシック" panose="020B0400000000000000" pitchFamily="50" charset="-128"/>
-                <a:ea typeface="BIZ UDPゴシック" panose="020B0400000000000000" pitchFamily="50" charset="-128"/>
-              </a:rPr>
-              <a:t>台</a:t>
-            </a:r>
-            <a:endParaRPr kumimoji="1" lang="en-US" altLang="ja-JP" sz="2400" dirty="0">
-              <a:latin typeface="BIZ UDPゴシック" panose="020B0400000000000000" pitchFamily="50" charset="-128"/>
-              <a:ea typeface="BIZ UDPゴシック" panose="020B0400000000000000" pitchFamily="50" charset="-128"/>
-            </a:endParaRPr>
-          </a:p>
-          <a:p>
-            <a:pPr marL="285750" indent="-285750">
-              <a:buFont typeface="Arial" panose="020B0604020202020204" pitchFamily="34" charset="0"/>
-              <a:buChar char="•"/>
-            </a:pPr>
-            <a:r>
-              <a:rPr kumimoji="1" lang="en-US" altLang="ja-JP" sz="2400" dirty="0">
-                <a:latin typeface="BIZ UDPゴシック" panose="020B0400000000000000" pitchFamily="50" charset="-128"/>
-                <a:ea typeface="BIZ UDPゴシック" panose="020B0400000000000000" pitchFamily="50" charset="-128"/>
-              </a:rPr>
-              <a:t>100</a:t>
-            </a:r>
-            <a:r>
-              <a:rPr lang="en-US" altLang="ja-JP" sz="2400" dirty="0">
-                <a:latin typeface="BIZ UDPゴシック" panose="020B0400000000000000" pitchFamily="50" charset="-128"/>
-                <a:ea typeface="BIZ UDPゴシック" panose="020B0400000000000000" pitchFamily="50" charset="-128"/>
-              </a:rPr>
-              <a:t>0</a:t>
-            </a:r>
-            <a:r>
-              <a:rPr lang="ja-JP" altLang="en-US" sz="2400" dirty="0">
-                <a:latin typeface="BIZ UDPゴシック" panose="020B0400000000000000" pitchFamily="50" charset="-128"/>
-                <a:ea typeface="BIZ UDPゴシック" panose="020B0400000000000000" pitchFamily="50" charset="-128"/>
-              </a:rPr>
-              <a:t>回</a:t>
-            </a:r>
-            <a:endParaRPr kumimoji="1" lang="en-US" altLang="ja-JP" sz="2400" dirty="0">
-              <a:latin typeface="BIZ UDPゴシック" panose="020B0400000000000000" pitchFamily="50" charset="-128"/>
-              <a:ea typeface="BIZ UDPゴシック" panose="020B0400000000000000" pitchFamily="50" charset="-128"/>
-            </a:endParaRPr>
-          </a:p>
-        </p:txBody>
-      </p:sp>
-      <p:sp>
-        <p:nvSpPr>
-          <p:cNvPr id="6" name="テキスト ボックス 5">
-            <a:extLst>
-              <a:ext uri="{FF2B5EF4-FFF2-40B4-BE49-F238E27FC236}">
-                <a16:creationId xmlns:a16="http://schemas.microsoft.com/office/drawing/2014/main" id="{8CFD28E5-4C2B-8646-324B-9A421958CA9D}"/>
-              </a:ext>
-            </a:extLst>
-          </p:cNvPr>
-          <p:cNvSpPr txBox="1"/>
-          <p:nvPr/>
-        </p:nvSpPr>
-        <p:spPr>
-          <a:xfrm>
-            <a:off x="1115616" y="4581128"/>
-            <a:ext cx="7216526" cy="1569660"/>
-          </a:xfrm>
-          <a:prstGeom prst="rect">
-            <a:avLst/>
-          </a:prstGeom>
-          <a:noFill/>
-        </p:spPr>
-        <p:txBody>
-          <a:bodyPr wrap="square" rtlCol="0">
-            <a:spAutoFit/>
-          </a:bodyPr>
-          <a:lstStyle/>
-          <a:p>
-            <a:pPr marL="285750" indent="-285750">
-              <a:buFont typeface="Arial" panose="020B0604020202020204" pitchFamily="34" charset="0"/>
-              <a:buChar char="•"/>
-            </a:pPr>
-            <a:r>
-              <a:rPr kumimoji="1" lang="en-US" altLang="ja-JP" sz="2400" dirty="0">
-                <a:latin typeface="BIZ UDPゴシック" panose="020B0400000000000000" pitchFamily="50" charset="-128"/>
-                <a:ea typeface="BIZ UDPゴシック" panose="020B0400000000000000" pitchFamily="50" charset="-128"/>
-              </a:rPr>
-              <a:t>MCS Index</a:t>
-            </a:r>
-            <a:r>
-              <a:rPr kumimoji="1" lang="ja-JP" altLang="en-US" sz="2400" dirty="0">
-                <a:latin typeface="BIZ UDPゴシック" panose="020B0400000000000000" pitchFamily="50" charset="-128"/>
-                <a:ea typeface="BIZ UDPゴシック" panose="020B0400000000000000" pitchFamily="50" charset="-128"/>
-              </a:rPr>
-              <a:t>で</a:t>
-            </a:r>
-            <a:r>
-              <a:rPr kumimoji="1" lang="en-US" altLang="ja-JP" sz="2400" dirty="0">
-                <a:latin typeface="BIZ UDPゴシック" panose="020B0400000000000000" pitchFamily="50" charset="-128"/>
-                <a:ea typeface="BIZ UDPゴシック" panose="020B0400000000000000" pitchFamily="50" charset="-128"/>
-              </a:rPr>
-              <a:t>IEEE 802.11a</a:t>
-            </a:r>
-            <a:r>
-              <a:rPr kumimoji="1" lang="ja-JP" altLang="en-US" sz="2400" dirty="0">
-                <a:latin typeface="BIZ UDPゴシック" panose="020B0400000000000000" pitchFamily="50" charset="-128"/>
-                <a:ea typeface="BIZ UDPゴシック" panose="020B0400000000000000" pitchFamily="50" charset="-128"/>
-              </a:rPr>
-              <a:t>に定義されている全ての伝送レートで比較</a:t>
-            </a:r>
-            <a:endParaRPr kumimoji="1" lang="en-US" altLang="ja-JP" sz="2400" dirty="0">
-              <a:latin typeface="BIZ UDPゴシック" panose="020B0400000000000000" pitchFamily="50" charset="-128"/>
-              <a:ea typeface="BIZ UDPゴシック" panose="020B0400000000000000" pitchFamily="50" charset="-128"/>
-            </a:endParaRPr>
-          </a:p>
-          <a:p>
-            <a:pPr marL="285750" indent="-285750">
-              <a:buFont typeface="Arial" panose="020B0604020202020204" pitchFamily="34" charset="0"/>
-              <a:buChar char="•"/>
-            </a:pPr>
-            <a:r>
-              <a:rPr kumimoji="1" lang="en-US" altLang="ja-JP" sz="2400" dirty="0">
-                <a:latin typeface="BIZ UDPゴシック" panose="020B0400000000000000" pitchFamily="50" charset="-128"/>
-                <a:ea typeface="BIZ UDPゴシック" panose="020B0400000000000000" pitchFamily="50" charset="-128"/>
-              </a:rPr>
-              <a:t>1</a:t>
-            </a:r>
-            <a:r>
-              <a:rPr kumimoji="1" lang="ja-JP" altLang="en-US" sz="2400" dirty="0">
-                <a:latin typeface="BIZ UDPゴシック" panose="020B0400000000000000" pitchFamily="50" charset="-128"/>
-                <a:ea typeface="BIZ UDPゴシック" panose="020B0400000000000000" pitchFamily="50" charset="-128"/>
-              </a:rPr>
-              <a:t>～</a:t>
-            </a:r>
-            <a:r>
-              <a:rPr kumimoji="1" lang="en-US" altLang="ja-JP" sz="2400" dirty="0">
-                <a:latin typeface="BIZ UDPゴシック" panose="020B0400000000000000" pitchFamily="50" charset="-128"/>
-                <a:ea typeface="BIZ UDPゴシック" panose="020B0400000000000000" pitchFamily="50" charset="-128"/>
-              </a:rPr>
-              <a:t>80</a:t>
-            </a:r>
-            <a:r>
-              <a:rPr kumimoji="1" lang="ja-JP" altLang="en-US" sz="2400" dirty="0">
-                <a:latin typeface="BIZ UDPゴシック" panose="020B0400000000000000" pitchFamily="50" charset="-128"/>
-                <a:ea typeface="BIZ UDPゴシック" panose="020B0400000000000000" pitchFamily="50" charset="-128"/>
-              </a:rPr>
-              <a:t>台</a:t>
-            </a:r>
-            <a:endParaRPr kumimoji="1" lang="en-US" altLang="ja-JP" sz="2400" dirty="0">
-              <a:latin typeface="BIZ UDPゴシック" panose="020B0400000000000000" pitchFamily="50" charset="-128"/>
-              <a:ea typeface="BIZ UDPゴシック" panose="020B0400000000000000" pitchFamily="50" charset="-128"/>
-            </a:endParaRPr>
-          </a:p>
-          <a:p>
-            <a:pPr marL="285750" indent="-285750">
-              <a:buFont typeface="Arial" panose="020B0604020202020204" pitchFamily="34" charset="0"/>
-              <a:buChar char="•"/>
-            </a:pPr>
-            <a:r>
-              <a:rPr kumimoji="1" lang="en-US" altLang="ja-JP" sz="2400" dirty="0">
-                <a:latin typeface="BIZ UDPゴシック" panose="020B0400000000000000" pitchFamily="50" charset="-128"/>
-                <a:ea typeface="BIZ UDPゴシック" panose="020B0400000000000000" pitchFamily="50" charset="-128"/>
-              </a:rPr>
-              <a:t>100</a:t>
-            </a:r>
-            <a:r>
-              <a:rPr lang="en-US" altLang="ja-JP" sz="2400" dirty="0">
-                <a:latin typeface="BIZ UDPゴシック" panose="020B0400000000000000" pitchFamily="50" charset="-128"/>
-                <a:ea typeface="BIZ UDPゴシック" panose="020B0400000000000000" pitchFamily="50" charset="-128"/>
-              </a:rPr>
-              <a:t>0</a:t>
-            </a:r>
-            <a:r>
-              <a:rPr lang="ja-JP" altLang="en-US" sz="2400" dirty="0">
-                <a:latin typeface="BIZ UDPゴシック" panose="020B0400000000000000" pitchFamily="50" charset="-128"/>
-                <a:ea typeface="BIZ UDPゴシック" panose="020B0400000000000000" pitchFamily="50" charset="-128"/>
-              </a:rPr>
-              <a:t>回</a:t>
-            </a:r>
-            <a:endParaRPr kumimoji="1" lang="en-US" altLang="ja-JP" sz="2400" dirty="0">
-              <a:latin typeface="BIZ UDPゴシック" panose="020B0400000000000000" pitchFamily="50" charset="-128"/>
-              <a:ea typeface="BIZ UDPゴシック" panose="020B0400000000000000" pitchFamily="50" charset="-128"/>
-            </a:endParaRPr>
-          </a:p>
-        </p:txBody>
-      </p:sp>
-      <p:sp>
-        <p:nvSpPr>
-          <p:cNvPr id="8" name="テキスト ボックス 7">
-            <a:extLst>
-              <a:ext uri="{FF2B5EF4-FFF2-40B4-BE49-F238E27FC236}">
-                <a16:creationId xmlns:a16="http://schemas.microsoft.com/office/drawing/2014/main" id="{AD1F9C1F-B3EE-A632-F418-C9CBF7C3B6DD}"/>
-              </a:ext>
-            </a:extLst>
-          </p:cNvPr>
-          <p:cNvSpPr txBox="1"/>
-          <p:nvPr/>
-        </p:nvSpPr>
-        <p:spPr>
-          <a:xfrm>
-            <a:off x="411262" y="1426783"/>
-            <a:ext cx="3276364" cy="523220"/>
-          </a:xfrm>
-          <a:prstGeom prst="rect">
-            <a:avLst/>
-          </a:prstGeom>
-          <a:noFill/>
-        </p:spPr>
-        <p:txBody>
-          <a:bodyPr wrap="square" rtlCol="0">
-            <a:spAutoFit/>
-          </a:bodyPr>
-          <a:lstStyle/>
-          <a:p>
-            <a:r>
-              <a:rPr kumimoji="1" lang="ja-JP" altLang="en-US" sz="2800" dirty="0">
-                <a:latin typeface="BIZ UDPゴシック" panose="020B0400000000000000" pitchFamily="50" charset="-128"/>
-                <a:ea typeface="BIZ UDPゴシック" panose="020B0400000000000000" pitchFamily="50" charset="-128"/>
-              </a:rPr>
-              <a:t>シミュレーション</a:t>
-            </a:r>
-            <a:r>
-              <a:rPr kumimoji="1" lang="en-US" altLang="ja-JP" sz="2800" dirty="0">
-                <a:latin typeface="BIZ UDPゴシック" panose="020B0400000000000000" pitchFamily="50" charset="-128"/>
-                <a:ea typeface="BIZ UDPゴシック" panose="020B0400000000000000" pitchFamily="50" charset="-128"/>
-              </a:rPr>
-              <a:t>1</a:t>
-            </a:r>
-            <a:endParaRPr kumimoji="1" lang="ja-JP" altLang="en-US" sz="2800" dirty="0">
-              <a:latin typeface="BIZ UDPゴシック" panose="020B0400000000000000" pitchFamily="50" charset="-128"/>
-              <a:ea typeface="BIZ UDPゴシック" panose="020B0400000000000000" pitchFamily="50" charset="-128"/>
-            </a:endParaRPr>
-          </a:p>
-        </p:txBody>
-      </p:sp>
-      <p:sp>
-        <p:nvSpPr>
-          <p:cNvPr id="11" name="テキスト ボックス 10">
-            <a:extLst>
-              <a:ext uri="{FF2B5EF4-FFF2-40B4-BE49-F238E27FC236}">
-                <a16:creationId xmlns:a16="http://schemas.microsoft.com/office/drawing/2014/main" id="{242D9401-DAE0-D087-563F-762804EEE154}"/>
-              </a:ext>
-            </a:extLst>
-          </p:cNvPr>
-          <p:cNvSpPr txBox="1"/>
-          <p:nvPr/>
-        </p:nvSpPr>
-        <p:spPr>
-          <a:xfrm>
-            <a:off x="387276" y="3933056"/>
-            <a:ext cx="3276364" cy="523220"/>
-          </a:xfrm>
-          <a:prstGeom prst="rect">
-            <a:avLst/>
-          </a:prstGeom>
-          <a:noFill/>
-        </p:spPr>
-        <p:txBody>
-          <a:bodyPr wrap="square" rtlCol="0">
-            <a:spAutoFit/>
-          </a:bodyPr>
-          <a:lstStyle/>
-          <a:p>
-            <a:r>
-              <a:rPr kumimoji="1" lang="ja-JP" altLang="en-US" sz="2800" dirty="0">
-                <a:latin typeface="BIZ UDPゴシック" panose="020B0400000000000000" pitchFamily="50" charset="-128"/>
-                <a:ea typeface="BIZ UDPゴシック" panose="020B0400000000000000" pitchFamily="50" charset="-128"/>
-              </a:rPr>
-              <a:t>シミュレーション</a:t>
-            </a:r>
-            <a:r>
-              <a:rPr lang="en-US" altLang="ja-JP" sz="2800" dirty="0">
-                <a:latin typeface="BIZ UDPゴシック" panose="020B0400000000000000" pitchFamily="50" charset="-128"/>
-                <a:ea typeface="BIZ UDPゴシック" panose="020B0400000000000000" pitchFamily="50" charset="-128"/>
-              </a:rPr>
-              <a:t>2</a:t>
-            </a:r>
-            <a:endParaRPr kumimoji="1" lang="ja-JP" altLang="en-US" sz="2800" dirty="0">
-              <a:latin typeface="BIZ UDPゴシック" panose="020B0400000000000000" pitchFamily="50" charset="-128"/>
-              <a:ea typeface="BIZ UDPゴシック" panose="020B0400000000000000" pitchFamily="50" charset="-128"/>
-            </a:endParaRPr>
-          </a:p>
-        </p:txBody>
-      </p:sp>
-    </p:spTree>
-    <p:extLst>
-      <p:ext uri="{BB962C8B-B14F-4D97-AF65-F5344CB8AC3E}">
-        <p14:creationId xmlns:p14="http://schemas.microsoft.com/office/powerpoint/2010/main" val="2759120447"/>
-      </p:ext>
-    </p:extLst>
-  </p:cSld>
-  <p:clrMapOvr>
-    <a:masterClrMapping/>
-  </p:clrMapOvr>
-</p:sld>
-</file>
-
-<file path=ppt/slides/slide13.xml><?xml version="1.0" encoding="utf-8"?>
 <p:sld xmlns:a="http://schemas.openxmlformats.org/drawingml/2006/main" xmlns:r="http://schemas.openxmlformats.org/officeDocument/2006/relationships" xmlns:p="http://schemas.openxmlformats.org/presentationml/2006/main">
   <p:cSld>
     <p:spTree>
@@ -8652,7 +8815,7 @@
           <a:p>
             <a:fld id="{D2D8002D-B5B0-4BAC-B1F6-782DDCCE6D9C}" type="slidenum">
               <a:rPr kumimoji="1" lang="ja-JP" altLang="en-US" smtClean="0"/>
-              <a:t>13</a:t>
+              <a:t>12</a:t>
             </a:fld>
             <a:endParaRPr kumimoji="1" lang="ja-JP" altLang="en-US"/>
           </a:p>
@@ -8868,7 +9031,7 @@
         </p:nvSpPr>
         <p:spPr>
           <a:xfrm>
-            <a:off x="619183" y="4726789"/>
+            <a:off x="672459" y="4864798"/>
             <a:ext cx="7799081" cy="1200329"/>
           </a:xfrm>
           <a:prstGeom prst="rect">
@@ -9004,7 +9167,7 @@
 </p:sld>
 </file>
 
-<file path=ppt/slides/slide14.xml><?xml version="1.0" encoding="utf-8"?>
+<file path=ppt/slides/slide13.xml><?xml version="1.0" encoding="utf-8"?>
 <p:sld xmlns:a="http://schemas.openxmlformats.org/drawingml/2006/main" xmlns:r="http://schemas.openxmlformats.org/officeDocument/2006/relationships" xmlns:p="http://schemas.openxmlformats.org/presentationml/2006/main">
   <p:cSld>
     <p:spTree>
@@ -9095,7 +9258,7 @@
           <a:p>
             <a:fld id="{D2D8002D-B5B0-4BAC-B1F6-782DDCCE6D9C}" type="slidenum">
               <a:rPr kumimoji="1" lang="ja-JP" altLang="en-US" smtClean="0"/>
-              <a:t>14</a:t>
+              <a:t>13</a:t>
             </a:fld>
             <a:endParaRPr kumimoji="1" lang="ja-JP" altLang="en-US"/>
           </a:p>
@@ -9115,7 +9278,7 @@
         </p:nvSpPr>
         <p:spPr>
           <a:xfrm>
-            <a:off x="747873" y="5675092"/>
+            <a:off x="747874" y="5660285"/>
             <a:ext cx="7648251" cy="461665"/>
           </a:xfrm>
           <a:prstGeom prst="rect">
@@ -9129,10 +9292,19 @@
           </a:bodyPr>
           <a:lstStyle/>
           <a:p>
-            <a:pPr marL="285750" indent="-285750">
-              <a:buFont typeface="Arial" panose="020B0604020202020204" pitchFamily="34" charset="0"/>
-              <a:buChar char="•"/>
-            </a:pPr>
+            <a:pPr algn="ctr"/>
+            <a:r>
+              <a:rPr lang="ja-JP" altLang="en-US" sz="2400" dirty="0">
+                <a:solidFill>
+                  <a:schemeClr val="tx1">
+                    <a:lumMod val="50000"/>
+                  </a:schemeClr>
+                </a:solidFill>
+                <a:latin typeface="BIZ UDPゴシック" panose="020B0400000000000000" pitchFamily="50" charset="-128"/>
+                <a:ea typeface="BIZ UDPゴシック" panose="020B0400000000000000" pitchFamily="50" charset="-128"/>
+              </a:rPr>
+              <a:t>全ての</a:t>
+            </a:r>
             <a:r>
               <a:rPr kumimoji="1" lang="ja-JP" altLang="en-US" sz="2400" dirty="0">
                 <a:solidFill>
@@ -9143,7 +9315,7 @@
                 <a:latin typeface="BIZ UDPゴシック" panose="020B0400000000000000" pitchFamily="50" charset="-128"/>
                 <a:ea typeface="BIZ UDPゴシック" panose="020B0400000000000000" pitchFamily="50" charset="-128"/>
               </a:rPr>
-              <a:t>どの伝送レートでも</a:t>
+              <a:t>伝送レートで</a:t>
             </a:r>
             <a:r>
               <a:rPr kumimoji="1" lang="en-GB" altLang="ja-JP" sz="2400" dirty="0">
@@ -9167,10 +9339,10 @@
                 <a:latin typeface="BIZ UDPゴシック" panose="020B0400000000000000" pitchFamily="50" charset="-128"/>
                 <a:ea typeface="BIZ UDPゴシック" panose="020B0400000000000000" pitchFamily="50" charset="-128"/>
               </a:rPr>
-              <a:t>と同じ傾向が見られる</a:t>
-            </a:r>
-            <a:r>
-              <a:rPr kumimoji="1" lang="en-US" altLang="ja-JP" sz="2400" dirty="0">
+              <a:t>と</a:t>
+            </a:r>
+            <a:r>
+              <a:rPr lang="ja-JP" altLang="en-US" sz="2400" dirty="0">
                 <a:solidFill>
                   <a:schemeClr val="tx1">
                     <a:lumMod val="50000"/>
@@ -9179,7 +9351,31 @@
                 <a:latin typeface="BIZ UDPゴシック" panose="020B0400000000000000" pitchFamily="50" charset="-128"/>
                 <a:ea typeface="BIZ UDPゴシック" panose="020B0400000000000000" pitchFamily="50" charset="-128"/>
               </a:rPr>
-              <a:t>.</a:t>
+              <a:t>同様の</a:t>
+            </a:r>
+            <a:r>
+              <a:rPr kumimoji="1" lang="ja-JP" altLang="en-US" sz="2400" dirty="0">
+                <a:solidFill>
+                  <a:schemeClr val="tx1">
+                    <a:lumMod val="50000"/>
+                  </a:schemeClr>
+                </a:solidFill>
+                <a:latin typeface="BIZ UDPゴシック" panose="020B0400000000000000" pitchFamily="50" charset="-128"/>
+                <a:ea typeface="BIZ UDPゴシック" panose="020B0400000000000000" pitchFamily="50" charset="-128"/>
+              </a:rPr>
+              <a:t>傾向が</a:t>
+            </a:r>
+            <a:r>
+              <a:rPr lang="ja-JP" altLang="en-US" sz="2400" dirty="0">
+                <a:solidFill>
+                  <a:schemeClr val="tx1">
+                    <a:lumMod val="50000"/>
+                  </a:schemeClr>
+                </a:solidFill>
+                <a:latin typeface="BIZ UDPゴシック" panose="020B0400000000000000" pitchFamily="50" charset="-128"/>
+                <a:ea typeface="BIZ UDPゴシック" panose="020B0400000000000000" pitchFamily="50" charset="-128"/>
+              </a:rPr>
+              <a:t>得られた</a:t>
             </a:r>
             <a:endParaRPr kumimoji="1" lang="ja-JP" altLang="en-US" sz="2400" dirty="0">
               <a:solidFill>
@@ -9221,8 +9417,8 @@
         </p:blipFill>
         <p:spPr>
           <a:xfrm>
-            <a:off x="2153596" y="1579086"/>
-            <a:ext cx="4836803" cy="3699828"/>
+            <a:off x="2077384" y="1556792"/>
+            <a:ext cx="4989230" cy="3816424"/>
           </a:xfrm>
           <a:prstGeom prst="rect">
             <a:avLst/>
@@ -9242,7 +9438,7 @@
 </p:sld>
 </file>
 
-<file path=ppt/slides/slide15.xml><?xml version="1.0" encoding="utf-8"?>
+<file path=ppt/slides/slide14.xml><?xml version="1.0" encoding="utf-8"?>
 <p:sld xmlns:a="http://schemas.openxmlformats.org/drawingml/2006/main" xmlns:r="http://schemas.openxmlformats.org/officeDocument/2006/relationships" xmlns:p="http://schemas.openxmlformats.org/presentationml/2006/main">
   <p:cSld>
     <p:spTree>
@@ -9361,7 +9557,7 @@
           <a:p>
             <a:fld id="{D2D8002D-B5B0-4BAC-B1F6-782DDCCE6D9C}" type="slidenum">
               <a:rPr kumimoji="1" lang="ja-JP" altLang="en-US" smtClean="0"/>
-              <a:t>15</a:t>
+              <a:t>14</a:t>
             </a:fld>
             <a:endParaRPr kumimoji="1" lang="ja-JP" altLang="en-US"/>
           </a:p>
@@ -9381,8 +9577,8 @@
         </p:nvSpPr>
         <p:spPr>
           <a:xfrm>
-            <a:off x="39552" y="6426036"/>
-            <a:ext cx="4604456" cy="461665"/>
+            <a:off x="-20908" y="6514351"/>
+            <a:ext cx="4604456" cy="369332"/>
           </a:xfrm>
           <a:prstGeom prst="rect">
             <a:avLst/>
@@ -9396,7 +9592,7 @@
           <a:lstStyle/>
           <a:p>
             <a:r>
-              <a:rPr kumimoji="1" lang="en-GB" sz="2400" dirty="0">
+              <a:rPr kumimoji="1" lang="en-GB" dirty="0">
                 <a:latin typeface="BIZ UDPGothic" panose="020B0400000000000000" pitchFamily="34" charset="-128"/>
                 <a:ea typeface="BIZ UDPGothic" panose="020B0400000000000000" pitchFamily="34" charset="-128"/>
               </a:rPr>
@@ -9507,8 +9703,8 @@
         </p:nvSpPr>
         <p:spPr>
           <a:xfrm>
-            <a:off x="342000" y="2888867"/>
-            <a:ext cx="4085984" cy="523220"/>
+            <a:off x="361454" y="2854616"/>
+            <a:ext cx="3983816" cy="523220"/>
           </a:xfrm>
           <a:prstGeom prst="rect">
             <a:avLst/>
@@ -9523,6 +9719,7 @@
           </a:bodyPr>
           <a:lstStyle/>
           <a:p>
+            <a:pPr algn="ctr"/>
             <a:r>
               <a:rPr lang="ja-JP" altLang="en-US" sz="2800" dirty="0">
                 <a:latin typeface="BIZ UDPゴシック" panose="020B0400000000000000" pitchFamily="50" charset="-128"/>
@@ -9702,8 +9899,8 @@
         </p:nvSpPr>
         <p:spPr>
           <a:xfrm>
-            <a:off x="342000" y="1374650"/>
-            <a:ext cx="7398352" cy="523220"/>
+            <a:off x="342000" y="1367502"/>
+            <a:ext cx="7182328" cy="523220"/>
           </a:xfrm>
           <a:prstGeom prst="rect">
             <a:avLst/>
@@ -9718,6 +9915,7 @@
           </a:bodyPr>
           <a:lstStyle/>
           <a:p>
+            <a:pPr algn="ctr"/>
             <a:r>
               <a:rPr lang="ja-JP" altLang="en-US" sz="2800" dirty="0">
                 <a:latin typeface="BIZ UDPゴシック" panose="020B0400000000000000" pitchFamily="50" charset="-128"/>
@@ -9787,8 +9985,8 @@
         </p:nvSpPr>
         <p:spPr>
           <a:xfrm>
-            <a:off x="444168" y="4239396"/>
-            <a:ext cx="1205664" cy="523220"/>
+            <a:off x="328184" y="4267973"/>
+            <a:ext cx="1103496" cy="523220"/>
           </a:xfrm>
           <a:prstGeom prst="rect">
             <a:avLst/>
@@ -9803,14 +10001,15 @@
           </a:bodyPr>
           <a:lstStyle/>
           <a:p>
-            <a:r>
-              <a:rPr kumimoji="1" lang="ja-JP" altLang="en-US" sz="2800" b="1" dirty="0">
+            <a:pPr algn="ctr"/>
+            <a:r>
+              <a:rPr kumimoji="1" lang="ja-JP" altLang="en-US" sz="2800" dirty="0">
                 <a:latin typeface="BIZ UDPGothic" panose="020B0400000000000000" pitchFamily="34" charset="-128"/>
                 <a:ea typeface="BIZ UDPGothic" panose="020B0400000000000000" pitchFamily="34" charset="-128"/>
               </a:rPr>
               <a:t>今後</a:t>
             </a:r>
-            <a:endParaRPr kumimoji="1" lang="en-GB" sz="2800" b="1" dirty="0">
+            <a:endParaRPr kumimoji="1" lang="en-GB" sz="2800" dirty="0">
               <a:latin typeface="BIZ UDPGothic" panose="020B0400000000000000" pitchFamily="34" charset="-128"/>
               <a:ea typeface="BIZ UDPGothic" panose="020B0400000000000000" pitchFamily="34" charset="-128"/>
             </a:endParaRPr>
@@ -9830,7 +10029,7 @@
 </p:sld>
 </file>
 
-<file path=ppt/slides/slide16.xml><?xml version="1.0" encoding="utf-8"?>
+<file path=ppt/slides/slide15.xml><?xml version="1.0" encoding="utf-8"?>
 <p:sld xmlns:a="http://schemas.openxmlformats.org/drawingml/2006/main" xmlns:r="http://schemas.openxmlformats.org/officeDocument/2006/relationships" xmlns:p="http://schemas.openxmlformats.org/presentationml/2006/main">
   <p:cSld>
     <p:spTree>
@@ -10071,7 +10270,7 @@
           <a:p>
             <a:fld id="{D2D8002D-B5B0-4BAC-B1F6-782DDCCE6D9C}" type="slidenum">
               <a:rPr kumimoji="1" lang="ja-JP" altLang="en-US" smtClean="0"/>
-              <a:t>16</a:t>
+              <a:t>15</a:t>
             </a:fld>
             <a:endParaRPr kumimoji="1" lang="ja-JP" altLang="en-US"/>
           </a:p>
@@ -10128,7 +10327,7 @@
 </p:sld>
 </file>
 
-<file path=ppt/slides/slide17.xml><?xml version="1.0" encoding="utf-8"?>
+<file path=ppt/slides/slide16.xml><?xml version="1.0" encoding="utf-8"?>
 <p:sld xmlns:a="http://schemas.openxmlformats.org/drawingml/2006/main" xmlns:r="http://schemas.openxmlformats.org/officeDocument/2006/relationships" xmlns:p="http://schemas.openxmlformats.org/presentationml/2006/main">
   <p:cSld>
     <p:spTree>
@@ -10276,7 +10475,7 @@
           <a:p>
             <a:fld id="{D2D8002D-B5B0-4BAC-B1F6-782DDCCE6D9C}" type="slidenum">
               <a:rPr kumimoji="1" lang="ja-JP" altLang="en-US" smtClean="0"/>
-              <a:t>17</a:t>
+              <a:t>16</a:t>
             </a:fld>
             <a:endParaRPr kumimoji="1" lang="ja-JP" altLang="en-US"/>
           </a:p>
@@ -10286,6 +10485,483 @@
     <p:extLst>
       <p:ext uri="{BB962C8B-B14F-4D97-AF65-F5344CB8AC3E}">
         <p14:creationId xmlns:p14="http://schemas.microsoft.com/office/powerpoint/2010/main" val="1153359279"/>
+      </p:ext>
+    </p:extLst>
+  </p:cSld>
+  <p:clrMapOvr>
+    <a:masterClrMapping/>
+  </p:clrMapOvr>
+</p:sld>
+</file>
+
+<file path=ppt/slides/slide17.xml><?xml version="1.0" encoding="utf-8"?>
+<p:sld xmlns:a="http://schemas.openxmlformats.org/drawingml/2006/main" xmlns:r="http://schemas.openxmlformats.org/officeDocument/2006/relationships" xmlns:p="http://schemas.openxmlformats.org/presentationml/2006/main">
+  <p:cSld>
+    <p:spTree>
+      <p:nvGrpSpPr>
+        <p:cNvPr id="1" name="">
+          <a:extLst>
+            <a:ext uri="{FF2B5EF4-FFF2-40B4-BE49-F238E27FC236}">
+              <a16:creationId xmlns:a16="http://schemas.microsoft.com/office/drawing/2014/main" id="{73DE6B7A-B10F-E565-B72C-741CEB121C2F}"/>
+            </a:ext>
+          </a:extLst>
+        </p:cNvPr>
+        <p:cNvGrpSpPr/>
+        <p:nvPr/>
+      </p:nvGrpSpPr>
+      <p:grpSpPr>
+        <a:xfrm>
+          <a:off x="0" y="0"/>
+          <a:ext cx="0" cy="0"/>
+          <a:chOff x="0" y="0"/>
+          <a:chExt cx="0" cy="0"/>
+        </a:xfrm>
+      </p:grpSpPr>
+      <p:sp>
+        <p:nvSpPr>
+          <p:cNvPr id="3" name="タイトル 2">
+            <a:extLst>
+              <a:ext uri="{FF2B5EF4-FFF2-40B4-BE49-F238E27FC236}">
+                <a16:creationId xmlns:a16="http://schemas.microsoft.com/office/drawing/2014/main" id="{AE41B013-2D92-A350-0D2F-B5B4A63B2521}"/>
+              </a:ext>
+            </a:extLst>
+          </p:cNvPr>
+          <p:cNvSpPr>
+            <a:spLocks noGrp="1"/>
+          </p:cNvSpPr>
+          <p:nvPr>
+            <p:ph type="title"/>
+          </p:nvPr>
+        </p:nvSpPr>
+        <p:spPr/>
+        <p:txBody>
+          <a:bodyPr/>
+          <a:lstStyle/>
+          <a:p>
+            <a:r>
+              <a:rPr kumimoji="1" lang="ja-JP" altLang="en-US" dirty="0">
+                <a:latin typeface="BIZ UDPゴシック" panose="020B0400000000000000" pitchFamily="50" charset="-128"/>
+                <a:ea typeface="BIZ UDPゴシック" panose="020B0400000000000000" pitchFamily="50" charset="-128"/>
+              </a:rPr>
+              <a:t>シミュレーション 概要</a:t>
+            </a:r>
+            <a:endParaRPr kumimoji="1" lang="ja-JP" altLang="en-US" dirty="0"/>
+          </a:p>
+        </p:txBody>
+      </p:sp>
+      <p:sp>
+        <p:nvSpPr>
+          <p:cNvPr id="4" name="スライド番号プレースホルダー 3">
+            <a:extLst>
+              <a:ext uri="{FF2B5EF4-FFF2-40B4-BE49-F238E27FC236}">
+                <a16:creationId xmlns:a16="http://schemas.microsoft.com/office/drawing/2014/main" id="{FC46EFAB-A64D-3BA7-0964-638701B3426F}"/>
+              </a:ext>
+            </a:extLst>
+          </p:cNvPr>
+          <p:cNvSpPr>
+            <a:spLocks noGrp="1"/>
+          </p:cNvSpPr>
+          <p:nvPr>
+            <p:ph type="sldNum" sz="quarter" idx="10"/>
+          </p:nvPr>
+        </p:nvSpPr>
+        <p:spPr/>
+        <p:txBody>
+          <a:bodyPr/>
+          <a:lstStyle/>
+          <a:p>
+            <a:fld id="{D2D8002D-B5B0-4BAC-B1F6-782DDCCE6D9C}" type="slidenum">
+              <a:rPr kumimoji="1" lang="ja-JP" altLang="en-US" smtClean="0"/>
+              <a:t>17</a:t>
+            </a:fld>
+            <a:endParaRPr kumimoji="1" lang="ja-JP" altLang="en-US"/>
+          </a:p>
+        </p:txBody>
+      </p:sp>
+      <p:sp>
+        <p:nvSpPr>
+          <p:cNvPr id="5" name="テキスト ボックス 4">
+            <a:extLst>
+              <a:ext uri="{FF2B5EF4-FFF2-40B4-BE49-F238E27FC236}">
+                <a16:creationId xmlns:a16="http://schemas.microsoft.com/office/drawing/2014/main" id="{7DC153BA-C70F-613E-668B-BE0806A3984C}"/>
+              </a:ext>
+            </a:extLst>
+          </p:cNvPr>
+          <p:cNvSpPr txBox="1"/>
+          <p:nvPr/>
+        </p:nvSpPr>
+        <p:spPr>
+          <a:xfrm>
+            <a:off x="1131342" y="2014134"/>
+            <a:ext cx="4896544" cy="1569660"/>
+          </a:xfrm>
+          <a:prstGeom prst="rect">
+            <a:avLst/>
+          </a:prstGeom>
+          <a:noFill/>
+        </p:spPr>
+        <p:txBody>
+          <a:bodyPr wrap="square" rtlCol="0">
+            <a:spAutoFit/>
+          </a:bodyPr>
+          <a:lstStyle/>
+          <a:p>
+            <a:pPr marL="285750" indent="-285750">
+              <a:buFont typeface="Arial" panose="020B0604020202020204" pitchFamily="34" charset="0"/>
+              <a:buChar char="•"/>
+            </a:pPr>
+            <a:r>
+              <a:rPr kumimoji="1" lang="en-US" altLang="ja-JP" sz="2400" dirty="0">
+                <a:latin typeface="BIZ UDPゴシック" panose="020B0400000000000000" pitchFamily="50" charset="-128"/>
+                <a:ea typeface="BIZ UDPゴシック" panose="020B0400000000000000" pitchFamily="50" charset="-128"/>
+              </a:rPr>
+              <a:t>IEEE 802.11a </a:t>
+            </a:r>
+            <a:r>
+              <a:rPr kumimoji="1" lang="ja-JP" altLang="en-US" sz="2400" dirty="0">
+                <a:latin typeface="BIZ UDPゴシック" panose="020B0400000000000000" pitchFamily="50" charset="-128"/>
+                <a:ea typeface="BIZ UDPゴシック" panose="020B0400000000000000" pitchFamily="50" charset="-128"/>
+              </a:rPr>
+              <a:t>規格</a:t>
+            </a:r>
+            <a:endParaRPr kumimoji="1" lang="en-US" altLang="ja-JP" sz="2400" dirty="0">
+              <a:latin typeface="BIZ UDPゴシック" panose="020B0400000000000000" pitchFamily="50" charset="-128"/>
+              <a:ea typeface="BIZ UDPゴシック" panose="020B0400000000000000" pitchFamily="50" charset="-128"/>
+            </a:endParaRPr>
+          </a:p>
+          <a:p>
+            <a:pPr marL="285750" indent="-285750">
+              <a:buFont typeface="Arial" panose="020B0604020202020204" pitchFamily="34" charset="0"/>
+              <a:buChar char="•"/>
+            </a:pPr>
+            <a:r>
+              <a:rPr kumimoji="1" lang="en-US" altLang="ja-JP" sz="2400" dirty="0">
+                <a:latin typeface="BIZ UDPゴシック" panose="020B0400000000000000" pitchFamily="50" charset="-128"/>
+                <a:ea typeface="BIZ UDPゴシック" panose="020B0400000000000000" pitchFamily="50" charset="-128"/>
+              </a:rPr>
+              <a:t>24Mbps</a:t>
+            </a:r>
+            <a:r>
+              <a:rPr kumimoji="1" lang="ja-JP" altLang="en-US" sz="2400" dirty="0">
+                <a:latin typeface="BIZ UDPゴシック" panose="020B0400000000000000" pitchFamily="50" charset="-128"/>
+                <a:ea typeface="BIZ UDPゴシック" panose="020B0400000000000000" pitchFamily="50" charset="-128"/>
+              </a:rPr>
+              <a:t>固定</a:t>
+            </a:r>
+            <a:endParaRPr kumimoji="1" lang="en-US" altLang="ja-JP" sz="2400" dirty="0">
+              <a:latin typeface="BIZ UDPゴシック" panose="020B0400000000000000" pitchFamily="50" charset="-128"/>
+              <a:ea typeface="BIZ UDPゴシック" panose="020B0400000000000000" pitchFamily="50" charset="-128"/>
+            </a:endParaRPr>
+          </a:p>
+          <a:p>
+            <a:pPr marL="285750" indent="-285750">
+              <a:buFont typeface="Arial" panose="020B0604020202020204" pitchFamily="34" charset="0"/>
+              <a:buChar char="•"/>
+            </a:pPr>
+            <a:r>
+              <a:rPr kumimoji="1" lang="en-US" altLang="ja-JP" sz="2400" dirty="0">
+                <a:latin typeface="BIZ UDPゴシック" panose="020B0400000000000000" pitchFamily="50" charset="-128"/>
+                <a:ea typeface="BIZ UDPゴシック" panose="020B0400000000000000" pitchFamily="50" charset="-128"/>
+              </a:rPr>
+              <a:t>1</a:t>
+            </a:r>
+            <a:r>
+              <a:rPr kumimoji="1" lang="ja-JP" altLang="en-US" sz="2400" dirty="0">
+                <a:latin typeface="BIZ UDPゴシック" panose="020B0400000000000000" pitchFamily="50" charset="-128"/>
+                <a:ea typeface="BIZ UDPゴシック" panose="020B0400000000000000" pitchFamily="50" charset="-128"/>
+              </a:rPr>
+              <a:t>～</a:t>
+            </a:r>
+            <a:r>
+              <a:rPr kumimoji="1" lang="en-US" altLang="ja-JP" sz="2400" dirty="0">
+                <a:latin typeface="BIZ UDPゴシック" panose="020B0400000000000000" pitchFamily="50" charset="-128"/>
+                <a:ea typeface="BIZ UDPゴシック" panose="020B0400000000000000" pitchFamily="50" charset="-128"/>
+              </a:rPr>
+              <a:t>80</a:t>
+            </a:r>
+            <a:r>
+              <a:rPr kumimoji="1" lang="ja-JP" altLang="en-US" sz="2400" dirty="0">
+                <a:latin typeface="BIZ UDPゴシック" panose="020B0400000000000000" pitchFamily="50" charset="-128"/>
+                <a:ea typeface="BIZ UDPゴシック" panose="020B0400000000000000" pitchFamily="50" charset="-128"/>
+              </a:rPr>
+              <a:t>台</a:t>
+            </a:r>
+            <a:endParaRPr kumimoji="1" lang="en-US" altLang="ja-JP" sz="2400" dirty="0">
+              <a:latin typeface="BIZ UDPゴシック" panose="020B0400000000000000" pitchFamily="50" charset="-128"/>
+              <a:ea typeface="BIZ UDPゴシック" panose="020B0400000000000000" pitchFamily="50" charset="-128"/>
+            </a:endParaRPr>
+          </a:p>
+          <a:p>
+            <a:pPr marL="285750" indent="-285750">
+              <a:buFont typeface="Arial" panose="020B0604020202020204" pitchFamily="34" charset="0"/>
+              <a:buChar char="•"/>
+            </a:pPr>
+            <a:r>
+              <a:rPr kumimoji="1" lang="en-US" altLang="ja-JP" sz="2400" dirty="0">
+                <a:latin typeface="BIZ UDPゴシック" panose="020B0400000000000000" pitchFamily="50" charset="-128"/>
+                <a:ea typeface="BIZ UDPゴシック" panose="020B0400000000000000" pitchFamily="50" charset="-128"/>
+              </a:rPr>
+              <a:t>100</a:t>
+            </a:r>
+            <a:r>
+              <a:rPr lang="en-US" altLang="ja-JP" sz="2400" dirty="0">
+                <a:latin typeface="BIZ UDPゴシック" panose="020B0400000000000000" pitchFamily="50" charset="-128"/>
+                <a:ea typeface="BIZ UDPゴシック" panose="020B0400000000000000" pitchFamily="50" charset="-128"/>
+              </a:rPr>
+              <a:t>0</a:t>
+            </a:r>
+            <a:r>
+              <a:rPr lang="ja-JP" altLang="en-US" sz="2400" dirty="0">
+                <a:latin typeface="BIZ UDPゴシック" panose="020B0400000000000000" pitchFamily="50" charset="-128"/>
+                <a:ea typeface="BIZ UDPゴシック" panose="020B0400000000000000" pitchFamily="50" charset="-128"/>
+              </a:rPr>
+              <a:t>回</a:t>
+            </a:r>
+            <a:endParaRPr kumimoji="1" lang="en-US" altLang="ja-JP" sz="2400" dirty="0">
+              <a:latin typeface="BIZ UDPゴシック" panose="020B0400000000000000" pitchFamily="50" charset="-128"/>
+              <a:ea typeface="BIZ UDPゴシック" panose="020B0400000000000000" pitchFamily="50" charset="-128"/>
+            </a:endParaRPr>
+          </a:p>
+        </p:txBody>
+      </p:sp>
+      <p:sp>
+        <p:nvSpPr>
+          <p:cNvPr id="6" name="テキスト ボックス 5">
+            <a:extLst>
+              <a:ext uri="{FF2B5EF4-FFF2-40B4-BE49-F238E27FC236}">
+                <a16:creationId xmlns:a16="http://schemas.microsoft.com/office/drawing/2014/main" id="{8CFD28E5-4C2B-8646-324B-9A421958CA9D}"/>
+              </a:ext>
+            </a:extLst>
+          </p:cNvPr>
+          <p:cNvSpPr txBox="1"/>
+          <p:nvPr/>
+        </p:nvSpPr>
+        <p:spPr>
+          <a:xfrm>
+            <a:off x="1115616" y="4581128"/>
+            <a:ext cx="7216526" cy="1569660"/>
+          </a:xfrm>
+          <a:prstGeom prst="rect">
+            <a:avLst/>
+          </a:prstGeom>
+          <a:noFill/>
+        </p:spPr>
+        <p:txBody>
+          <a:bodyPr wrap="square" rtlCol="0">
+            <a:spAutoFit/>
+          </a:bodyPr>
+          <a:lstStyle/>
+          <a:p>
+            <a:pPr marL="285750" indent="-285750">
+              <a:buFont typeface="Arial" panose="020B0604020202020204" pitchFamily="34" charset="0"/>
+              <a:buChar char="•"/>
+            </a:pPr>
+            <a:r>
+              <a:rPr kumimoji="1" lang="en-US" altLang="ja-JP" sz="2400" dirty="0">
+                <a:latin typeface="BIZ UDPゴシック" panose="020B0400000000000000" pitchFamily="50" charset="-128"/>
+                <a:ea typeface="BIZ UDPゴシック" panose="020B0400000000000000" pitchFamily="50" charset="-128"/>
+              </a:rPr>
+              <a:t>MCS Index</a:t>
+            </a:r>
+            <a:r>
+              <a:rPr kumimoji="1" lang="ja-JP" altLang="en-US" sz="2400" dirty="0">
+                <a:latin typeface="BIZ UDPゴシック" panose="020B0400000000000000" pitchFamily="50" charset="-128"/>
+                <a:ea typeface="BIZ UDPゴシック" panose="020B0400000000000000" pitchFamily="50" charset="-128"/>
+              </a:rPr>
+              <a:t>で</a:t>
+            </a:r>
+            <a:r>
+              <a:rPr kumimoji="1" lang="en-US" altLang="ja-JP" sz="2400" dirty="0">
+                <a:latin typeface="BIZ UDPゴシック" panose="020B0400000000000000" pitchFamily="50" charset="-128"/>
+                <a:ea typeface="BIZ UDPゴシック" panose="020B0400000000000000" pitchFamily="50" charset="-128"/>
+              </a:rPr>
+              <a:t>IEEE 802.11a</a:t>
+            </a:r>
+            <a:r>
+              <a:rPr kumimoji="1" lang="ja-JP" altLang="en-US" sz="2400" dirty="0">
+                <a:latin typeface="BIZ UDPゴシック" panose="020B0400000000000000" pitchFamily="50" charset="-128"/>
+                <a:ea typeface="BIZ UDPゴシック" panose="020B0400000000000000" pitchFamily="50" charset="-128"/>
+              </a:rPr>
+              <a:t>に定義されている全ての伝送レートで比較</a:t>
+            </a:r>
+            <a:endParaRPr kumimoji="1" lang="en-US" altLang="ja-JP" sz="2400" dirty="0">
+              <a:latin typeface="BIZ UDPゴシック" panose="020B0400000000000000" pitchFamily="50" charset="-128"/>
+              <a:ea typeface="BIZ UDPゴシック" panose="020B0400000000000000" pitchFamily="50" charset="-128"/>
+            </a:endParaRPr>
+          </a:p>
+          <a:p>
+            <a:pPr marL="285750" indent="-285750">
+              <a:buFont typeface="Arial" panose="020B0604020202020204" pitchFamily="34" charset="0"/>
+              <a:buChar char="•"/>
+            </a:pPr>
+            <a:r>
+              <a:rPr kumimoji="1" lang="en-US" altLang="ja-JP" sz="2400" dirty="0">
+                <a:latin typeface="BIZ UDPゴシック" panose="020B0400000000000000" pitchFamily="50" charset="-128"/>
+                <a:ea typeface="BIZ UDPゴシック" panose="020B0400000000000000" pitchFamily="50" charset="-128"/>
+              </a:rPr>
+              <a:t>1</a:t>
+            </a:r>
+            <a:r>
+              <a:rPr kumimoji="1" lang="ja-JP" altLang="en-US" sz="2400" dirty="0">
+                <a:latin typeface="BIZ UDPゴシック" panose="020B0400000000000000" pitchFamily="50" charset="-128"/>
+                <a:ea typeface="BIZ UDPゴシック" panose="020B0400000000000000" pitchFamily="50" charset="-128"/>
+              </a:rPr>
+              <a:t>～</a:t>
+            </a:r>
+            <a:r>
+              <a:rPr kumimoji="1" lang="en-US" altLang="ja-JP" sz="2400" dirty="0">
+                <a:latin typeface="BIZ UDPゴシック" panose="020B0400000000000000" pitchFamily="50" charset="-128"/>
+                <a:ea typeface="BIZ UDPゴシック" panose="020B0400000000000000" pitchFamily="50" charset="-128"/>
+              </a:rPr>
+              <a:t>80</a:t>
+            </a:r>
+            <a:r>
+              <a:rPr kumimoji="1" lang="ja-JP" altLang="en-US" sz="2400" dirty="0">
+                <a:latin typeface="BIZ UDPゴシック" panose="020B0400000000000000" pitchFamily="50" charset="-128"/>
+                <a:ea typeface="BIZ UDPゴシック" panose="020B0400000000000000" pitchFamily="50" charset="-128"/>
+              </a:rPr>
+              <a:t>台</a:t>
+            </a:r>
+            <a:endParaRPr kumimoji="1" lang="en-US" altLang="ja-JP" sz="2400" dirty="0">
+              <a:latin typeface="BIZ UDPゴシック" panose="020B0400000000000000" pitchFamily="50" charset="-128"/>
+              <a:ea typeface="BIZ UDPゴシック" panose="020B0400000000000000" pitchFamily="50" charset="-128"/>
+            </a:endParaRPr>
+          </a:p>
+          <a:p>
+            <a:pPr marL="285750" indent="-285750">
+              <a:buFont typeface="Arial" panose="020B0604020202020204" pitchFamily="34" charset="0"/>
+              <a:buChar char="•"/>
+            </a:pPr>
+            <a:r>
+              <a:rPr kumimoji="1" lang="en-US" altLang="ja-JP" sz="2400" dirty="0">
+                <a:latin typeface="BIZ UDPゴシック" panose="020B0400000000000000" pitchFamily="50" charset="-128"/>
+                <a:ea typeface="BIZ UDPゴシック" panose="020B0400000000000000" pitchFamily="50" charset="-128"/>
+              </a:rPr>
+              <a:t>100</a:t>
+            </a:r>
+            <a:r>
+              <a:rPr lang="en-US" altLang="ja-JP" sz="2400" dirty="0">
+                <a:latin typeface="BIZ UDPゴシック" panose="020B0400000000000000" pitchFamily="50" charset="-128"/>
+                <a:ea typeface="BIZ UDPゴシック" panose="020B0400000000000000" pitchFamily="50" charset="-128"/>
+              </a:rPr>
+              <a:t>0</a:t>
+            </a:r>
+            <a:r>
+              <a:rPr lang="ja-JP" altLang="en-US" sz="2400" dirty="0">
+                <a:latin typeface="BIZ UDPゴシック" panose="020B0400000000000000" pitchFamily="50" charset="-128"/>
+                <a:ea typeface="BIZ UDPゴシック" panose="020B0400000000000000" pitchFamily="50" charset="-128"/>
+              </a:rPr>
+              <a:t>回</a:t>
+            </a:r>
+            <a:endParaRPr kumimoji="1" lang="en-US" altLang="ja-JP" sz="2400" dirty="0">
+              <a:latin typeface="BIZ UDPゴシック" panose="020B0400000000000000" pitchFamily="50" charset="-128"/>
+              <a:ea typeface="BIZ UDPゴシック" panose="020B0400000000000000" pitchFamily="50" charset="-128"/>
+            </a:endParaRPr>
+          </a:p>
+        </p:txBody>
+      </p:sp>
+      <p:sp>
+        <p:nvSpPr>
+          <p:cNvPr id="8" name="テキスト ボックス 7">
+            <a:extLst>
+              <a:ext uri="{FF2B5EF4-FFF2-40B4-BE49-F238E27FC236}">
+                <a16:creationId xmlns:a16="http://schemas.microsoft.com/office/drawing/2014/main" id="{AD1F9C1F-B3EE-A632-F418-C9CBF7C3B6DD}"/>
+              </a:ext>
+            </a:extLst>
+          </p:cNvPr>
+          <p:cNvSpPr txBox="1"/>
+          <p:nvPr/>
+        </p:nvSpPr>
+        <p:spPr>
+          <a:xfrm>
+            <a:off x="411262" y="1426783"/>
+            <a:ext cx="3276364" cy="523220"/>
+          </a:xfrm>
+          <a:prstGeom prst="rect">
+            <a:avLst/>
+          </a:prstGeom>
+          <a:noFill/>
+        </p:spPr>
+        <p:txBody>
+          <a:bodyPr wrap="square" rtlCol="0">
+            <a:spAutoFit/>
+          </a:bodyPr>
+          <a:lstStyle/>
+          <a:p>
+            <a:r>
+              <a:rPr kumimoji="1" lang="ja-JP" altLang="en-US" sz="2800" dirty="0">
+                <a:latin typeface="BIZ UDPゴシック" panose="020B0400000000000000" pitchFamily="50" charset="-128"/>
+                <a:ea typeface="BIZ UDPゴシック" panose="020B0400000000000000" pitchFamily="50" charset="-128"/>
+              </a:rPr>
+              <a:t>シミュレーション</a:t>
+            </a:r>
+            <a:r>
+              <a:rPr kumimoji="1" lang="en-US" altLang="ja-JP" sz="2800" dirty="0">
+                <a:latin typeface="BIZ UDPゴシック" panose="020B0400000000000000" pitchFamily="50" charset="-128"/>
+                <a:ea typeface="BIZ UDPゴシック" panose="020B0400000000000000" pitchFamily="50" charset="-128"/>
+              </a:rPr>
+              <a:t>1</a:t>
+            </a:r>
+            <a:endParaRPr kumimoji="1" lang="ja-JP" altLang="en-US" sz="2800" dirty="0">
+              <a:latin typeface="BIZ UDPゴシック" panose="020B0400000000000000" pitchFamily="50" charset="-128"/>
+              <a:ea typeface="BIZ UDPゴシック" panose="020B0400000000000000" pitchFamily="50" charset="-128"/>
+            </a:endParaRPr>
+          </a:p>
+        </p:txBody>
+      </p:sp>
+      <p:sp>
+        <p:nvSpPr>
+          <p:cNvPr id="11" name="テキスト ボックス 10">
+            <a:extLst>
+              <a:ext uri="{FF2B5EF4-FFF2-40B4-BE49-F238E27FC236}">
+                <a16:creationId xmlns:a16="http://schemas.microsoft.com/office/drawing/2014/main" id="{242D9401-DAE0-D087-563F-762804EEE154}"/>
+              </a:ext>
+            </a:extLst>
+          </p:cNvPr>
+          <p:cNvSpPr txBox="1"/>
+          <p:nvPr/>
+        </p:nvSpPr>
+        <p:spPr>
+          <a:xfrm>
+            <a:off x="387276" y="3933056"/>
+            <a:ext cx="3276364" cy="523220"/>
+          </a:xfrm>
+          <a:prstGeom prst="rect">
+            <a:avLst/>
+          </a:prstGeom>
+          <a:noFill/>
+        </p:spPr>
+        <p:txBody>
+          <a:bodyPr wrap="square" rtlCol="0">
+            <a:spAutoFit/>
+          </a:bodyPr>
+          <a:lstStyle/>
+          <a:p>
+            <a:r>
+              <a:rPr kumimoji="1" lang="ja-JP" altLang="en-US" sz="2800" dirty="0">
+                <a:latin typeface="BIZ UDPゴシック" panose="020B0400000000000000" pitchFamily="50" charset="-128"/>
+                <a:ea typeface="BIZ UDPゴシック" panose="020B0400000000000000" pitchFamily="50" charset="-128"/>
+              </a:rPr>
+              <a:t>シミュレーション</a:t>
+            </a:r>
+            <a:r>
+              <a:rPr lang="en-US" altLang="ja-JP" sz="2800" dirty="0">
+                <a:latin typeface="BIZ UDPゴシック" panose="020B0400000000000000" pitchFamily="50" charset="-128"/>
+                <a:ea typeface="BIZ UDPゴシック" panose="020B0400000000000000" pitchFamily="50" charset="-128"/>
+              </a:rPr>
+              <a:t>2</a:t>
+            </a:r>
+            <a:endParaRPr kumimoji="1" lang="ja-JP" altLang="en-US" sz="2800" dirty="0">
+              <a:latin typeface="BIZ UDPゴシック" panose="020B0400000000000000" pitchFamily="50" charset="-128"/>
+              <a:ea typeface="BIZ UDPゴシック" panose="020B0400000000000000" pitchFamily="50" charset="-128"/>
+            </a:endParaRPr>
+          </a:p>
+        </p:txBody>
+      </p:sp>
+    </p:spTree>
+    <p:extLst>
+      <p:ext uri="{BB962C8B-B14F-4D97-AF65-F5344CB8AC3E}">
+        <p14:creationId xmlns:p14="http://schemas.microsoft.com/office/powerpoint/2010/main" val="2759120447"/>
       </p:ext>
     </p:extLst>
   </p:cSld>
@@ -11195,7 +11871,7 @@
                 <a:latin typeface="BIZ UDPゴシック" panose="020B0400000000000000" pitchFamily="50" charset="-128"/>
                 <a:ea typeface="BIZ UDPゴシック" panose="020B0400000000000000" pitchFamily="50" charset="-128"/>
               </a:rPr>
-              <a:t>各レイヤごとに評価されてきた</a:t>
+              <a:t>各レイヤごとに評価</a:t>
             </a:r>
           </a:p>
         </p:txBody>
@@ -11214,7 +11890,7 @@
         </p:nvSpPr>
         <p:spPr>
           <a:xfrm>
-            <a:off x="614324" y="3136810"/>
+            <a:off x="611560" y="3284311"/>
             <a:ext cx="8055622" cy="584775"/>
           </a:xfrm>
           <a:prstGeom prst="rect">
@@ -11234,8 +11910,19 @@
                 <a:latin typeface="BIZ UDPゴシック" panose="020B0400000000000000" pitchFamily="50" charset="-128"/>
                 <a:ea typeface="BIZ UDPゴシック" panose="020B0400000000000000" pitchFamily="50" charset="-128"/>
               </a:rPr>
-              <a:t>通信システム全体の十分な評価ができない</a:t>
-            </a:r>
+              <a:t>通信システム全体の十分な評価が</a:t>
+            </a:r>
+            <a:r>
+              <a:rPr lang="ja-JP" altLang="en-US" sz="3200" dirty="0">
+                <a:latin typeface="BIZ UDPゴシック" panose="020B0400000000000000" pitchFamily="50" charset="-128"/>
+                <a:ea typeface="BIZ UDPゴシック" panose="020B0400000000000000" pitchFamily="50" charset="-128"/>
+              </a:rPr>
+              <a:t>難しい</a:t>
+            </a:r>
+            <a:endParaRPr kumimoji="1" lang="ja-JP" altLang="en-US" sz="3200" dirty="0">
+              <a:latin typeface="BIZ UDPゴシック" panose="020B0400000000000000" pitchFamily="50" charset="-128"/>
+              <a:ea typeface="BIZ UDPゴシック" panose="020B0400000000000000" pitchFamily="50" charset="-128"/>
+            </a:endParaRPr>
           </a:p>
         </p:txBody>
       </p:sp>
@@ -11253,7 +11940,7 @@
         </p:nvSpPr>
         <p:spPr>
           <a:xfrm>
-            <a:off x="4281792" y="2560746"/>
+            <a:off x="4283968" y="2672010"/>
             <a:ext cx="576064" cy="576064"/>
           </a:xfrm>
           <a:prstGeom prst="downArrow">
@@ -11294,8 +11981,8 @@
         </p:nvSpPr>
         <p:spPr>
           <a:xfrm>
-            <a:off x="702689" y="4773351"/>
-            <a:ext cx="7734270" cy="1569660"/>
+            <a:off x="580210" y="4896701"/>
+            <a:ext cx="7967257" cy="954107"/>
           </a:xfrm>
           <a:prstGeom prst="rect">
             <a:avLst/>
@@ -11310,13 +11997,13 @@
           <a:p>
             <a:pPr algn="ctr"/>
             <a:r>
-              <a:rPr kumimoji="1" lang="ja-JP" altLang="en-US" sz="3200" b="1" dirty="0">
+              <a:rPr kumimoji="1" lang="ja-JP" altLang="en-US" sz="2800" b="1" dirty="0">
                 <a:latin typeface="BIZ UDPゴシック" panose="020B0400000000000000" pitchFamily="50" charset="-128"/>
                 <a:ea typeface="BIZ UDPゴシック" panose="020B0400000000000000" pitchFamily="50" charset="-128"/>
               </a:rPr>
               <a:t>物理層から上位層までを考慮した</a:t>
             </a:r>
-            <a:endParaRPr kumimoji="1" lang="en-US" altLang="ja-JP" sz="3200" b="1" dirty="0">
+            <a:endParaRPr kumimoji="1" lang="en-US" altLang="ja-JP" sz="2800" b="1" dirty="0">
               <a:latin typeface="BIZ UDPゴシック" panose="020B0400000000000000" pitchFamily="50" charset="-128"/>
               <a:ea typeface="BIZ UDPゴシック" panose="020B0400000000000000" pitchFamily="50" charset="-128"/>
             </a:endParaRPr>
@@ -11324,27 +12011,13 @@
           <a:p>
             <a:pPr algn="ctr"/>
             <a:r>
-              <a:rPr lang="ja-JP" altLang="en-US" sz="3200" b="1" dirty="0">
-                <a:latin typeface="BIZ UDPゴシック" panose="020B0400000000000000" pitchFamily="50" charset="-128"/>
-                <a:ea typeface="BIZ UDPゴシック" panose="020B0400000000000000" pitchFamily="50" charset="-128"/>
-              </a:rPr>
-              <a:t>クロスレイヤでの評価を</a:t>
-            </a:r>
-            <a:endParaRPr lang="en-US" altLang="ja-JP" sz="3200" b="1" dirty="0">
-              <a:latin typeface="BIZ UDPゴシック" panose="020B0400000000000000" pitchFamily="50" charset="-128"/>
-              <a:ea typeface="BIZ UDPゴシック" panose="020B0400000000000000" pitchFamily="50" charset="-128"/>
-            </a:endParaRPr>
-          </a:p>
-          <a:p>
-            <a:pPr algn="ctr"/>
-            <a:r>
-              <a:rPr lang="ja-JP" altLang="en-US" sz="3200" b="1" dirty="0">
-                <a:latin typeface="BIZ UDPゴシック" panose="020B0400000000000000" pitchFamily="50" charset="-128"/>
-                <a:ea typeface="BIZ UDPゴシック" panose="020B0400000000000000" pitchFamily="50" charset="-128"/>
-              </a:rPr>
-              <a:t>行えるシミュレータが必要</a:t>
-            </a:r>
-            <a:endParaRPr kumimoji="1" lang="ja-JP" altLang="en-US" sz="3200" b="1" dirty="0">
+              <a:rPr lang="ja-JP" altLang="en-US" sz="2800" b="1" dirty="0">
+                <a:latin typeface="BIZ UDPゴシック" panose="020B0400000000000000" pitchFamily="50" charset="-128"/>
+                <a:ea typeface="BIZ UDPゴシック" panose="020B0400000000000000" pitchFamily="50" charset="-128"/>
+              </a:rPr>
+              <a:t>クロスレイヤでの評価を行えるシミュレータが必要</a:t>
+            </a:r>
+            <a:endParaRPr kumimoji="1" lang="ja-JP" altLang="en-US" sz="2800" b="1" dirty="0">
               <a:latin typeface="BIZ UDPゴシック" panose="020B0400000000000000" pitchFamily="50" charset="-128"/>
               <a:ea typeface="BIZ UDPゴシック" panose="020B0400000000000000" pitchFamily="50" charset="-128"/>
             </a:endParaRPr>
@@ -11365,7 +12038,7 @@
         </p:nvSpPr>
         <p:spPr>
           <a:xfrm>
-            <a:off x="598395" y="3721191"/>
+            <a:off x="580210" y="3869086"/>
             <a:ext cx="7880509" cy="830997"/>
           </a:xfrm>
           <a:prstGeom prst="rect">
@@ -11381,11 +12054,25 @@
           <a:p>
             <a:pPr algn="ctr"/>
             <a:r>
+              <a:rPr lang="ja-JP" altLang="en-US" sz="2400" dirty="0">
+                <a:latin typeface="BIZ UDPゴシック" panose="020B0400000000000000" pitchFamily="50" charset="-128"/>
+                <a:ea typeface="BIZ UDPゴシック" panose="020B0400000000000000" pitchFamily="50" charset="-128"/>
+              </a:rPr>
+              <a:t>例</a:t>
+            </a:r>
+            <a:r>
+              <a:rPr lang="en-GB" altLang="ja-JP" sz="2400" dirty="0">
+                <a:latin typeface="BIZ UDPゴシック" panose="020B0400000000000000" pitchFamily="50" charset="-128"/>
+                <a:ea typeface="BIZ UDPゴシック" panose="020B0400000000000000" pitchFamily="50" charset="-128"/>
+              </a:rPr>
+              <a:t>)</a:t>
+            </a:r>
+            <a:r>
               <a:rPr lang="en-US" altLang="ja-JP" sz="2400" dirty="0">
                 <a:latin typeface="BIZ UDPゴシック" panose="020B0400000000000000" pitchFamily="50" charset="-128"/>
                 <a:ea typeface="BIZ UDPゴシック" panose="020B0400000000000000" pitchFamily="50" charset="-128"/>
               </a:rPr>
-              <a:t>ex. 1Gbps</a:t>
+              <a:t> 1Gbps</a:t>
             </a:r>
             <a:r>
               <a:rPr lang="ja-JP" altLang="en-US" sz="2400" dirty="0">
@@ -12082,7 +12769,7 @@
                 <a:latin typeface="BIZ UDPゴシック" panose="020B0400000000000000" pitchFamily="50" charset="-128"/>
                 <a:ea typeface="BIZ UDPゴシック" panose="020B0400000000000000" pitchFamily="50" charset="-128"/>
               </a:rPr>
-              <a:t>装置を開発して実験を行う必要がある</a:t>
+              <a:t>装置を開発して実験を行う必要</a:t>
             </a:r>
             <a:endParaRPr lang="en-US" altLang="ja-JP" sz="1800" kern="0" dirty="0">
               <a:latin typeface="BIZ UDPゴシック" panose="020B0400000000000000" pitchFamily="50" charset="-128"/>
@@ -14107,12 +14794,118 @@
           </a:p>
         </p:txBody>
       </p:sp>
+      <p:sp>
+        <p:nvSpPr>
+          <p:cNvPr id="7" name="TextBox 6">
+            <a:extLst>
+              <a:ext uri="{FF2B5EF4-FFF2-40B4-BE49-F238E27FC236}">
+                <a16:creationId xmlns:a16="http://schemas.microsoft.com/office/drawing/2014/main" id="{1970F7C1-E9A5-283B-7DB7-CE519DFBC983}"/>
+              </a:ext>
+            </a:extLst>
+          </p:cNvPr>
+          <p:cNvSpPr txBox="1"/>
+          <p:nvPr/>
+        </p:nvSpPr>
+        <p:spPr>
+          <a:xfrm>
+            <a:off x="2699792" y="5980051"/>
+            <a:ext cx="3744416" cy="369332"/>
+          </a:xfrm>
+          <a:prstGeom prst="rect">
+            <a:avLst/>
+          </a:prstGeom>
+          <a:noFill/>
+        </p:spPr>
+        <p:txBody>
+          <a:bodyPr wrap="square" rtlCol="0">
+            <a:spAutoFit/>
+          </a:bodyPr>
+          <a:lstStyle/>
+          <a:p>
+            <a:pPr algn="ctr"/>
+            <a:r>
+              <a:rPr kumimoji="1" lang="ja-JP" altLang="en-US" dirty="0">
+                <a:latin typeface="BIZ UDPGothic" panose="020B0400000000000000" pitchFamily="34" charset="-128"/>
+                <a:ea typeface="BIZ UDPGothic" panose="020B0400000000000000" pitchFamily="34" charset="-128"/>
+              </a:rPr>
+              <a:t>図</a:t>
+            </a:r>
+            <a:r>
+              <a:rPr lang="en-GB" altLang="ja-JP" dirty="0">
+                <a:latin typeface="BIZ UDPGothic" panose="020B0400000000000000" pitchFamily="34" charset="-128"/>
+                <a:ea typeface="BIZ UDPGothic" panose="020B0400000000000000" pitchFamily="34" charset="-128"/>
+              </a:rPr>
+              <a:t>2</a:t>
+            </a:r>
+            <a:r>
+              <a:rPr kumimoji="1" lang="en-GB" altLang="ja-JP" dirty="0">
+                <a:latin typeface="BIZ UDPGothic" panose="020B0400000000000000" pitchFamily="34" charset="-128"/>
+                <a:ea typeface="BIZ UDPGothic" panose="020B0400000000000000" pitchFamily="34" charset="-128"/>
+              </a:rPr>
+              <a:t> CSMA/CA </a:t>
+            </a:r>
+            <a:r>
+              <a:rPr kumimoji="1" lang="ja-JP" altLang="en-US" dirty="0">
+                <a:latin typeface="BIZ UDPGothic" panose="020B0400000000000000" pitchFamily="34" charset="-128"/>
+                <a:ea typeface="BIZ UDPGothic" panose="020B0400000000000000" pitchFamily="34" charset="-128"/>
+              </a:rPr>
+              <a:t>送信成功時</a:t>
+            </a:r>
+            <a:endParaRPr kumimoji="1" lang="en-GB" dirty="0">
+              <a:latin typeface="BIZ UDPGothic" panose="020B0400000000000000" pitchFamily="34" charset="-128"/>
+              <a:ea typeface="BIZ UDPGothic" panose="020B0400000000000000" pitchFamily="34" charset="-128"/>
+            </a:endParaRPr>
+          </a:p>
+        </p:txBody>
+      </p:sp>
+      <p:sp>
+        <p:nvSpPr>
+          <p:cNvPr id="2" name="テキスト ボックス 1">
+            <a:extLst>
+              <a:ext uri="{FF2B5EF4-FFF2-40B4-BE49-F238E27FC236}">
+                <a16:creationId xmlns:a16="http://schemas.microsoft.com/office/drawing/2014/main" id="{DC8B591D-0C82-2D0A-C0F1-14E4A3566E0C}"/>
+              </a:ext>
+            </a:extLst>
+          </p:cNvPr>
+          <p:cNvSpPr txBox="1"/>
+          <p:nvPr/>
+        </p:nvSpPr>
+        <p:spPr>
+          <a:xfrm>
+            <a:off x="-59344" y="6454601"/>
+            <a:ext cx="8892479" cy="369332"/>
+          </a:xfrm>
+          <a:prstGeom prst="rect">
+            <a:avLst/>
+          </a:prstGeom>
+          <a:noFill/>
+        </p:spPr>
+        <p:txBody>
+          <a:bodyPr wrap="square" rtlCol="0">
+            <a:spAutoFit/>
+          </a:bodyPr>
+          <a:lstStyle/>
+          <a:p>
+            <a:r>
+              <a:rPr kumimoji="1" lang="en-US" altLang="ja-JP" dirty="0">
+                <a:latin typeface="BIZ UDPゴシック" panose="020B0400000000000000" pitchFamily="50" charset="-128"/>
+                <a:ea typeface="BIZ UDPゴシック" panose="020B0400000000000000" pitchFamily="50" charset="-128"/>
+              </a:rPr>
+              <a:t>CSMA/CA : (Carrier Sense Multiple Access with Collision Avoidance)</a:t>
+            </a:r>
+            <a:endParaRPr kumimoji="1" lang="ja-JP" altLang="en-US" dirty="0">
+              <a:latin typeface="BIZ UDPゴシック" panose="020B0400000000000000" pitchFamily="50" charset="-128"/>
+              <a:ea typeface="BIZ UDPゴシック" panose="020B0400000000000000" pitchFamily="50" charset="-128"/>
+            </a:endParaRPr>
+          </a:p>
+        </p:txBody>
+      </p:sp>
       <p:pic>
         <p:nvPicPr>
-          <p:cNvPr id="6" name="Picture 5" descr="A group of blue and white squares&#10;&#10;AI-generated content may be incorrect.">
+          <p:cNvPr id="10" name="Picture 9" descr="A group of blue and white rectangles&#10;&#10;AI-generated content may be incorrect.">
             <a:extLst>
               <a:ext uri="{FF2B5EF4-FFF2-40B4-BE49-F238E27FC236}">
-                <a16:creationId xmlns:a16="http://schemas.microsoft.com/office/drawing/2014/main" id="{DD76F92E-3198-9A73-DB3D-5502922A4B74}"/>
+                <a16:creationId xmlns:a16="http://schemas.microsoft.com/office/drawing/2014/main" id="{408748AD-9E00-C84F-C8C9-31B9537F6312}"/>
               </a:ext>
             </a:extLst>
           </p:cNvPr>
@@ -14135,120 +14928,14 @@
         </p:blipFill>
         <p:spPr>
           <a:xfrm>
-            <a:off x="-252536" y="1772816"/>
-            <a:ext cx="9326401" cy="4013515"/>
+            <a:off x="229303" y="1348571"/>
+            <a:ext cx="8510079" cy="4709533"/>
           </a:xfrm>
           <a:prstGeom prst="rect">
             <a:avLst/>
           </a:prstGeom>
         </p:spPr>
       </p:pic>
-      <p:sp>
-        <p:nvSpPr>
-          <p:cNvPr id="7" name="TextBox 6">
-            <a:extLst>
-              <a:ext uri="{FF2B5EF4-FFF2-40B4-BE49-F238E27FC236}">
-                <a16:creationId xmlns:a16="http://schemas.microsoft.com/office/drawing/2014/main" id="{1970F7C1-E9A5-283B-7DB7-CE519DFBC983}"/>
-              </a:ext>
-            </a:extLst>
-          </p:cNvPr>
-          <p:cNvSpPr txBox="1"/>
-          <p:nvPr/>
-        </p:nvSpPr>
-        <p:spPr>
-          <a:xfrm>
-            <a:off x="2699792" y="5980051"/>
-            <a:ext cx="3744416" cy="369332"/>
-          </a:xfrm>
-          <a:prstGeom prst="rect">
-            <a:avLst/>
-          </a:prstGeom>
-          <a:noFill/>
-        </p:spPr>
-        <p:txBody>
-          <a:bodyPr wrap="square" rtlCol="0">
-            <a:spAutoFit/>
-          </a:bodyPr>
-          <a:lstStyle/>
-          <a:p>
-            <a:pPr algn="ctr"/>
-            <a:r>
-              <a:rPr kumimoji="1" lang="ja-JP" altLang="en-US" dirty="0">
-                <a:latin typeface="BIZ UDPGothic" panose="020B0400000000000000" pitchFamily="34" charset="-128"/>
-                <a:ea typeface="BIZ UDPGothic" panose="020B0400000000000000" pitchFamily="34" charset="-128"/>
-              </a:rPr>
-              <a:t>図</a:t>
-            </a:r>
-            <a:r>
-              <a:rPr lang="en-GB" altLang="ja-JP" dirty="0">
-                <a:latin typeface="BIZ UDPGothic" panose="020B0400000000000000" pitchFamily="34" charset="-128"/>
-                <a:ea typeface="BIZ UDPGothic" panose="020B0400000000000000" pitchFamily="34" charset="-128"/>
-              </a:rPr>
-              <a:t>2</a:t>
-            </a:r>
-            <a:r>
-              <a:rPr kumimoji="1" lang="en-GB" altLang="ja-JP" dirty="0">
-                <a:latin typeface="BIZ UDPGothic" panose="020B0400000000000000" pitchFamily="34" charset="-128"/>
-                <a:ea typeface="BIZ UDPGothic" panose="020B0400000000000000" pitchFamily="34" charset="-128"/>
-              </a:rPr>
-              <a:t> CSMA/CA </a:t>
-            </a:r>
-            <a:r>
-              <a:rPr kumimoji="1" lang="ja-JP" altLang="en-US" dirty="0">
-                <a:latin typeface="BIZ UDPGothic" panose="020B0400000000000000" pitchFamily="34" charset="-128"/>
-                <a:ea typeface="BIZ UDPGothic" panose="020B0400000000000000" pitchFamily="34" charset="-128"/>
-              </a:rPr>
-              <a:t>送信成功時</a:t>
-            </a:r>
-            <a:endParaRPr kumimoji="1" lang="en-GB" dirty="0">
-              <a:latin typeface="BIZ UDPGothic" panose="020B0400000000000000" pitchFamily="34" charset="-128"/>
-              <a:ea typeface="BIZ UDPGothic" panose="020B0400000000000000" pitchFamily="34" charset="-128"/>
-            </a:endParaRPr>
-          </a:p>
-        </p:txBody>
-      </p:sp>
-      <p:sp>
-        <p:nvSpPr>
-          <p:cNvPr id="2" name="テキスト ボックス 1">
-            <a:extLst>
-              <a:ext uri="{FF2B5EF4-FFF2-40B4-BE49-F238E27FC236}">
-                <a16:creationId xmlns:a16="http://schemas.microsoft.com/office/drawing/2014/main" id="{DC8B591D-0C82-2D0A-C0F1-14E4A3566E0C}"/>
-              </a:ext>
-            </a:extLst>
-          </p:cNvPr>
-          <p:cNvSpPr txBox="1"/>
-          <p:nvPr/>
-        </p:nvSpPr>
-        <p:spPr>
-          <a:xfrm>
-            <a:off x="-59344" y="6454601"/>
-            <a:ext cx="8892479" cy="369332"/>
-          </a:xfrm>
-          <a:prstGeom prst="rect">
-            <a:avLst/>
-          </a:prstGeom>
-          <a:noFill/>
-        </p:spPr>
-        <p:txBody>
-          <a:bodyPr wrap="square" rtlCol="0">
-            <a:spAutoFit/>
-          </a:bodyPr>
-          <a:lstStyle/>
-          <a:p>
-            <a:r>
-              <a:rPr kumimoji="1" lang="en-US" altLang="ja-JP" dirty="0">
-                <a:latin typeface="BIZ UDPゴシック" panose="020B0400000000000000" pitchFamily="50" charset="-128"/>
-                <a:ea typeface="BIZ UDPゴシック" panose="020B0400000000000000" pitchFamily="50" charset="-128"/>
-              </a:rPr>
-              <a:t>CSMA/CA : (Carrier Sense Multiple Access with Collision Avoidance)</a:t>
-            </a:r>
-            <a:endParaRPr kumimoji="1" lang="ja-JP" altLang="en-US" dirty="0">
-              <a:latin typeface="BIZ UDPゴシック" panose="020B0400000000000000" pitchFamily="50" charset="-128"/>
-              <a:ea typeface="BIZ UDPゴシック" panose="020B0400000000000000" pitchFamily="50" charset="-128"/>
-            </a:endParaRPr>
-          </a:p>
-        </p:txBody>
-      </p:sp>
     </p:spTree>
     <p:extLst>
       <p:ext uri="{BB962C8B-B14F-4D97-AF65-F5344CB8AC3E}">
@@ -14349,12 +15036,76 @@
           </a:p>
         </p:txBody>
       </p:sp>
+      <p:sp>
+        <p:nvSpPr>
+          <p:cNvPr id="7" name="TextBox 6">
+            <a:extLst>
+              <a:ext uri="{FF2B5EF4-FFF2-40B4-BE49-F238E27FC236}">
+                <a16:creationId xmlns:a16="http://schemas.microsoft.com/office/drawing/2014/main" id="{3FC176C5-6765-0457-307E-DE8887D79DD4}"/>
+              </a:ext>
+            </a:extLst>
+          </p:cNvPr>
+          <p:cNvSpPr txBox="1"/>
+          <p:nvPr/>
+        </p:nvSpPr>
+        <p:spPr>
+          <a:xfrm>
+            <a:off x="3131840" y="6158345"/>
+            <a:ext cx="2880320" cy="369332"/>
+          </a:xfrm>
+          <a:prstGeom prst="rect">
+            <a:avLst/>
+          </a:prstGeom>
+          <a:noFill/>
+        </p:spPr>
+        <p:txBody>
+          <a:bodyPr wrap="square" rtlCol="0">
+            <a:spAutoFit/>
+          </a:bodyPr>
+          <a:lstStyle/>
+          <a:p>
+            <a:pPr algn="ctr"/>
+            <a:r>
+              <a:rPr kumimoji="1" lang="ja-JP" altLang="en-US" dirty="0">
+                <a:latin typeface="BIZ UDPGothic" panose="020B0400000000000000" pitchFamily="34" charset="-128"/>
+                <a:ea typeface="BIZ UDPGothic" panose="020B0400000000000000" pitchFamily="34" charset="-128"/>
+              </a:rPr>
+              <a:t>図</a:t>
+            </a:r>
+            <a:r>
+              <a:rPr kumimoji="1" lang="en-GB" altLang="ja-JP" dirty="0">
+                <a:latin typeface="BIZ UDPGothic" panose="020B0400000000000000" pitchFamily="34" charset="-128"/>
+                <a:ea typeface="BIZ UDPGothic" panose="020B0400000000000000" pitchFamily="34" charset="-128"/>
+              </a:rPr>
+              <a:t>3 CSMA/CA </a:t>
+            </a:r>
+            <a:r>
+              <a:rPr lang="ja-JP" altLang="en-US" dirty="0">
+                <a:latin typeface="BIZ UDPGothic" panose="020B0400000000000000" pitchFamily="34" charset="-128"/>
+                <a:ea typeface="BIZ UDPGothic" panose="020B0400000000000000" pitchFamily="34" charset="-128"/>
+              </a:rPr>
+              <a:t>衝突</a:t>
+            </a:r>
+            <a:r>
+              <a:rPr kumimoji="1" lang="ja-JP" altLang="en-US" dirty="0">
+                <a:latin typeface="BIZ UDPGothic" panose="020B0400000000000000" pitchFamily="34" charset="-128"/>
+                <a:ea typeface="BIZ UDPGothic" panose="020B0400000000000000" pitchFamily="34" charset="-128"/>
+              </a:rPr>
+              <a:t>時</a:t>
+            </a:r>
+            <a:endParaRPr kumimoji="1" lang="en-GB" dirty="0">
+              <a:latin typeface="BIZ UDPGothic" panose="020B0400000000000000" pitchFamily="34" charset="-128"/>
+              <a:ea typeface="BIZ UDPGothic" panose="020B0400000000000000" pitchFamily="34" charset="-128"/>
+            </a:endParaRPr>
+          </a:p>
+        </p:txBody>
+      </p:sp>
       <p:pic>
         <p:nvPicPr>
-          <p:cNvPr id="6" name="Picture 5" descr="A screenshot of a computer game&#10;&#10;AI-generated content may be incorrect.">
+          <p:cNvPr id="5" name="Picture 4">
             <a:extLst>
               <a:ext uri="{FF2B5EF4-FFF2-40B4-BE49-F238E27FC236}">
-                <a16:creationId xmlns:a16="http://schemas.microsoft.com/office/drawing/2014/main" id="{71CC1B61-9338-A741-76BE-DE52BAFCFA65}"/>
+                <a16:creationId xmlns:a16="http://schemas.microsoft.com/office/drawing/2014/main" id="{8DE32ADB-91F9-BBAB-E185-00730C9EC7A0}"/>
               </a:ext>
             </a:extLst>
           </p:cNvPr>
@@ -14371,84 +15122,19 @@
               </a:ext>
             </a:extLst>
           </a:blip>
-          <a:stretch>
-            <a:fillRect/>
-          </a:stretch>
+          <a:srcRect/>
+          <a:stretch/>
         </p:blipFill>
         <p:spPr>
           <a:xfrm>
-            <a:off x="598" y="1700808"/>
-            <a:ext cx="9144000" cy="3935021"/>
+            <a:off x="539552" y="1405471"/>
+            <a:ext cx="7853343" cy="4752874"/>
           </a:xfrm>
           <a:prstGeom prst="rect">
             <a:avLst/>
           </a:prstGeom>
         </p:spPr>
       </p:pic>
-      <p:sp>
-        <p:nvSpPr>
-          <p:cNvPr id="7" name="TextBox 6">
-            <a:extLst>
-              <a:ext uri="{FF2B5EF4-FFF2-40B4-BE49-F238E27FC236}">
-                <a16:creationId xmlns:a16="http://schemas.microsoft.com/office/drawing/2014/main" id="{3FC176C5-6765-0457-307E-DE8887D79DD4}"/>
-              </a:ext>
-            </a:extLst>
-          </p:cNvPr>
-          <p:cNvSpPr txBox="1"/>
-          <p:nvPr/>
-        </p:nvSpPr>
-        <p:spPr>
-          <a:xfrm>
-            <a:off x="3131840" y="5973679"/>
-            <a:ext cx="2880320" cy="369332"/>
-          </a:xfrm>
-          <a:prstGeom prst="rect">
-            <a:avLst/>
-          </a:prstGeom>
-          <a:noFill/>
-        </p:spPr>
-        <p:txBody>
-          <a:bodyPr wrap="square" rtlCol="0">
-            <a:spAutoFit/>
-          </a:bodyPr>
-          <a:lstStyle/>
-          <a:p>
-            <a:pPr algn="ctr"/>
-            <a:r>
-              <a:rPr kumimoji="1" lang="ja-JP" altLang="en-US" dirty="0">
-                <a:latin typeface="BIZ UDPGothic" panose="020B0400000000000000" pitchFamily="34" charset="-128"/>
-                <a:ea typeface="BIZ UDPGothic" panose="020B0400000000000000" pitchFamily="34" charset="-128"/>
-              </a:rPr>
-              <a:t>図</a:t>
-            </a:r>
-            <a:r>
-              <a:rPr kumimoji="1" lang="en-GB" altLang="ja-JP" dirty="0">
-                <a:latin typeface="BIZ UDPGothic" panose="020B0400000000000000" pitchFamily="34" charset="-128"/>
-                <a:ea typeface="BIZ UDPGothic" panose="020B0400000000000000" pitchFamily="34" charset="-128"/>
-              </a:rPr>
-              <a:t>3 CSMA/CA </a:t>
-            </a:r>
-            <a:r>
-              <a:rPr lang="ja-JP" altLang="en-US" dirty="0">
-                <a:latin typeface="BIZ UDPGothic" panose="020B0400000000000000" pitchFamily="34" charset="-128"/>
-                <a:ea typeface="BIZ UDPGothic" panose="020B0400000000000000" pitchFamily="34" charset="-128"/>
-              </a:rPr>
-              <a:t>衝突</a:t>
-            </a:r>
-            <a:r>
-              <a:rPr kumimoji="1" lang="ja-JP" altLang="en-US" dirty="0">
-                <a:latin typeface="BIZ UDPGothic" panose="020B0400000000000000" pitchFamily="34" charset="-128"/>
-                <a:ea typeface="BIZ UDPGothic" panose="020B0400000000000000" pitchFamily="34" charset="-128"/>
-              </a:rPr>
-              <a:t>時</a:t>
-            </a:r>
-            <a:endParaRPr kumimoji="1" lang="en-GB" dirty="0">
-              <a:latin typeface="BIZ UDPGothic" panose="020B0400000000000000" pitchFamily="34" charset="-128"/>
-              <a:ea typeface="BIZ UDPGothic" panose="020B0400000000000000" pitchFamily="34" charset="-128"/>
-            </a:endParaRPr>
-          </a:p>
-        </p:txBody>
-      </p:sp>
     </p:spTree>
     <p:extLst>
       <p:ext uri="{BB962C8B-B14F-4D97-AF65-F5344CB8AC3E}">
@@ -14554,17 +15240,21 @@
       </p:sp>
       <p:pic>
         <p:nvPicPr>
-          <p:cNvPr id="7" name="図 6" descr="図形&#10;&#10;AI によって生成されたコンテンツは間違っている可能性があります。">
+          <p:cNvPr id="15" name="図 14" descr="\documentclass{article}&#10;\usepackage{amsmath}&#10;\usepackage{fontspec} % フォント設定用&#10;\pagestyle{empty}&#10;&#10;% フォント設定&#10;\newfontfamily\TitleJFont{BIZ UDPGothic}[BoldFont=BIZ UDPGothicBold]&#10;\newfontfamily\SectionJFont{BIZ UDPGothic}[BoldFont=BIZ UDPGothicBold]&#10;&#10;\begin{document}&#10;&#10;\begin{align*}&#10;  \mathrm{CW} &amp;= 2^{4 + n} - 1&#10;\end{align*}&#10;&#10;\vspace{-2em}&#10;&#10;\begin{align*}&#10;  s &amp;= \mathrm{randint}(0, \, \min(\mathrm{CW}, \, 1023))&#10;  \label{slot}&#10;\end{align*}&#10;&#10;\end{document}&#10;" title="IguanaTex Bitmap Display">
             <a:extLst>
               <a:ext uri="{FF2B5EF4-FFF2-40B4-BE49-F238E27FC236}">
-                <a16:creationId xmlns:a16="http://schemas.microsoft.com/office/drawing/2014/main" id="{E5F6DA05-B731-FFF1-08DA-B019386D3AD9}"/>
+                <a16:creationId xmlns:a16="http://schemas.microsoft.com/office/drawing/2014/main" id="{C877A902-B9B0-E297-7C13-E5691B1FAC31}"/>
               </a:ext>
             </a:extLst>
           </p:cNvPr>
           <p:cNvPicPr>
             <a:picLocks noChangeAspect="1"/>
           </p:cNvPicPr>
-          <p:nvPr/>
+          <p:nvPr>
+            <p:custDataLst>
+              <p:tags r:id="rId1"/>
+            </p:custDataLst>
+          </p:nvPr>
         </p:nvPicPr>
         <p:blipFill>
           <a:blip r:embed="rId6" cstate="print">
@@ -14580,212 +15270,151 @@
         </p:blipFill>
         <p:spPr>
           <a:xfrm>
-            <a:off x="-202855" y="1757604"/>
-            <a:ext cx="5991549" cy="4831628"/>
+            <a:off x="5811021" y="2716268"/>
+            <a:ext cx="2994565" cy="782806"/>
           </a:xfrm>
           <a:prstGeom prst="rect">
             <a:avLst/>
           </a:prstGeom>
         </p:spPr>
       </p:pic>
-      <p:grpSp>
-        <p:nvGrpSpPr>
-          <p:cNvPr id="24" name="グループ化 23">
+      <p:sp>
+        <p:nvSpPr>
+          <p:cNvPr id="11" name="TextBox 19">
             <a:extLst>
               <a:ext uri="{FF2B5EF4-FFF2-40B4-BE49-F238E27FC236}">
-                <a16:creationId xmlns:a16="http://schemas.microsoft.com/office/drawing/2014/main" id="{C236A844-C7CB-7AE8-F3D4-C8C4B7279578}"/>
+                <a16:creationId xmlns:a16="http://schemas.microsoft.com/office/drawing/2014/main" id="{826755C9-C7DB-BFAC-C130-F4D493478C9C}"/>
               </a:ext>
             </a:extLst>
           </p:cNvPr>
-          <p:cNvGrpSpPr/>
+          <p:cNvSpPr txBox="1"/>
           <p:nvPr/>
-        </p:nvGrpSpPr>
-        <p:grpSpPr>
+        </p:nvSpPr>
+        <p:spPr>
           <a:xfrm>
-            <a:off x="5292080" y="2060848"/>
-            <a:ext cx="4032448" cy="1438226"/>
-            <a:chOff x="5292080" y="2629564"/>
-            <a:chExt cx="4032448" cy="1438226"/>
+            <a:off x="5220072" y="2063772"/>
+            <a:ext cx="4032448" cy="369332"/>
           </a:xfrm>
-        </p:grpSpPr>
-        <p:pic>
-          <p:nvPicPr>
-            <p:cNvPr id="15" name="図 14" descr="\documentclass{article}&#10;\usepackage{amsmath}&#10;\usepackage{fontspec} % フォント設定用&#10;\pagestyle{empty}&#10;&#10;% フォント設定&#10;\newfontfamily\TitleJFont{BIZ UDPGothic}[BoldFont=BIZ UDPGothicBold]&#10;\newfontfamily\SectionJFont{BIZ UDPGothic}[BoldFont=BIZ UDPGothicBold]&#10;&#10;\begin{document}&#10;&#10;\begin{align*}&#10;  \mathrm{CW} &amp;= 2^{4 + n} - 1&#10;\end{align*}&#10;&#10;\vspace{-2em}&#10;&#10;\begin{align*}&#10;  s &amp;= \mathrm{randint}(0, \, \min(\mathrm{CW}, \, 1023))&#10;  \label{slot}&#10;\end{align*}&#10;&#10;\end{document}&#10;" title="IguanaTex Bitmap Display">
-              <a:extLst>
-                <a:ext uri="{FF2B5EF4-FFF2-40B4-BE49-F238E27FC236}">
-                  <a16:creationId xmlns:a16="http://schemas.microsoft.com/office/drawing/2014/main" id="{C877A902-B9B0-E297-7C13-E5691B1FAC31}"/>
-                </a:ext>
-              </a:extLst>
-            </p:cNvPr>
-            <p:cNvPicPr>
-              <a:picLocks noChangeAspect="1"/>
-            </p:cNvPicPr>
-            <p:nvPr>
-              <p:custDataLst>
-                <p:tags r:id="rId1"/>
-              </p:custDataLst>
-            </p:nvPr>
-          </p:nvPicPr>
-          <p:blipFill>
-            <a:blip r:embed="rId7" cstate="print">
-              <a:extLst>
-                <a:ext uri="{28A0092B-C50C-407E-A947-70E740481C1C}">
-                  <a14:useLocalDpi xmlns:a14="http://schemas.microsoft.com/office/drawing/2010/main" val="0"/>
-                </a:ext>
-              </a:extLst>
-            </a:blip>
-            <a:stretch>
-              <a:fillRect/>
-            </a:stretch>
-          </p:blipFill>
-          <p:spPr>
-            <a:xfrm>
-              <a:off x="5811021" y="3284984"/>
-              <a:ext cx="2994565" cy="782806"/>
-            </a:xfrm>
-            <a:prstGeom prst="rect">
-              <a:avLst/>
-            </a:prstGeom>
-          </p:spPr>
-        </p:pic>
-        <p:sp>
-          <p:nvSpPr>
-            <p:cNvPr id="11" name="TextBox 19">
-              <a:extLst>
-                <a:ext uri="{FF2B5EF4-FFF2-40B4-BE49-F238E27FC236}">
-                  <a16:creationId xmlns:a16="http://schemas.microsoft.com/office/drawing/2014/main" id="{826755C9-C7DB-BFAC-C130-F4D493478C9C}"/>
-                </a:ext>
-              </a:extLst>
-            </p:cNvPr>
-            <p:cNvSpPr txBox="1"/>
-            <p:nvPr/>
-          </p:nvSpPr>
-          <p:spPr>
-            <a:xfrm>
-              <a:off x="5292080" y="2629564"/>
-              <a:ext cx="4032448" cy="369332"/>
-            </a:xfrm>
-            <a:prstGeom prst="rect">
-              <a:avLst/>
-            </a:prstGeom>
-            <a:noFill/>
-          </p:spPr>
-          <p:txBody>
-            <a:bodyPr wrap="square" rtlCol="0">
-              <a:spAutoFit/>
-            </a:bodyPr>
-            <a:lstStyle/>
-            <a:p>
-              <a:pPr algn="ctr"/>
-              <a:r>
-                <a:rPr kumimoji="1" lang="ja-JP" altLang="en-US" dirty="0">
-                  <a:latin typeface="BIZ UDPGothic" panose="020B0400000000000000" pitchFamily="34" charset="-128"/>
-                  <a:ea typeface="BIZ UDPGothic" panose="020B0400000000000000" pitchFamily="34" charset="-128"/>
-                </a:rPr>
-                <a:t>再送回数を  </a:t>
-              </a:r>
-              <a:r>
-                <a:rPr kumimoji="1" lang="en-US" altLang="ja-JP" dirty="0">
-                  <a:latin typeface="BIZ UDPGothic" panose="020B0400000000000000" pitchFamily="34" charset="-128"/>
-                  <a:ea typeface="BIZ UDPGothic" panose="020B0400000000000000" pitchFamily="34" charset="-128"/>
-                </a:rPr>
-                <a:t>,</a:t>
-              </a:r>
-              <a:r>
-                <a:rPr lang="ja-JP" altLang="en-US" dirty="0">
-                  <a:latin typeface="BIZ UDPGothic" panose="020B0400000000000000" pitchFamily="34" charset="-128"/>
-                  <a:ea typeface="BIZ UDPGothic" panose="020B0400000000000000" pitchFamily="34" charset="-128"/>
-                </a:rPr>
-                <a:t>スロット数を　とすると</a:t>
-              </a:r>
-              <a:endParaRPr kumimoji="1" lang="en-GB" dirty="0">
+          <a:prstGeom prst="rect">
+            <a:avLst/>
+          </a:prstGeom>
+          <a:noFill/>
+        </p:spPr>
+        <p:txBody>
+          <a:bodyPr wrap="square" rtlCol="0">
+            <a:spAutoFit/>
+          </a:bodyPr>
+          <a:lstStyle/>
+          <a:p>
+            <a:pPr algn="ctr"/>
+            <a:r>
+              <a:rPr kumimoji="1" lang="ja-JP" altLang="en-US" dirty="0">
                 <a:latin typeface="BIZ UDPGothic" panose="020B0400000000000000" pitchFamily="34" charset="-128"/>
                 <a:ea typeface="BIZ UDPGothic" panose="020B0400000000000000" pitchFamily="34" charset="-128"/>
-              </a:endParaRPr>
-            </a:p>
-          </p:txBody>
-        </p:sp>
-        <p:pic>
-          <p:nvPicPr>
-            <p:cNvPr id="13" name="図 12" descr="\documentclass{jsarticle}&#10;\usepackage{amsmath}&#10;\usepackage[T1]{fontenc}&#10;\usepackage{lmodern}&#10;\usepackage{caption}&#10;\pagestyle{empty}&#10;&#10;\begin{document}&#10;&#10;&#10;\begin{align*}&#10;n  &#10;\end{align*}&#10;&#10;&#10;\end{document}" title="IguanaTex Bitmap Display">
-              <a:extLst>
-                <a:ext uri="{FF2B5EF4-FFF2-40B4-BE49-F238E27FC236}">
-                  <a16:creationId xmlns:a16="http://schemas.microsoft.com/office/drawing/2014/main" id="{C5786A0F-CCF8-A7E7-528D-8B8E23BD78A2}"/>
-                </a:ext>
-              </a:extLst>
-            </p:cNvPr>
-            <p:cNvPicPr>
-              <a:picLocks noChangeAspect="1"/>
-            </p:cNvPicPr>
-            <p:nvPr>
-              <p:custDataLst>
-                <p:tags r:id="rId2"/>
-              </p:custDataLst>
-            </p:nvPr>
-          </p:nvPicPr>
-          <p:blipFill>
-            <a:blip r:embed="rId8" cstate="print">
-              <a:extLst>
-                <a:ext uri="{28A0092B-C50C-407E-A947-70E740481C1C}">
-                  <a14:useLocalDpi xmlns:a14="http://schemas.microsoft.com/office/drawing/2010/main" val="0"/>
-                </a:ext>
-              </a:extLst>
-            </a:blip>
-            <a:stretch>
-              <a:fillRect/>
-            </a:stretch>
-          </p:blipFill>
-          <p:spPr>
-            <a:xfrm>
-              <a:off x="6660232" y="2814230"/>
-              <a:ext cx="127577" cy="108372"/>
-            </a:xfrm>
-            <a:prstGeom prst="rect">
-              <a:avLst/>
-            </a:prstGeom>
-          </p:spPr>
-        </p:pic>
-        <p:pic>
-          <p:nvPicPr>
-            <p:cNvPr id="22" name="図 21" descr="\documentclass{jsarticle}&#10;\usepackage{amsmath}&#10;\usepackage[T1]{fontenc}&#10;\usepackage{lmodern}&#10;\usepackage{caption}&#10;\pagestyle{empty}&#10;&#10;\begin{document}&#10;&#10;&#10;\begin{align*}&#10;s  &#10;\end{align*}&#10;&#10;&#10;\end{document}" title="IguanaTex Bitmap Display">
-              <a:extLst>
-                <a:ext uri="{FF2B5EF4-FFF2-40B4-BE49-F238E27FC236}">
-                  <a16:creationId xmlns:a16="http://schemas.microsoft.com/office/drawing/2014/main" id="{3052B08B-F455-D3E6-9A07-CCFCAB8DACEE}"/>
-                </a:ext>
-              </a:extLst>
-            </p:cNvPr>
-            <p:cNvPicPr>
-              <a:picLocks noChangeAspect="1"/>
-            </p:cNvPicPr>
-            <p:nvPr>
-              <p:custDataLst>
-                <p:tags r:id="rId3"/>
-              </p:custDataLst>
-            </p:nvPr>
-          </p:nvPicPr>
-          <p:blipFill>
-            <a:blip r:embed="rId9" cstate="print">
-              <a:extLst>
-                <a:ext uri="{28A0092B-C50C-407E-A947-70E740481C1C}">
-                  <a14:useLocalDpi xmlns:a14="http://schemas.microsoft.com/office/drawing/2010/main" val="0"/>
-                </a:ext>
-              </a:extLst>
-            </a:blip>
-            <a:stretch>
-              <a:fillRect/>
-            </a:stretch>
-          </p:blipFill>
-          <p:spPr>
-            <a:xfrm>
-              <a:off x="8155241" y="2814230"/>
-              <a:ext cx="89167" cy="108372"/>
-            </a:xfrm>
-            <a:prstGeom prst="rect">
-              <a:avLst/>
-            </a:prstGeom>
-          </p:spPr>
-        </p:pic>
-      </p:grpSp>
+              </a:rPr>
+              <a:t>再送回数を   </a:t>
+            </a:r>
+            <a:r>
+              <a:rPr kumimoji="1" lang="en-US" altLang="ja-JP" dirty="0">
+                <a:latin typeface="BIZ UDPGothic" panose="020B0400000000000000" pitchFamily="34" charset="-128"/>
+                <a:ea typeface="BIZ UDPGothic" panose="020B0400000000000000" pitchFamily="34" charset="-128"/>
+              </a:rPr>
+              <a:t>,</a:t>
+            </a:r>
+            <a:r>
+              <a:rPr lang="ja-JP" altLang="en-US" dirty="0">
+                <a:latin typeface="BIZ UDPGothic" panose="020B0400000000000000" pitchFamily="34" charset="-128"/>
+                <a:ea typeface="BIZ UDPGothic" panose="020B0400000000000000" pitchFamily="34" charset="-128"/>
+              </a:rPr>
+              <a:t>スロット数を 　とすると</a:t>
+            </a:r>
+            <a:endParaRPr kumimoji="1" lang="en-GB" dirty="0">
+              <a:latin typeface="BIZ UDPGothic" panose="020B0400000000000000" pitchFamily="34" charset="-128"/>
+              <a:ea typeface="BIZ UDPGothic" panose="020B0400000000000000" pitchFamily="34" charset="-128"/>
+            </a:endParaRPr>
+          </a:p>
+        </p:txBody>
+      </p:sp>
+      <p:pic>
+        <p:nvPicPr>
+          <p:cNvPr id="13" name="図 12" descr="\documentclass{jsarticle}&#10;\usepackage{amsmath}&#10;\usepackage[T1]{fontenc}&#10;\usepackage{lmodern}&#10;\usepackage{caption}&#10;\pagestyle{empty}&#10;&#10;\begin{document}&#10;&#10;&#10;\begin{align*}&#10;n  &#10;\end{align*}&#10;&#10;&#10;\end{document}" title="IguanaTex Bitmap Display">
+            <a:extLst>
+              <a:ext uri="{FF2B5EF4-FFF2-40B4-BE49-F238E27FC236}">
+                <a16:creationId xmlns:a16="http://schemas.microsoft.com/office/drawing/2014/main" id="{C5786A0F-CCF8-A7E7-528D-8B8E23BD78A2}"/>
+              </a:ext>
+            </a:extLst>
+          </p:cNvPr>
+          <p:cNvPicPr>
+            <a:picLocks noChangeAspect="1"/>
+          </p:cNvPicPr>
+          <p:nvPr>
+            <p:custDataLst>
+              <p:tags r:id="rId2"/>
+            </p:custDataLst>
+          </p:nvPr>
+        </p:nvPicPr>
+        <p:blipFill>
+          <a:blip r:embed="rId7" cstate="print">
+            <a:extLst>
+              <a:ext uri="{28A0092B-C50C-407E-A947-70E740481C1C}">
+                <a14:useLocalDpi xmlns:a14="http://schemas.microsoft.com/office/drawing/2010/main" val="0"/>
+              </a:ext>
+            </a:extLst>
+          </a:blip>
+          <a:stretch>
+            <a:fillRect/>
+          </a:stretch>
+        </p:blipFill>
+        <p:spPr>
+          <a:xfrm>
+            <a:off x="6543726" y="2212050"/>
+            <a:ext cx="127577" cy="108372"/>
+          </a:xfrm>
+          <a:prstGeom prst="rect">
+            <a:avLst/>
+          </a:prstGeom>
+        </p:spPr>
+      </p:pic>
+      <p:pic>
+        <p:nvPicPr>
+          <p:cNvPr id="22" name="図 21" descr="\documentclass{jsarticle}&#10;\usepackage{amsmath}&#10;\usepackage[T1]{fontenc}&#10;\usepackage{lmodern}&#10;\usepackage{caption}&#10;\pagestyle{empty}&#10;&#10;\begin{document}&#10;&#10;&#10;\begin{align*}&#10;s  &#10;\end{align*}&#10;&#10;&#10;\end{document}" title="IguanaTex Bitmap Display">
+            <a:extLst>
+              <a:ext uri="{FF2B5EF4-FFF2-40B4-BE49-F238E27FC236}">
+                <a16:creationId xmlns:a16="http://schemas.microsoft.com/office/drawing/2014/main" id="{3052B08B-F455-D3E6-9A07-CCFCAB8DACEE}"/>
+              </a:ext>
+            </a:extLst>
+          </p:cNvPr>
+          <p:cNvPicPr>
+            <a:picLocks noChangeAspect="1"/>
+          </p:cNvPicPr>
+          <p:nvPr>
+            <p:custDataLst>
+              <p:tags r:id="rId3"/>
+            </p:custDataLst>
+          </p:nvPr>
+        </p:nvPicPr>
+        <p:blipFill>
+          <a:blip r:embed="rId8" cstate="print">
+            <a:extLst>
+              <a:ext uri="{28A0092B-C50C-407E-A947-70E740481C1C}">
+                <a14:useLocalDpi xmlns:a14="http://schemas.microsoft.com/office/drawing/2010/main" val="0"/>
+              </a:ext>
+            </a:extLst>
+          </a:blip>
+          <a:stretch>
+            <a:fillRect/>
+          </a:stretch>
+        </p:blipFill>
+        <p:spPr>
+          <a:xfrm>
+            <a:off x="8100392" y="2209955"/>
+            <a:ext cx="89167" cy="108372"/>
+          </a:xfrm>
+          <a:prstGeom prst="rect">
+            <a:avLst/>
+          </a:prstGeom>
+        </p:spPr>
+      </p:pic>
       <p:sp>
         <p:nvSpPr>
           <p:cNvPr id="23" name="TextBox 19">
@@ -14904,7 +15533,7 @@
         </p:nvSpPr>
         <p:spPr>
           <a:xfrm>
-            <a:off x="5469631" y="4960829"/>
+            <a:off x="5679530" y="4845008"/>
             <a:ext cx="4032448" cy="369332"/>
           </a:xfrm>
           <a:prstGeom prst="rect">
@@ -14941,6 +15570,142 @@
               <a:latin typeface="BIZ UDPGothic" panose="020B0400000000000000" pitchFamily="34" charset="-128"/>
               <a:ea typeface="BIZ UDPGothic" panose="020B0400000000000000" pitchFamily="34" charset="-128"/>
             </a:endParaRPr>
+          </a:p>
+        </p:txBody>
+      </p:sp>
+      <p:pic>
+        <p:nvPicPr>
+          <p:cNvPr id="5" name="Picture 4" descr="A black background with a black square&#10;&#10;AI-generated content may be incorrect.">
+            <a:extLst>
+              <a:ext uri="{FF2B5EF4-FFF2-40B4-BE49-F238E27FC236}">
+                <a16:creationId xmlns:a16="http://schemas.microsoft.com/office/drawing/2014/main" id="{CC424A49-A007-3AD5-2A7A-0385AA9654D0}"/>
+              </a:ext>
+            </a:extLst>
+          </p:cNvPr>
+          <p:cNvPicPr>
+            <a:picLocks noChangeAspect="1"/>
+          </p:cNvPicPr>
+          <p:nvPr/>
+        </p:nvPicPr>
+        <p:blipFill>
+          <a:blip r:embed="rId9" cstate="print">
+            <a:extLst>
+              <a:ext uri="{28A0092B-C50C-407E-A947-70E740481C1C}">
+                <a14:useLocalDpi xmlns:a14="http://schemas.microsoft.com/office/drawing/2010/main" val="0"/>
+              </a:ext>
+            </a:extLst>
+          </a:blip>
+          <a:stretch>
+            <a:fillRect/>
+          </a:stretch>
+        </p:blipFill>
+        <p:spPr>
+          <a:xfrm>
+            <a:off x="-324544" y="1196752"/>
+            <a:ext cx="5848404" cy="5112568"/>
+          </a:xfrm>
+          <a:prstGeom prst="rect">
+            <a:avLst/>
+          </a:prstGeom>
+        </p:spPr>
+      </p:pic>
+      <p:sp>
+        <p:nvSpPr>
+          <p:cNvPr id="6" name="テキスト ボックス 5">
+            <a:extLst>
+              <a:ext uri="{FF2B5EF4-FFF2-40B4-BE49-F238E27FC236}">
+                <a16:creationId xmlns:a16="http://schemas.microsoft.com/office/drawing/2014/main" id="{1225D1A8-3951-57F2-34E7-719799BDEC2F}"/>
+              </a:ext>
+            </a:extLst>
+          </p:cNvPr>
+          <p:cNvSpPr txBox="1"/>
+          <p:nvPr/>
+        </p:nvSpPr>
+        <p:spPr>
+          <a:xfrm>
+            <a:off x="0" y="6218997"/>
+            <a:ext cx="7668344" cy="646331"/>
+          </a:xfrm>
+          <a:prstGeom prst="rect">
+            <a:avLst/>
+          </a:prstGeom>
+          <a:noFill/>
+        </p:spPr>
+        <p:txBody>
+          <a:bodyPr wrap="square" rtlCol="0">
+            <a:spAutoFit/>
+          </a:bodyPr>
+          <a:lstStyle/>
+          <a:p>
+            <a:r>
+              <a:rPr kumimoji="1" lang="en-US" altLang="ja-JP" dirty="0">
+                <a:latin typeface="BIZ UDPゴシック" panose="020B0400000000000000" pitchFamily="50" charset="-128"/>
+                <a:ea typeface="BIZ UDPゴシック" panose="020B0400000000000000" pitchFamily="50" charset="-128"/>
+              </a:rPr>
+              <a:t>CW : Contenti</a:t>
+            </a:r>
+            <a:r>
+              <a:rPr lang="en-US" altLang="ja-JP" dirty="0">
+                <a:latin typeface="BIZ UDPゴシック" panose="020B0400000000000000" pitchFamily="50" charset="-128"/>
+                <a:ea typeface="BIZ UDPゴシック" panose="020B0400000000000000" pitchFamily="50" charset="-128"/>
+              </a:rPr>
+              <a:t>on window, </a:t>
+            </a:r>
+            <a:r>
+              <a:rPr lang="ja-JP" altLang="en-US" dirty="0">
+                <a:latin typeface="BIZ UDPゴシック" panose="020B0400000000000000" pitchFamily="50" charset="-128"/>
+                <a:ea typeface="BIZ UDPゴシック" panose="020B0400000000000000" pitchFamily="50" charset="-128"/>
+              </a:rPr>
+              <a:t>乱数発生範囲</a:t>
+            </a:r>
+            <a:endParaRPr lang="en-GB" altLang="ja-JP" dirty="0">
+              <a:latin typeface="BIZ UDPゴシック" panose="020B0400000000000000" pitchFamily="50" charset="-128"/>
+              <a:ea typeface="BIZ UDPゴシック" panose="020B0400000000000000" pitchFamily="50" charset="-128"/>
+            </a:endParaRPr>
+          </a:p>
+          <a:p>
+            <a:r>
+              <a:rPr kumimoji="1" lang="en-US" altLang="ja-JP" dirty="0" err="1">
+                <a:latin typeface="BIZ UDPゴシック" panose="020B0400000000000000" pitchFamily="50" charset="-128"/>
+                <a:ea typeface="BIZ UDPゴシック" panose="020B0400000000000000" pitchFamily="50" charset="-128"/>
+              </a:rPr>
+              <a:t>CWmin</a:t>
+            </a:r>
+            <a:r>
+              <a:rPr kumimoji="1" lang="en-US" altLang="ja-JP" dirty="0">
+                <a:latin typeface="BIZ UDPゴシック" panose="020B0400000000000000" pitchFamily="50" charset="-128"/>
+                <a:ea typeface="BIZ UDPゴシック" panose="020B0400000000000000" pitchFamily="50" charset="-128"/>
+              </a:rPr>
+              <a:t> : CW</a:t>
+            </a:r>
+            <a:r>
+              <a:rPr kumimoji="1" lang="ja-JP" altLang="en-US" dirty="0">
+                <a:latin typeface="BIZ UDPゴシック" panose="020B0400000000000000" pitchFamily="50" charset="-128"/>
+                <a:ea typeface="BIZ UDPゴシック" panose="020B0400000000000000" pitchFamily="50" charset="-128"/>
+              </a:rPr>
+              <a:t>の最小， </a:t>
+            </a:r>
+            <a:r>
+              <a:rPr kumimoji="1" lang="en-US" altLang="ja-JP" dirty="0" err="1">
+                <a:latin typeface="BIZ UDPゴシック" panose="020B0400000000000000" pitchFamily="50" charset="-128"/>
+                <a:ea typeface="BIZ UDPゴシック" panose="020B0400000000000000" pitchFamily="50" charset="-128"/>
+              </a:rPr>
+              <a:t>Cwmax</a:t>
+            </a:r>
+            <a:r>
+              <a:rPr kumimoji="1" lang="en-US" altLang="ja-JP" dirty="0">
+                <a:latin typeface="BIZ UDPゴシック" panose="020B0400000000000000" pitchFamily="50" charset="-128"/>
+                <a:ea typeface="BIZ UDPゴシック" panose="020B0400000000000000" pitchFamily="50" charset="-128"/>
+              </a:rPr>
+              <a:t> : CW</a:t>
+            </a:r>
+            <a:r>
+              <a:rPr kumimoji="1" lang="ja-JP" altLang="en-US" dirty="0">
+                <a:latin typeface="BIZ UDPゴシック" panose="020B0400000000000000" pitchFamily="50" charset="-128"/>
+                <a:ea typeface="BIZ UDPゴシック" panose="020B0400000000000000" pitchFamily="50" charset="-128"/>
+              </a:rPr>
+              <a:t>の最大</a:t>
+            </a:r>
           </a:p>
         </p:txBody>
       </p:sp>
@@ -15010,7 +15775,7 @@
         </p:blipFill>
         <p:spPr>
           <a:xfrm>
-            <a:off x="431800" y="3879671"/>
+            <a:off x="431800" y="3901337"/>
             <a:ext cx="8280400" cy="2263967"/>
           </a:xfrm>
         </p:spPr>
@@ -15133,15 +15898,12 @@
                 <a:latin typeface="BIZ UDPGothic" panose="020B0400000000000000" pitchFamily="34" charset="-128"/>
                 <a:ea typeface="BIZ UDPGothic" panose="020B0400000000000000" pitchFamily="34" charset="-128"/>
               </a:rPr>
-              <a:t>と呼ばれる待機時間が設定されている</a:t>
-            </a:r>
-            <a:r>
-              <a:rPr kumimoji="1" lang="en-GB" altLang="ja-JP" sz="2400" dirty="0">
-                <a:latin typeface="BIZ UDPGothic" panose="020B0400000000000000" pitchFamily="34" charset="-128"/>
-                <a:ea typeface="BIZ UDPGothic" panose="020B0400000000000000" pitchFamily="34" charset="-128"/>
-              </a:rPr>
-              <a:t>.</a:t>
-            </a:r>
+              <a:t>と呼ばれる待機時間が設定</a:t>
+            </a:r>
+            <a:endParaRPr kumimoji="1" lang="en-GB" altLang="ja-JP" sz="2400" dirty="0">
+              <a:latin typeface="BIZ UDPGothic" panose="020B0400000000000000" pitchFamily="34" charset="-128"/>
+              <a:ea typeface="BIZ UDPGothic" panose="020B0400000000000000" pitchFamily="34" charset="-128"/>
+            </a:endParaRPr>
           </a:p>
           <a:p>
             <a:pPr marL="285750" indent="-285750">
@@ -15198,7 +15960,7 @@
                 <a:latin typeface="BIZ UDPGothic" panose="020B0400000000000000" pitchFamily="34" charset="-128"/>
                 <a:ea typeface="BIZ UDPGothic" panose="020B0400000000000000" pitchFamily="34" charset="-128"/>
               </a:rPr>
-              <a:t> データフレーム送信前に適用される</a:t>
+              <a:t> データフレーム送信前に適用</a:t>
             </a:r>
             <a:endParaRPr lang="en-GB" altLang="ja-JP" sz="2400" dirty="0">
               <a:latin typeface="BIZ UDPGothic" panose="020B0400000000000000" pitchFamily="34" charset="-128"/>
@@ -15302,7 +16064,7 @@
                 <a:latin typeface="BIZ UDPGothic" panose="020B0400000000000000" pitchFamily="34" charset="-128"/>
                 <a:ea typeface="BIZ UDPGothic" panose="020B0400000000000000" pitchFamily="34" charset="-128"/>
               </a:rPr>
-              <a:t>フレームに適用される</a:t>
+              <a:t>フレームに適用</a:t>
             </a:r>
             <a:endParaRPr lang="en-GB" altLang="ja-JP" sz="2400" dirty="0">
               <a:latin typeface="BIZ UDPGothic" panose="020B0400000000000000" pitchFamily="34" charset="-128"/>
@@ -15335,8 +16097,8 @@
         </p:nvSpPr>
         <p:spPr>
           <a:xfrm>
-            <a:off x="-42048" y="6250678"/>
-            <a:ext cx="3168352" cy="338554"/>
+            <a:off x="-42048" y="6166227"/>
+            <a:ext cx="3168352" cy="369332"/>
           </a:xfrm>
           <a:prstGeom prst="rect">
             <a:avLst/>
@@ -15350,13 +16112,13 @@
           <a:lstStyle/>
           <a:p>
             <a:r>
-              <a:rPr kumimoji="1" lang="en-GB" altLang="ja-JP" sz="1600" dirty="0">
+              <a:rPr kumimoji="1" lang="en-GB" altLang="ja-JP" dirty="0">
                 <a:latin typeface="BIZ UDPGothic" panose="020B0400000000000000" pitchFamily="34" charset="-128"/>
                 <a:ea typeface="BIZ UDPGothic" panose="020B0400000000000000" pitchFamily="34" charset="-128"/>
               </a:rPr>
               <a:t>IFS : Inter Frame Space</a:t>
             </a:r>
-            <a:endParaRPr kumimoji="1" lang="ja-JP" altLang="en-US" sz="1600" dirty="0">
+            <a:endParaRPr kumimoji="1" lang="ja-JP" altLang="en-US" dirty="0">
               <a:ea typeface="游ゴシック Medium" panose="020B0500000000000000" pitchFamily="50" charset="-128"/>
             </a:endParaRPr>
           </a:p>
@@ -15376,8 +16138,8 @@
         </p:nvSpPr>
         <p:spPr>
           <a:xfrm>
-            <a:off x="-42048" y="6581350"/>
-            <a:ext cx="5832648" cy="338554"/>
+            <a:off x="-42048" y="6512288"/>
+            <a:ext cx="9438584" cy="646331"/>
           </a:xfrm>
           <a:prstGeom prst="rect">
             <a:avLst/>
@@ -15391,54 +16153,32 @@
           <a:lstStyle/>
           <a:p>
             <a:r>
-              <a:rPr lang="en-GB" altLang="ja-JP" sz="1600" dirty="0">
+              <a:rPr lang="en-GB" altLang="ja-JP" dirty="0">
                 <a:latin typeface="BIZ UDPGothic" panose="020B0400000000000000" pitchFamily="34" charset="-128"/>
                 <a:ea typeface="BIZ UDPGothic" panose="020B0400000000000000" pitchFamily="34" charset="-128"/>
               </a:rPr>
               <a:t>DIFS : Distributed Inter Frame Space</a:t>
             </a:r>
-            <a:endParaRPr kumimoji="1" lang="ja-JP" altLang="en-US" sz="1600" dirty="0">
+            <a:r>
+              <a:rPr lang="ja-JP" altLang="en-US" dirty="0">
+                <a:latin typeface="BIZ UDPGothic" panose="020B0400000000000000" pitchFamily="34" charset="-128"/>
+                <a:ea typeface="BIZ UDPGothic" panose="020B0400000000000000" pitchFamily="34" charset="-128"/>
+              </a:rPr>
+              <a:t>，</a:t>
+            </a:r>
+            <a:r>
+              <a:rPr lang="en-GB" altLang="ja-JP" dirty="0">
+                <a:latin typeface="BIZ UDPGothic" panose="020B0400000000000000" pitchFamily="34" charset="-128"/>
+                <a:ea typeface="BIZ UDPGothic" panose="020B0400000000000000" pitchFamily="34" charset="-128"/>
+              </a:rPr>
+              <a:t>SIFS : Short Inter Frame Space</a:t>
+            </a:r>
+            <a:endParaRPr kumimoji="1" lang="ja-JP" altLang="en-US" dirty="0">
               <a:ea typeface="游ゴシック Medium" panose="020B0500000000000000" pitchFamily="50" charset="-128"/>
             </a:endParaRPr>
           </a:p>
-        </p:txBody>
-      </p:sp>
-      <p:sp>
-        <p:nvSpPr>
-          <p:cNvPr id="8" name="テキスト ボックス 7">
-            <a:extLst>
-              <a:ext uri="{FF2B5EF4-FFF2-40B4-BE49-F238E27FC236}">
-                <a16:creationId xmlns:a16="http://schemas.microsoft.com/office/drawing/2014/main" id="{E46F546D-F272-7297-DC71-907E7A205CAF}"/>
-              </a:ext>
-            </a:extLst>
-          </p:cNvPr>
-          <p:cNvSpPr txBox="1"/>
-          <p:nvPr/>
-        </p:nvSpPr>
-        <p:spPr>
-          <a:xfrm>
-            <a:off x="4501229" y="6581237"/>
-            <a:ext cx="4536504" cy="338554"/>
-          </a:xfrm>
-          <a:prstGeom prst="rect">
-            <a:avLst/>
-          </a:prstGeom>
-          <a:noFill/>
-        </p:spPr>
-        <p:txBody>
-          <a:bodyPr wrap="square" rtlCol="0">
-            <a:spAutoFit/>
-          </a:bodyPr>
-          <a:lstStyle/>
-          <a:p>
-            <a:r>
-              <a:rPr lang="en-GB" altLang="ja-JP" sz="1600" dirty="0">
-                <a:latin typeface="BIZ UDPGothic" panose="020B0400000000000000" pitchFamily="34" charset="-128"/>
-                <a:ea typeface="BIZ UDPGothic" panose="020B0400000000000000" pitchFamily="34" charset="-128"/>
-              </a:rPr>
-              <a:t>SIFS : Short Inter Frame Space</a:t>
-            </a:r>
-            <a:endParaRPr kumimoji="1" lang="ja-JP" altLang="en-US" sz="1600" dirty="0">
+          <a:p>
+            <a:endParaRPr kumimoji="1" lang="ja-JP" altLang="en-US" dirty="0">
               <a:ea typeface="游ゴシック Medium" panose="020B0500000000000000" pitchFamily="50" charset="-128"/>
             </a:endParaRPr>
           </a:p>
@@ -15482,7 +16222,7 @@
       </p:grpSpPr>
       <p:pic>
         <p:nvPicPr>
-          <p:cNvPr id="6" name="Content Placeholder 5" descr="A close-up of a piece of paper&#10;&#10;AI-generated content may be incorrect.">
+          <p:cNvPr id="6" name="Content Placeholder 5">
             <a:extLst>
               <a:ext uri="{FF2B5EF4-FFF2-40B4-BE49-F238E27FC236}">
                 <a16:creationId xmlns:a16="http://schemas.microsoft.com/office/drawing/2014/main" id="{F613799B-B4AC-FA06-B484-D0513BB8136F}"/>
@@ -15504,13 +16244,12 @@
               </a:ext>
             </a:extLst>
           </a:blip>
-          <a:stretch>
-            <a:fillRect/>
-          </a:stretch>
+          <a:srcRect/>
+          <a:stretch/>
         </p:blipFill>
         <p:spPr>
           <a:xfrm>
-            <a:off x="431800" y="3672280"/>
+            <a:off x="395536" y="4104201"/>
             <a:ext cx="8280400" cy="1695699"/>
           </a:xfrm>
         </p:spPr>
@@ -15589,8 +16328,8 @@
         </p:nvSpPr>
         <p:spPr>
           <a:xfrm>
-            <a:off x="179958" y="1403886"/>
-            <a:ext cx="8784083" cy="523220"/>
+            <a:off x="179958" y="1576951"/>
+            <a:ext cx="8784083" cy="553998"/>
           </a:xfrm>
           <a:prstGeom prst="rect">
             <a:avLst/>
@@ -15604,18 +16343,18 @@
           <a:lstStyle/>
           <a:p>
             <a:r>
-              <a:rPr lang="en-US" altLang="ja-JP" sz="2800" b="1" dirty="0">
+              <a:rPr lang="en-US" altLang="ja-JP" sz="3000" b="1" dirty="0">
                 <a:latin typeface="BIZ UDPGothic" panose="020B0400000000000000" pitchFamily="34" charset="-128"/>
                 <a:ea typeface="BIZ UDPGothic" panose="020B0400000000000000" pitchFamily="34" charset="-128"/>
               </a:rPr>
               <a:t>UDP</a:t>
             </a:r>
             <a:r>
-              <a:rPr lang="ja-JP" altLang="en-US" sz="2800" b="1" dirty="0">
+              <a:rPr lang="ja-JP" altLang="en-US" sz="3000" b="1" dirty="0">
                 <a:latin typeface="BIZ UDPGothic" panose="020B0400000000000000" pitchFamily="34" charset="-128"/>
                 <a:ea typeface="BIZ UDPGothic" panose="020B0400000000000000" pitchFamily="34" charset="-128"/>
               </a:rPr>
-              <a:t>レベルのフレーム構成をモデル化した</a:t>
+              <a:t>レベルのフレーム構成をモデル化</a:t>
             </a:r>
           </a:p>
         </p:txBody>
@@ -15634,7 +16373,7 @@
         </p:nvSpPr>
         <p:spPr>
           <a:xfrm>
-            <a:off x="107504" y="6454601"/>
+            <a:off x="11313" y="6488668"/>
             <a:ext cx="4824536" cy="369332"/>
           </a:xfrm>
           <a:prstGeom prst="rect">
@@ -15675,7 +16414,7 @@
         </p:nvSpPr>
         <p:spPr>
           <a:xfrm>
-            <a:off x="4354103" y="6458127"/>
+            <a:off x="4139505" y="6491669"/>
             <a:ext cx="4824536" cy="369332"/>
           </a:xfrm>
           <a:prstGeom prst="rect">
@@ -15723,8 +16462,8 @@
         </p:nvSpPr>
         <p:spPr>
           <a:xfrm>
-            <a:off x="694291" y="2132856"/>
-            <a:ext cx="7680536" cy="830997"/>
+            <a:off x="682099" y="2409448"/>
+            <a:ext cx="8461901" cy="892552"/>
           </a:xfrm>
           <a:prstGeom prst="rect">
             <a:avLst/>
@@ -15742,41 +16481,41 @@
               <a:buChar char="•"/>
             </a:pPr>
             <a:r>
-              <a:rPr kumimoji="1" lang="ja-JP" altLang="en-US" sz="2400" dirty="0">
+              <a:rPr kumimoji="1" lang="ja-JP" altLang="en-US" sz="2600" dirty="0">
                 <a:latin typeface="BIZ UDPGothic" panose="020B0400000000000000" pitchFamily="34" charset="-128"/>
                 <a:ea typeface="BIZ UDPGothic" panose="020B0400000000000000" pitchFamily="34" charset="-128"/>
               </a:rPr>
-              <a:t>プリアンブル </a:t>
-            </a:r>
-            <a:r>
-              <a:rPr kumimoji="1" lang="en-GB" altLang="ja-JP" sz="2400" dirty="0">
+              <a:t>プリアンブル     </a:t>
+            </a:r>
+            <a:r>
+              <a:rPr kumimoji="1" lang="en-GB" altLang="ja-JP" sz="2600" dirty="0">
                 <a:latin typeface="BIZ UDPGothic" panose="020B0400000000000000" pitchFamily="34" charset="-128"/>
                 <a:ea typeface="BIZ UDPGothic" panose="020B0400000000000000" pitchFamily="34" charset="-128"/>
               </a:rPr>
               <a:t>: </a:t>
             </a:r>
             <a:r>
-              <a:rPr kumimoji="1" lang="ja-JP" altLang="en-US" sz="2400" dirty="0">
+              <a:rPr kumimoji="1" lang="ja-JP" altLang="en-US" sz="2600" dirty="0">
                 <a:latin typeface="BIZ UDPGothic" panose="020B0400000000000000" pitchFamily="34" charset="-128"/>
                 <a:ea typeface="BIZ UDPGothic" panose="020B0400000000000000" pitchFamily="34" charset="-128"/>
               </a:rPr>
               <a:t>同期信号</a:t>
             </a:r>
             <a:r>
-              <a:rPr kumimoji="1" lang="en-GB" altLang="ja-JP" sz="2400" dirty="0">
+              <a:rPr kumimoji="1" lang="en-GB" altLang="ja-JP" sz="2600" dirty="0">
                 <a:latin typeface="BIZ UDPGothic" panose="020B0400000000000000" pitchFamily="34" charset="-128"/>
                 <a:ea typeface="BIZ UDPGothic" panose="020B0400000000000000" pitchFamily="34" charset="-128"/>
               </a:rPr>
               <a:t>,</a:t>
             </a:r>
             <a:r>
-              <a:rPr lang="ja-JP" altLang="en-US" sz="2400" dirty="0">
+              <a:rPr lang="ja-JP" altLang="en-US" sz="2600" dirty="0">
                 <a:latin typeface="BIZ UDPGothic" panose="020B0400000000000000" pitchFamily="34" charset="-128"/>
                 <a:ea typeface="BIZ UDPGothic" panose="020B0400000000000000" pitchFamily="34" charset="-128"/>
               </a:rPr>
               <a:t>変調方式の情報</a:t>
             </a:r>
-            <a:endParaRPr lang="en-GB" altLang="ja-JP" sz="2400" dirty="0">
+            <a:endParaRPr lang="en-GB" altLang="ja-JP" sz="2600" dirty="0">
               <a:latin typeface="BIZ UDPGothic" panose="020B0400000000000000" pitchFamily="34" charset="-128"/>
               <a:ea typeface="BIZ UDPGothic" panose="020B0400000000000000" pitchFamily="34" charset="-128"/>
             </a:endParaRPr>
@@ -15787,62 +16526,62 @@
               <a:buChar char="•"/>
             </a:pPr>
             <a:r>
-              <a:rPr kumimoji="1" lang="en-GB" sz="2400" dirty="0">
+              <a:rPr kumimoji="1" lang="en-GB" sz="2600" dirty="0">
                 <a:latin typeface="BIZ UDPGothic" panose="020B0400000000000000" pitchFamily="34" charset="-128"/>
                 <a:ea typeface="BIZ UDPGothic" panose="020B0400000000000000" pitchFamily="34" charset="-128"/>
               </a:rPr>
               <a:t>MAC</a:t>
             </a:r>
             <a:r>
-              <a:rPr kumimoji="1" lang="ja-JP" altLang="en-US" sz="2400" dirty="0">
+              <a:rPr kumimoji="1" lang="ja-JP" altLang="en-US" sz="2600" dirty="0">
                 <a:latin typeface="BIZ UDPGothic" panose="020B0400000000000000" pitchFamily="34" charset="-128"/>
                 <a:ea typeface="BIZ UDPGothic" panose="020B0400000000000000" pitchFamily="34" charset="-128"/>
               </a:rPr>
-              <a:t>ヘッダー </a:t>
-            </a:r>
-            <a:r>
-              <a:rPr kumimoji="1" lang="en-GB" altLang="ja-JP" sz="2400" dirty="0">
+              <a:t>ヘッダ      </a:t>
+            </a:r>
+            <a:r>
+              <a:rPr kumimoji="1" lang="en-GB" altLang="ja-JP" sz="2600" dirty="0">
                 <a:latin typeface="BIZ UDPGothic" panose="020B0400000000000000" pitchFamily="34" charset="-128"/>
                 <a:ea typeface="BIZ UDPGothic" panose="020B0400000000000000" pitchFamily="34" charset="-128"/>
               </a:rPr>
               <a:t>: </a:t>
             </a:r>
             <a:r>
-              <a:rPr kumimoji="1" lang="ja-JP" altLang="en-US" sz="2400" dirty="0">
+              <a:rPr kumimoji="1" lang="ja-JP" altLang="en-US" sz="2600" dirty="0">
                 <a:latin typeface="BIZ UDPGothic" panose="020B0400000000000000" pitchFamily="34" charset="-128"/>
                 <a:ea typeface="BIZ UDPGothic" panose="020B0400000000000000" pitchFamily="34" charset="-128"/>
               </a:rPr>
               <a:t>宛先</a:t>
             </a:r>
             <a:r>
-              <a:rPr lang="ja-JP" altLang="en-US" sz="2400" dirty="0">
+              <a:rPr lang="ja-JP" altLang="en-US" sz="2600" dirty="0">
                 <a:latin typeface="BIZ UDPGothic" panose="020B0400000000000000" pitchFamily="34" charset="-128"/>
                 <a:ea typeface="BIZ UDPGothic" panose="020B0400000000000000" pitchFamily="34" charset="-128"/>
               </a:rPr>
               <a:t>・</a:t>
             </a:r>
             <a:r>
-              <a:rPr kumimoji="1" lang="ja-JP" altLang="en-US" sz="2400" dirty="0">
+              <a:rPr kumimoji="1" lang="ja-JP" altLang="en-US" sz="2600" dirty="0">
                 <a:latin typeface="BIZ UDPGothic" panose="020B0400000000000000" pitchFamily="34" charset="-128"/>
                 <a:ea typeface="BIZ UDPGothic" panose="020B0400000000000000" pitchFamily="34" charset="-128"/>
               </a:rPr>
               <a:t>自分のアドレス</a:t>
             </a:r>
             <a:r>
-              <a:rPr kumimoji="1" lang="en-GB" altLang="ja-JP" sz="2400" dirty="0">
+              <a:rPr kumimoji="1" lang="en-GB" altLang="ja-JP" sz="2600" dirty="0">
                 <a:latin typeface="BIZ UDPGothic" panose="020B0400000000000000" pitchFamily="34" charset="-128"/>
                 <a:ea typeface="BIZ UDPGothic" panose="020B0400000000000000" pitchFamily="34" charset="-128"/>
               </a:rPr>
               <a:t>,</a:t>
             </a:r>
             <a:r>
-              <a:rPr kumimoji="1" lang="ja-JP" altLang="en-US" sz="2400" dirty="0">
+              <a:rPr kumimoji="1" lang="ja-JP" altLang="en-US" sz="2600" dirty="0">
                 <a:latin typeface="BIZ UDPGothic" panose="020B0400000000000000" pitchFamily="34" charset="-128"/>
                 <a:ea typeface="BIZ UDPGothic" panose="020B0400000000000000" pitchFamily="34" charset="-128"/>
               </a:rPr>
               <a:t>フレーム情報</a:t>
             </a:r>
-            <a:endParaRPr kumimoji="1" lang="en-GB" sz="2400" dirty="0">
+            <a:endParaRPr kumimoji="1" lang="en-GB" altLang="ja-JP" sz="2600" dirty="0">
               <a:latin typeface="BIZ UDPGothic" panose="020B0400000000000000" pitchFamily="34" charset="-128"/>
               <a:ea typeface="BIZ UDPGothic" panose="020B0400000000000000" pitchFamily="34" charset="-128"/>
             </a:endParaRPr>
@@ -15914,71 +16653,61 @@
           <a:lstStyle/>
           <a:p>
             <a:r>
-              <a:rPr lang="ja-JP" altLang="en-US" sz="2100" dirty="0">
+              <a:rPr lang="ja-JP" altLang="en-US" sz="2400" dirty="0">
                 <a:latin typeface="BIZ UDPゴシック" panose="020B0400000000000000" pitchFamily="50" charset="-128"/>
                 <a:ea typeface="BIZ UDPゴシック" panose="020B0400000000000000" pitchFamily="50" charset="-128"/>
               </a:rPr>
               <a:t>受信感度</a:t>
             </a:r>
             <a:r>
-              <a:rPr lang="en-US" altLang="ja-JP" sz="2100" dirty="0">
+              <a:rPr lang="en-US" altLang="ja-JP" sz="2400" dirty="0">
                 <a:latin typeface="BIZ UDPゴシック" panose="020B0400000000000000" pitchFamily="50" charset="-128"/>
                 <a:ea typeface="BIZ UDPゴシック" panose="020B0400000000000000" pitchFamily="50" charset="-128"/>
               </a:rPr>
               <a:t>(RSSI)</a:t>
             </a:r>
             <a:r>
-              <a:rPr lang="ja-JP" altLang="en-US" sz="2100" dirty="0">
+              <a:rPr lang="ja-JP" altLang="en-US" sz="2400" dirty="0">
                 <a:latin typeface="BIZ UDPゴシック" panose="020B0400000000000000" pitchFamily="50" charset="-128"/>
                 <a:ea typeface="BIZ UDPゴシック" panose="020B0400000000000000" pitchFamily="50" charset="-128"/>
               </a:rPr>
               <a:t>から</a:t>
             </a:r>
             <a:r>
-              <a:rPr lang="en-US" altLang="ja-JP" sz="2100" dirty="0">
+              <a:rPr lang="en-US" altLang="ja-JP" sz="2400" dirty="0">
                 <a:latin typeface="BIZ UDPゴシック" panose="020B0400000000000000" pitchFamily="50" charset="-128"/>
                 <a:ea typeface="BIZ UDPゴシック" panose="020B0400000000000000" pitchFamily="50" charset="-128"/>
               </a:rPr>
               <a:t>,MCS Index</a:t>
             </a:r>
             <a:r>
-              <a:rPr lang="ja-JP" altLang="en-US" sz="2100" dirty="0">
-                <a:latin typeface="BIZ UDPゴシック" panose="020B0400000000000000" pitchFamily="50" charset="-128"/>
-                <a:ea typeface="BIZ UDPゴシック" panose="020B0400000000000000" pitchFamily="50" charset="-128"/>
-              </a:rPr>
-              <a:t>に基づいて伝送レートが決められる</a:t>
-            </a:r>
-            <a:r>
-              <a:rPr lang="en-US" altLang="ja-JP" sz="2100" dirty="0">
-                <a:latin typeface="BIZ UDPゴシック" panose="020B0400000000000000" pitchFamily="50" charset="-128"/>
-                <a:ea typeface="BIZ UDPゴシック" panose="020B0400000000000000" pitchFamily="50" charset="-128"/>
-              </a:rPr>
-              <a:t>.</a:t>
-            </a:r>
-          </a:p>
-          <a:p>
-            <a:r>
-              <a:rPr kumimoji="1" lang="ja-JP" altLang="en-US" sz="2100" dirty="0">
+              <a:rPr lang="ja-JP" altLang="en-US" sz="2400" dirty="0">
+                <a:latin typeface="BIZ UDPゴシック" panose="020B0400000000000000" pitchFamily="50" charset="-128"/>
+                <a:ea typeface="BIZ UDPゴシック" panose="020B0400000000000000" pitchFamily="50" charset="-128"/>
+              </a:rPr>
+              <a:t>に基づいて伝送レートが決定</a:t>
+            </a:r>
+            <a:endParaRPr lang="en-US" altLang="ja-JP" sz="2400" dirty="0">
+              <a:latin typeface="BIZ UDPゴシック" panose="020B0400000000000000" pitchFamily="50" charset="-128"/>
+              <a:ea typeface="BIZ UDPゴシック" panose="020B0400000000000000" pitchFamily="50" charset="-128"/>
+            </a:endParaRPr>
+          </a:p>
+          <a:p>
+            <a:r>
+              <a:rPr kumimoji="1" lang="ja-JP" altLang="en-US" sz="2400" dirty="0">
                 <a:latin typeface="BIZ UDPゴシック" panose="020B0400000000000000" pitchFamily="50" charset="-128"/>
                 <a:ea typeface="BIZ UDPゴシック" panose="020B0400000000000000" pitchFamily="50" charset="-128"/>
               </a:rPr>
               <a:t>本シミュレータは物理層のシミュレータから伝送レート</a:t>
             </a:r>
             <a:r>
-              <a:rPr lang="ja-JP" altLang="en-US" sz="2100" dirty="0">
+              <a:rPr lang="ja-JP" altLang="en-US" sz="2400" dirty="0">
                 <a:latin typeface="BIZ UDPゴシック" panose="020B0400000000000000" pitchFamily="50" charset="-128"/>
                 <a:ea typeface="BIZ UDPゴシック" panose="020B0400000000000000" pitchFamily="50" charset="-128"/>
               </a:rPr>
               <a:t>を受け取る</a:t>
             </a:r>
-            <a:r>
-              <a:rPr lang="en-US" altLang="ja-JP" sz="2100" dirty="0">
-                <a:latin typeface="BIZ UDPゴシック" panose="020B0400000000000000" pitchFamily="50" charset="-128"/>
-                <a:ea typeface="BIZ UDPゴシック" panose="020B0400000000000000" pitchFamily="50" charset="-128"/>
-              </a:rPr>
-              <a:t>.</a:t>
-            </a:r>
-            <a:endParaRPr kumimoji="1" lang="ja-JP" altLang="en-US" sz="2100" dirty="0">
+            <a:endParaRPr kumimoji="1" lang="ja-JP" altLang="en-US" sz="2400" dirty="0">
               <a:latin typeface="BIZ UDPゴシック" panose="020B0400000000000000" pitchFamily="50" charset="-128"/>
               <a:ea typeface="BIZ UDPゴシック" panose="020B0400000000000000" pitchFamily="50" charset="-128"/>
             </a:endParaRPr>
@@ -16104,7 +16833,7 @@
         <p:spPr>
           <a:xfrm>
             <a:off x="-51908" y="6173734"/>
-            <a:ext cx="6768752" cy="338554"/>
+            <a:ext cx="6768752" cy="369332"/>
           </a:xfrm>
           <a:prstGeom prst="rect">
             <a:avLst/>
@@ -16118,13 +16847,13 @@
           <a:lstStyle/>
           <a:p>
             <a:r>
-              <a:rPr lang="en-US" altLang="ja-JP" sz="1600" dirty="0">
+              <a:rPr lang="en-US" altLang="ja-JP" dirty="0">
                 <a:latin typeface="BIZ UDPゴシック" panose="020B0400000000000000" pitchFamily="50" charset="-128"/>
                 <a:ea typeface="BIZ UDPゴシック" panose="020B0400000000000000" pitchFamily="50" charset="-128"/>
               </a:rPr>
               <a:t>RSSI : Received Signal Strength Indicator</a:t>
             </a:r>
-            <a:endParaRPr kumimoji="1" lang="ja-JP" altLang="en-US" sz="1600" dirty="0">
+            <a:endParaRPr kumimoji="1" lang="ja-JP" altLang="en-US" dirty="0">
               <a:ea typeface="游ゴシック Medium" panose="020B0500000000000000" pitchFamily="50" charset="-128"/>
             </a:endParaRPr>
           </a:p>
@@ -16144,8 +16873,8 @@
         </p:nvSpPr>
         <p:spPr>
           <a:xfrm>
-            <a:off x="-20528" y="6519446"/>
-            <a:ext cx="5976664" cy="338554"/>
+            <a:off x="-51908" y="6488668"/>
+            <a:ext cx="5976664" cy="369332"/>
           </a:xfrm>
           <a:prstGeom prst="rect">
             <a:avLst/>
@@ -16159,13 +16888,13 @@
           <a:lstStyle/>
           <a:p>
             <a:r>
-              <a:rPr lang="en-US" altLang="ja-JP" sz="1600" dirty="0">
+              <a:rPr lang="en-US" altLang="ja-JP" dirty="0">
                 <a:latin typeface="BIZ UDPゴシック" panose="020B0400000000000000" pitchFamily="50" charset="-128"/>
                 <a:ea typeface="BIZ UDPゴシック" panose="020B0400000000000000" pitchFamily="50" charset="-128"/>
               </a:rPr>
               <a:t>MCS : Modulation and Coding Scheme</a:t>
             </a:r>
-            <a:endParaRPr kumimoji="1" lang="ja-JP" altLang="en-US" sz="1600" dirty="0">
+            <a:endParaRPr kumimoji="1" lang="ja-JP" altLang="en-US" dirty="0">
               <a:ea typeface="游ゴシック Medium" panose="020B0500000000000000" pitchFamily="50" charset="-128"/>
             </a:endParaRPr>
           </a:p>

--- a/paper/shimozawa.pptx
+++ b/paper/shimozawa.pptx
@@ -1438,7 +1438,14 @@
               <a:rPr kumimoji="1" lang="ja-JP" altLang="en-US" dirty="0"/>
               <a:t>は実際のスループット</a:t>
             </a:r>
-            <a:endParaRPr kumimoji="1" lang="en-US" altLang="ja-JP" dirty="0"/>
+            <a:endParaRPr kumimoji="1" lang="en-GB" altLang="ja-JP" dirty="0"/>
+          </a:p>
+          <a:p>
+            <a:r>
+              <a:rPr kumimoji="1" lang="ja-JP" altLang="en-US" dirty="0"/>
+              <a:t>プロトコルが乗ると</a:t>
+            </a:r>
+            <a:endParaRPr kumimoji="1" lang="en-GB" altLang="ja-JP" dirty="0"/>
           </a:p>
           <a:p>
             <a:r>
@@ -7675,7 +7682,7 @@
           <a:p>
             <a:r>
               <a:rPr lang="ja-JP" altLang="en-US" dirty="0"/>
-              <a:t>ネットワーク構成</a:t>
+              <a:t>シミュレーション諸元</a:t>
             </a:r>
             <a:endParaRPr kumimoji="1" lang="ja-JP" altLang="en-US" dirty="0">
               <a:latin typeface="BIZ UDPゴシック" panose="020B0400000000000000" pitchFamily="50" charset="-128"/>
@@ -8079,13 +8086,13 @@
           <p:nvPr>
             <p:extLst>
               <p:ext uri="{D42A27DB-BD31-4B8C-83A1-F6EECF244321}">
-                <p14:modId xmlns:p14="http://schemas.microsoft.com/office/powerpoint/2010/main" val="3638448303"/>
+                <p14:modId xmlns:p14="http://schemas.microsoft.com/office/powerpoint/2010/main" val="3785641168"/>
               </p:ext>
             </p:extLst>
           </p:nvPr>
         </p:nvGraphicFramePr>
         <p:xfrm>
-          <a:off x="4088821" y="1851616"/>
+          <a:off x="4054941" y="1700808"/>
           <a:ext cx="4947674" cy="1898368"/>
         </p:xfrm>
         <a:graphic>
@@ -8122,7 +8129,7 @@
                           <a:latin typeface="BIZ UDPGothic" panose="020B0400000000000000" pitchFamily="34" charset="-128"/>
                           <a:ea typeface="BIZ UDPGothic" panose="020B0400000000000000" pitchFamily="34" charset="-128"/>
                         </a:rPr>
-                        <a:t>対応モード</a:t>
+                        <a:t>対応規格</a:t>
                       </a:r>
                       <a:endParaRPr lang="en-GB" dirty="0">
                         <a:latin typeface="BIZ UDPGothic" panose="020B0400000000000000" pitchFamily="34" charset="-128"/>
@@ -8175,7 +8182,7 @@
                     <a:bodyPr/>
                     <a:lstStyle/>
                     <a:p>
-                      <a:pPr algn="l"/>
+                      <a:pPr algn="ctr"/>
                       <a:r>
                         <a:rPr lang="en-GB" dirty="0">
                           <a:latin typeface="BIZ UDPGothic" panose="020B0400000000000000" pitchFamily="34" charset="-128"/>
@@ -8296,9 +8303,9 @@
                     <a:bodyPr/>
                     <a:lstStyle/>
                     <a:p>
-                      <a:pPr algn="l"/>
+                      <a:pPr algn="ctr"/>
                       <a:r>
-                        <a:rPr lang="en-GB" dirty="0">
+                        <a:rPr lang="en-GB" altLang="ja-JP" dirty="0">
                           <a:latin typeface="BIZ UDPGothic" panose="020B0400000000000000" pitchFamily="34" charset="-128"/>
                           <a:ea typeface="BIZ UDPGothic" panose="020B0400000000000000" pitchFamily="34" charset="-128"/>
                         </a:rPr>
@@ -8309,7 +8316,7 @@
                           <a:latin typeface="BIZ UDPGothic" panose="020B0400000000000000" pitchFamily="34" charset="-128"/>
                           <a:ea typeface="BIZ UDPGothic" panose="020B0400000000000000" pitchFamily="34" charset="-128"/>
                         </a:rPr>
-                        <a:t>　　  </a:t>
+                        <a:t> </a:t>
                       </a:r>
                       <a:r>
                         <a:rPr lang="en-GB" dirty="0">
@@ -8320,7 +8327,7 @@
                       </a:r>
                     </a:p>
                     <a:p>
-                      <a:pPr algn="l"/>
+                      <a:pPr algn="ctr"/>
                       <a:r>
                         <a:rPr lang="en-GB" dirty="0">
                           <a:latin typeface="BIZ UDPGothic" panose="020B0400000000000000" pitchFamily="34" charset="-128"/>
@@ -8455,11 +8462,14 @@
                     <a:bodyPr/>
                     <a:lstStyle/>
                     <a:p>
-                      <a:pPr algn="l"/>
-                      <a:endParaRPr lang="en-GB" dirty="0">
-                        <a:latin typeface="BIZ UDPGothic" panose="020B0400000000000000" pitchFamily="34" charset="-128"/>
-                        <a:ea typeface="BIZ UDPGothic" panose="020B0400000000000000" pitchFamily="34" charset="-128"/>
-                      </a:endParaRPr>
+                      <a:pPr algn="ctr"/>
+                      <a:r>
+                        <a:rPr lang="en-GB" dirty="0">
+                          <a:latin typeface="BIZ UDPGothic" panose="020B0400000000000000" pitchFamily="34" charset="-128"/>
+                          <a:ea typeface="BIZ UDPGothic" panose="020B0400000000000000" pitchFamily="34" charset="-128"/>
+                        </a:rPr>
+                        <a:t>800 ns</a:t>
+                      </a:r>
                     </a:p>
                   </a:txBody>
                   <a:tcPr anchor="ctr">
@@ -8515,6 +8525,13 @@
                     <a:lstStyle/>
                     <a:p>
                       <a:pPr algn="ctr"/>
+                      <a:r>
+                        <a:rPr lang="ja-JP" altLang="en-US" dirty="0">
+                          <a:latin typeface="BIZ UDPGothic" panose="020B0400000000000000" pitchFamily="34" charset="-128"/>
+                          <a:ea typeface="BIZ UDPGothic" panose="020B0400000000000000" pitchFamily="34" charset="-128"/>
+                        </a:rPr>
+                        <a:t>端末台数</a:t>
+                      </a:r>
                       <a:endParaRPr lang="en-GB" dirty="0">
                         <a:latin typeface="BIZ UDPGothic" panose="020B0400000000000000" pitchFamily="34" charset="-128"/>
                         <a:ea typeface="BIZ UDPGothic" panose="020B0400000000000000" pitchFamily="34" charset="-128"/>
@@ -8566,7 +8583,35 @@
                     <a:bodyPr/>
                     <a:lstStyle/>
                     <a:p>
-                      <a:pPr algn="l"/>
+                      <a:pPr algn="ctr"/>
+                      <a:r>
+                        <a:rPr lang="en-GB" dirty="0">
+                          <a:latin typeface="BIZ UDPGothic" panose="020B0400000000000000" pitchFamily="34" charset="-128"/>
+                          <a:ea typeface="BIZ UDPGothic" panose="020B0400000000000000" pitchFamily="34" charset="-128"/>
+                        </a:rPr>
+                        <a:t>1</a:t>
+                      </a:r>
+                      <a:r>
+                        <a:rPr lang="ja-JP" altLang="en-US" dirty="0">
+                          <a:latin typeface="BIZ UDPGothic" panose="020B0400000000000000" pitchFamily="34" charset="-128"/>
+                          <a:ea typeface="BIZ UDPGothic" panose="020B0400000000000000" pitchFamily="34" charset="-128"/>
+                        </a:rPr>
+                        <a:t>～</a:t>
+                      </a:r>
+                      <a:r>
+                        <a:rPr lang="en-GB" altLang="ja-JP" dirty="0">
+                          <a:latin typeface="BIZ UDPGothic" panose="020B0400000000000000" pitchFamily="34" charset="-128"/>
+                          <a:ea typeface="BIZ UDPGothic" panose="020B0400000000000000" pitchFamily="34" charset="-128"/>
+                        </a:rPr>
+                        <a:t>80</a:t>
+                      </a:r>
+                      <a:r>
+                        <a:rPr lang="ja-JP" altLang="en-US" dirty="0">
+                          <a:latin typeface="BIZ UDPGothic" panose="020B0400000000000000" pitchFamily="34" charset="-128"/>
+                          <a:ea typeface="BIZ UDPGothic" panose="020B0400000000000000" pitchFamily="34" charset="-128"/>
+                        </a:rPr>
+                        <a:t>台</a:t>
+                      </a:r>
                       <a:endParaRPr lang="en-GB" dirty="0">
                         <a:latin typeface="BIZ UDPGothic" panose="020B0400000000000000" pitchFamily="34" charset="-128"/>
                         <a:ea typeface="BIZ UDPGothic" panose="020B0400000000000000" pitchFamily="34" charset="-128"/>
@@ -8637,8 +8682,8 @@
         </p:nvSpPr>
         <p:spPr>
           <a:xfrm>
-            <a:off x="577883" y="5144414"/>
-            <a:ext cx="6836107" cy="430887"/>
+            <a:off x="229303" y="4898752"/>
+            <a:ext cx="8807192" cy="1477328"/>
           </a:xfrm>
           <a:prstGeom prst="rect">
             <a:avLst/>
@@ -8651,63 +8696,157 @@
           </a:bodyPr>
           <a:lstStyle/>
           <a:p>
-            <a:r>
-              <a:rPr lang="en-GB" altLang="ja-JP" sz="2200" dirty="0">
-                <a:latin typeface="BIZ UDPゴシック" panose="020B0400000000000000" pitchFamily="50" charset="-128"/>
-                <a:ea typeface="BIZ UDPゴシック" panose="020B0400000000000000" pitchFamily="50" charset="-128"/>
-              </a:rPr>
-              <a:t>24Mbps</a:t>
-            </a:r>
-            <a:r>
-              <a:rPr lang="ja-JP" altLang="en-US" sz="2200" dirty="0">
+            <a:pPr marL="342900" indent="-342900">
+              <a:buFont typeface="Arial" panose="020B0604020202020204" pitchFamily="34" charset="0"/>
+              <a:buChar char="•"/>
+            </a:pPr>
+            <a:r>
+              <a:rPr lang="ja-JP" altLang="en-US" sz="2000" dirty="0">
+                <a:latin typeface="BIZ UDPゴシック" panose="020B0400000000000000" pitchFamily="50" charset="-128"/>
+                <a:ea typeface="BIZ UDPゴシック" panose="020B0400000000000000" pitchFamily="50" charset="-128"/>
+              </a:rPr>
+              <a:t>精度を検証するために</a:t>
+            </a:r>
+            <a:r>
+              <a:rPr lang="en-GB" altLang="ja-JP" sz="2000" dirty="0">
+                <a:latin typeface="BIZ UDPゴシック" panose="020B0400000000000000" pitchFamily="50" charset="-128"/>
+                <a:ea typeface="BIZ UDPゴシック" panose="020B0400000000000000" pitchFamily="50" charset="-128"/>
+              </a:rPr>
+              <a:t>, IEEE 802.11a, 24Mbps</a:t>
+            </a:r>
+            <a:r>
+              <a:rPr lang="ja-JP" altLang="en-US" sz="2000" dirty="0">
                 <a:latin typeface="BIZ UDPゴシック" panose="020B0400000000000000" pitchFamily="50" charset="-128"/>
                 <a:ea typeface="BIZ UDPゴシック" panose="020B0400000000000000" pitchFamily="50" charset="-128"/>
               </a:rPr>
               <a:t>固定，</a:t>
             </a:r>
             <a:r>
-              <a:rPr lang="en-GB" altLang="ja-JP" sz="2200" dirty="0">
+              <a:rPr lang="en-GB" altLang="ja-JP" sz="2000" dirty="0">
                 <a:latin typeface="BIZ UDPゴシック" panose="020B0400000000000000" pitchFamily="50" charset="-128"/>
                 <a:ea typeface="BIZ UDPゴシック" panose="020B0400000000000000" pitchFamily="50" charset="-128"/>
               </a:rPr>
               <a:t>1</a:t>
             </a:r>
             <a:r>
-              <a:rPr lang="ja-JP" altLang="en-US" sz="2200" dirty="0">
+              <a:rPr lang="ja-JP" altLang="en-US" sz="2000" dirty="0">
                 <a:latin typeface="BIZ UDPゴシック" panose="020B0400000000000000" pitchFamily="50" charset="-128"/>
                 <a:ea typeface="BIZ UDPゴシック" panose="020B0400000000000000" pitchFamily="50" charset="-128"/>
               </a:rPr>
               <a:t>～</a:t>
             </a:r>
             <a:r>
-              <a:rPr lang="en-GB" altLang="ja-JP" sz="2200" dirty="0">
+              <a:rPr lang="en-GB" altLang="ja-JP" sz="2000" dirty="0">
                 <a:latin typeface="BIZ UDPゴシック" panose="020B0400000000000000" pitchFamily="50" charset="-128"/>
                 <a:ea typeface="BIZ UDPゴシック" panose="020B0400000000000000" pitchFamily="50" charset="-128"/>
               </a:rPr>
               <a:t>80</a:t>
             </a:r>
             <a:r>
-              <a:rPr lang="ja-JP" altLang="en-US" sz="2200" dirty="0">
+              <a:rPr lang="ja-JP" altLang="en-US" sz="2000" dirty="0">
                 <a:latin typeface="BIZ UDPゴシック" panose="020B0400000000000000" pitchFamily="50" charset="-128"/>
                 <a:ea typeface="BIZ UDPゴシック" panose="020B0400000000000000" pitchFamily="50" charset="-128"/>
               </a:rPr>
               <a:t>台，</a:t>
             </a:r>
             <a:r>
-              <a:rPr lang="en-GB" altLang="ja-JP" sz="2200" dirty="0">
+              <a:rPr lang="en-GB" altLang="ja-JP" sz="2000" dirty="0">
                 <a:latin typeface="BIZ UDPゴシック" panose="020B0400000000000000" pitchFamily="50" charset="-128"/>
                 <a:ea typeface="BIZ UDPゴシック" panose="020B0400000000000000" pitchFamily="50" charset="-128"/>
               </a:rPr>
               <a:t>1000</a:t>
             </a:r>
             <a:r>
-              <a:rPr lang="ja-JP" altLang="en-US" sz="2200" dirty="0">
-                <a:latin typeface="BIZ UDPゴシック" panose="020B0400000000000000" pitchFamily="50" charset="-128"/>
-                <a:ea typeface="BIZ UDPゴシック" panose="020B0400000000000000" pitchFamily="50" charset="-128"/>
-              </a:rPr>
-              <a:t>回</a:t>
-            </a:r>
-            <a:endParaRPr lang="en-US" altLang="ja-JP" sz="2200" dirty="0">
+              <a:rPr lang="ja-JP" altLang="en-US" sz="2000" dirty="0">
+                <a:latin typeface="BIZ UDPゴシック" panose="020B0400000000000000" pitchFamily="50" charset="-128"/>
+                <a:ea typeface="BIZ UDPゴシック" panose="020B0400000000000000" pitchFamily="50" charset="-128"/>
+              </a:rPr>
+              <a:t>回シミュレーションを行い理論値と比較</a:t>
+            </a:r>
+            <a:endParaRPr lang="en-GB" altLang="ja-JP" sz="2000" dirty="0">
+              <a:latin typeface="BIZ UDPゴシック" panose="020B0400000000000000" pitchFamily="50" charset="-128"/>
+              <a:ea typeface="BIZ UDPゴシック" panose="020B0400000000000000" pitchFamily="50" charset="-128"/>
+            </a:endParaRPr>
+          </a:p>
+          <a:p>
+            <a:pPr marL="342900" indent="-342900">
+              <a:buFont typeface="Arial" panose="020B0604020202020204" pitchFamily="34" charset="0"/>
+              <a:buChar char="•"/>
+            </a:pPr>
+            <a:endParaRPr lang="en-GB" altLang="ja-JP" sz="1000" dirty="0">
+              <a:latin typeface="BIZ UDPゴシック" panose="020B0400000000000000" pitchFamily="50" charset="-128"/>
+              <a:ea typeface="BIZ UDPゴシック" panose="020B0400000000000000" pitchFamily="50" charset="-128"/>
+            </a:endParaRPr>
+          </a:p>
+          <a:p>
+            <a:pPr marL="342900" indent="-342900">
+              <a:buFont typeface="Arial" panose="020B0604020202020204" pitchFamily="34" charset="0"/>
+              <a:buChar char="•"/>
+            </a:pPr>
+            <a:r>
+              <a:rPr lang="en-GB" altLang="ja-JP" sz="2000" dirty="0">
+                <a:latin typeface="BIZ UDPゴシック" panose="020B0400000000000000" pitchFamily="50" charset="-128"/>
+                <a:ea typeface="BIZ UDPゴシック" panose="020B0400000000000000" pitchFamily="50" charset="-128"/>
+              </a:rPr>
+              <a:t>IEEE 802.11a, MCS Index</a:t>
+            </a:r>
+            <a:r>
+              <a:rPr lang="ja-JP" altLang="en-US" sz="2000" dirty="0">
+                <a:latin typeface="BIZ UDPゴシック" panose="020B0400000000000000" pitchFamily="50" charset="-128"/>
+                <a:ea typeface="BIZ UDPゴシック" panose="020B0400000000000000" pitchFamily="50" charset="-128"/>
+              </a:rPr>
+              <a:t>に定義されている全ての伝送レート，</a:t>
+            </a:r>
+            <a:endParaRPr lang="en-GB" altLang="ja-JP" sz="2000" dirty="0">
+              <a:latin typeface="BIZ UDPゴシック" panose="020B0400000000000000" pitchFamily="50" charset="-128"/>
+              <a:ea typeface="BIZ UDPゴシック" panose="020B0400000000000000" pitchFamily="50" charset="-128"/>
+            </a:endParaRPr>
+          </a:p>
+          <a:p>
+            <a:pPr lvl="1"/>
+            <a:r>
+              <a:rPr lang="en-GB" altLang="ja-JP" sz="2000" dirty="0">
+                <a:latin typeface="BIZ UDPゴシック" panose="020B0400000000000000" pitchFamily="50" charset="-128"/>
+                <a:ea typeface="BIZ UDPゴシック" panose="020B0400000000000000" pitchFamily="50" charset="-128"/>
+              </a:rPr>
+              <a:t>1</a:t>
+            </a:r>
+            <a:r>
+              <a:rPr lang="ja-JP" altLang="en-US" sz="2000" dirty="0">
+                <a:latin typeface="BIZ UDPゴシック" panose="020B0400000000000000" pitchFamily="50" charset="-128"/>
+                <a:ea typeface="BIZ UDPゴシック" panose="020B0400000000000000" pitchFamily="50" charset="-128"/>
+              </a:rPr>
+              <a:t>～</a:t>
+            </a:r>
+            <a:r>
+              <a:rPr lang="en-GB" altLang="ja-JP" sz="2000" dirty="0">
+                <a:latin typeface="BIZ UDPゴシック" panose="020B0400000000000000" pitchFamily="50" charset="-128"/>
+                <a:ea typeface="BIZ UDPゴシック" panose="020B0400000000000000" pitchFamily="50" charset="-128"/>
+              </a:rPr>
+              <a:t>80</a:t>
+            </a:r>
+            <a:r>
+              <a:rPr lang="ja-JP" altLang="en-US" sz="2000" dirty="0">
+                <a:latin typeface="BIZ UDPゴシック" panose="020B0400000000000000" pitchFamily="50" charset="-128"/>
+                <a:ea typeface="BIZ UDPゴシック" panose="020B0400000000000000" pitchFamily="50" charset="-128"/>
+              </a:rPr>
+              <a:t>台，</a:t>
+            </a:r>
+            <a:r>
+              <a:rPr lang="en-GB" altLang="ja-JP" sz="2000" dirty="0">
+                <a:latin typeface="BIZ UDPゴシック" panose="020B0400000000000000" pitchFamily="50" charset="-128"/>
+                <a:ea typeface="BIZ UDPゴシック" panose="020B0400000000000000" pitchFamily="50" charset="-128"/>
+              </a:rPr>
+              <a:t>1000</a:t>
+            </a:r>
+            <a:r>
+              <a:rPr lang="ja-JP" altLang="en-US" sz="2000" dirty="0">
+                <a:latin typeface="BIZ UDPゴシック" panose="020B0400000000000000" pitchFamily="50" charset="-128"/>
+                <a:ea typeface="BIZ UDPゴシック" panose="020B0400000000000000" pitchFamily="50" charset="-128"/>
+              </a:rPr>
+              <a:t>回シミュレーションを行い同様の傾向が見られるか検証</a:t>
+            </a:r>
+            <a:endParaRPr lang="en-US" altLang="ja-JP" sz="2000" dirty="0">
               <a:latin typeface="BIZ UDPゴシック" panose="020B0400000000000000" pitchFamily="50" charset="-128"/>
               <a:ea typeface="BIZ UDPゴシック" panose="020B0400000000000000" pitchFamily="50" charset="-128"/>
             </a:endParaRPr>
@@ -11981,8 +12120,8 @@
         </p:nvSpPr>
         <p:spPr>
           <a:xfrm>
-            <a:off x="580210" y="4896701"/>
-            <a:ext cx="7967257" cy="954107"/>
+            <a:off x="-80354" y="4847584"/>
+            <a:ext cx="9304707" cy="1077218"/>
           </a:xfrm>
           <a:prstGeom prst="rect">
             <a:avLst/>
@@ -11997,13 +12136,13 @@
           <a:p>
             <a:pPr algn="ctr"/>
             <a:r>
-              <a:rPr kumimoji="1" lang="ja-JP" altLang="en-US" sz="2800" b="1" dirty="0">
+              <a:rPr kumimoji="1" lang="ja-JP" altLang="en-US" sz="3200" dirty="0">
                 <a:latin typeface="BIZ UDPゴシック" panose="020B0400000000000000" pitchFamily="50" charset="-128"/>
                 <a:ea typeface="BIZ UDPゴシック" panose="020B0400000000000000" pitchFamily="50" charset="-128"/>
               </a:rPr>
               <a:t>物理層から上位層までを考慮した</a:t>
             </a:r>
-            <a:endParaRPr kumimoji="1" lang="en-US" altLang="ja-JP" sz="2800" b="1" dirty="0">
+            <a:endParaRPr kumimoji="1" lang="en-US" altLang="ja-JP" sz="3200" dirty="0">
               <a:latin typeface="BIZ UDPゴシック" panose="020B0400000000000000" pitchFamily="50" charset="-128"/>
               <a:ea typeface="BIZ UDPゴシック" panose="020B0400000000000000" pitchFamily="50" charset="-128"/>
             </a:endParaRPr>
@@ -12011,13 +12150,13 @@
           <a:p>
             <a:pPr algn="ctr"/>
             <a:r>
-              <a:rPr lang="ja-JP" altLang="en-US" sz="2800" b="1" dirty="0">
+              <a:rPr lang="ja-JP" altLang="en-US" sz="3200" dirty="0">
                 <a:latin typeface="BIZ UDPゴシック" panose="020B0400000000000000" pitchFamily="50" charset="-128"/>
                 <a:ea typeface="BIZ UDPゴシック" panose="020B0400000000000000" pitchFamily="50" charset="-128"/>
               </a:rPr>
               <a:t>クロスレイヤでの評価を行えるシミュレータが必要</a:t>
             </a:r>
-            <a:endParaRPr kumimoji="1" lang="ja-JP" altLang="en-US" sz="2800" b="1" dirty="0">
+            <a:endParaRPr kumimoji="1" lang="ja-JP" altLang="en-US" sz="3200" dirty="0">
               <a:latin typeface="BIZ UDPゴシック" panose="020B0400000000000000" pitchFamily="50" charset="-128"/>
               <a:ea typeface="BIZ UDPゴシック" panose="020B0400000000000000" pitchFamily="50" charset="-128"/>
             </a:endParaRPr>
@@ -12039,7 +12178,7 @@
         <p:spPr>
           <a:xfrm>
             <a:off x="580210" y="3869086"/>
-            <a:ext cx="7880509" cy="830997"/>
+            <a:ext cx="8744318" cy="830997"/>
           </a:xfrm>
           <a:prstGeom prst="rect">
             <a:avLst/>
@@ -12107,7 +12246,7 @@
                 <a:latin typeface="BIZ UDPゴシック" panose="020B0400000000000000" pitchFamily="50" charset="-128"/>
                 <a:ea typeface="BIZ UDPゴシック" panose="020B0400000000000000" pitchFamily="50" charset="-128"/>
               </a:rPr>
-              <a:t>24Mbps</a:t>
+              <a:t>50%</a:t>
             </a:r>
             <a:r>
               <a:rPr lang="ja-JP" altLang="en-US" sz="2400" dirty="0">

--- a/paper/shimozawa.pptx
+++ b/paper/shimozawa.pptx
@@ -226,7 +226,7 @@
           <a:p>
             <a:fld id="{2BFE9D47-A5E2-4416-924B-D108B50498DE}" type="datetimeFigureOut">
               <a:rPr kumimoji="1" lang="ja-JP" altLang="en-US" smtClean="0"/>
-              <a:t>2025/2/28</a:t>
+              <a:t>2025/3/2</a:t>
             </a:fld>
             <a:endParaRPr kumimoji="1" lang="ja-JP" altLang="en-US"/>
           </a:p>
@@ -671,7 +671,30 @@
           <a:bodyPr/>
           <a:lstStyle/>
           <a:p>
-            <a:endParaRPr kumimoji="1" lang="ja-JP" altLang="en-US" dirty="0"/>
+            <a:r>
+              <a:rPr kumimoji="1" lang="ja-JP" altLang="en-US" dirty="0"/>
+              <a:t>まず</a:t>
+            </a:r>
+            <a:endParaRPr kumimoji="1" lang="en-US" altLang="ja-JP" dirty="0"/>
+          </a:p>
+          <a:p>
+            <a:endParaRPr kumimoji="1" lang="en-US" altLang="ja-JP" dirty="0"/>
+          </a:p>
+          <a:p>
+            <a:r>
+              <a:rPr kumimoji="1" lang="ja-JP" altLang="en-US" dirty="0"/>
+              <a:t>精度を検証するため</a:t>
+            </a:r>
+            <a:endParaRPr kumimoji="1" lang="en-US" altLang="ja-JP" dirty="0"/>
+          </a:p>
+          <a:p>
+            <a:endParaRPr kumimoji="1" lang="en-US" altLang="ja-JP" dirty="0"/>
+          </a:p>
+          <a:p>
+            <a:r>
+              <a:rPr kumimoji="1" lang="ja-JP" altLang="en-US" dirty="0"/>
+              <a:t>次に</a:t>
+            </a:r>
           </a:p>
         </p:txBody>
       </p:sp>
@@ -1603,6 +1626,13 @@
             <a:r>
               <a:rPr lang="ja-JP" altLang="en-US" dirty="0"/>
               <a:t>全て実験で行おうとしたら相当高い実験装置を買わないといけない</a:t>
+            </a:r>
+            <a:endParaRPr lang="en-US" altLang="ja-JP" dirty="0"/>
+          </a:p>
+          <a:p>
+            <a:r>
+              <a:rPr lang="ja-JP" altLang="en-US" dirty="0"/>
+              <a:t>プロトコル乗せて</a:t>
             </a:r>
             <a:endParaRPr lang="en-US" altLang="ja-JP" dirty="0"/>
           </a:p>
@@ -8803,13 +8833,12 @@
             </a:endParaRPr>
           </a:p>
           <a:p>
-            <a:pPr lvl="1"/>
             <a:r>
               <a:rPr lang="en-GB" altLang="ja-JP" sz="2000" dirty="0">
                 <a:latin typeface="BIZ UDPゴシック" panose="020B0400000000000000" pitchFamily="50" charset="-128"/>
                 <a:ea typeface="BIZ UDPゴシック" panose="020B0400000000000000" pitchFamily="50" charset="-128"/>
               </a:rPr>
-              <a:t>1</a:t>
+              <a:t>    1</a:t>
             </a:r>
             <a:r>
               <a:rPr lang="ja-JP" altLang="en-US" sz="2000" dirty="0">
@@ -8962,7 +8991,7 @@
       </p:sp>
       <p:pic>
         <p:nvPicPr>
-          <p:cNvPr id="7" name="図 6" descr="グラフ, 折れ線グラフ&#10;&#10;AI によって生成されたコンテンツは間違っている可能性があります。">
+          <p:cNvPr id="7" name="図 6">
             <a:extLst>
               <a:ext uri="{FF2B5EF4-FFF2-40B4-BE49-F238E27FC236}">
                 <a16:creationId xmlns:a16="http://schemas.microsoft.com/office/drawing/2014/main" id="{9CB94964-0E24-7BA7-984E-ADF009EEA46D}"/>
@@ -8982,14 +9011,13 @@
               </a:ext>
             </a:extLst>
           </a:blip>
-          <a:stretch>
-            <a:fillRect/>
-          </a:stretch>
+          <a:srcRect/>
+          <a:stretch/>
         </p:blipFill>
         <p:spPr>
           <a:xfrm>
-            <a:off x="2195736" y="1412775"/>
-            <a:ext cx="4608512" cy="3451987"/>
+            <a:off x="2195736" y="1418956"/>
+            <a:ext cx="4608512" cy="3439625"/>
           </a:xfrm>
           <a:prstGeom prst="rect">
             <a:avLst/>
@@ -9530,7 +9558,7 @@
       </p:sp>
       <p:pic>
         <p:nvPicPr>
-          <p:cNvPr id="5" name="図 4" descr="グラフ, 折れ線グラフ&#10;&#10;AI によって生成されたコンテンツは間違っている可能性があります。">
+          <p:cNvPr id="5" name="図 4">
             <a:extLst>
               <a:ext uri="{FF2B5EF4-FFF2-40B4-BE49-F238E27FC236}">
                 <a16:creationId xmlns:a16="http://schemas.microsoft.com/office/drawing/2014/main" id="{C765A56F-A28C-48C2-A052-3B02A8B4656F}"/>
@@ -9543,21 +9571,20 @@
           <p:nvPr/>
         </p:nvPicPr>
         <p:blipFill>
-          <a:blip r:embed="rId3">
+          <a:blip r:embed="rId3" cstate="print">
             <a:extLst>
               <a:ext uri="{28A0092B-C50C-407E-A947-70E740481C1C}">
                 <a14:useLocalDpi xmlns:a14="http://schemas.microsoft.com/office/drawing/2010/main" val="0"/>
               </a:ext>
             </a:extLst>
           </a:blip>
-          <a:stretch>
-            <a:fillRect/>
-          </a:stretch>
+          <a:srcRect/>
+          <a:stretch/>
         </p:blipFill>
         <p:spPr>
           <a:xfrm>
-            <a:off x="2077384" y="1556792"/>
-            <a:ext cx="4989230" cy="3816424"/>
+            <a:off x="2080921" y="1556792"/>
+            <a:ext cx="4982155" cy="3816424"/>
           </a:xfrm>
           <a:prstGeom prst="rect">
             <a:avLst/>
@@ -12625,47 +12652,6 @@
       </p:sp>
       <p:sp>
         <p:nvSpPr>
-          <p:cNvPr id="5" name="正方形/長方形 21">
-            <a:extLst>
-              <a:ext uri="{FF2B5EF4-FFF2-40B4-BE49-F238E27FC236}">
-                <a16:creationId xmlns:a16="http://schemas.microsoft.com/office/drawing/2014/main" id="{AEF8C392-2A51-09DD-9F3A-B08023C664D8}"/>
-              </a:ext>
-            </a:extLst>
-          </p:cNvPr>
-          <p:cNvSpPr/>
-          <p:nvPr/>
-        </p:nvSpPr>
-        <p:spPr>
-          <a:xfrm>
-            <a:off x="2649326" y="3654631"/>
-            <a:ext cx="1791940" cy="593013"/>
-          </a:xfrm>
-          <a:prstGeom prst="rect">
-            <a:avLst/>
-          </a:prstGeom>
-          <a:solidFill>
-            <a:schemeClr val="bg2">
-              <a:lumMod val="25000"/>
-              <a:lumOff val="75000"/>
-            </a:schemeClr>
-          </a:solidFill>
-          <a:ln>
-            <a:noFill/>
-          </a:ln>
-        </p:spPr>
-        <p:txBody>
-          <a:bodyPr wrap="square" rtlCol="0" anchor="ctr">
-            <a:spAutoFit/>
-          </a:bodyPr>
-          <a:lstStyle/>
-          <a:p>
-            <a:pPr algn="ctr"/>
-            <a:endParaRPr kumimoji="1" lang="ja-JP" altLang="en-US" kern="0" dirty="0"/>
-          </a:p>
-        </p:txBody>
-      </p:sp>
-      <p:sp>
-        <p:nvSpPr>
           <p:cNvPr id="6" name="コンテンツ プレースホルダー 1">
             <a:extLst>
               <a:ext uri="{FF2B5EF4-FFF2-40B4-BE49-F238E27FC236}">
@@ -12919,1559 +12905,6 @@
       </p:sp>
       <p:sp>
         <p:nvSpPr>
-          <p:cNvPr id="7" name="正方形/長方形 5">
-            <a:extLst>
-              <a:ext uri="{FF2B5EF4-FFF2-40B4-BE49-F238E27FC236}">
-                <a16:creationId xmlns:a16="http://schemas.microsoft.com/office/drawing/2014/main" id="{8D6A3D0E-4A8C-87CE-8C21-F43D35F7AB2B}"/>
-              </a:ext>
-            </a:extLst>
-          </p:cNvPr>
-          <p:cNvSpPr/>
-          <p:nvPr/>
-        </p:nvSpPr>
-        <p:spPr>
-          <a:xfrm>
-            <a:off x="1299885" y="2629367"/>
-            <a:ext cx="1225399" cy="2795025"/>
-          </a:xfrm>
-          <a:prstGeom prst="rect">
-            <a:avLst/>
-          </a:prstGeom>
-          <a:solidFill>
-            <a:schemeClr val="accent5">
-              <a:lumMod val="20000"/>
-              <a:lumOff val="80000"/>
-            </a:schemeClr>
-          </a:solidFill>
-          <a:ln>
-            <a:noFill/>
-          </a:ln>
-        </p:spPr>
-        <p:txBody>
-          <a:bodyPr wrap="square" rtlCol="0" anchor="ctr">
-            <a:spAutoFit/>
-          </a:bodyPr>
-          <a:lstStyle/>
-          <a:p>
-            <a:pPr algn="ctr"/>
-            <a:endParaRPr kumimoji="1" lang="ja-JP" altLang="en-US" kern="0" dirty="0"/>
-          </a:p>
-        </p:txBody>
-      </p:sp>
-      <p:sp>
-        <p:nvSpPr>
-          <p:cNvPr id="8" name="正方形/長方形 6">
-            <a:extLst>
-              <a:ext uri="{FF2B5EF4-FFF2-40B4-BE49-F238E27FC236}">
-                <a16:creationId xmlns:a16="http://schemas.microsoft.com/office/drawing/2014/main" id="{770DD132-63B3-ABBF-5FA2-9C6F5959C2D1}"/>
-              </a:ext>
-            </a:extLst>
-          </p:cNvPr>
-          <p:cNvSpPr/>
-          <p:nvPr/>
-        </p:nvSpPr>
-        <p:spPr>
-          <a:xfrm>
-            <a:off x="2658877" y="4975122"/>
-            <a:ext cx="1800201" cy="483495"/>
-          </a:xfrm>
-          <a:prstGeom prst="rect">
-            <a:avLst/>
-          </a:prstGeom>
-          <a:solidFill>
-            <a:schemeClr val="accent5">
-              <a:lumMod val="20000"/>
-              <a:lumOff val="80000"/>
-            </a:schemeClr>
-          </a:solidFill>
-          <a:ln>
-            <a:noFill/>
-          </a:ln>
-        </p:spPr>
-        <p:txBody>
-          <a:bodyPr wrap="square" rtlCol="0" anchor="ctr">
-            <a:spAutoFit/>
-          </a:bodyPr>
-          <a:lstStyle/>
-          <a:p>
-            <a:pPr algn="ctr"/>
-            <a:endParaRPr kumimoji="1" lang="ja-JP" altLang="en-US" kern="0" dirty="0"/>
-          </a:p>
-        </p:txBody>
-      </p:sp>
-      <p:sp>
-        <p:nvSpPr>
-          <p:cNvPr id="9" name="テキスト ボックス 15">
-            <a:extLst>
-              <a:ext uri="{FF2B5EF4-FFF2-40B4-BE49-F238E27FC236}">
-                <a16:creationId xmlns:a16="http://schemas.microsoft.com/office/drawing/2014/main" id="{7E9F0889-BB9E-A84A-2841-2711F536B05E}"/>
-              </a:ext>
-            </a:extLst>
-          </p:cNvPr>
-          <p:cNvSpPr txBox="1"/>
-          <p:nvPr/>
-        </p:nvSpPr>
-        <p:spPr>
-          <a:xfrm>
-            <a:off x="1397940" y="3603288"/>
-            <a:ext cx="1008112" cy="707886"/>
-          </a:xfrm>
-          <a:prstGeom prst="rect">
-            <a:avLst/>
-          </a:prstGeom>
-          <a:noFill/>
-        </p:spPr>
-        <p:txBody>
-          <a:bodyPr wrap="square" rtlCol="0">
-            <a:spAutoFit/>
-          </a:bodyPr>
-          <a:lstStyle/>
-          <a:p>
-            <a:pPr algn="ctr"/>
-            <a:r>
-              <a:rPr kumimoji="1" lang="ja-JP" altLang="en-US" sz="2000" dirty="0">
-                <a:latin typeface="BIZ UDPゴシック" panose="020B0400000000000000" pitchFamily="50" charset="-128"/>
-                <a:ea typeface="BIZ UDPゴシック" panose="020B0400000000000000" pitchFamily="50" charset="-128"/>
-              </a:rPr>
-              <a:t>統合</a:t>
-            </a:r>
-            <a:br>
-              <a:rPr kumimoji="1" lang="en-US" altLang="ja-JP" sz="2000" dirty="0">
-                <a:latin typeface="BIZ UDPゴシック" panose="020B0400000000000000" pitchFamily="50" charset="-128"/>
-                <a:ea typeface="BIZ UDPゴシック" panose="020B0400000000000000" pitchFamily="50" charset="-128"/>
-              </a:rPr>
-            </a:br>
-            <a:r>
-              <a:rPr kumimoji="1" lang="ja-JP" altLang="en-US" sz="2000" dirty="0">
-                <a:latin typeface="BIZ UDPゴシック" panose="020B0400000000000000" pitchFamily="50" charset="-128"/>
-                <a:ea typeface="BIZ UDPゴシック" panose="020B0400000000000000" pitchFamily="50" charset="-128"/>
-              </a:rPr>
-              <a:t>評価</a:t>
-            </a:r>
-          </a:p>
-        </p:txBody>
-      </p:sp>
-      <p:sp>
-        <p:nvSpPr>
-          <p:cNvPr id="10" name="テキスト ボックス 16">
-            <a:extLst>
-              <a:ext uri="{FF2B5EF4-FFF2-40B4-BE49-F238E27FC236}">
-                <a16:creationId xmlns:a16="http://schemas.microsoft.com/office/drawing/2014/main" id="{CE284101-95B8-82C0-DDF8-2A0AB43F67BF}"/>
-              </a:ext>
-            </a:extLst>
-          </p:cNvPr>
-          <p:cNvSpPr txBox="1"/>
-          <p:nvPr/>
-        </p:nvSpPr>
-        <p:spPr>
-          <a:xfrm>
-            <a:off x="-86268" y="3053240"/>
-            <a:ext cx="1494166" cy="400110"/>
-          </a:xfrm>
-          <a:prstGeom prst="rect">
-            <a:avLst/>
-          </a:prstGeom>
-          <a:noFill/>
-        </p:spPr>
-        <p:txBody>
-          <a:bodyPr wrap="square" rtlCol="0">
-            <a:spAutoFit/>
-          </a:bodyPr>
-          <a:lstStyle/>
-          <a:p>
-            <a:pPr algn="ctr"/>
-            <a:r>
-              <a:rPr kumimoji="1" lang="ja-JP" altLang="en-US" sz="2000" dirty="0">
-                <a:latin typeface="BIZ UDPゴシック" panose="020B0400000000000000" pitchFamily="50" charset="-128"/>
-                <a:ea typeface="BIZ UDPゴシック" panose="020B0400000000000000" pitchFamily="50" charset="-128"/>
-              </a:rPr>
-              <a:t>上位層</a:t>
-            </a:r>
-          </a:p>
-        </p:txBody>
-      </p:sp>
-      <p:sp>
-        <p:nvSpPr>
-          <p:cNvPr id="11" name="テキスト ボックス 17">
-            <a:extLst>
-              <a:ext uri="{FF2B5EF4-FFF2-40B4-BE49-F238E27FC236}">
-                <a16:creationId xmlns:a16="http://schemas.microsoft.com/office/drawing/2014/main" id="{9E917024-474B-6AA0-30B5-23A5EA7A67A9}"/>
-              </a:ext>
-            </a:extLst>
-          </p:cNvPr>
-          <p:cNvSpPr txBox="1"/>
-          <p:nvPr/>
-        </p:nvSpPr>
-        <p:spPr>
-          <a:xfrm>
-            <a:off x="-86268" y="4605487"/>
-            <a:ext cx="1494166" cy="400110"/>
-          </a:xfrm>
-          <a:prstGeom prst="rect">
-            <a:avLst/>
-          </a:prstGeom>
-          <a:noFill/>
-        </p:spPr>
-        <p:txBody>
-          <a:bodyPr wrap="square" rtlCol="0">
-            <a:spAutoFit/>
-          </a:bodyPr>
-          <a:lstStyle/>
-          <a:p>
-            <a:pPr algn="ctr"/>
-            <a:r>
-              <a:rPr lang="ja-JP" altLang="en-US" sz="2000" dirty="0">
-                <a:latin typeface="BIZ UDPゴシック" panose="020B0400000000000000" pitchFamily="50" charset="-128"/>
-                <a:ea typeface="BIZ UDPゴシック" panose="020B0400000000000000" pitchFamily="50" charset="-128"/>
-              </a:rPr>
-              <a:t>物理層</a:t>
-            </a:r>
-            <a:endParaRPr kumimoji="1" lang="ja-JP" altLang="en-US" sz="2000" dirty="0">
-              <a:latin typeface="BIZ UDPゴシック" panose="020B0400000000000000" pitchFamily="50" charset="-128"/>
-              <a:ea typeface="BIZ UDPゴシック" panose="020B0400000000000000" pitchFamily="50" charset="-128"/>
-            </a:endParaRPr>
-          </a:p>
-        </p:txBody>
-      </p:sp>
-      <p:sp>
-        <p:nvSpPr>
-          <p:cNvPr id="12" name="テキスト ボックス 18">
-            <a:extLst>
-              <a:ext uri="{FF2B5EF4-FFF2-40B4-BE49-F238E27FC236}">
-                <a16:creationId xmlns:a16="http://schemas.microsoft.com/office/drawing/2014/main" id="{F1B07BD1-49A7-BA48-7E28-E89BCFCF8234}"/>
-              </a:ext>
-            </a:extLst>
-          </p:cNvPr>
-          <p:cNvSpPr txBox="1"/>
-          <p:nvPr/>
-        </p:nvSpPr>
-        <p:spPr>
-          <a:xfrm>
-            <a:off x="2796257" y="5024283"/>
-            <a:ext cx="1494166" cy="400110"/>
-          </a:xfrm>
-          <a:prstGeom prst="rect">
-            <a:avLst/>
-          </a:prstGeom>
-          <a:noFill/>
-        </p:spPr>
-        <p:txBody>
-          <a:bodyPr wrap="square" rtlCol="0">
-            <a:spAutoFit/>
-          </a:bodyPr>
-          <a:lstStyle/>
-          <a:p>
-            <a:pPr algn="ctr"/>
-            <a:r>
-              <a:rPr kumimoji="1" lang="ja-JP" altLang="en-US" sz="2000" dirty="0">
-                <a:latin typeface="BIZ UDPゴシック" panose="020B0400000000000000" pitchFamily="50" charset="-128"/>
-                <a:ea typeface="BIZ UDPゴシック" panose="020B0400000000000000" pitchFamily="50" charset="-128"/>
-              </a:rPr>
-              <a:t>伝搬実験</a:t>
-            </a:r>
-          </a:p>
-        </p:txBody>
-      </p:sp>
-      <p:sp>
-        <p:nvSpPr>
-          <p:cNvPr id="13" name="テキスト ボックス 19">
-            <a:extLst>
-              <a:ext uri="{FF2B5EF4-FFF2-40B4-BE49-F238E27FC236}">
-                <a16:creationId xmlns:a16="http://schemas.microsoft.com/office/drawing/2014/main" id="{839DE1A7-4B92-A5E3-425F-5567BC1075F5}"/>
-              </a:ext>
-            </a:extLst>
-          </p:cNvPr>
-          <p:cNvSpPr txBox="1"/>
-          <p:nvPr/>
-        </p:nvSpPr>
-        <p:spPr>
-          <a:xfrm>
-            <a:off x="2751733" y="3581749"/>
-            <a:ext cx="1655474" cy="707886"/>
-          </a:xfrm>
-          <a:prstGeom prst="rect">
-            <a:avLst/>
-          </a:prstGeom>
-          <a:noFill/>
-        </p:spPr>
-        <p:txBody>
-          <a:bodyPr wrap="square" rtlCol="0">
-            <a:spAutoFit/>
-          </a:bodyPr>
-          <a:lstStyle/>
-          <a:p>
-            <a:pPr algn="ctr"/>
-            <a:r>
-              <a:rPr kumimoji="1" lang="en-US" altLang="ja-JP" sz="2000" dirty="0">
-                <a:latin typeface="BIZ UDPゴシック" panose="020B0400000000000000" pitchFamily="50" charset="-128"/>
-                <a:ea typeface="BIZ UDPゴシック" panose="020B0400000000000000" pitchFamily="50" charset="-128"/>
-              </a:rPr>
-              <a:t>MAC</a:t>
-            </a:r>
-            <a:r>
-              <a:rPr kumimoji="1" lang="ja-JP" altLang="en-US" sz="2000" dirty="0">
-                <a:latin typeface="BIZ UDPゴシック" panose="020B0400000000000000" pitchFamily="50" charset="-128"/>
-                <a:ea typeface="BIZ UDPゴシック" panose="020B0400000000000000" pitchFamily="50" charset="-128"/>
-              </a:rPr>
-              <a:t>層</a:t>
-            </a:r>
-            <a:endParaRPr kumimoji="1" lang="en-US" altLang="ja-JP" sz="2000" dirty="0">
-              <a:latin typeface="BIZ UDPゴシック" panose="020B0400000000000000" pitchFamily="50" charset="-128"/>
-              <a:ea typeface="BIZ UDPゴシック" panose="020B0400000000000000" pitchFamily="50" charset="-128"/>
-            </a:endParaRPr>
-          </a:p>
-          <a:p>
-            <a:pPr algn="ctr"/>
-            <a:r>
-              <a:rPr kumimoji="1" lang="ja-JP" altLang="en-US" sz="2000" dirty="0">
-                <a:latin typeface="BIZ UDPゴシック" panose="020B0400000000000000" pitchFamily="50" charset="-128"/>
-                <a:ea typeface="BIZ UDPゴシック" panose="020B0400000000000000" pitchFamily="50" charset="-128"/>
-              </a:rPr>
-              <a:t>評価</a:t>
-            </a:r>
-          </a:p>
-        </p:txBody>
-      </p:sp>
-      <p:sp>
-        <p:nvSpPr>
-          <p:cNvPr id="14" name="正方形/長方形 24">
-            <a:extLst>
-              <a:ext uri="{FF2B5EF4-FFF2-40B4-BE49-F238E27FC236}">
-                <a16:creationId xmlns:a16="http://schemas.microsoft.com/office/drawing/2014/main" id="{29B5FA7A-FC7E-4092-4DA9-FEAE18C27FE7}"/>
-              </a:ext>
-            </a:extLst>
-          </p:cNvPr>
-          <p:cNvSpPr/>
-          <p:nvPr/>
-        </p:nvSpPr>
-        <p:spPr>
-          <a:xfrm>
-            <a:off x="2658877" y="3465382"/>
-            <a:ext cx="1784343" cy="116695"/>
-          </a:xfrm>
-          <a:prstGeom prst="rect">
-            <a:avLst/>
-          </a:prstGeom>
-          <a:solidFill>
-            <a:schemeClr val="bg2">
-              <a:lumMod val="25000"/>
-              <a:lumOff val="75000"/>
-            </a:schemeClr>
-          </a:solidFill>
-          <a:ln>
-            <a:noFill/>
-          </a:ln>
-        </p:spPr>
-        <p:txBody>
-          <a:bodyPr wrap="square" rtlCol="0" anchor="ctr">
-            <a:spAutoFit/>
-          </a:bodyPr>
-          <a:lstStyle/>
-          <a:p>
-            <a:pPr algn="ctr"/>
-            <a:endParaRPr kumimoji="1" lang="ja-JP" altLang="en-US" kern="0" dirty="0"/>
-          </a:p>
-        </p:txBody>
-      </p:sp>
-      <p:sp>
-        <p:nvSpPr>
-          <p:cNvPr id="15" name="正方形/長方形 26">
-            <a:extLst>
-              <a:ext uri="{FF2B5EF4-FFF2-40B4-BE49-F238E27FC236}">
-                <a16:creationId xmlns:a16="http://schemas.microsoft.com/office/drawing/2014/main" id="{4820AA2A-FC2F-A0D6-A593-F7689FFAE5A3}"/>
-              </a:ext>
-            </a:extLst>
-          </p:cNvPr>
-          <p:cNvSpPr/>
-          <p:nvPr/>
-        </p:nvSpPr>
-        <p:spPr>
-          <a:xfrm>
-            <a:off x="2666808" y="3285366"/>
-            <a:ext cx="1784343" cy="116695"/>
-          </a:xfrm>
-          <a:prstGeom prst="rect">
-            <a:avLst/>
-          </a:prstGeom>
-          <a:solidFill>
-            <a:schemeClr val="bg2">
-              <a:lumMod val="25000"/>
-              <a:lumOff val="75000"/>
-            </a:schemeClr>
-          </a:solidFill>
-          <a:ln>
-            <a:noFill/>
-          </a:ln>
-        </p:spPr>
-        <p:txBody>
-          <a:bodyPr wrap="square" rtlCol="0" anchor="ctr">
-            <a:spAutoFit/>
-          </a:bodyPr>
-          <a:lstStyle/>
-          <a:p>
-            <a:pPr algn="ctr"/>
-            <a:endParaRPr kumimoji="1" lang="ja-JP" altLang="en-US" kern="0" dirty="0"/>
-          </a:p>
-        </p:txBody>
-      </p:sp>
-      <p:sp>
-        <p:nvSpPr>
-          <p:cNvPr id="16" name="テキスト ボックス 28">
-            <a:extLst>
-              <a:ext uri="{FF2B5EF4-FFF2-40B4-BE49-F238E27FC236}">
-                <a16:creationId xmlns:a16="http://schemas.microsoft.com/office/drawing/2014/main" id="{62CFEDDD-6FAF-1126-F27A-E7A7EEEFC8D9}"/>
-              </a:ext>
-            </a:extLst>
-          </p:cNvPr>
-          <p:cNvSpPr txBox="1"/>
-          <p:nvPr/>
-        </p:nvSpPr>
-        <p:spPr>
-          <a:xfrm rot="16200000">
-            <a:off x="2931931" y="3174329"/>
-            <a:ext cx="1008112" cy="523220"/>
-          </a:xfrm>
-          <a:prstGeom prst="rect">
-            <a:avLst/>
-          </a:prstGeom>
-          <a:noFill/>
-        </p:spPr>
-        <p:txBody>
-          <a:bodyPr wrap="square" rtlCol="0">
-            <a:spAutoFit/>
-          </a:bodyPr>
-          <a:lstStyle/>
-          <a:p>
-            <a:pPr algn="ctr"/>
-            <a:r>
-              <a:rPr kumimoji="1" lang="en-US" altLang="ja-JP" sz="2800" dirty="0">
-                <a:ea typeface="游ゴシック Medium" panose="020B0500000000000000" pitchFamily="50" charset="-128"/>
-              </a:rPr>
-              <a:t>…</a:t>
-            </a:r>
-            <a:endParaRPr kumimoji="1" lang="ja-JP" altLang="en-US" sz="2800" dirty="0">
-              <a:ea typeface="游ゴシック Medium" panose="020B0500000000000000" pitchFamily="50" charset="-128"/>
-            </a:endParaRPr>
-          </a:p>
-        </p:txBody>
-      </p:sp>
-      <p:sp>
-        <p:nvSpPr>
-          <p:cNvPr id="17" name="テキスト ボックス 29">
-            <a:extLst>
-              <a:ext uri="{FF2B5EF4-FFF2-40B4-BE49-F238E27FC236}">
-                <a16:creationId xmlns:a16="http://schemas.microsoft.com/office/drawing/2014/main" id="{4A5D74B4-7CC9-8C3A-1422-404DDA15A02F}"/>
-              </a:ext>
-            </a:extLst>
-          </p:cNvPr>
-          <p:cNvSpPr txBox="1"/>
-          <p:nvPr/>
-        </p:nvSpPr>
-        <p:spPr>
-          <a:xfrm>
-            <a:off x="1353500" y="2148127"/>
-            <a:ext cx="1008112" cy="400110"/>
-          </a:xfrm>
-          <a:prstGeom prst="rect">
-            <a:avLst/>
-          </a:prstGeom>
-          <a:noFill/>
-        </p:spPr>
-        <p:txBody>
-          <a:bodyPr wrap="square" rtlCol="0">
-            <a:spAutoFit/>
-          </a:bodyPr>
-          <a:lstStyle/>
-          <a:p>
-            <a:pPr algn="ctr"/>
-            <a:r>
-              <a:rPr kumimoji="1" lang="ja-JP" altLang="en-US" sz="2000" dirty="0">
-                <a:latin typeface="BIZ UDPゴシック" panose="020B0400000000000000" pitchFamily="50" charset="-128"/>
-                <a:ea typeface="BIZ UDPゴシック" panose="020B0400000000000000" pitchFamily="50" charset="-128"/>
-              </a:rPr>
-              <a:t>実験</a:t>
-            </a:r>
-          </a:p>
-        </p:txBody>
-      </p:sp>
-      <p:sp>
-        <p:nvSpPr>
-          <p:cNvPr id="18" name="テキスト ボックス 30">
-            <a:extLst>
-              <a:ext uri="{FF2B5EF4-FFF2-40B4-BE49-F238E27FC236}">
-                <a16:creationId xmlns:a16="http://schemas.microsoft.com/office/drawing/2014/main" id="{75BA88C3-0848-2284-7F12-3431FADD275A}"/>
-              </a:ext>
-            </a:extLst>
-          </p:cNvPr>
-          <p:cNvSpPr txBox="1"/>
-          <p:nvPr/>
-        </p:nvSpPr>
-        <p:spPr>
-          <a:xfrm>
-            <a:off x="2444699" y="2138597"/>
-            <a:ext cx="2201194" cy="400110"/>
-          </a:xfrm>
-          <a:prstGeom prst="rect">
-            <a:avLst/>
-          </a:prstGeom>
-          <a:noFill/>
-        </p:spPr>
-        <p:txBody>
-          <a:bodyPr wrap="square" rtlCol="0">
-            <a:spAutoFit/>
-          </a:bodyPr>
-          <a:lstStyle/>
-          <a:p>
-            <a:pPr algn="ctr"/>
-            <a:r>
-              <a:rPr kumimoji="1" lang="ja-JP" altLang="en-US" sz="2000" dirty="0">
-                <a:latin typeface="BIZ UDPゴシック" panose="020B0400000000000000" pitchFamily="50" charset="-128"/>
-                <a:ea typeface="BIZ UDPゴシック" panose="020B0400000000000000" pitchFamily="50" charset="-128"/>
-              </a:rPr>
-              <a:t>実験</a:t>
-            </a:r>
-            <a:r>
-              <a:rPr kumimoji="1" lang="en-US" altLang="ja-JP" sz="2000" dirty="0">
-                <a:latin typeface="BIZ UDPゴシック" panose="020B0400000000000000" pitchFamily="50" charset="-128"/>
-                <a:ea typeface="BIZ UDPゴシック" panose="020B0400000000000000" pitchFamily="50" charset="-128"/>
-              </a:rPr>
-              <a:t>/</a:t>
-            </a:r>
-            <a:r>
-              <a:rPr kumimoji="1" lang="ja-JP" altLang="en-US" sz="2000" dirty="0">
-                <a:latin typeface="BIZ UDPゴシック" panose="020B0400000000000000" pitchFamily="50" charset="-128"/>
-                <a:ea typeface="BIZ UDPゴシック" panose="020B0400000000000000" pitchFamily="50" charset="-128"/>
-              </a:rPr>
-              <a:t>計算機</a:t>
-            </a:r>
-          </a:p>
-        </p:txBody>
-      </p:sp>
-      <p:sp>
-        <p:nvSpPr>
-          <p:cNvPr id="19" name="正方形/長方形 32">
-            <a:extLst>
-              <a:ext uri="{FF2B5EF4-FFF2-40B4-BE49-F238E27FC236}">
-                <a16:creationId xmlns:a16="http://schemas.microsoft.com/office/drawing/2014/main" id="{3CB4D069-01F6-4C7C-012F-84447386E2B6}"/>
-              </a:ext>
-            </a:extLst>
-          </p:cNvPr>
-          <p:cNvSpPr/>
-          <p:nvPr/>
-        </p:nvSpPr>
-        <p:spPr>
-          <a:xfrm>
-            <a:off x="4602543" y="3654303"/>
-            <a:ext cx="1791940" cy="593013"/>
-          </a:xfrm>
-          <a:prstGeom prst="rect">
-            <a:avLst/>
-          </a:prstGeom>
-          <a:solidFill>
-            <a:schemeClr val="bg2">
-              <a:lumMod val="25000"/>
-              <a:lumOff val="75000"/>
-            </a:schemeClr>
-          </a:solidFill>
-          <a:ln>
-            <a:noFill/>
-          </a:ln>
-        </p:spPr>
-        <p:txBody>
-          <a:bodyPr wrap="square" rtlCol="0" anchor="ctr">
-            <a:spAutoFit/>
-          </a:bodyPr>
-          <a:lstStyle/>
-          <a:p>
-            <a:pPr algn="ctr"/>
-            <a:endParaRPr kumimoji="1" lang="ja-JP" altLang="en-US" kern="0" dirty="0"/>
-          </a:p>
-        </p:txBody>
-      </p:sp>
-      <p:sp>
-        <p:nvSpPr>
-          <p:cNvPr id="20" name="正方形/長方形 33">
-            <a:extLst>
-              <a:ext uri="{FF2B5EF4-FFF2-40B4-BE49-F238E27FC236}">
-                <a16:creationId xmlns:a16="http://schemas.microsoft.com/office/drawing/2014/main" id="{6E73F406-7019-5674-F9D8-AE7C0F177EF7}"/>
-              </a:ext>
-            </a:extLst>
-          </p:cNvPr>
-          <p:cNvSpPr/>
-          <p:nvPr/>
-        </p:nvSpPr>
-        <p:spPr>
-          <a:xfrm>
-            <a:off x="4612094" y="4977697"/>
-            <a:ext cx="1800201" cy="483495"/>
-          </a:xfrm>
-          <a:prstGeom prst="rect">
-            <a:avLst/>
-          </a:prstGeom>
-          <a:solidFill>
-            <a:schemeClr val="bg2">
-              <a:lumMod val="25000"/>
-              <a:lumOff val="75000"/>
-            </a:schemeClr>
-          </a:solidFill>
-          <a:ln>
-            <a:noFill/>
-          </a:ln>
-        </p:spPr>
-        <p:txBody>
-          <a:bodyPr wrap="square" rtlCol="0" anchor="ctr">
-            <a:spAutoFit/>
-          </a:bodyPr>
-          <a:lstStyle/>
-          <a:p>
-            <a:pPr algn="ctr"/>
-            <a:endParaRPr kumimoji="1" lang="ja-JP" altLang="en-US" kern="0" dirty="0"/>
-          </a:p>
-        </p:txBody>
-      </p:sp>
-      <p:sp>
-        <p:nvSpPr>
-          <p:cNvPr id="21" name="テキスト ボックス 34">
-            <a:extLst>
-              <a:ext uri="{FF2B5EF4-FFF2-40B4-BE49-F238E27FC236}">
-                <a16:creationId xmlns:a16="http://schemas.microsoft.com/office/drawing/2014/main" id="{A7C47D11-101D-7FB3-AF1E-E5516A228D73}"/>
-              </a:ext>
-            </a:extLst>
-          </p:cNvPr>
-          <p:cNvSpPr txBox="1"/>
-          <p:nvPr/>
-        </p:nvSpPr>
-        <p:spPr>
-          <a:xfrm>
-            <a:off x="4443439" y="4919095"/>
-            <a:ext cx="2189466" cy="584775"/>
-          </a:xfrm>
-          <a:prstGeom prst="rect">
-            <a:avLst/>
-          </a:prstGeom>
-          <a:noFill/>
-        </p:spPr>
-        <p:txBody>
-          <a:bodyPr wrap="square" rtlCol="0">
-            <a:spAutoFit/>
-          </a:bodyPr>
-          <a:lstStyle/>
-          <a:p>
-            <a:pPr algn="ctr"/>
-            <a:r>
-              <a:rPr kumimoji="1" lang="ja-JP" altLang="en-US" sz="1600" dirty="0">
-                <a:latin typeface="BIZ UDPゴシック" panose="020B0400000000000000" pitchFamily="50" charset="-128"/>
-                <a:ea typeface="BIZ UDPゴシック" panose="020B0400000000000000" pitchFamily="50" charset="-128"/>
-              </a:rPr>
-              <a:t>電波伝搬</a:t>
-            </a:r>
-            <a:br>
-              <a:rPr kumimoji="1" lang="en-US" altLang="ja-JP" sz="1600" dirty="0">
-                <a:latin typeface="BIZ UDPゴシック" panose="020B0400000000000000" pitchFamily="50" charset="-128"/>
-                <a:ea typeface="BIZ UDPゴシック" panose="020B0400000000000000" pitchFamily="50" charset="-128"/>
-              </a:rPr>
-            </a:br>
-            <a:r>
-              <a:rPr kumimoji="1" lang="ja-JP" altLang="en-US" sz="1600" dirty="0">
-                <a:latin typeface="BIZ UDPゴシック" panose="020B0400000000000000" pitchFamily="50" charset="-128"/>
-                <a:ea typeface="BIZ UDPゴシック" panose="020B0400000000000000" pitchFamily="50" charset="-128"/>
-              </a:rPr>
-              <a:t>シミュレーション</a:t>
-            </a:r>
-          </a:p>
-        </p:txBody>
-      </p:sp>
-      <p:sp>
-        <p:nvSpPr>
-          <p:cNvPr id="22" name="テキスト ボックス 35">
-            <a:extLst>
-              <a:ext uri="{FF2B5EF4-FFF2-40B4-BE49-F238E27FC236}">
-                <a16:creationId xmlns:a16="http://schemas.microsoft.com/office/drawing/2014/main" id="{718DC389-D4D1-C204-D0B0-812B5127B735}"/>
-              </a:ext>
-            </a:extLst>
-          </p:cNvPr>
-          <p:cNvSpPr txBox="1"/>
-          <p:nvPr/>
-        </p:nvSpPr>
-        <p:spPr>
-          <a:xfrm>
-            <a:off x="4710435" y="3583507"/>
-            <a:ext cx="1655474" cy="707886"/>
-          </a:xfrm>
-          <a:prstGeom prst="rect">
-            <a:avLst/>
-          </a:prstGeom>
-          <a:noFill/>
-        </p:spPr>
-        <p:txBody>
-          <a:bodyPr wrap="square" rtlCol="0">
-            <a:spAutoFit/>
-          </a:bodyPr>
-          <a:lstStyle/>
-          <a:p>
-            <a:pPr algn="ctr"/>
-            <a:r>
-              <a:rPr kumimoji="1" lang="en-US" altLang="ja-JP" sz="2000" dirty="0">
-                <a:latin typeface="BIZ UDPゴシック" panose="020B0400000000000000" pitchFamily="50" charset="-128"/>
-                <a:ea typeface="BIZ UDPゴシック" panose="020B0400000000000000" pitchFamily="50" charset="-128"/>
-              </a:rPr>
-              <a:t>MAC</a:t>
-            </a:r>
-            <a:r>
-              <a:rPr kumimoji="1" lang="ja-JP" altLang="en-US" sz="2000" dirty="0">
-                <a:latin typeface="BIZ UDPゴシック" panose="020B0400000000000000" pitchFamily="50" charset="-128"/>
-                <a:ea typeface="BIZ UDPゴシック" panose="020B0400000000000000" pitchFamily="50" charset="-128"/>
-              </a:rPr>
-              <a:t>層</a:t>
-            </a:r>
-            <a:endParaRPr kumimoji="1" lang="en-US" altLang="ja-JP" sz="2000" dirty="0">
-              <a:latin typeface="BIZ UDPゴシック" panose="020B0400000000000000" pitchFamily="50" charset="-128"/>
-              <a:ea typeface="BIZ UDPゴシック" panose="020B0400000000000000" pitchFamily="50" charset="-128"/>
-            </a:endParaRPr>
-          </a:p>
-          <a:p>
-            <a:pPr algn="ctr"/>
-            <a:r>
-              <a:rPr kumimoji="1" lang="ja-JP" altLang="en-US" sz="2000" dirty="0">
-                <a:latin typeface="BIZ UDPゴシック" panose="020B0400000000000000" pitchFamily="50" charset="-128"/>
-                <a:ea typeface="BIZ UDPゴシック" panose="020B0400000000000000" pitchFamily="50" charset="-128"/>
-              </a:rPr>
-              <a:t>評価</a:t>
-            </a:r>
-          </a:p>
-        </p:txBody>
-      </p:sp>
-      <p:sp>
-        <p:nvSpPr>
-          <p:cNvPr id="23" name="正方形/長方形 37">
-            <a:extLst>
-              <a:ext uri="{FF2B5EF4-FFF2-40B4-BE49-F238E27FC236}">
-                <a16:creationId xmlns:a16="http://schemas.microsoft.com/office/drawing/2014/main" id="{0F200464-0BFE-A5C6-56A8-395E50D2CDAB}"/>
-              </a:ext>
-            </a:extLst>
-          </p:cNvPr>
-          <p:cNvSpPr/>
-          <p:nvPr/>
-        </p:nvSpPr>
-        <p:spPr>
-          <a:xfrm>
-            <a:off x="4612094" y="3465054"/>
-            <a:ext cx="1784343" cy="116695"/>
-          </a:xfrm>
-          <a:prstGeom prst="rect">
-            <a:avLst/>
-          </a:prstGeom>
-          <a:solidFill>
-            <a:schemeClr val="bg2">
-              <a:lumMod val="25000"/>
-              <a:lumOff val="75000"/>
-            </a:schemeClr>
-          </a:solidFill>
-          <a:ln>
-            <a:noFill/>
-          </a:ln>
-        </p:spPr>
-        <p:txBody>
-          <a:bodyPr wrap="square" rtlCol="0" anchor="ctr">
-            <a:spAutoFit/>
-          </a:bodyPr>
-          <a:lstStyle/>
-          <a:p>
-            <a:pPr algn="ctr"/>
-            <a:endParaRPr kumimoji="1" lang="ja-JP" altLang="en-US" kern="0" dirty="0"/>
-          </a:p>
-        </p:txBody>
-      </p:sp>
-      <p:sp>
-        <p:nvSpPr>
-          <p:cNvPr id="24" name="正方形/長方形 38">
-            <a:extLst>
-              <a:ext uri="{FF2B5EF4-FFF2-40B4-BE49-F238E27FC236}">
-                <a16:creationId xmlns:a16="http://schemas.microsoft.com/office/drawing/2014/main" id="{29AE06CA-C7DE-655A-DF58-52BD8440F146}"/>
-              </a:ext>
-            </a:extLst>
-          </p:cNvPr>
-          <p:cNvSpPr/>
-          <p:nvPr/>
-        </p:nvSpPr>
-        <p:spPr>
-          <a:xfrm>
-            <a:off x="4620025" y="3285038"/>
-            <a:ext cx="1784343" cy="116695"/>
-          </a:xfrm>
-          <a:prstGeom prst="rect">
-            <a:avLst/>
-          </a:prstGeom>
-          <a:solidFill>
-            <a:schemeClr val="bg2">
-              <a:lumMod val="25000"/>
-              <a:lumOff val="75000"/>
-            </a:schemeClr>
-          </a:solidFill>
-          <a:ln>
-            <a:noFill/>
-          </a:ln>
-        </p:spPr>
-        <p:txBody>
-          <a:bodyPr wrap="square" rtlCol="0" anchor="ctr">
-            <a:spAutoFit/>
-          </a:bodyPr>
-          <a:lstStyle/>
-          <a:p>
-            <a:pPr algn="ctr"/>
-            <a:endParaRPr kumimoji="1" lang="ja-JP" altLang="en-US" kern="0" dirty="0"/>
-          </a:p>
-        </p:txBody>
-      </p:sp>
-      <p:sp>
-        <p:nvSpPr>
-          <p:cNvPr id="25" name="テキスト ボックス 40">
-            <a:extLst>
-              <a:ext uri="{FF2B5EF4-FFF2-40B4-BE49-F238E27FC236}">
-                <a16:creationId xmlns:a16="http://schemas.microsoft.com/office/drawing/2014/main" id="{86F9008D-9E40-BD27-B068-0E0062BD576A}"/>
-              </a:ext>
-            </a:extLst>
-          </p:cNvPr>
-          <p:cNvSpPr txBox="1"/>
-          <p:nvPr/>
-        </p:nvSpPr>
-        <p:spPr>
-          <a:xfrm rot="16200000">
-            <a:off x="4882502" y="3167390"/>
-            <a:ext cx="1008112" cy="523220"/>
-          </a:xfrm>
-          <a:prstGeom prst="rect">
-            <a:avLst/>
-          </a:prstGeom>
-          <a:noFill/>
-        </p:spPr>
-        <p:txBody>
-          <a:bodyPr wrap="square" rtlCol="0">
-            <a:spAutoFit/>
-          </a:bodyPr>
-          <a:lstStyle/>
-          <a:p>
-            <a:pPr algn="ctr"/>
-            <a:r>
-              <a:rPr kumimoji="1" lang="en-US" altLang="ja-JP" sz="2800" dirty="0">
-                <a:ea typeface="游ゴシック Medium" panose="020B0500000000000000" pitchFamily="50" charset="-128"/>
-              </a:rPr>
-              <a:t>…</a:t>
-            </a:r>
-            <a:endParaRPr kumimoji="1" lang="ja-JP" altLang="en-US" sz="2800" dirty="0">
-              <a:ea typeface="游ゴシック Medium" panose="020B0500000000000000" pitchFamily="50" charset="-128"/>
-            </a:endParaRPr>
-          </a:p>
-        </p:txBody>
-      </p:sp>
-      <p:sp>
-        <p:nvSpPr>
-          <p:cNvPr id="26" name="テキスト ボックス 41">
-            <a:extLst>
-              <a:ext uri="{FF2B5EF4-FFF2-40B4-BE49-F238E27FC236}">
-                <a16:creationId xmlns:a16="http://schemas.microsoft.com/office/drawing/2014/main" id="{56DEE3B9-C53C-A2D9-D0AB-4B7C034C6BCB}"/>
-              </a:ext>
-            </a:extLst>
-          </p:cNvPr>
-          <p:cNvSpPr txBox="1"/>
-          <p:nvPr/>
-        </p:nvSpPr>
-        <p:spPr>
-          <a:xfrm>
-            <a:off x="4675674" y="2134338"/>
-            <a:ext cx="1740540" cy="400110"/>
-          </a:xfrm>
-          <a:prstGeom prst="rect">
-            <a:avLst/>
-          </a:prstGeom>
-          <a:noFill/>
-        </p:spPr>
-        <p:txBody>
-          <a:bodyPr wrap="square" rtlCol="0">
-            <a:spAutoFit/>
-          </a:bodyPr>
-          <a:lstStyle/>
-          <a:p>
-            <a:pPr algn="ctr"/>
-            <a:r>
-              <a:rPr kumimoji="1" lang="ja-JP" altLang="en-US" sz="2000" dirty="0">
-                <a:latin typeface="BIZ UDPゴシック" panose="020B0400000000000000" pitchFamily="50" charset="-128"/>
-                <a:ea typeface="BIZ UDPゴシック" panose="020B0400000000000000" pitchFamily="50" charset="-128"/>
-              </a:rPr>
-              <a:t>計算機</a:t>
-            </a:r>
-          </a:p>
-        </p:txBody>
-      </p:sp>
-      <p:sp>
-        <p:nvSpPr>
-          <p:cNvPr id="27" name="正方形/長方形 42">
-            <a:extLst>
-              <a:ext uri="{FF2B5EF4-FFF2-40B4-BE49-F238E27FC236}">
-                <a16:creationId xmlns:a16="http://schemas.microsoft.com/office/drawing/2014/main" id="{0320DDC7-DA9D-B550-A5F3-5747F46EE275}"/>
-              </a:ext>
-            </a:extLst>
-          </p:cNvPr>
-          <p:cNvSpPr/>
-          <p:nvPr/>
-        </p:nvSpPr>
-        <p:spPr>
-          <a:xfrm>
-            <a:off x="1187625" y="4337823"/>
-            <a:ext cx="5323465" cy="1243867"/>
-          </a:xfrm>
-          <a:prstGeom prst="rect">
-            <a:avLst/>
-          </a:prstGeom>
-          <a:noFill/>
-          <a:ln w="28575">
-            <a:solidFill>
-              <a:schemeClr val="accent1"/>
-            </a:solidFill>
-          </a:ln>
-        </p:spPr>
-        <p:txBody>
-          <a:bodyPr wrap="square" rtlCol="0" anchor="ctr">
-            <a:spAutoFit/>
-          </a:bodyPr>
-          <a:lstStyle/>
-          <a:p>
-            <a:pPr algn="ctr"/>
-            <a:endParaRPr kumimoji="1" lang="ja-JP" altLang="en-US" kern="0" dirty="0"/>
-          </a:p>
-        </p:txBody>
-      </p:sp>
-      <p:sp>
-        <p:nvSpPr>
-          <p:cNvPr id="28" name="正方形/長方形 44">
-            <a:extLst>
-              <a:ext uri="{FF2B5EF4-FFF2-40B4-BE49-F238E27FC236}">
-                <a16:creationId xmlns:a16="http://schemas.microsoft.com/office/drawing/2014/main" id="{B59A7CA6-1CB2-F876-BE65-51D3747816F5}"/>
-              </a:ext>
-            </a:extLst>
-          </p:cNvPr>
-          <p:cNvSpPr/>
-          <p:nvPr/>
-        </p:nvSpPr>
-        <p:spPr>
-          <a:xfrm>
-            <a:off x="1187624" y="2520176"/>
-            <a:ext cx="5323466" cy="1817647"/>
-          </a:xfrm>
-          <a:prstGeom prst="rect">
-            <a:avLst/>
-          </a:prstGeom>
-          <a:noFill/>
-          <a:ln w="28575">
-            <a:solidFill>
-              <a:schemeClr val="accent6"/>
-            </a:solidFill>
-          </a:ln>
-        </p:spPr>
-        <p:txBody>
-          <a:bodyPr wrap="square" rtlCol="0" anchor="ctr">
-            <a:spAutoFit/>
-          </a:bodyPr>
-          <a:lstStyle/>
-          <a:p>
-            <a:pPr algn="ctr"/>
-            <a:endParaRPr kumimoji="1" lang="ja-JP" altLang="en-US" kern="0" dirty="0"/>
-          </a:p>
-        </p:txBody>
-      </p:sp>
-      <p:sp>
-        <p:nvSpPr>
-          <p:cNvPr id="29" name="テキスト ボックス 45">
-            <a:extLst>
-              <a:ext uri="{FF2B5EF4-FFF2-40B4-BE49-F238E27FC236}">
-                <a16:creationId xmlns:a16="http://schemas.microsoft.com/office/drawing/2014/main" id="{94462DAB-3E88-C4BC-DEE5-5D602F99DEF2}"/>
-              </a:ext>
-            </a:extLst>
-          </p:cNvPr>
-          <p:cNvSpPr txBox="1"/>
-          <p:nvPr/>
-        </p:nvSpPr>
-        <p:spPr>
-          <a:xfrm>
-            <a:off x="846395" y="5624322"/>
-            <a:ext cx="2016224" cy="584775"/>
-          </a:xfrm>
-          <a:prstGeom prst="rect">
-            <a:avLst/>
-          </a:prstGeom>
-          <a:noFill/>
-        </p:spPr>
-        <p:txBody>
-          <a:bodyPr wrap="square" rtlCol="0">
-            <a:spAutoFit/>
-          </a:bodyPr>
-          <a:lstStyle/>
-          <a:p>
-            <a:pPr algn="ctr"/>
-            <a:r>
-              <a:rPr lang="ja-JP" altLang="en-US" sz="1600" dirty="0">
-                <a:solidFill>
-                  <a:schemeClr val="bg2">
-                    <a:lumMod val="75000"/>
-                    <a:lumOff val="25000"/>
-                  </a:schemeClr>
-                </a:solidFill>
-                <a:latin typeface="BIZ UDPゴシック" panose="020B0400000000000000" pitchFamily="50" charset="-128"/>
-                <a:ea typeface="BIZ UDPゴシック" panose="020B0400000000000000" pitchFamily="50" charset="-128"/>
-              </a:rPr>
-              <a:t>高コスト</a:t>
-            </a:r>
-            <a:endParaRPr lang="en-US" altLang="ja-JP" sz="1600" dirty="0">
-              <a:solidFill>
-                <a:schemeClr val="bg2">
-                  <a:lumMod val="75000"/>
-                  <a:lumOff val="25000"/>
-                </a:schemeClr>
-              </a:solidFill>
-              <a:latin typeface="BIZ UDPゴシック" panose="020B0400000000000000" pitchFamily="50" charset="-128"/>
-              <a:ea typeface="BIZ UDPゴシック" panose="020B0400000000000000" pitchFamily="50" charset="-128"/>
-            </a:endParaRPr>
-          </a:p>
-          <a:p>
-            <a:pPr algn="ctr"/>
-            <a:r>
-              <a:rPr kumimoji="1" lang="ja-JP" altLang="en-US" sz="1600" dirty="0">
-                <a:solidFill>
-                  <a:schemeClr val="bg2">
-                    <a:lumMod val="75000"/>
-                    <a:lumOff val="25000"/>
-                  </a:schemeClr>
-                </a:solidFill>
-                <a:latin typeface="BIZ UDPゴシック" panose="020B0400000000000000" pitchFamily="50" charset="-128"/>
-                <a:ea typeface="BIZ UDPゴシック" panose="020B0400000000000000" pitchFamily="50" charset="-128"/>
-              </a:rPr>
-              <a:t>高リソース</a:t>
-            </a:r>
-          </a:p>
-        </p:txBody>
-      </p:sp>
-      <p:sp>
-        <p:nvSpPr>
-          <p:cNvPr id="30" name="テキスト ボックス 46">
-            <a:extLst>
-              <a:ext uri="{FF2B5EF4-FFF2-40B4-BE49-F238E27FC236}">
-                <a16:creationId xmlns:a16="http://schemas.microsoft.com/office/drawing/2014/main" id="{AED48583-1667-E69D-15ED-7EE2FF6738B4}"/>
-              </a:ext>
-            </a:extLst>
-          </p:cNvPr>
-          <p:cNvSpPr txBox="1"/>
-          <p:nvPr/>
-        </p:nvSpPr>
-        <p:spPr>
-          <a:xfrm>
-            <a:off x="2595499" y="5590368"/>
-            <a:ext cx="2106235" cy="584775"/>
-          </a:xfrm>
-          <a:prstGeom prst="rect">
-            <a:avLst/>
-          </a:prstGeom>
-          <a:noFill/>
-        </p:spPr>
-        <p:txBody>
-          <a:bodyPr wrap="square" rtlCol="0">
-            <a:spAutoFit/>
-          </a:bodyPr>
-          <a:lstStyle/>
-          <a:p>
-            <a:pPr algn="ctr"/>
-            <a:r>
-              <a:rPr kumimoji="1" lang="ja-JP" altLang="en-US" sz="1600" dirty="0">
-                <a:solidFill>
-                  <a:schemeClr val="bg2">
-                    <a:lumMod val="75000"/>
-                    <a:lumOff val="25000"/>
-                  </a:schemeClr>
-                </a:solidFill>
-                <a:latin typeface="BIZ UDPゴシック" panose="020B0400000000000000" pitchFamily="50" charset="-128"/>
-                <a:ea typeface="BIZ UDPゴシック" panose="020B0400000000000000" pitchFamily="50" charset="-128"/>
-              </a:rPr>
-              <a:t>要実験</a:t>
-            </a:r>
-            <a:endParaRPr kumimoji="1" lang="en-US" altLang="ja-JP" sz="1600" dirty="0">
-              <a:solidFill>
-                <a:schemeClr val="bg2">
-                  <a:lumMod val="75000"/>
-                  <a:lumOff val="25000"/>
-                </a:schemeClr>
-              </a:solidFill>
-              <a:latin typeface="BIZ UDPゴシック" panose="020B0400000000000000" pitchFamily="50" charset="-128"/>
-              <a:ea typeface="BIZ UDPゴシック" panose="020B0400000000000000" pitchFamily="50" charset="-128"/>
-            </a:endParaRPr>
-          </a:p>
-          <a:p>
-            <a:pPr algn="ctr"/>
-            <a:r>
-              <a:rPr kumimoji="1" lang="ja-JP" altLang="en-US" sz="1600" dirty="0">
-                <a:solidFill>
-                  <a:schemeClr val="bg2">
-                    <a:lumMod val="75000"/>
-                    <a:lumOff val="25000"/>
-                  </a:schemeClr>
-                </a:solidFill>
-                <a:latin typeface="BIZ UDPゴシック" panose="020B0400000000000000" pitchFamily="50" charset="-128"/>
-                <a:ea typeface="BIZ UDPゴシック" panose="020B0400000000000000" pitchFamily="50" charset="-128"/>
-              </a:rPr>
-              <a:t>連携評価が難しい</a:t>
-            </a:r>
-          </a:p>
-        </p:txBody>
-      </p:sp>
-      <p:sp>
-        <p:nvSpPr>
-          <p:cNvPr id="31" name="テキスト ボックス 47">
-            <a:extLst>
-              <a:ext uri="{FF2B5EF4-FFF2-40B4-BE49-F238E27FC236}">
-                <a16:creationId xmlns:a16="http://schemas.microsoft.com/office/drawing/2014/main" id="{CB1DCE23-C853-6DF5-0928-8273575DD1A8}"/>
-              </a:ext>
-            </a:extLst>
-          </p:cNvPr>
-          <p:cNvSpPr txBox="1"/>
-          <p:nvPr/>
-        </p:nvSpPr>
-        <p:spPr>
-          <a:xfrm>
-            <a:off x="4521147" y="5692702"/>
-            <a:ext cx="2012332" cy="338554"/>
-          </a:xfrm>
-          <a:prstGeom prst="rect">
-            <a:avLst/>
-          </a:prstGeom>
-          <a:noFill/>
-        </p:spPr>
-        <p:txBody>
-          <a:bodyPr wrap="square" rtlCol="0">
-            <a:spAutoFit/>
-          </a:bodyPr>
-          <a:lstStyle/>
-          <a:p>
-            <a:pPr algn="ctr"/>
-            <a:r>
-              <a:rPr kumimoji="1" lang="ja-JP" altLang="en-US" sz="1600" dirty="0">
-                <a:solidFill>
-                  <a:schemeClr val="bg2">
-                    <a:lumMod val="75000"/>
-                    <a:lumOff val="25000"/>
-                  </a:schemeClr>
-                </a:solidFill>
-                <a:latin typeface="BIZ UDPゴシック" panose="020B0400000000000000" pitchFamily="50" charset="-128"/>
-                <a:ea typeface="BIZ UDPゴシック" panose="020B0400000000000000" pitchFamily="50" charset="-128"/>
-              </a:rPr>
-              <a:t>連携評価が難しい</a:t>
-            </a:r>
-          </a:p>
-        </p:txBody>
-      </p:sp>
-      <p:sp>
-        <p:nvSpPr>
-          <p:cNvPr id="32" name="正方形/長方形 48">
-            <a:extLst>
-              <a:ext uri="{FF2B5EF4-FFF2-40B4-BE49-F238E27FC236}">
-                <a16:creationId xmlns:a16="http://schemas.microsoft.com/office/drawing/2014/main" id="{A0E347C6-AFBB-4DFD-4116-E2F168049F5A}"/>
-              </a:ext>
-            </a:extLst>
-          </p:cNvPr>
-          <p:cNvSpPr/>
-          <p:nvPr/>
-        </p:nvSpPr>
-        <p:spPr>
-          <a:xfrm>
-            <a:off x="2659867" y="2629696"/>
-            <a:ext cx="1791940" cy="593013"/>
-          </a:xfrm>
-          <a:prstGeom prst="rect">
-            <a:avLst/>
-          </a:prstGeom>
-          <a:solidFill>
-            <a:schemeClr val="bg2">
-              <a:lumMod val="25000"/>
-              <a:lumOff val="75000"/>
-            </a:schemeClr>
-          </a:solidFill>
-          <a:ln>
-            <a:noFill/>
-          </a:ln>
-        </p:spPr>
-        <p:txBody>
-          <a:bodyPr wrap="square" rtlCol="0" anchor="ctr">
-            <a:spAutoFit/>
-          </a:bodyPr>
-          <a:lstStyle/>
-          <a:p>
-            <a:pPr algn="ctr"/>
-            <a:endParaRPr kumimoji="1" lang="ja-JP" altLang="en-US" kern="0" dirty="0"/>
-          </a:p>
-        </p:txBody>
-      </p:sp>
-      <p:sp>
-        <p:nvSpPr>
-          <p:cNvPr id="33" name="正方形/長方形 50">
-            <a:extLst>
-              <a:ext uri="{FF2B5EF4-FFF2-40B4-BE49-F238E27FC236}">
-                <a16:creationId xmlns:a16="http://schemas.microsoft.com/office/drawing/2014/main" id="{FAEEF4FA-7109-621B-5B1B-5F5E5C157D88}"/>
-              </a:ext>
-            </a:extLst>
-          </p:cNvPr>
-          <p:cNvSpPr/>
-          <p:nvPr/>
-        </p:nvSpPr>
-        <p:spPr>
-          <a:xfrm>
-            <a:off x="4613084" y="2629368"/>
-            <a:ext cx="1791940" cy="593013"/>
-          </a:xfrm>
-          <a:prstGeom prst="rect">
-            <a:avLst/>
-          </a:prstGeom>
-          <a:solidFill>
-            <a:schemeClr val="bg2">
-              <a:lumMod val="25000"/>
-              <a:lumOff val="75000"/>
-            </a:schemeClr>
-          </a:solidFill>
-          <a:ln>
-            <a:noFill/>
-          </a:ln>
-        </p:spPr>
-        <p:txBody>
-          <a:bodyPr wrap="square" rtlCol="0" anchor="ctr">
-            <a:spAutoFit/>
-          </a:bodyPr>
-          <a:lstStyle/>
-          <a:p>
-            <a:pPr algn="ctr"/>
-            <a:endParaRPr kumimoji="1" lang="ja-JP" altLang="en-US" kern="0" dirty="0"/>
-          </a:p>
-        </p:txBody>
-      </p:sp>
-      <p:sp>
-        <p:nvSpPr>
-          <p:cNvPr id="34" name="テキスト ボックス 22">
-            <a:extLst>
-              <a:ext uri="{FF2B5EF4-FFF2-40B4-BE49-F238E27FC236}">
-                <a16:creationId xmlns:a16="http://schemas.microsoft.com/office/drawing/2014/main" id="{CD1EA756-D520-D75C-9DF3-FB0C556D9C27}"/>
-              </a:ext>
-            </a:extLst>
-          </p:cNvPr>
-          <p:cNvSpPr txBox="1"/>
-          <p:nvPr/>
-        </p:nvSpPr>
-        <p:spPr>
-          <a:xfrm>
-            <a:off x="2666808" y="2630816"/>
-            <a:ext cx="1776412" cy="584775"/>
-          </a:xfrm>
-          <a:prstGeom prst="rect">
-            <a:avLst/>
-          </a:prstGeom>
-          <a:noFill/>
-        </p:spPr>
-        <p:txBody>
-          <a:bodyPr wrap="square" rtlCol="0">
-            <a:spAutoFit/>
-          </a:bodyPr>
-          <a:lstStyle/>
-          <a:p>
-            <a:pPr algn="ctr"/>
-            <a:r>
-              <a:rPr kumimoji="1" lang="ja-JP" altLang="en-US" sz="1600" dirty="0">
-                <a:latin typeface="BIZ UDPゴシック" panose="020B0400000000000000" pitchFamily="50" charset="-128"/>
-                <a:ea typeface="BIZ UDPゴシック" panose="020B0400000000000000" pitchFamily="50" charset="-128"/>
-              </a:rPr>
-              <a:t>アプリケーション層評価</a:t>
-            </a:r>
-          </a:p>
-        </p:txBody>
-      </p:sp>
-      <p:sp>
-        <p:nvSpPr>
-          <p:cNvPr id="35" name="テキスト ボックス 36">
-            <a:extLst>
-              <a:ext uri="{FF2B5EF4-FFF2-40B4-BE49-F238E27FC236}">
-                <a16:creationId xmlns:a16="http://schemas.microsoft.com/office/drawing/2014/main" id="{B043072E-C7F6-F7C1-EA94-B1E568D8282B}"/>
-              </a:ext>
-            </a:extLst>
-          </p:cNvPr>
-          <p:cNvSpPr txBox="1"/>
-          <p:nvPr/>
-        </p:nvSpPr>
-        <p:spPr>
-          <a:xfrm>
-            <a:off x="4612094" y="2641945"/>
-            <a:ext cx="1791941" cy="584775"/>
-          </a:xfrm>
-          <a:prstGeom prst="rect">
-            <a:avLst/>
-          </a:prstGeom>
-          <a:noFill/>
-        </p:spPr>
-        <p:txBody>
-          <a:bodyPr wrap="square" rtlCol="0">
-            <a:spAutoFit/>
-          </a:bodyPr>
-          <a:lstStyle/>
-          <a:p>
-            <a:pPr algn="ctr"/>
-            <a:r>
-              <a:rPr kumimoji="1" lang="ja-JP" altLang="en-US" sz="1600" dirty="0">
-                <a:latin typeface="BIZ UDPゴシック" panose="020B0400000000000000" pitchFamily="50" charset="-128"/>
-                <a:ea typeface="BIZ UDPゴシック" panose="020B0400000000000000" pitchFamily="50" charset="-128"/>
-              </a:rPr>
-              <a:t>アプリケーション層評価</a:t>
-            </a:r>
-          </a:p>
-        </p:txBody>
-      </p:sp>
-      <p:sp>
-        <p:nvSpPr>
-          <p:cNvPr id="36" name="右中かっこ 51">
-            <a:extLst>
-              <a:ext uri="{FF2B5EF4-FFF2-40B4-BE49-F238E27FC236}">
-                <a16:creationId xmlns:a16="http://schemas.microsoft.com/office/drawing/2014/main" id="{5F3CACD3-85B5-6374-F597-F576B5490091}"/>
-              </a:ext>
-            </a:extLst>
-          </p:cNvPr>
-          <p:cNvSpPr/>
-          <p:nvPr/>
-        </p:nvSpPr>
-        <p:spPr bwMode="auto">
-          <a:xfrm>
-            <a:off x="6561958" y="2602396"/>
-            <a:ext cx="123908" cy="2856221"/>
-          </a:xfrm>
-          <a:prstGeom prst="rightBrace">
-            <a:avLst/>
-          </a:prstGeom>
-          <a:noFill/>
-          <a:ln w="9525" cap="flat" cmpd="sng" algn="ctr">
-            <a:solidFill>
-              <a:schemeClr val="tx1"/>
-            </a:solidFill>
-            <a:prstDash val="solid"/>
-            <a:miter lim="800000"/>
-            <a:headEnd type="none" w="med" len="med"/>
-            <a:tailEnd type="none" w="med" len="med"/>
-          </a:ln>
-          <a:effectLst/>
-        </p:spPr>
-        <p:txBody>
-          <a:bodyPr vert="horz" wrap="none" lIns="91440" tIns="45720" rIns="91440" bIns="45720" numCol="1" rtlCol="0" anchor="t" anchorCtr="0" compatLnSpc="1">
-            <a:prstTxWarp prst="textNoShape">
-              <a:avLst/>
-            </a:prstTxWarp>
-          </a:bodyPr>
-          <a:lstStyle/>
-          <a:p>
-            <a:pPr marL="0" marR="0" indent="0" algn="l" defTabSz="914400" rtl="0" eaLnBrk="1" fontAlgn="base" latinLnBrk="0" hangingPunct="1">
-              <a:lnSpc>
-                <a:spcPct val="100000"/>
-              </a:lnSpc>
-              <a:spcBef>
-                <a:spcPct val="0"/>
-              </a:spcBef>
-              <a:spcAft>
-                <a:spcPct val="0"/>
-              </a:spcAft>
-              <a:buClrTx/>
-              <a:buSzTx/>
-              <a:buFontTx/>
-              <a:buNone/>
-              <a:tabLst/>
-            </a:pPr>
-            <a:endParaRPr kumimoji="1" lang="ja-JP" altLang="en-US" sz="2400" b="0" i="0" u="none" strike="noStrike" cap="none" normalizeH="0" baseline="0">
-              <a:ln>
-                <a:noFill/>
-              </a:ln>
-              <a:solidFill>
-                <a:schemeClr val="tx1"/>
-              </a:solidFill>
-              <a:effectLst/>
-              <a:latin typeface="Times New Roman" charset="0"/>
-              <a:ea typeface="ＭＳ Ｐゴシック" charset="0"/>
-              <a:cs typeface="ＭＳ Ｐゴシック" charset="0"/>
-            </a:endParaRPr>
-          </a:p>
-        </p:txBody>
-      </p:sp>
-      <p:sp>
-        <p:nvSpPr>
-          <p:cNvPr id="37" name="テキスト ボックス 52">
-            <a:extLst>
-              <a:ext uri="{FF2B5EF4-FFF2-40B4-BE49-F238E27FC236}">
-                <a16:creationId xmlns:a16="http://schemas.microsoft.com/office/drawing/2014/main" id="{2ADB077F-924B-C53C-B8FB-089CD0AB0E87}"/>
-              </a:ext>
-            </a:extLst>
-          </p:cNvPr>
-          <p:cNvSpPr txBox="1"/>
-          <p:nvPr/>
-        </p:nvSpPr>
-        <p:spPr>
-          <a:xfrm>
-            <a:off x="6668132" y="3165104"/>
-            <a:ext cx="2438438" cy="1723549"/>
-          </a:xfrm>
-          <a:prstGeom prst="rect">
-            <a:avLst/>
-          </a:prstGeom>
-          <a:noFill/>
-        </p:spPr>
-        <p:txBody>
-          <a:bodyPr wrap="square" rtlCol="0">
-            <a:spAutoFit/>
-          </a:bodyPr>
-          <a:lstStyle/>
-          <a:p>
-            <a:pPr marL="177800" indent="-177800">
-              <a:buFont typeface="Arial" panose="020B0604020202020204" pitchFamily="34" charset="0"/>
-              <a:buChar char="•"/>
-            </a:pPr>
-            <a:r>
-              <a:rPr kumimoji="1" lang="ja-JP" altLang="en-US" dirty="0">
-                <a:solidFill>
-                  <a:schemeClr val="bg2">
-                    <a:lumMod val="75000"/>
-                    <a:lumOff val="25000"/>
-                  </a:schemeClr>
-                </a:solidFill>
-                <a:latin typeface="BIZ UDPゴシック" panose="020B0400000000000000" pitchFamily="50" charset="-128"/>
-                <a:ea typeface="BIZ UDPゴシック" panose="020B0400000000000000" pitchFamily="50" charset="-128"/>
-              </a:rPr>
-              <a:t>他レイヤの知識</a:t>
-            </a:r>
-            <a:endParaRPr lang="en-US" altLang="ja-JP" dirty="0">
-              <a:solidFill>
-                <a:schemeClr val="bg2">
-                  <a:lumMod val="75000"/>
-                  <a:lumOff val="25000"/>
-                </a:schemeClr>
-              </a:solidFill>
-              <a:latin typeface="BIZ UDPゴシック" panose="020B0400000000000000" pitchFamily="50" charset="-128"/>
-              <a:ea typeface="BIZ UDPゴシック" panose="020B0400000000000000" pitchFamily="50" charset="-128"/>
-            </a:endParaRPr>
-          </a:p>
-          <a:p>
-            <a:pPr marL="177800" indent="-177800">
-              <a:buFont typeface="Arial" panose="020B0604020202020204" pitchFamily="34" charset="0"/>
-              <a:buChar char="•"/>
-            </a:pPr>
-            <a:r>
-              <a:rPr kumimoji="1" lang="ja-JP" altLang="en-US" dirty="0">
-                <a:solidFill>
-                  <a:schemeClr val="bg2">
-                    <a:lumMod val="75000"/>
-                    <a:lumOff val="25000"/>
-                  </a:schemeClr>
-                </a:solidFill>
-                <a:latin typeface="BIZ UDPゴシック" panose="020B0400000000000000" pitchFamily="50" charset="-128"/>
-                <a:ea typeface="BIZ UDPゴシック" panose="020B0400000000000000" pitchFamily="50" charset="-128"/>
-              </a:rPr>
-              <a:t>専門的な評価方法</a:t>
-            </a:r>
-            <a:endParaRPr lang="en-US" altLang="ja-JP" dirty="0">
-              <a:solidFill>
-                <a:schemeClr val="bg2">
-                  <a:lumMod val="75000"/>
-                  <a:lumOff val="25000"/>
-                </a:schemeClr>
-              </a:solidFill>
-              <a:latin typeface="BIZ UDPゴシック" panose="020B0400000000000000" pitchFamily="50" charset="-128"/>
-              <a:ea typeface="BIZ UDPゴシック" panose="020B0400000000000000" pitchFamily="50" charset="-128"/>
-            </a:endParaRPr>
-          </a:p>
-          <a:p>
-            <a:pPr marL="177800" indent="-177800">
-              <a:buFont typeface="Arial" panose="020B0604020202020204" pitchFamily="34" charset="0"/>
-              <a:buChar char="•"/>
-            </a:pPr>
-            <a:r>
-              <a:rPr kumimoji="1" lang="ja-JP" altLang="en-US" dirty="0">
-                <a:solidFill>
-                  <a:schemeClr val="bg2">
-                    <a:lumMod val="75000"/>
-                    <a:lumOff val="25000"/>
-                  </a:schemeClr>
-                </a:solidFill>
-                <a:latin typeface="BIZ UDPゴシック" panose="020B0400000000000000" pitchFamily="50" charset="-128"/>
-                <a:ea typeface="BIZ UDPゴシック" panose="020B0400000000000000" pitchFamily="50" charset="-128"/>
-              </a:rPr>
-              <a:t>コーディングスキル</a:t>
-            </a:r>
-            <a:endParaRPr kumimoji="1" lang="en-US" altLang="ja-JP" dirty="0">
-              <a:solidFill>
-                <a:schemeClr val="bg2">
-                  <a:lumMod val="75000"/>
-                  <a:lumOff val="25000"/>
-                </a:schemeClr>
-              </a:solidFill>
-              <a:latin typeface="BIZ UDPゴシック" panose="020B0400000000000000" pitchFamily="50" charset="-128"/>
-              <a:ea typeface="BIZ UDPゴシック" panose="020B0400000000000000" pitchFamily="50" charset="-128"/>
-            </a:endParaRPr>
-          </a:p>
-          <a:p>
-            <a:pPr marL="177800" indent="-177800">
-              <a:buFont typeface="Arial" panose="020B0604020202020204" pitchFamily="34" charset="0"/>
-              <a:buChar char="•"/>
-            </a:pPr>
-            <a:r>
-              <a:rPr kumimoji="1" lang="ja-JP" altLang="en-US" dirty="0">
-                <a:solidFill>
-                  <a:schemeClr val="bg2">
-                    <a:lumMod val="75000"/>
-                    <a:lumOff val="25000"/>
-                  </a:schemeClr>
-                </a:solidFill>
-                <a:latin typeface="BIZ UDPゴシック" panose="020B0400000000000000" pitchFamily="50" charset="-128"/>
-                <a:ea typeface="BIZ UDPゴシック" panose="020B0400000000000000" pitchFamily="50" charset="-128"/>
-              </a:rPr>
-              <a:t>計算スキル</a:t>
-            </a:r>
-            <a:br>
-              <a:rPr kumimoji="1" lang="en-US" altLang="ja-JP" sz="1600" dirty="0">
-                <a:solidFill>
-                  <a:schemeClr val="bg2">
-                    <a:lumMod val="75000"/>
-                    <a:lumOff val="25000"/>
-                  </a:schemeClr>
-                </a:solidFill>
-                <a:latin typeface="BIZ UDPゴシック" panose="020B0400000000000000" pitchFamily="50" charset="-128"/>
-                <a:ea typeface="BIZ UDPゴシック" panose="020B0400000000000000" pitchFamily="50" charset="-128"/>
-              </a:rPr>
-            </a:br>
-            <a:endParaRPr lang="en-US" altLang="ja-JP" sz="1600" dirty="0">
-              <a:solidFill>
-                <a:schemeClr val="bg2">
-                  <a:lumMod val="75000"/>
-                  <a:lumOff val="25000"/>
-                </a:schemeClr>
-              </a:solidFill>
-              <a:latin typeface="BIZ UDPゴシック" panose="020B0400000000000000" pitchFamily="50" charset="-128"/>
-              <a:ea typeface="BIZ UDPゴシック" panose="020B0400000000000000" pitchFamily="50" charset="-128"/>
-            </a:endParaRPr>
-          </a:p>
-          <a:p>
-            <a:pPr algn="r"/>
-            <a:r>
-              <a:rPr kumimoji="1" lang="ja-JP" altLang="en-US" dirty="0">
-                <a:solidFill>
-                  <a:schemeClr val="bg2">
-                    <a:lumMod val="75000"/>
-                    <a:lumOff val="25000"/>
-                  </a:schemeClr>
-                </a:solidFill>
-                <a:latin typeface="BIZ UDPゴシック" panose="020B0400000000000000" pitchFamily="50" charset="-128"/>
-                <a:ea typeface="BIZ UDPゴシック" panose="020B0400000000000000" pitchFamily="50" charset="-128"/>
-              </a:rPr>
-              <a:t>などが必要</a:t>
-            </a:r>
-          </a:p>
-        </p:txBody>
-      </p:sp>
-      <p:sp>
-        <p:nvSpPr>
           <p:cNvPr id="38" name="テキスト ボックス 53">
             <a:extLst>
               <a:ext uri="{FF2B5EF4-FFF2-40B4-BE49-F238E27FC236}">
@@ -14587,174 +13020,1789 @@
           </a:p>
         </p:txBody>
       </p:sp>
-      <p:sp>
-        <p:nvSpPr>
-          <p:cNvPr id="39" name="正方形/長方形 49">
+      <p:grpSp>
+        <p:nvGrpSpPr>
+          <p:cNvPr id="2" name="グループ化 1">
             <a:extLst>
               <a:ext uri="{FF2B5EF4-FFF2-40B4-BE49-F238E27FC236}">
-                <a16:creationId xmlns:a16="http://schemas.microsoft.com/office/drawing/2014/main" id="{8CC1A9D9-AD04-86B1-DA99-A81F12942C9D}"/>
+                <a16:creationId xmlns:a16="http://schemas.microsoft.com/office/drawing/2014/main" id="{31D8E564-004F-E082-A824-EFB84922F1FD}"/>
               </a:ext>
             </a:extLst>
           </p:cNvPr>
-          <p:cNvSpPr/>
+          <p:cNvGrpSpPr/>
           <p:nvPr/>
-        </p:nvSpPr>
-        <p:spPr>
+        </p:nvGrpSpPr>
+        <p:grpSpPr>
           <a:xfrm>
-            <a:off x="2652131" y="4424082"/>
-            <a:ext cx="1800201" cy="483495"/>
+            <a:off x="-86268" y="2134338"/>
+            <a:ext cx="9192838" cy="4074759"/>
+            <a:chOff x="-86268" y="2134338"/>
+            <a:chExt cx="9192838" cy="4074759"/>
           </a:xfrm>
-          <a:prstGeom prst="rect">
-            <a:avLst/>
-          </a:prstGeom>
-          <a:solidFill>
-            <a:schemeClr val="bg2">
-              <a:lumMod val="25000"/>
-              <a:lumOff val="75000"/>
-            </a:schemeClr>
-          </a:solidFill>
-          <a:ln>
+        </p:grpSpPr>
+        <p:sp>
+          <p:nvSpPr>
+            <p:cNvPr id="5" name="正方形/長方形 21">
+              <a:extLst>
+                <a:ext uri="{FF2B5EF4-FFF2-40B4-BE49-F238E27FC236}">
+                  <a16:creationId xmlns:a16="http://schemas.microsoft.com/office/drawing/2014/main" id="{AEF8C392-2A51-09DD-9F3A-B08023C664D8}"/>
+                </a:ext>
+              </a:extLst>
+            </p:cNvPr>
+            <p:cNvSpPr/>
+            <p:nvPr/>
+          </p:nvSpPr>
+          <p:spPr>
+            <a:xfrm>
+              <a:off x="2649326" y="3654631"/>
+              <a:ext cx="1791940" cy="593013"/>
+            </a:xfrm>
+            <a:prstGeom prst="rect">
+              <a:avLst/>
+            </a:prstGeom>
+            <a:solidFill>
+              <a:schemeClr val="bg2">
+                <a:lumMod val="25000"/>
+                <a:lumOff val="75000"/>
+              </a:schemeClr>
+            </a:solidFill>
+            <a:ln>
+              <a:noFill/>
+            </a:ln>
+          </p:spPr>
+          <p:txBody>
+            <a:bodyPr wrap="square" rtlCol="0" anchor="ctr">
+              <a:spAutoFit/>
+            </a:bodyPr>
+            <a:lstStyle/>
+            <a:p>
+              <a:pPr algn="ctr"/>
+              <a:endParaRPr kumimoji="1" lang="ja-JP" altLang="en-US" kern="0" dirty="0"/>
+            </a:p>
+          </p:txBody>
+        </p:sp>
+        <p:sp>
+          <p:nvSpPr>
+            <p:cNvPr id="7" name="正方形/長方形 5">
+              <a:extLst>
+                <a:ext uri="{FF2B5EF4-FFF2-40B4-BE49-F238E27FC236}">
+                  <a16:creationId xmlns:a16="http://schemas.microsoft.com/office/drawing/2014/main" id="{8D6A3D0E-4A8C-87CE-8C21-F43D35F7AB2B}"/>
+                </a:ext>
+              </a:extLst>
+            </p:cNvPr>
+            <p:cNvSpPr/>
+            <p:nvPr/>
+          </p:nvSpPr>
+          <p:spPr>
+            <a:xfrm>
+              <a:off x="1299885" y="2629367"/>
+              <a:ext cx="1225399" cy="2795025"/>
+            </a:xfrm>
+            <a:prstGeom prst="rect">
+              <a:avLst/>
+            </a:prstGeom>
+            <a:solidFill>
+              <a:schemeClr val="accent5">
+                <a:lumMod val="20000"/>
+                <a:lumOff val="80000"/>
+              </a:schemeClr>
+            </a:solidFill>
+            <a:ln>
+              <a:noFill/>
+            </a:ln>
+          </p:spPr>
+          <p:txBody>
+            <a:bodyPr wrap="square" rtlCol="0" anchor="ctr">
+              <a:spAutoFit/>
+            </a:bodyPr>
+            <a:lstStyle/>
+            <a:p>
+              <a:pPr algn="ctr"/>
+              <a:endParaRPr kumimoji="1" lang="ja-JP" altLang="en-US" kern="0" dirty="0"/>
+            </a:p>
+          </p:txBody>
+        </p:sp>
+        <p:sp>
+          <p:nvSpPr>
+            <p:cNvPr id="8" name="正方形/長方形 6">
+              <a:extLst>
+                <a:ext uri="{FF2B5EF4-FFF2-40B4-BE49-F238E27FC236}">
+                  <a16:creationId xmlns:a16="http://schemas.microsoft.com/office/drawing/2014/main" id="{770DD132-63B3-ABBF-5FA2-9C6F5959C2D1}"/>
+                </a:ext>
+              </a:extLst>
+            </p:cNvPr>
+            <p:cNvSpPr/>
+            <p:nvPr/>
+          </p:nvSpPr>
+          <p:spPr>
+            <a:xfrm>
+              <a:off x="2658877" y="4975122"/>
+              <a:ext cx="1800201" cy="483495"/>
+            </a:xfrm>
+            <a:prstGeom prst="rect">
+              <a:avLst/>
+            </a:prstGeom>
+            <a:solidFill>
+              <a:schemeClr val="accent5">
+                <a:lumMod val="20000"/>
+                <a:lumOff val="80000"/>
+              </a:schemeClr>
+            </a:solidFill>
+            <a:ln>
+              <a:noFill/>
+            </a:ln>
+          </p:spPr>
+          <p:txBody>
+            <a:bodyPr wrap="square" rtlCol="0" anchor="ctr">
+              <a:spAutoFit/>
+            </a:bodyPr>
+            <a:lstStyle/>
+            <a:p>
+              <a:pPr algn="ctr"/>
+              <a:endParaRPr kumimoji="1" lang="ja-JP" altLang="en-US" kern="0" dirty="0"/>
+            </a:p>
+          </p:txBody>
+        </p:sp>
+        <p:sp>
+          <p:nvSpPr>
+            <p:cNvPr id="9" name="テキスト ボックス 15">
+              <a:extLst>
+                <a:ext uri="{FF2B5EF4-FFF2-40B4-BE49-F238E27FC236}">
+                  <a16:creationId xmlns:a16="http://schemas.microsoft.com/office/drawing/2014/main" id="{7E9F0889-BB9E-A84A-2841-2711F536B05E}"/>
+                </a:ext>
+              </a:extLst>
+            </p:cNvPr>
+            <p:cNvSpPr txBox="1"/>
+            <p:nvPr/>
+          </p:nvSpPr>
+          <p:spPr>
+            <a:xfrm>
+              <a:off x="1397940" y="3603288"/>
+              <a:ext cx="1008112" cy="707886"/>
+            </a:xfrm>
+            <a:prstGeom prst="rect">
+              <a:avLst/>
+            </a:prstGeom>
             <a:noFill/>
-          </a:ln>
-        </p:spPr>
-        <p:txBody>
-          <a:bodyPr wrap="square" rtlCol="0" anchor="ctr">
-            <a:spAutoFit/>
-          </a:bodyPr>
-          <a:lstStyle/>
-          <a:p>
-            <a:pPr algn="ctr"/>
-            <a:endParaRPr kumimoji="1" lang="ja-JP" altLang="en-US" kern="0" dirty="0"/>
-          </a:p>
-        </p:txBody>
-      </p:sp>
-      <p:sp>
-        <p:nvSpPr>
-          <p:cNvPr id="40" name="テキスト ボックス 54">
-            <a:extLst>
-              <a:ext uri="{FF2B5EF4-FFF2-40B4-BE49-F238E27FC236}">
-                <a16:creationId xmlns:a16="http://schemas.microsoft.com/office/drawing/2014/main" id="{14C03B40-3903-8C53-2483-D6804F1B26C4}"/>
-              </a:ext>
-            </a:extLst>
-          </p:cNvPr>
-          <p:cNvSpPr txBox="1"/>
-          <p:nvPr/>
-        </p:nvSpPr>
-        <p:spPr>
-          <a:xfrm>
-            <a:off x="2796257" y="4477515"/>
-            <a:ext cx="1494166" cy="400110"/>
-          </a:xfrm>
-          <a:prstGeom prst="rect">
-            <a:avLst/>
-          </a:prstGeom>
-          <a:noFill/>
-        </p:spPr>
-        <p:txBody>
-          <a:bodyPr wrap="square" rtlCol="0">
-            <a:spAutoFit/>
-          </a:bodyPr>
-          <a:lstStyle/>
-          <a:p>
-            <a:pPr algn="ctr"/>
-            <a:r>
-              <a:rPr lang="ja-JP" altLang="en-US" sz="2000" dirty="0">
-                <a:latin typeface="BIZ UDPゴシック" panose="020B0400000000000000" pitchFamily="50" charset="-128"/>
-                <a:ea typeface="BIZ UDPゴシック" panose="020B0400000000000000" pitchFamily="50" charset="-128"/>
-              </a:rPr>
-              <a:t>信号処理</a:t>
-            </a:r>
-            <a:endParaRPr kumimoji="1" lang="ja-JP" altLang="en-US" sz="2000" dirty="0">
-              <a:latin typeface="BIZ UDPゴシック" panose="020B0400000000000000" pitchFamily="50" charset="-128"/>
-              <a:ea typeface="BIZ UDPゴシック" panose="020B0400000000000000" pitchFamily="50" charset="-128"/>
-            </a:endParaRPr>
-          </a:p>
-        </p:txBody>
-      </p:sp>
-      <p:sp>
-        <p:nvSpPr>
-          <p:cNvPr id="41" name="正方形/長方形 55">
-            <a:extLst>
-              <a:ext uri="{FF2B5EF4-FFF2-40B4-BE49-F238E27FC236}">
-                <a16:creationId xmlns:a16="http://schemas.microsoft.com/office/drawing/2014/main" id="{03EAF876-9EC8-A795-2B21-1220A3B3182E}"/>
-              </a:ext>
-            </a:extLst>
-          </p:cNvPr>
-          <p:cNvSpPr/>
-          <p:nvPr/>
-        </p:nvSpPr>
-        <p:spPr>
-          <a:xfrm>
-            <a:off x="4618717" y="4409859"/>
-            <a:ext cx="1800201" cy="483495"/>
-          </a:xfrm>
-          <a:prstGeom prst="rect">
-            <a:avLst/>
-          </a:prstGeom>
-          <a:solidFill>
-            <a:schemeClr val="bg2">
-              <a:lumMod val="25000"/>
-              <a:lumOff val="75000"/>
-            </a:schemeClr>
-          </a:solidFill>
-          <a:ln>
+          </p:spPr>
+          <p:txBody>
+            <a:bodyPr wrap="square" rtlCol="0">
+              <a:spAutoFit/>
+            </a:bodyPr>
+            <a:lstStyle/>
+            <a:p>
+              <a:pPr algn="ctr"/>
+              <a:r>
+                <a:rPr kumimoji="1" lang="ja-JP" altLang="en-US" sz="2000" dirty="0">
+                  <a:latin typeface="BIZ UDPゴシック" panose="020B0400000000000000" pitchFamily="50" charset="-128"/>
+                  <a:ea typeface="BIZ UDPゴシック" panose="020B0400000000000000" pitchFamily="50" charset="-128"/>
+                </a:rPr>
+                <a:t>統合</a:t>
+              </a:r>
+              <a:br>
+                <a:rPr kumimoji="1" lang="en-US" altLang="ja-JP" sz="2000" dirty="0">
+                  <a:latin typeface="BIZ UDPゴシック" panose="020B0400000000000000" pitchFamily="50" charset="-128"/>
+                  <a:ea typeface="BIZ UDPゴシック" panose="020B0400000000000000" pitchFamily="50" charset="-128"/>
+                </a:rPr>
+              </a:br>
+              <a:r>
+                <a:rPr kumimoji="1" lang="ja-JP" altLang="en-US" sz="2000" dirty="0">
+                  <a:latin typeface="BIZ UDPゴシック" panose="020B0400000000000000" pitchFamily="50" charset="-128"/>
+                  <a:ea typeface="BIZ UDPゴシック" panose="020B0400000000000000" pitchFamily="50" charset="-128"/>
+                </a:rPr>
+                <a:t>評価</a:t>
+              </a:r>
+            </a:p>
+          </p:txBody>
+        </p:sp>
+        <p:sp>
+          <p:nvSpPr>
+            <p:cNvPr id="10" name="テキスト ボックス 16">
+              <a:extLst>
+                <a:ext uri="{FF2B5EF4-FFF2-40B4-BE49-F238E27FC236}">
+                  <a16:creationId xmlns:a16="http://schemas.microsoft.com/office/drawing/2014/main" id="{CE284101-95B8-82C0-DDF8-2A0AB43F67BF}"/>
+                </a:ext>
+              </a:extLst>
+            </p:cNvPr>
+            <p:cNvSpPr txBox="1"/>
+            <p:nvPr/>
+          </p:nvSpPr>
+          <p:spPr>
+            <a:xfrm>
+              <a:off x="-86268" y="3053240"/>
+              <a:ext cx="1494166" cy="400110"/>
+            </a:xfrm>
+            <a:prstGeom prst="rect">
+              <a:avLst/>
+            </a:prstGeom>
             <a:noFill/>
-          </a:ln>
-        </p:spPr>
-        <p:txBody>
-          <a:bodyPr wrap="square" rtlCol="0" anchor="ctr">
-            <a:spAutoFit/>
-          </a:bodyPr>
-          <a:lstStyle/>
-          <a:p>
-            <a:pPr algn="ctr"/>
-            <a:endParaRPr kumimoji="1" lang="ja-JP" altLang="en-US" kern="0" dirty="0"/>
-          </a:p>
-        </p:txBody>
-      </p:sp>
-      <p:sp>
-        <p:nvSpPr>
-          <p:cNvPr id="42" name="テキスト ボックス 56">
-            <a:extLst>
-              <a:ext uri="{FF2B5EF4-FFF2-40B4-BE49-F238E27FC236}">
-                <a16:creationId xmlns:a16="http://schemas.microsoft.com/office/drawing/2014/main" id="{82427ABF-0938-6804-F8FA-E7BDBAFF6909}"/>
-              </a:ext>
-            </a:extLst>
-          </p:cNvPr>
-          <p:cNvSpPr txBox="1"/>
-          <p:nvPr/>
-        </p:nvSpPr>
-        <p:spPr>
-          <a:xfrm>
-            <a:off x="4762843" y="4463292"/>
-            <a:ext cx="1494166" cy="400110"/>
-          </a:xfrm>
-          <a:prstGeom prst="rect">
-            <a:avLst/>
-          </a:prstGeom>
-          <a:noFill/>
-        </p:spPr>
-        <p:txBody>
-          <a:bodyPr wrap="square" rtlCol="0">
-            <a:spAutoFit/>
-          </a:bodyPr>
-          <a:lstStyle/>
-          <a:p>
-            <a:pPr algn="ctr"/>
-            <a:r>
-              <a:rPr lang="ja-JP" altLang="en-US" sz="2000" dirty="0">
-                <a:latin typeface="BIZ UDPゴシック" panose="020B0400000000000000" pitchFamily="50" charset="-128"/>
-                <a:ea typeface="BIZ UDPゴシック" panose="020B0400000000000000" pitchFamily="50" charset="-128"/>
-              </a:rPr>
-              <a:t>信号処理</a:t>
-            </a:r>
-            <a:endParaRPr kumimoji="1" lang="ja-JP" altLang="en-US" sz="2000" dirty="0">
-              <a:latin typeface="BIZ UDPゴシック" panose="020B0400000000000000" pitchFamily="50" charset="-128"/>
-              <a:ea typeface="BIZ UDPゴシック" panose="020B0400000000000000" pitchFamily="50" charset="-128"/>
-            </a:endParaRPr>
-          </a:p>
-        </p:txBody>
-      </p:sp>
+          </p:spPr>
+          <p:txBody>
+            <a:bodyPr wrap="square" rtlCol="0">
+              <a:spAutoFit/>
+            </a:bodyPr>
+            <a:lstStyle/>
+            <a:p>
+              <a:pPr algn="ctr"/>
+              <a:r>
+                <a:rPr kumimoji="1" lang="ja-JP" altLang="en-US" sz="2000" dirty="0">
+                  <a:latin typeface="BIZ UDPゴシック" panose="020B0400000000000000" pitchFamily="50" charset="-128"/>
+                  <a:ea typeface="BIZ UDPゴシック" panose="020B0400000000000000" pitchFamily="50" charset="-128"/>
+                </a:rPr>
+                <a:t>上位層</a:t>
+              </a:r>
+            </a:p>
+          </p:txBody>
+        </p:sp>
+        <p:sp>
+          <p:nvSpPr>
+            <p:cNvPr id="11" name="テキスト ボックス 17">
+              <a:extLst>
+                <a:ext uri="{FF2B5EF4-FFF2-40B4-BE49-F238E27FC236}">
+                  <a16:creationId xmlns:a16="http://schemas.microsoft.com/office/drawing/2014/main" id="{9E917024-474B-6AA0-30B5-23A5EA7A67A9}"/>
+                </a:ext>
+              </a:extLst>
+            </p:cNvPr>
+            <p:cNvSpPr txBox="1"/>
+            <p:nvPr/>
+          </p:nvSpPr>
+          <p:spPr>
+            <a:xfrm>
+              <a:off x="-86268" y="4605487"/>
+              <a:ext cx="1494166" cy="400110"/>
+            </a:xfrm>
+            <a:prstGeom prst="rect">
+              <a:avLst/>
+            </a:prstGeom>
+            <a:noFill/>
+          </p:spPr>
+          <p:txBody>
+            <a:bodyPr wrap="square" rtlCol="0">
+              <a:spAutoFit/>
+            </a:bodyPr>
+            <a:lstStyle/>
+            <a:p>
+              <a:pPr algn="ctr"/>
+              <a:r>
+                <a:rPr lang="ja-JP" altLang="en-US" sz="2000" dirty="0">
+                  <a:latin typeface="BIZ UDPゴシック" panose="020B0400000000000000" pitchFamily="50" charset="-128"/>
+                  <a:ea typeface="BIZ UDPゴシック" panose="020B0400000000000000" pitchFamily="50" charset="-128"/>
+                </a:rPr>
+                <a:t>物理層</a:t>
+              </a:r>
+              <a:endParaRPr kumimoji="1" lang="ja-JP" altLang="en-US" sz="2000" dirty="0">
+                <a:latin typeface="BIZ UDPゴシック" panose="020B0400000000000000" pitchFamily="50" charset="-128"/>
+                <a:ea typeface="BIZ UDPゴシック" panose="020B0400000000000000" pitchFamily="50" charset="-128"/>
+              </a:endParaRPr>
+            </a:p>
+          </p:txBody>
+        </p:sp>
+        <p:sp>
+          <p:nvSpPr>
+            <p:cNvPr id="12" name="テキスト ボックス 18">
+              <a:extLst>
+                <a:ext uri="{FF2B5EF4-FFF2-40B4-BE49-F238E27FC236}">
+                  <a16:creationId xmlns:a16="http://schemas.microsoft.com/office/drawing/2014/main" id="{F1B07BD1-49A7-BA48-7E28-E89BCFCF8234}"/>
+                </a:ext>
+              </a:extLst>
+            </p:cNvPr>
+            <p:cNvSpPr txBox="1"/>
+            <p:nvPr/>
+          </p:nvSpPr>
+          <p:spPr>
+            <a:xfrm>
+              <a:off x="2796257" y="5024283"/>
+              <a:ext cx="1494166" cy="400110"/>
+            </a:xfrm>
+            <a:prstGeom prst="rect">
+              <a:avLst/>
+            </a:prstGeom>
+            <a:noFill/>
+          </p:spPr>
+          <p:txBody>
+            <a:bodyPr wrap="square" rtlCol="0">
+              <a:spAutoFit/>
+            </a:bodyPr>
+            <a:lstStyle/>
+            <a:p>
+              <a:pPr algn="ctr"/>
+              <a:r>
+                <a:rPr kumimoji="1" lang="ja-JP" altLang="en-US" sz="2000" dirty="0">
+                  <a:latin typeface="BIZ UDPゴシック" panose="020B0400000000000000" pitchFamily="50" charset="-128"/>
+                  <a:ea typeface="BIZ UDPゴシック" panose="020B0400000000000000" pitchFamily="50" charset="-128"/>
+                </a:rPr>
+                <a:t>伝搬実験</a:t>
+              </a:r>
+            </a:p>
+          </p:txBody>
+        </p:sp>
+        <p:sp>
+          <p:nvSpPr>
+            <p:cNvPr id="13" name="テキスト ボックス 19">
+              <a:extLst>
+                <a:ext uri="{FF2B5EF4-FFF2-40B4-BE49-F238E27FC236}">
+                  <a16:creationId xmlns:a16="http://schemas.microsoft.com/office/drawing/2014/main" id="{839DE1A7-4B92-A5E3-425F-5567BC1075F5}"/>
+                </a:ext>
+              </a:extLst>
+            </p:cNvPr>
+            <p:cNvSpPr txBox="1"/>
+            <p:nvPr/>
+          </p:nvSpPr>
+          <p:spPr>
+            <a:xfrm>
+              <a:off x="2751733" y="3581749"/>
+              <a:ext cx="1655474" cy="707886"/>
+            </a:xfrm>
+            <a:prstGeom prst="rect">
+              <a:avLst/>
+            </a:prstGeom>
+            <a:noFill/>
+          </p:spPr>
+          <p:txBody>
+            <a:bodyPr wrap="square" rtlCol="0">
+              <a:spAutoFit/>
+            </a:bodyPr>
+            <a:lstStyle/>
+            <a:p>
+              <a:pPr algn="ctr"/>
+              <a:r>
+                <a:rPr kumimoji="1" lang="en-US" altLang="ja-JP" sz="2000" dirty="0">
+                  <a:latin typeface="BIZ UDPゴシック" panose="020B0400000000000000" pitchFamily="50" charset="-128"/>
+                  <a:ea typeface="BIZ UDPゴシック" panose="020B0400000000000000" pitchFamily="50" charset="-128"/>
+                </a:rPr>
+                <a:t>MAC</a:t>
+              </a:r>
+              <a:r>
+                <a:rPr kumimoji="1" lang="ja-JP" altLang="en-US" sz="2000" dirty="0">
+                  <a:latin typeface="BIZ UDPゴシック" panose="020B0400000000000000" pitchFamily="50" charset="-128"/>
+                  <a:ea typeface="BIZ UDPゴシック" panose="020B0400000000000000" pitchFamily="50" charset="-128"/>
+                </a:rPr>
+                <a:t>層</a:t>
+              </a:r>
+              <a:endParaRPr kumimoji="1" lang="en-US" altLang="ja-JP" sz="2000" dirty="0">
+                <a:latin typeface="BIZ UDPゴシック" panose="020B0400000000000000" pitchFamily="50" charset="-128"/>
+                <a:ea typeface="BIZ UDPゴシック" panose="020B0400000000000000" pitchFamily="50" charset="-128"/>
+              </a:endParaRPr>
+            </a:p>
+            <a:p>
+              <a:pPr algn="ctr"/>
+              <a:r>
+                <a:rPr kumimoji="1" lang="ja-JP" altLang="en-US" sz="2000" dirty="0">
+                  <a:latin typeface="BIZ UDPゴシック" panose="020B0400000000000000" pitchFamily="50" charset="-128"/>
+                  <a:ea typeface="BIZ UDPゴシック" panose="020B0400000000000000" pitchFamily="50" charset="-128"/>
+                </a:rPr>
+                <a:t>評価</a:t>
+              </a:r>
+            </a:p>
+          </p:txBody>
+        </p:sp>
+        <p:sp>
+          <p:nvSpPr>
+            <p:cNvPr id="14" name="正方形/長方形 24">
+              <a:extLst>
+                <a:ext uri="{FF2B5EF4-FFF2-40B4-BE49-F238E27FC236}">
+                  <a16:creationId xmlns:a16="http://schemas.microsoft.com/office/drawing/2014/main" id="{29B5FA7A-FC7E-4092-4DA9-FEAE18C27FE7}"/>
+                </a:ext>
+              </a:extLst>
+            </p:cNvPr>
+            <p:cNvSpPr/>
+            <p:nvPr/>
+          </p:nvSpPr>
+          <p:spPr>
+            <a:xfrm>
+              <a:off x="2658877" y="3465382"/>
+              <a:ext cx="1784343" cy="116695"/>
+            </a:xfrm>
+            <a:prstGeom prst="rect">
+              <a:avLst/>
+            </a:prstGeom>
+            <a:solidFill>
+              <a:schemeClr val="bg2">
+                <a:lumMod val="25000"/>
+                <a:lumOff val="75000"/>
+              </a:schemeClr>
+            </a:solidFill>
+            <a:ln>
+              <a:noFill/>
+            </a:ln>
+          </p:spPr>
+          <p:txBody>
+            <a:bodyPr wrap="square" rtlCol="0" anchor="ctr">
+              <a:spAutoFit/>
+            </a:bodyPr>
+            <a:lstStyle/>
+            <a:p>
+              <a:pPr algn="ctr"/>
+              <a:endParaRPr kumimoji="1" lang="ja-JP" altLang="en-US" kern="0" dirty="0"/>
+            </a:p>
+          </p:txBody>
+        </p:sp>
+        <p:sp>
+          <p:nvSpPr>
+            <p:cNvPr id="15" name="正方形/長方形 26">
+              <a:extLst>
+                <a:ext uri="{FF2B5EF4-FFF2-40B4-BE49-F238E27FC236}">
+                  <a16:creationId xmlns:a16="http://schemas.microsoft.com/office/drawing/2014/main" id="{4820AA2A-FC2F-A0D6-A593-F7689FFAE5A3}"/>
+                </a:ext>
+              </a:extLst>
+            </p:cNvPr>
+            <p:cNvSpPr/>
+            <p:nvPr/>
+          </p:nvSpPr>
+          <p:spPr>
+            <a:xfrm>
+              <a:off x="2666808" y="3285366"/>
+              <a:ext cx="1784343" cy="116695"/>
+            </a:xfrm>
+            <a:prstGeom prst="rect">
+              <a:avLst/>
+            </a:prstGeom>
+            <a:solidFill>
+              <a:schemeClr val="bg2">
+                <a:lumMod val="25000"/>
+                <a:lumOff val="75000"/>
+              </a:schemeClr>
+            </a:solidFill>
+            <a:ln>
+              <a:noFill/>
+            </a:ln>
+          </p:spPr>
+          <p:txBody>
+            <a:bodyPr wrap="square" rtlCol="0" anchor="ctr">
+              <a:spAutoFit/>
+            </a:bodyPr>
+            <a:lstStyle/>
+            <a:p>
+              <a:pPr algn="ctr"/>
+              <a:endParaRPr kumimoji="1" lang="ja-JP" altLang="en-US" kern="0" dirty="0"/>
+            </a:p>
+          </p:txBody>
+        </p:sp>
+        <p:sp>
+          <p:nvSpPr>
+            <p:cNvPr id="16" name="テキスト ボックス 28">
+              <a:extLst>
+                <a:ext uri="{FF2B5EF4-FFF2-40B4-BE49-F238E27FC236}">
+                  <a16:creationId xmlns:a16="http://schemas.microsoft.com/office/drawing/2014/main" id="{62CFEDDD-6FAF-1126-F27A-E7A7EEEFC8D9}"/>
+                </a:ext>
+              </a:extLst>
+            </p:cNvPr>
+            <p:cNvSpPr txBox="1"/>
+            <p:nvPr/>
+          </p:nvSpPr>
+          <p:spPr>
+            <a:xfrm rot="16200000">
+              <a:off x="2931931" y="3174329"/>
+              <a:ext cx="1008112" cy="523220"/>
+            </a:xfrm>
+            <a:prstGeom prst="rect">
+              <a:avLst/>
+            </a:prstGeom>
+            <a:noFill/>
+          </p:spPr>
+          <p:txBody>
+            <a:bodyPr wrap="square" rtlCol="0">
+              <a:spAutoFit/>
+            </a:bodyPr>
+            <a:lstStyle/>
+            <a:p>
+              <a:pPr algn="ctr"/>
+              <a:r>
+                <a:rPr kumimoji="1" lang="en-US" altLang="ja-JP" sz="2800" dirty="0">
+                  <a:ea typeface="游ゴシック Medium" panose="020B0500000000000000" pitchFamily="50" charset="-128"/>
+                </a:rPr>
+                <a:t>…</a:t>
+              </a:r>
+              <a:endParaRPr kumimoji="1" lang="ja-JP" altLang="en-US" sz="2800" dirty="0">
+                <a:ea typeface="游ゴシック Medium" panose="020B0500000000000000" pitchFamily="50" charset="-128"/>
+              </a:endParaRPr>
+            </a:p>
+          </p:txBody>
+        </p:sp>
+        <p:sp>
+          <p:nvSpPr>
+            <p:cNvPr id="17" name="テキスト ボックス 29">
+              <a:extLst>
+                <a:ext uri="{FF2B5EF4-FFF2-40B4-BE49-F238E27FC236}">
+                  <a16:creationId xmlns:a16="http://schemas.microsoft.com/office/drawing/2014/main" id="{4A5D74B4-7CC9-8C3A-1422-404DDA15A02F}"/>
+                </a:ext>
+              </a:extLst>
+            </p:cNvPr>
+            <p:cNvSpPr txBox="1"/>
+            <p:nvPr/>
+          </p:nvSpPr>
+          <p:spPr>
+            <a:xfrm>
+              <a:off x="1353500" y="2148127"/>
+              <a:ext cx="1008112" cy="400110"/>
+            </a:xfrm>
+            <a:prstGeom prst="rect">
+              <a:avLst/>
+            </a:prstGeom>
+            <a:noFill/>
+          </p:spPr>
+          <p:txBody>
+            <a:bodyPr wrap="square" rtlCol="0">
+              <a:spAutoFit/>
+            </a:bodyPr>
+            <a:lstStyle/>
+            <a:p>
+              <a:pPr algn="ctr"/>
+              <a:r>
+                <a:rPr kumimoji="1" lang="ja-JP" altLang="en-US" sz="2000" dirty="0">
+                  <a:latin typeface="BIZ UDPゴシック" panose="020B0400000000000000" pitchFamily="50" charset="-128"/>
+                  <a:ea typeface="BIZ UDPゴシック" panose="020B0400000000000000" pitchFamily="50" charset="-128"/>
+                </a:rPr>
+                <a:t>実験</a:t>
+              </a:r>
+            </a:p>
+          </p:txBody>
+        </p:sp>
+        <p:sp>
+          <p:nvSpPr>
+            <p:cNvPr id="18" name="テキスト ボックス 30">
+              <a:extLst>
+                <a:ext uri="{FF2B5EF4-FFF2-40B4-BE49-F238E27FC236}">
+                  <a16:creationId xmlns:a16="http://schemas.microsoft.com/office/drawing/2014/main" id="{75BA88C3-0848-2284-7F12-3431FADD275A}"/>
+                </a:ext>
+              </a:extLst>
+            </p:cNvPr>
+            <p:cNvSpPr txBox="1"/>
+            <p:nvPr/>
+          </p:nvSpPr>
+          <p:spPr>
+            <a:xfrm>
+              <a:off x="2444699" y="2138597"/>
+              <a:ext cx="2201194" cy="400110"/>
+            </a:xfrm>
+            <a:prstGeom prst="rect">
+              <a:avLst/>
+            </a:prstGeom>
+            <a:noFill/>
+          </p:spPr>
+          <p:txBody>
+            <a:bodyPr wrap="square" rtlCol="0">
+              <a:spAutoFit/>
+            </a:bodyPr>
+            <a:lstStyle/>
+            <a:p>
+              <a:pPr algn="ctr"/>
+              <a:r>
+                <a:rPr kumimoji="1" lang="ja-JP" altLang="en-US" sz="2000" dirty="0">
+                  <a:latin typeface="BIZ UDPゴシック" panose="020B0400000000000000" pitchFamily="50" charset="-128"/>
+                  <a:ea typeface="BIZ UDPゴシック" panose="020B0400000000000000" pitchFamily="50" charset="-128"/>
+                </a:rPr>
+                <a:t>実験</a:t>
+              </a:r>
+              <a:r>
+                <a:rPr kumimoji="1" lang="en-US" altLang="ja-JP" sz="2000" dirty="0">
+                  <a:latin typeface="BIZ UDPゴシック" panose="020B0400000000000000" pitchFamily="50" charset="-128"/>
+                  <a:ea typeface="BIZ UDPゴシック" panose="020B0400000000000000" pitchFamily="50" charset="-128"/>
+                </a:rPr>
+                <a:t>/</a:t>
+              </a:r>
+              <a:r>
+                <a:rPr kumimoji="1" lang="ja-JP" altLang="en-US" sz="2000" dirty="0">
+                  <a:latin typeface="BIZ UDPゴシック" panose="020B0400000000000000" pitchFamily="50" charset="-128"/>
+                  <a:ea typeface="BIZ UDPゴシック" panose="020B0400000000000000" pitchFamily="50" charset="-128"/>
+                </a:rPr>
+                <a:t>計算機</a:t>
+              </a:r>
+            </a:p>
+          </p:txBody>
+        </p:sp>
+        <p:sp>
+          <p:nvSpPr>
+            <p:cNvPr id="19" name="正方形/長方形 32">
+              <a:extLst>
+                <a:ext uri="{FF2B5EF4-FFF2-40B4-BE49-F238E27FC236}">
+                  <a16:creationId xmlns:a16="http://schemas.microsoft.com/office/drawing/2014/main" id="{3CB4D069-01F6-4C7C-012F-84447386E2B6}"/>
+                </a:ext>
+              </a:extLst>
+            </p:cNvPr>
+            <p:cNvSpPr/>
+            <p:nvPr/>
+          </p:nvSpPr>
+          <p:spPr>
+            <a:xfrm>
+              <a:off x="4602543" y="3654303"/>
+              <a:ext cx="1791940" cy="593013"/>
+            </a:xfrm>
+            <a:prstGeom prst="rect">
+              <a:avLst/>
+            </a:prstGeom>
+            <a:solidFill>
+              <a:schemeClr val="bg2">
+                <a:lumMod val="25000"/>
+                <a:lumOff val="75000"/>
+              </a:schemeClr>
+            </a:solidFill>
+            <a:ln>
+              <a:noFill/>
+            </a:ln>
+          </p:spPr>
+          <p:txBody>
+            <a:bodyPr wrap="square" rtlCol="0" anchor="ctr">
+              <a:spAutoFit/>
+            </a:bodyPr>
+            <a:lstStyle/>
+            <a:p>
+              <a:pPr algn="ctr"/>
+              <a:endParaRPr kumimoji="1" lang="ja-JP" altLang="en-US" kern="0" dirty="0"/>
+            </a:p>
+          </p:txBody>
+        </p:sp>
+        <p:sp>
+          <p:nvSpPr>
+            <p:cNvPr id="20" name="正方形/長方形 33">
+              <a:extLst>
+                <a:ext uri="{FF2B5EF4-FFF2-40B4-BE49-F238E27FC236}">
+                  <a16:creationId xmlns:a16="http://schemas.microsoft.com/office/drawing/2014/main" id="{6E73F406-7019-5674-F9D8-AE7C0F177EF7}"/>
+                </a:ext>
+              </a:extLst>
+            </p:cNvPr>
+            <p:cNvSpPr/>
+            <p:nvPr/>
+          </p:nvSpPr>
+          <p:spPr>
+            <a:xfrm>
+              <a:off x="4612094" y="4977697"/>
+              <a:ext cx="1800201" cy="483495"/>
+            </a:xfrm>
+            <a:prstGeom prst="rect">
+              <a:avLst/>
+            </a:prstGeom>
+            <a:solidFill>
+              <a:schemeClr val="bg2">
+                <a:lumMod val="25000"/>
+                <a:lumOff val="75000"/>
+              </a:schemeClr>
+            </a:solidFill>
+            <a:ln>
+              <a:noFill/>
+            </a:ln>
+          </p:spPr>
+          <p:txBody>
+            <a:bodyPr wrap="square" rtlCol="0" anchor="ctr">
+              <a:spAutoFit/>
+            </a:bodyPr>
+            <a:lstStyle/>
+            <a:p>
+              <a:pPr algn="ctr"/>
+              <a:endParaRPr kumimoji="1" lang="ja-JP" altLang="en-US" kern="0" dirty="0"/>
+            </a:p>
+          </p:txBody>
+        </p:sp>
+        <p:sp>
+          <p:nvSpPr>
+            <p:cNvPr id="21" name="テキスト ボックス 34">
+              <a:extLst>
+                <a:ext uri="{FF2B5EF4-FFF2-40B4-BE49-F238E27FC236}">
+                  <a16:creationId xmlns:a16="http://schemas.microsoft.com/office/drawing/2014/main" id="{A7C47D11-101D-7FB3-AF1E-E5516A228D73}"/>
+                </a:ext>
+              </a:extLst>
+            </p:cNvPr>
+            <p:cNvSpPr txBox="1"/>
+            <p:nvPr/>
+          </p:nvSpPr>
+          <p:spPr>
+            <a:xfrm>
+              <a:off x="4443439" y="4919095"/>
+              <a:ext cx="2189466" cy="584775"/>
+            </a:xfrm>
+            <a:prstGeom prst="rect">
+              <a:avLst/>
+            </a:prstGeom>
+            <a:noFill/>
+          </p:spPr>
+          <p:txBody>
+            <a:bodyPr wrap="square" rtlCol="0">
+              <a:spAutoFit/>
+            </a:bodyPr>
+            <a:lstStyle/>
+            <a:p>
+              <a:pPr algn="ctr"/>
+              <a:r>
+                <a:rPr kumimoji="1" lang="ja-JP" altLang="en-US" sz="1600" dirty="0">
+                  <a:latin typeface="BIZ UDPゴシック" panose="020B0400000000000000" pitchFamily="50" charset="-128"/>
+                  <a:ea typeface="BIZ UDPゴシック" panose="020B0400000000000000" pitchFamily="50" charset="-128"/>
+                </a:rPr>
+                <a:t>電波伝搬</a:t>
+              </a:r>
+              <a:br>
+                <a:rPr kumimoji="1" lang="en-US" altLang="ja-JP" sz="1600" dirty="0">
+                  <a:latin typeface="BIZ UDPゴシック" panose="020B0400000000000000" pitchFamily="50" charset="-128"/>
+                  <a:ea typeface="BIZ UDPゴシック" panose="020B0400000000000000" pitchFamily="50" charset="-128"/>
+                </a:rPr>
+              </a:br>
+              <a:r>
+                <a:rPr kumimoji="1" lang="ja-JP" altLang="en-US" sz="1600" dirty="0">
+                  <a:latin typeface="BIZ UDPゴシック" panose="020B0400000000000000" pitchFamily="50" charset="-128"/>
+                  <a:ea typeface="BIZ UDPゴシック" panose="020B0400000000000000" pitchFamily="50" charset="-128"/>
+                </a:rPr>
+                <a:t>シミュレーション</a:t>
+              </a:r>
+            </a:p>
+          </p:txBody>
+        </p:sp>
+        <p:sp>
+          <p:nvSpPr>
+            <p:cNvPr id="22" name="テキスト ボックス 35">
+              <a:extLst>
+                <a:ext uri="{FF2B5EF4-FFF2-40B4-BE49-F238E27FC236}">
+                  <a16:creationId xmlns:a16="http://schemas.microsoft.com/office/drawing/2014/main" id="{718DC389-D4D1-C204-D0B0-812B5127B735}"/>
+                </a:ext>
+              </a:extLst>
+            </p:cNvPr>
+            <p:cNvSpPr txBox="1"/>
+            <p:nvPr/>
+          </p:nvSpPr>
+          <p:spPr>
+            <a:xfrm>
+              <a:off x="4710435" y="3583507"/>
+              <a:ext cx="1655474" cy="707886"/>
+            </a:xfrm>
+            <a:prstGeom prst="rect">
+              <a:avLst/>
+            </a:prstGeom>
+            <a:noFill/>
+          </p:spPr>
+          <p:txBody>
+            <a:bodyPr wrap="square" rtlCol="0">
+              <a:spAutoFit/>
+            </a:bodyPr>
+            <a:lstStyle/>
+            <a:p>
+              <a:pPr algn="ctr"/>
+              <a:r>
+                <a:rPr kumimoji="1" lang="en-US" altLang="ja-JP" sz="2000" dirty="0">
+                  <a:latin typeface="BIZ UDPゴシック" panose="020B0400000000000000" pitchFamily="50" charset="-128"/>
+                  <a:ea typeface="BIZ UDPゴシック" panose="020B0400000000000000" pitchFamily="50" charset="-128"/>
+                </a:rPr>
+                <a:t>MAC</a:t>
+              </a:r>
+              <a:r>
+                <a:rPr kumimoji="1" lang="ja-JP" altLang="en-US" sz="2000" dirty="0">
+                  <a:latin typeface="BIZ UDPゴシック" panose="020B0400000000000000" pitchFamily="50" charset="-128"/>
+                  <a:ea typeface="BIZ UDPゴシック" panose="020B0400000000000000" pitchFamily="50" charset="-128"/>
+                </a:rPr>
+                <a:t>層</a:t>
+              </a:r>
+              <a:endParaRPr kumimoji="1" lang="en-US" altLang="ja-JP" sz="2000" dirty="0">
+                <a:latin typeface="BIZ UDPゴシック" panose="020B0400000000000000" pitchFamily="50" charset="-128"/>
+                <a:ea typeface="BIZ UDPゴシック" panose="020B0400000000000000" pitchFamily="50" charset="-128"/>
+              </a:endParaRPr>
+            </a:p>
+            <a:p>
+              <a:pPr algn="ctr"/>
+              <a:r>
+                <a:rPr kumimoji="1" lang="ja-JP" altLang="en-US" sz="2000" dirty="0">
+                  <a:latin typeface="BIZ UDPゴシック" panose="020B0400000000000000" pitchFamily="50" charset="-128"/>
+                  <a:ea typeface="BIZ UDPゴシック" panose="020B0400000000000000" pitchFamily="50" charset="-128"/>
+                </a:rPr>
+                <a:t>評価</a:t>
+              </a:r>
+            </a:p>
+          </p:txBody>
+        </p:sp>
+        <p:sp>
+          <p:nvSpPr>
+            <p:cNvPr id="23" name="正方形/長方形 37">
+              <a:extLst>
+                <a:ext uri="{FF2B5EF4-FFF2-40B4-BE49-F238E27FC236}">
+                  <a16:creationId xmlns:a16="http://schemas.microsoft.com/office/drawing/2014/main" id="{0F200464-0BFE-A5C6-56A8-395E50D2CDAB}"/>
+                </a:ext>
+              </a:extLst>
+            </p:cNvPr>
+            <p:cNvSpPr/>
+            <p:nvPr/>
+          </p:nvSpPr>
+          <p:spPr>
+            <a:xfrm>
+              <a:off x="4612094" y="3465054"/>
+              <a:ext cx="1784343" cy="116695"/>
+            </a:xfrm>
+            <a:prstGeom prst="rect">
+              <a:avLst/>
+            </a:prstGeom>
+            <a:solidFill>
+              <a:schemeClr val="bg2">
+                <a:lumMod val="25000"/>
+                <a:lumOff val="75000"/>
+              </a:schemeClr>
+            </a:solidFill>
+            <a:ln>
+              <a:noFill/>
+            </a:ln>
+          </p:spPr>
+          <p:txBody>
+            <a:bodyPr wrap="square" rtlCol="0" anchor="ctr">
+              <a:spAutoFit/>
+            </a:bodyPr>
+            <a:lstStyle/>
+            <a:p>
+              <a:pPr algn="ctr"/>
+              <a:endParaRPr kumimoji="1" lang="ja-JP" altLang="en-US" kern="0" dirty="0"/>
+            </a:p>
+          </p:txBody>
+        </p:sp>
+        <p:sp>
+          <p:nvSpPr>
+            <p:cNvPr id="24" name="正方形/長方形 38">
+              <a:extLst>
+                <a:ext uri="{FF2B5EF4-FFF2-40B4-BE49-F238E27FC236}">
+                  <a16:creationId xmlns:a16="http://schemas.microsoft.com/office/drawing/2014/main" id="{29AE06CA-C7DE-655A-DF58-52BD8440F146}"/>
+                </a:ext>
+              </a:extLst>
+            </p:cNvPr>
+            <p:cNvSpPr/>
+            <p:nvPr/>
+          </p:nvSpPr>
+          <p:spPr>
+            <a:xfrm>
+              <a:off x="4620025" y="3285038"/>
+              <a:ext cx="1784343" cy="116695"/>
+            </a:xfrm>
+            <a:prstGeom prst="rect">
+              <a:avLst/>
+            </a:prstGeom>
+            <a:solidFill>
+              <a:schemeClr val="bg2">
+                <a:lumMod val="25000"/>
+                <a:lumOff val="75000"/>
+              </a:schemeClr>
+            </a:solidFill>
+            <a:ln>
+              <a:noFill/>
+            </a:ln>
+          </p:spPr>
+          <p:txBody>
+            <a:bodyPr wrap="square" rtlCol="0" anchor="ctr">
+              <a:spAutoFit/>
+            </a:bodyPr>
+            <a:lstStyle/>
+            <a:p>
+              <a:pPr algn="ctr"/>
+              <a:endParaRPr kumimoji="1" lang="ja-JP" altLang="en-US" kern="0" dirty="0"/>
+            </a:p>
+          </p:txBody>
+        </p:sp>
+        <p:sp>
+          <p:nvSpPr>
+            <p:cNvPr id="25" name="テキスト ボックス 40">
+              <a:extLst>
+                <a:ext uri="{FF2B5EF4-FFF2-40B4-BE49-F238E27FC236}">
+                  <a16:creationId xmlns:a16="http://schemas.microsoft.com/office/drawing/2014/main" id="{86F9008D-9E40-BD27-B068-0E0062BD576A}"/>
+                </a:ext>
+              </a:extLst>
+            </p:cNvPr>
+            <p:cNvSpPr txBox="1"/>
+            <p:nvPr/>
+          </p:nvSpPr>
+          <p:spPr>
+            <a:xfrm rot="16200000">
+              <a:off x="4882502" y="3167390"/>
+              <a:ext cx="1008112" cy="523220"/>
+            </a:xfrm>
+            <a:prstGeom prst="rect">
+              <a:avLst/>
+            </a:prstGeom>
+            <a:noFill/>
+          </p:spPr>
+          <p:txBody>
+            <a:bodyPr wrap="square" rtlCol="0">
+              <a:spAutoFit/>
+            </a:bodyPr>
+            <a:lstStyle/>
+            <a:p>
+              <a:pPr algn="ctr"/>
+              <a:r>
+                <a:rPr kumimoji="1" lang="en-US" altLang="ja-JP" sz="2800" dirty="0">
+                  <a:ea typeface="游ゴシック Medium" panose="020B0500000000000000" pitchFamily="50" charset="-128"/>
+                </a:rPr>
+                <a:t>…</a:t>
+              </a:r>
+              <a:endParaRPr kumimoji="1" lang="ja-JP" altLang="en-US" sz="2800" dirty="0">
+                <a:ea typeface="游ゴシック Medium" panose="020B0500000000000000" pitchFamily="50" charset="-128"/>
+              </a:endParaRPr>
+            </a:p>
+          </p:txBody>
+        </p:sp>
+        <p:sp>
+          <p:nvSpPr>
+            <p:cNvPr id="26" name="テキスト ボックス 41">
+              <a:extLst>
+                <a:ext uri="{FF2B5EF4-FFF2-40B4-BE49-F238E27FC236}">
+                  <a16:creationId xmlns:a16="http://schemas.microsoft.com/office/drawing/2014/main" id="{56DEE3B9-C53C-A2D9-D0AB-4B7C034C6BCB}"/>
+                </a:ext>
+              </a:extLst>
+            </p:cNvPr>
+            <p:cNvSpPr txBox="1"/>
+            <p:nvPr/>
+          </p:nvSpPr>
+          <p:spPr>
+            <a:xfrm>
+              <a:off x="4675674" y="2134338"/>
+              <a:ext cx="1740540" cy="400110"/>
+            </a:xfrm>
+            <a:prstGeom prst="rect">
+              <a:avLst/>
+            </a:prstGeom>
+            <a:noFill/>
+          </p:spPr>
+          <p:txBody>
+            <a:bodyPr wrap="square" rtlCol="0">
+              <a:spAutoFit/>
+            </a:bodyPr>
+            <a:lstStyle/>
+            <a:p>
+              <a:pPr algn="ctr"/>
+              <a:r>
+                <a:rPr kumimoji="1" lang="ja-JP" altLang="en-US" sz="2000" dirty="0">
+                  <a:latin typeface="BIZ UDPゴシック" panose="020B0400000000000000" pitchFamily="50" charset="-128"/>
+                  <a:ea typeface="BIZ UDPゴシック" panose="020B0400000000000000" pitchFamily="50" charset="-128"/>
+                </a:rPr>
+                <a:t>計算機</a:t>
+              </a:r>
+            </a:p>
+          </p:txBody>
+        </p:sp>
+        <p:sp>
+          <p:nvSpPr>
+            <p:cNvPr id="27" name="正方形/長方形 42">
+              <a:extLst>
+                <a:ext uri="{FF2B5EF4-FFF2-40B4-BE49-F238E27FC236}">
+                  <a16:creationId xmlns:a16="http://schemas.microsoft.com/office/drawing/2014/main" id="{0320DDC7-DA9D-B550-A5F3-5747F46EE275}"/>
+                </a:ext>
+              </a:extLst>
+            </p:cNvPr>
+            <p:cNvSpPr/>
+            <p:nvPr/>
+          </p:nvSpPr>
+          <p:spPr>
+            <a:xfrm>
+              <a:off x="1187625" y="4337823"/>
+              <a:ext cx="5323465" cy="1243867"/>
+            </a:xfrm>
+            <a:prstGeom prst="rect">
+              <a:avLst/>
+            </a:prstGeom>
+            <a:noFill/>
+            <a:ln w="28575">
+              <a:solidFill>
+                <a:schemeClr val="accent1"/>
+              </a:solidFill>
+            </a:ln>
+          </p:spPr>
+          <p:txBody>
+            <a:bodyPr wrap="square" rtlCol="0" anchor="ctr">
+              <a:spAutoFit/>
+            </a:bodyPr>
+            <a:lstStyle/>
+            <a:p>
+              <a:pPr algn="ctr"/>
+              <a:endParaRPr kumimoji="1" lang="ja-JP" altLang="en-US" kern="0" dirty="0"/>
+            </a:p>
+          </p:txBody>
+        </p:sp>
+        <p:sp>
+          <p:nvSpPr>
+            <p:cNvPr id="28" name="正方形/長方形 44">
+              <a:extLst>
+                <a:ext uri="{FF2B5EF4-FFF2-40B4-BE49-F238E27FC236}">
+                  <a16:creationId xmlns:a16="http://schemas.microsoft.com/office/drawing/2014/main" id="{B59A7CA6-1CB2-F876-BE65-51D3747816F5}"/>
+                </a:ext>
+              </a:extLst>
+            </p:cNvPr>
+            <p:cNvSpPr/>
+            <p:nvPr/>
+          </p:nvSpPr>
+          <p:spPr>
+            <a:xfrm>
+              <a:off x="1187624" y="2520176"/>
+              <a:ext cx="5323466" cy="1817647"/>
+            </a:xfrm>
+            <a:prstGeom prst="rect">
+              <a:avLst/>
+            </a:prstGeom>
+            <a:noFill/>
+            <a:ln w="28575">
+              <a:solidFill>
+                <a:schemeClr val="accent6"/>
+              </a:solidFill>
+            </a:ln>
+          </p:spPr>
+          <p:txBody>
+            <a:bodyPr wrap="square" rtlCol="0" anchor="ctr">
+              <a:spAutoFit/>
+            </a:bodyPr>
+            <a:lstStyle/>
+            <a:p>
+              <a:pPr algn="ctr"/>
+              <a:endParaRPr kumimoji="1" lang="ja-JP" altLang="en-US" kern="0" dirty="0"/>
+            </a:p>
+          </p:txBody>
+        </p:sp>
+        <p:sp>
+          <p:nvSpPr>
+            <p:cNvPr id="29" name="テキスト ボックス 45">
+              <a:extLst>
+                <a:ext uri="{FF2B5EF4-FFF2-40B4-BE49-F238E27FC236}">
+                  <a16:creationId xmlns:a16="http://schemas.microsoft.com/office/drawing/2014/main" id="{94462DAB-3E88-C4BC-DEE5-5D602F99DEF2}"/>
+                </a:ext>
+              </a:extLst>
+            </p:cNvPr>
+            <p:cNvSpPr txBox="1"/>
+            <p:nvPr/>
+          </p:nvSpPr>
+          <p:spPr>
+            <a:xfrm>
+              <a:off x="846395" y="5624322"/>
+              <a:ext cx="2016224" cy="584775"/>
+            </a:xfrm>
+            <a:prstGeom prst="rect">
+              <a:avLst/>
+            </a:prstGeom>
+            <a:noFill/>
+          </p:spPr>
+          <p:txBody>
+            <a:bodyPr wrap="square" rtlCol="0">
+              <a:spAutoFit/>
+            </a:bodyPr>
+            <a:lstStyle/>
+            <a:p>
+              <a:pPr algn="ctr"/>
+              <a:r>
+                <a:rPr lang="ja-JP" altLang="en-US" sz="1600" dirty="0">
+                  <a:solidFill>
+                    <a:schemeClr val="bg2">
+                      <a:lumMod val="75000"/>
+                      <a:lumOff val="25000"/>
+                    </a:schemeClr>
+                  </a:solidFill>
+                  <a:latin typeface="BIZ UDPゴシック" panose="020B0400000000000000" pitchFamily="50" charset="-128"/>
+                  <a:ea typeface="BIZ UDPゴシック" panose="020B0400000000000000" pitchFamily="50" charset="-128"/>
+                </a:rPr>
+                <a:t>高コスト</a:t>
+              </a:r>
+              <a:endParaRPr lang="en-US" altLang="ja-JP" sz="1600" dirty="0">
+                <a:solidFill>
+                  <a:schemeClr val="bg2">
+                    <a:lumMod val="75000"/>
+                    <a:lumOff val="25000"/>
+                  </a:schemeClr>
+                </a:solidFill>
+                <a:latin typeface="BIZ UDPゴシック" panose="020B0400000000000000" pitchFamily="50" charset="-128"/>
+                <a:ea typeface="BIZ UDPゴシック" panose="020B0400000000000000" pitchFamily="50" charset="-128"/>
+              </a:endParaRPr>
+            </a:p>
+            <a:p>
+              <a:pPr algn="ctr"/>
+              <a:r>
+                <a:rPr kumimoji="1" lang="ja-JP" altLang="en-US" sz="1600" dirty="0">
+                  <a:solidFill>
+                    <a:schemeClr val="bg2">
+                      <a:lumMod val="75000"/>
+                      <a:lumOff val="25000"/>
+                    </a:schemeClr>
+                  </a:solidFill>
+                  <a:latin typeface="BIZ UDPゴシック" panose="020B0400000000000000" pitchFamily="50" charset="-128"/>
+                  <a:ea typeface="BIZ UDPゴシック" panose="020B0400000000000000" pitchFamily="50" charset="-128"/>
+                </a:rPr>
+                <a:t>高リソース</a:t>
+              </a:r>
+            </a:p>
+          </p:txBody>
+        </p:sp>
+        <p:sp>
+          <p:nvSpPr>
+            <p:cNvPr id="30" name="テキスト ボックス 46">
+              <a:extLst>
+                <a:ext uri="{FF2B5EF4-FFF2-40B4-BE49-F238E27FC236}">
+                  <a16:creationId xmlns:a16="http://schemas.microsoft.com/office/drawing/2014/main" id="{AED48583-1667-E69D-15ED-7EE2FF6738B4}"/>
+                </a:ext>
+              </a:extLst>
+            </p:cNvPr>
+            <p:cNvSpPr txBox="1"/>
+            <p:nvPr/>
+          </p:nvSpPr>
+          <p:spPr>
+            <a:xfrm>
+              <a:off x="2595499" y="5590368"/>
+              <a:ext cx="2106235" cy="584775"/>
+            </a:xfrm>
+            <a:prstGeom prst="rect">
+              <a:avLst/>
+            </a:prstGeom>
+            <a:noFill/>
+          </p:spPr>
+          <p:txBody>
+            <a:bodyPr wrap="square" rtlCol="0">
+              <a:spAutoFit/>
+            </a:bodyPr>
+            <a:lstStyle/>
+            <a:p>
+              <a:pPr algn="ctr"/>
+              <a:r>
+                <a:rPr kumimoji="1" lang="ja-JP" altLang="en-US" sz="1600" dirty="0">
+                  <a:solidFill>
+                    <a:schemeClr val="bg2">
+                      <a:lumMod val="75000"/>
+                      <a:lumOff val="25000"/>
+                    </a:schemeClr>
+                  </a:solidFill>
+                  <a:latin typeface="BIZ UDPゴシック" panose="020B0400000000000000" pitchFamily="50" charset="-128"/>
+                  <a:ea typeface="BIZ UDPゴシック" panose="020B0400000000000000" pitchFamily="50" charset="-128"/>
+                </a:rPr>
+                <a:t>要実験</a:t>
+              </a:r>
+              <a:endParaRPr kumimoji="1" lang="en-US" altLang="ja-JP" sz="1600" dirty="0">
+                <a:solidFill>
+                  <a:schemeClr val="bg2">
+                    <a:lumMod val="75000"/>
+                    <a:lumOff val="25000"/>
+                  </a:schemeClr>
+                </a:solidFill>
+                <a:latin typeface="BIZ UDPゴシック" panose="020B0400000000000000" pitchFamily="50" charset="-128"/>
+                <a:ea typeface="BIZ UDPゴシック" panose="020B0400000000000000" pitchFamily="50" charset="-128"/>
+              </a:endParaRPr>
+            </a:p>
+            <a:p>
+              <a:pPr algn="ctr"/>
+              <a:r>
+                <a:rPr kumimoji="1" lang="ja-JP" altLang="en-US" sz="1600" dirty="0">
+                  <a:solidFill>
+                    <a:schemeClr val="bg2">
+                      <a:lumMod val="75000"/>
+                      <a:lumOff val="25000"/>
+                    </a:schemeClr>
+                  </a:solidFill>
+                  <a:latin typeface="BIZ UDPゴシック" panose="020B0400000000000000" pitchFamily="50" charset="-128"/>
+                  <a:ea typeface="BIZ UDPゴシック" panose="020B0400000000000000" pitchFamily="50" charset="-128"/>
+                </a:rPr>
+                <a:t>連携評価が難しい</a:t>
+              </a:r>
+            </a:p>
+          </p:txBody>
+        </p:sp>
+        <p:sp>
+          <p:nvSpPr>
+            <p:cNvPr id="31" name="テキスト ボックス 47">
+              <a:extLst>
+                <a:ext uri="{FF2B5EF4-FFF2-40B4-BE49-F238E27FC236}">
+                  <a16:creationId xmlns:a16="http://schemas.microsoft.com/office/drawing/2014/main" id="{CB1DCE23-C853-6DF5-0928-8273575DD1A8}"/>
+                </a:ext>
+              </a:extLst>
+            </p:cNvPr>
+            <p:cNvSpPr txBox="1"/>
+            <p:nvPr/>
+          </p:nvSpPr>
+          <p:spPr>
+            <a:xfrm>
+              <a:off x="4521147" y="5692702"/>
+              <a:ext cx="2012332" cy="338554"/>
+            </a:xfrm>
+            <a:prstGeom prst="rect">
+              <a:avLst/>
+            </a:prstGeom>
+            <a:noFill/>
+          </p:spPr>
+          <p:txBody>
+            <a:bodyPr wrap="square" rtlCol="0">
+              <a:spAutoFit/>
+            </a:bodyPr>
+            <a:lstStyle/>
+            <a:p>
+              <a:pPr algn="ctr"/>
+              <a:r>
+                <a:rPr kumimoji="1" lang="ja-JP" altLang="en-US" sz="1600" dirty="0">
+                  <a:solidFill>
+                    <a:schemeClr val="bg2">
+                      <a:lumMod val="75000"/>
+                      <a:lumOff val="25000"/>
+                    </a:schemeClr>
+                  </a:solidFill>
+                  <a:latin typeface="BIZ UDPゴシック" panose="020B0400000000000000" pitchFamily="50" charset="-128"/>
+                  <a:ea typeface="BIZ UDPゴシック" panose="020B0400000000000000" pitchFamily="50" charset="-128"/>
+                </a:rPr>
+                <a:t>連携評価が難しい</a:t>
+              </a:r>
+            </a:p>
+          </p:txBody>
+        </p:sp>
+        <p:sp>
+          <p:nvSpPr>
+            <p:cNvPr id="32" name="正方形/長方形 48">
+              <a:extLst>
+                <a:ext uri="{FF2B5EF4-FFF2-40B4-BE49-F238E27FC236}">
+                  <a16:creationId xmlns:a16="http://schemas.microsoft.com/office/drawing/2014/main" id="{A0E347C6-AFBB-4DFD-4116-E2F168049F5A}"/>
+                </a:ext>
+              </a:extLst>
+            </p:cNvPr>
+            <p:cNvSpPr/>
+            <p:nvPr/>
+          </p:nvSpPr>
+          <p:spPr>
+            <a:xfrm>
+              <a:off x="2659867" y="2629696"/>
+              <a:ext cx="1791940" cy="593013"/>
+            </a:xfrm>
+            <a:prstGeom prst="rect">
+              <a:avLst/>
+            </a:prstGeom>
+            <a:solidFill>
+              <a:schemeClr val="bg2">
+                <a:lumMod val="25000"/>
+                <a:lumOff val="75000"/>
+              </a:schemeClr>
+            </a:solidFill>
+            <a:ln>
+              <a:noFill/>
+            </a:ln>
+          </p:spPr>
+          <p:txBody>
+            <a:bodyPr wrap="square" rtlCol="0" anchor="ctr">
+              <a:spAutoFit/>
+            </a:bodyPr>
+            <a:lstStyle/>
+            <a:p>
+              <a:pPr algn="ctr"/>
+              <a:endParaRPr kumimoji="1" lang="ja-JP" altLang="en-US" kern="0" dirty="0"/>
+            </a:p>
+          </p:txBody>
+        </p:sp>
+        <p:sp>
+          <p:nvSpPr>
+            <p:cNvPr id="33" name="正方形/長方形 50">
+              <a:extLst>
+                <a:ext uri="{FF2B5EF4-FFF2-40B4-BE49-F238E27FC236}">
+                  <a16:creationId xmlns:a16="http://schemas.microsoft.com/office/drawing/2014/main" id="{FAEEF4FA-7109-621B-5B1B-5F5E5C157D88}"/>
+                </a:ext>
+              </a:extLst>
+            </p:cNvPr>
+            <p:cNvSpPr/>
+            <p:nvPr/>
+          </p:nvSpPr>
+          <p:spPr>
+            <a:xfrm>
+              <a:off x="4613084" y="2629368"/>
+              <a:ext cx="1791940" cy="593013"/>
+            </a:xfrm>
+            <a:prstGeom prst="rect">
+              <a:avLst/>
+            </a:prstGeom>
+            <a:solidFill>
+              <a:schemeClr val="bg2">
+                <a:lumMod val="25000"/>
+                <a:lumOff val="75000"/>
+              </a:schemeClr>
+            </a:solidFill>
+            <a:ln>
+              <a:noFill/>
+            </a:ln>
+          </p:spPr>
+          <p:txBody>
+            <a:bodyPr wrap="square" rtlCol="0" anchor="ctr">
+              <a:spAutoFit/>
+            </a:bodyPr>
+            <a:lstStyle/>
+            <a:p>
+              <a:pPr algn="ctr"/>
+              <a:endParaRPr kumimoji="1" lang="ja-JP" altLang="en-US" kern="0" dirty="0"/>
+            </a:p>
+          </p:txBody>
+        </p:sp>
+        <p:sp>
+          <p:nvSpPr>
+            <p:cNvPr id="34" name="テキスト ボックス 22">
+              <a:extLst>
+                <a:ext uri="{FF2B5EF4-FFF2-40B4-BE49-F238E27FC236}">
+                  <a16:creationId xmlns:a16="http://schemas.microsoft.com/office/drawing/2014/main" id="{CD1EA756-D520-D75C-9DF3-FB0C556D9C27}"/>
+                </a:ext>
+              </a:extLst>
+            </p:cNvPr>
+            <p:cNvSpPr txBox="1"/>
+            <p:nvPr/>
+          </p:nvSpPr>
+          <p:spPr>
+            <a:xfrm>
+              <a:off x="2666808" y="2630816"/>
+              <a:ext cx="1776412" cy="584775"/>
+            </a:xfrm>
+            <a:prstGeom prst="rect">
+              <a:avLst/>
+            </a:prstGeom>
+            <a:noFill/>
+          </p:spPr>
+          <p:txBody>
+            <a:bodyPr wrap="square" rtlCol="0">
+              <a:spAutoFit/>
+            </a:bodyPr>
+            <a:lstStyle/>
+            <a:p>
+              <a:pPr algn="ctr"/>
+              <a:r>
+                <a:rPr kumimoji="1" lang="ja-JP" altLang="en-US" sz="1600" dirty="0">
+                  <a:latin typeface="BIZ UDPゴシック" panose="020B0400000000000000" pitchFamily="50" charset="-128"/>
+                  <a:ea typeface="BIZ UDPゴシック" panose="020B0400000000000000" pitchFamily="50" charset="-128"/>
+                </a:rPr>
+                <a:t>アプリケーション層評価</a:t>
+              </a:r>
+            </a:p>
+          </p:txBody>
+        </p:sp>
+        <p:sp>
+          <p:nvSpPr>
+            <p:cNvPr id="35" name="テキスト ボックス 36">
+              <a:extLst>
+                <a:ext uri="{FF2B5EF4-FFF2-40B4-BE49-F238E27FC236}">
+                  <a16:creationId xmlns:a16="http://schemas.microsoft.com/office/drawing/2014/main" id="{B043072E-C7F6-F7C1-EA94-B1E568D8282B}"/>
+                </a:ext>
+              </a:extLst>
+            </p:cNvPr>
+            <p:cNvSpPr txBox="1"/>
+            <p:nvPr/>
+          </p:nvSpPr>
+          <p:spPr>
+            <a:xfrm>
+              <a:off x="4612094" y="2641945"/>
+              <a:ext cx="1791941" cy="584775"/>
+            </a:xfrm>
+            <a:prstGeom prst="rect">
+              <a:avLst/>
+            </a:prstGeom>
+            <a:noFill/>
+          </p:spPr>
+          <p:txBody>
+            <a:bodyPr wrap="square" rtlCol="0">
+              <a:spAutoFit/>
+            </a:bodyPr>
+            <a:lstStyle/>
+            <a:p>
+              <a:pPr algn="ctr"/>
+              <a:r>
+                <a:rPr kumimoji="1" lang="ja-JP" altLang="en-US" sz="1600" dirty="0">
+                  <a:latin typeface="BIZ UDPゴシック" panose="020B0400000000000000" pitchFamily="50" charset="-128"/>
+                  <a:ea typeface="BIZ UDPゴシック" panose="020B0400000000000000" pitchFamily="50" charset="-128"/>
+                </a:rPr>
+                <a:t>アプリケーション層評価</a:t>
+              </a:r>
+            </a:p>
+          </p:txBody>
+        </p:sp>
+        <p:sp>
+          <p:nvSpPr>
+            <p:cNvPr id="36" name="右中かっこ 51">
+              <a:extLst>
+                <a:ext uri="{FF2B5EF4-FFF2-40B4-BE49-F238E27FC236}">
+                  <a16:creationId xmlns:a16="http://schemas.microsoft.com/office/drawing/2014/main" id="{5F3CACD3-85B5-6374-F597-F576B5490091}"/>
+                </a:ext>
+              </a:extLst>
+            </p:cNvPr>
+            <p:cNvSpPr/>
+            <p:nvPr/>
+          </p:nvSpPr>
+          <p:spPr bwMode="auto">
+            <a:xfrm>
+              <a:off x="6561958" y="2602396"/>
+              <a:ext cx="123908" cy="2856221"/>
+            </a:xfrm>
+            <a:prstGeom prst="rightBrace">
+              <a:avLst/>
+            </a:prstGeom>
+            <a:noFill/>
+            <a:ln w="9525" cap="flat" cmpd="sng" algn="ctr">
+              <a:solidFill>
+                <a:schemeClr val="tx1"/>
+              </a:solidFill>
+              <a:prstDash val="solid"/>
+              <a:miter lim="800000"/>
+              <a:headEnd type="none" w="med" len="med"/>
+              <a:tailEnd type="none" w="med" len="med"/>
+            </a:ln>
+            <a:effectLst/>
+          </p:spPr>
+          <p:txBody>
+            <a:bodyPr vert="horz" wrap="none" lIns="91440" tIns="45720" rIns="91440" bIns="45720" numCol="1" rtlCol="0" anchor="t" anchorCtr="0" compatLnSpc="1">
+              <a:prstTxWarp prst="textNoShape">
+                <a:avLst/>
+              </a:prstTxWarp>
+            </a:bodyPr>
+            <a:lstStyle/>
+            <a:p>
+              <a:pPr marL="0" marR="0" indent="0" algn="l" defTabSz="914400" rtl="0" eaLnBrk="1" fontAlgn="base" latinLnBrk="0" hangingPunct="1">
+                <a:lnSpc>
+                  <a:spcPct val="100000"/>
+                </a:lnSpc>
+                <a:spcBef>
+                  <a:spcPct val="0"/>
+                </a:spcBef>
+                <a:spcAft>
+                  <a:spcPct val="0"/>
+                </a:spcAft>
+                <a:buClrTx/>
+                <a:buSzTx/>
+                <a:buFontTx/>
+                <a:buNone/>
+                <a:tabLst/>
+              </a:pPr>
+              <a:endParaRPr kumimoji="1" lang="ja-JP" altLang="en-US" sz="2400" b="0" i="0" u="none" strike="noStrike" cap="none" normalizeH="0" baseline="0">
+                <a:ln>
+                  <a:noFill/>
+                </a:ln>
+                <a:solidFill>
+                  <a:schemeClr val="tx1"/>
+                </a:solidFill>
+                <a:effectLst/>
+                <a:latin typeface="Times New Roman" charset="0"/>
+                <a:ea typeface="ＭＳ Ｐゴシック" charset="0"/>
+                <a:cs typeface="ＭＳ Ｐゴシック" charset="0"/>
+              </a:endParaRPr>
+            </a:p>
+          </p:txBody>
+        </p:sp>
+        <p:sp>
+          <p:nvSpPr>
+            <p:cNvPr id="37" name="テキスト ボックス 52">
+              <a:extLst>
+                <a:ext uri="{FF2B5EF4-FFF2-40B4-BE49-F238E27FC236}">
+                  <a16:creationId xmlns:a16="http://schemas.microsoft.com/office/drawing/2014/main" id="{2ADB077F-924B-C53C-B8FB-089CD0AB0E87}"/>
+                </a:ext>
+              </a:extLst>
+            </p:cNvPr>
+            <p:cNvSpPr txBox="1"/>
+            <p:nvPr/>
+          </p:nvSpPr>
+          <p:spPr>
+            <a:xfrm>
+              <a:off x="6668132" y="3165104"/>
+              <a:ext cx="2438438" cy="1723549"/>
+            </a:xfrm>
+            <a:prstGeom prst="rect">
+              <a:avLst/>
+            </a:prstGeom>
+            <a:noFill/>
+          </p:spPr>
+          <p:txBody>
+            <a:bodyPr wrap="square" rtlCol="0">
+              <a:spAutoFit/>
+            </a:bodyPr>
+            <a:lstStyle/>
+            <a:p>
+              <a:pPr marL="177800" indent="-177800">
+                <a:buFont typeface="Arial" panose="020B0604020202020204" pitchFamily="34" charset="0"/>
+                <a:buChar char="•"/>
+              </a:pPr>
+              <a:r>
+                <a:rPr kumimoji="1" lang="ja-JP" altLang="en-US" dirty="0">
+                  <a:solidFill>
+                    <a:schemeClr val="bg2">
+                      <a:lumMod val="75000"/>
+                      <a:lumOff val="25000"/>
+                    </a:schemeClr>
+                  </a:solidFill>
+                  <a:latin typeface="BIZ UDPゴシック" panose="020B0400000000000000" pitchFamily="50" charset="-128"/>
+                  <a:ea typeface="BIZ UDPゴシック" panose="020B0400000000000000" pitchFamily="50" charset="-128"/>
+                </a:rPr>
+                <a:t>他レイヤの知識</a:t>
+              </a:r>
+              <a:endParaRPr lang="en-US" altLang="ja-JP" dirty="0">
+                <a:solidFill>
+                  <a:schemeClr val="bg2">
+                    <a:lumMod val="75000"/>
+                    <a:lumOff val="25000"/>
+                  </a:schemeClr>
+                </a:solidFill>
+                <a:latin typeface="BIZ UDPゴシック" panose="020B0400000000000000" pitchFamily="50" charset="-128"/>
+                <a:ea typeface="BIZ UDPゴシック" panose="020B0400000000000000" pitchFamily="50" charset="-128"/>
+              </a:endParaRPr>
+            </a:p>
+            <a:p>
+              <a:pPr marL="177800" indent="-177800">
+                <a:buFont typeface="Arial" panose="020B0604020202020204" pitchFamily="34" charset="0"/>
+                <a:buChar char="•"/>
+              </a:pPr>
+              <a:r>
+                <a:rPr kumimoji="1" lang="ja-JP" altLang="en-US" dirty="0">
+                  <a:solidFill>
+                    <a:schemeClr val="bg2">
+                      <a:lumMod val="75000"/>
+                      <a:lumOff val="25000"/>
+                    </a:schemeClr>
+                  </a:solidFill>
+                  <a:latin typeface="BIZ UDPゴシック" panose="020B0400000000000000" pitchFamily="50" charset="-128"/>
+                  <a:ea typeface="BIZ UDPゴシック" panose="020B0400000000000000" pitchFamily="50" charset="-128"/>
+                </a:rPr>
+                <a:t>専門的な評価方法</a:t>
+              </a:r>
+              <a:endParaRPr lang="en-US" altLang="ja-JP" dirty="0">
+                <a:solidFill>
+                  <a:schemeClr val="bg2">
+                    <a:lumMod val="75000"/>
+                    <a:lumOff val="25000"/>
+                  </a:schemeClr>
+                </a:solidFill>
+                <a:latin typeface="BIZ UDPゴシック" panose="020B0400000000000000" pitchFamily="50" charset="-128"/>
+                <a:ea typeface="BIZ UDPゴシック" panose="020B0400000000000000" pitchFamily="50" charset="-128"/>
+              </a:endParaRPr>
+            </a:p>
+            <a:p>
+              <a:pPr marL="177800" indent="-177800">
+                <a:buFont typeface="Arial" panose="020B0604020202020204" pitchFamily="34" charset="0"/>
+                <a:buChar char="•"/>
+              </a:pPr>
+              <a:r>
+                <a:rPr kumimoji="1" lang="ja-JP" altLang="en-US" dirty="0">
+                  <a:solidFill>
+                    <a:schemeClr val="bg2">
+                      <a:lumMod val="75000"/>
+                      <a:lumOff val="25000"/>
+                    </a:schemeClr>
+                  </a:solidFill>
+                  <a:latin typeface="BIZ UDPゴシック" panose="020B0400000000000000" pitchFamily="50" charset="-128"/>
+                  <a:ea typeface="BIZ UDPゴシック" panose="020B0400000000000000" pitchFamily="50" charset="-128"/>
+                </a:rPr>
+                <a:t>コーディングスキル</a:t>
+              </a:r>
+              <a:endParaRPr kumimoji="1" lang="en-US" altLang="ja-JP" dirty="0">
+                <a:solidFill>
+                  <a:schemeClr val="bg2">
+                    <a:lumMod val="75000"/>
+                    <a:lumOff val="25000"/>
+                  </a:schemeClr>
+                </a:solidFill>
+                <a:latin typeface="BIZ UDPゴシック" panose="020B0400000000000000" pitchFamily="50" charset="-128"/>
+                <a:ea typeface="BIZ UDPゴシック" panose="020B0400000000000000" pitchFamily="50" charset="-128"/>
+              </a:endParaRPr>
+            </a:p>
+            <a:p>
+              <a:pPr marL="177800" indent="-177800">
+                <a:buFont typeface="Arial" panose="020B0604020202020204" pitchFamily="34" charset="0"/>
+                <a:buChar char="•"/>
+              </a:pPr>
+              <a:r>
+                <a:rPr kumimoji="1" lang="ja-JP" altLang="en-US" dirty="0">
+                  <a:solidFill>
+                    <a:schemeClr val="bg2">
+                      <a:lumMod val="75000"/>
+                      <a:lumOff val="25000"/>
+                    </a:schemeClr>
+                  </a:solidFill>
+                  <a:latin typeface="BIZ UDPゴシック" panose="020B0400000000000000" pitchFamily="50" charset="-128"/>
+                  <a:ea typeface="BIZ UDPゴシック" panose="020B0400000000000000" pitchFamily="50" charset="-128"/>
+                </a:rPr>
+                <a:t>計算スキル</a:t>
+              </a:r>
+              <a:br>
+                <a:rPr kumimoji="1" lang="en-US" altLang="ja-JP" sz="1600" dirty="0">
+                  <a:solidFill>
+                    <a:schemeClr val="bg2">
+                      <a:lumMod val="75000"/>
+                      <a:lumOff val="25000"/>
+                    </a:schemeClr>
+                  </a:solidFill>
+                  <a:latin typeface="BIZ UDPゴシック" panose="020B0400000000000000" pitchFamily="50" charset="-128"/>
+                  <a:ea typeface="BIZ UDPゴシック" panose="020B0400000000000000" pitchFamily="50" charset="-128"/>
+                </a:rPr>
+              </a:br>
+              <a:endParaRPr lang="en-US" altLang="ja-JP" sz="1600" dirty="0">
+                <a:solidFill>
+                  <a:schemeClr val="bg2">
+                    <a:lumMod val="75000"/>
+                    <a:lumOff val="25000"/>
+                  </a:schemeClr>
+                </a:solidFill>
+                <a:latin typeface="BIZ UDPゴシック" panose="020B0400000000000000" pitchFamily="50" charset="-128"/>
+                <a:ea typeface="BIZ UDPゴシック" panose="020B0400000000000000" pitchFamily="50" charset="-128"/>
+              </a:endParaRPr>
+            </a:p>
+            <a:p>
+              <a:pPr algn="r"/>
+              <a:r>
+                <a:rPr kumimoji="1" lang="ja-JP" altLang="en-US" dirty="0">
+                  <a:solidFill>
+                    <a:schemeClr val="bg2">
+                      <a:lumMod val="75000"/>
+                      <a:lumOff val="25000"/>
+                    </a:schemeClr>
+                  </a:solidFill>
+                  <a:latin typeface="BIZ UDPゴシック" panose="020B0400000000000000" pitchFamily="50" charset="-128"/>
+                  <a:ea typeface="BIZ UDPゴシック" panose="020B0400000000000000" pitchFamily="50" charset="-128"/>
+                </a:rPr>
+                <a:t>などが必要</a:t>
+              </a:r>
+            </a:p>
+          </p:txBody>
+        </p:sp>
+        <p:sp>
+          <p:nvSpPr>
+            <p:cNvPr id="39" name="正方形/長方形 49">
+              <a:extLst>
+                <a:ext uri="{FF2B5EF4-FFF2-40B4-BE49-F238E27FC236}">
+                  <a16:creationId xmlns:a16="http://schemas.microsoft.com/office/drawing/2014/main" id="{8CC1A9D9-AD04-86B1-DA99-A81F12942C9D}"/>
+                </a:ext>
+              </a:extLst>
+            </p:cNvPr>
+            <p:cNvSpPr/>
+            <p:nvPr/>
+          </p:nvSpPr>
+          <p:spPr>
+            <a:xfrm>
+              <a:off x="2652131" y="4424082"/>
+              <a:ext cx="1800201" cy="483495"/>
+            </a:xfrm>
+            <a:prstGeom prst="rect">
+              <a:avLst/>
+            </a:prstGeom>
+            <a:solidFill>
+              <a:schemeClr val="bg2">
+                <a:lumMod val="25000"/>
+                <a:lumOff val="75000"/>
+              </a:schemeClr>
+            </a:solidFill>
+            <a:ln>
+              <a:noFill/>
+            </a:ln>
+          </p:spPr>
+          <p:txBody>
+            <a:bodyPr wrap="square" rtlCol="0" anchor="ctr">
+              <a:spAutoFit/>
+            </a:bodyPr>
+            <a:lstStyle/>
+            <a:p>
+              <a:pPr algn="ctr"/>
+              <a:endParaRPr kumimoji="1" lang="ja-JP" altLang="en-US" kern="0" dirty="0"/>
+            </a:p>
+          </p:txBody>
+        </p:sp>
+        <p:sp>
+          <p:nvSpPr>
+            <p:cNvPr id="40" name="テキスト ボックス 54">
+              <a:extLst>
+                <a:ext uri="{FF2B5EF4-FFF2-40B4-BE49-F238E27FC236}">
+                  <a16:creationId xmlns:a16="http://schemas.microsoft.com/office/drawing/2014/main" id="{14C03B40-3903-8C53-2483-D6804F1B26C4}"/>
+                </a:ext>
+              </a:extLst>
+            </p:cNvPr>
+            <p:cNvSpPr txBox="1"/>
+            <p:nvPr/>
+          </p:nvSpPr>
+          <p:spPr>
+            <a:xfrm>
+              <a:off x="2796257" y="4477515"/>
+              <a:ext cx="1494166" cy="400110"/>
+            </a:xfrm>
+            <a:prstGeom prst="rect">
+              <a:avLst/>
+            </a:prstGeom>
+            <a:noFill/>
+          </p:spPr>
+          <p:txBody>
+            <a:bodyPr wrap="square" rtlCol="0">
+              <a:spAutoFit/>
+            </a:bodyPr>
+            <a:lstStyle/>
+            <a:p>
+              <a:pPr algn="ctr"/>
+              <a:r>
+                <a:rPr lang="ja-JP" altLang="en-US" sz="2000" dirty="0">
+                  <a:latin typeface="BIZ UDPゴシック" panose="020B0400000000000000" pitchFamily="50" charset="-128"/>
+                  <a:ea typeface="BIZ UDPゴシック" panose="020B0400000000000000" pitchFamily="50" charset="-128"/>
+                </a:rPr>
+                <a:t>信号処理</a:t>
+              </a:r>
+              <a:endParaRPr kumimoji="1" lang="ja-JP" altLang="en-US" sz="2000" dirty="0">
+                <a:latin typeface="BIZ UDPゴシック" panose="020B0400000000000000" pitchFamily="50" charset="-128"/>
+                <a:ea typeface="BIZ UDPゴシック" panose="020B0400000000000000" pitchFamily="50" charset="-128"/>
+              </a:endParaRPr>
+            </a:p>
+          </p:txBody>
+        </p:sp>
+        <p:sp>
+          <p:nvSpPr>
+            <p:cNvPr id="41" name="正方形/長方形 55">
+              <a:extLst>
+                <a:ext uri="{FF2B5EF4-FFF2-40B4-BE49-F238E27FC236}">
+                  <a16:creationId xmlns:a16="http://schemas.microsoft.com/office/drawing/2014/main" id="{03EAF876-9EC8-A795-2B21-1220A3B3182E}"/>
+                </a:ext>
+              </a:extLst>
+            </p:cNvPr>
+            <p:cNvSpPr/>
+            <p:nvPr/>
+          </p:nvSpPr>
+          <p:spPr>
+            <a:xfrm>
+              <a:off x="4618717" y="4409859"/>
+              <a:ext cx="1800201" cy="483495"/>
+            </a:xfrm>
+            <a:prstGeom prst="rect">
+              <a:avLst/>
+            </a:prstGeom>
+            <a:solidFill>
+              <a:schemeClr val="bg2">
+                <a:lumMod val="25000"/>
+                <a:lumOff val="75000"/>
+              </a:schemeClr>
+            </a:solidFill>
+            <a:ln>
+              <a:noFill/>
+            </a:ln>
+          </p:spPr>
+          <p:txBody>
+            <a:bodyPr wrap="square" rtlCol="0" anchor="ctr">
+              <a:spAutoFit/>
+            </a:bodyPr>
+            <a:lstStyle/>
+            <a:p>
+              <a:pPr algn="ctr"/>
+              <a:endParaRPr kumimoji="1" lang="ja-JP" altLang="en-US" kern="0" dirty="0"/>
+            </a:p>
+          </p:txBody>
+        </p:sp>
+        <p:sp>
+          <p:nvSpPr>
+            <p:cNvPr id="42" name="テキスト ボックス 56">
+              <a:extLst>
+                <a:ext uri="{FF2B5EF4-FFF2-40B4-BE49-F238E27FC236}">
+                  <a16:creationId xmlns:a16="http://schemas.microsoft.com/office/drawing/2014/main" id="{82427ABF-0938-6804-F8FA-E7BDBAFF6909}"/>
+                </a:ext>
+              </a:extLst>
+            </p:cNvPr>
+            <p:cNvSpPr txBox="1"/>
+            <p:nvPr/>
+          </p:nvSpPr>
+          <p:spPr>
+            <a:xfrm>
+              <a:off x="4762843" y="4463292"/>
+              <a:ext cx="1494166" cy="400110"/>
+            </a:xfrm>
+            <a:prstGeom prst="rect">
+              <a:avLst/>
+            </a:prstGeom>
+            <a:noFill/>
+          </p:spPr>
+          <p:txBody>
+            <a:bodyPr wrap="square" rtlCol="0">
+              <a:spAutoFit/>
+            </a:bodyPr>
+            <a:lstStyle/>
+            <a:p>
+              <a:pPr algn="ctr"/>
+              <a:r>
+                <a:rPr lang="ja-JP" altLang="en-US" sz="2000" dirty="0">
+                  <a:latin typeface="BIZ UDPゴシック" panose="020B0400000000000000" pitchFamily="50" charset="-128"/>
+                  <a:ea typeface="BIZ UDPゴシック" panose="020B0400000000000000" pitchFamily="50" charset="-128"/>
+                </a:rPr>
+                <a:t>信号処理</a:t>
+              </a:r>
+              <a:endParaRPr kumimoji="1" lang="ja-JP" altLang="en-US" sz="2000" dirty="0">
+                <a:latin typeface="BIZ UDPゴシック" panose="020B0400000000000000" pitchFamily="50" charset="-128"/>
+                <a:ea typeface="BIZ UDPゴシック" panose="020B0400000000000000" pitchFamily="50" charset="-128"/>
+              </a:endParaRPr>
+            </a:p>
+          </p:txBody>
+        </p:sp>
+      </p:grpSp>
     </p:spTree>
     <p:extLst>
       <p:ext uri="{BB962C8B-B14F-4D97-AF65-F5344CB8AC3E}">

--- a/paper/shimozawa.pptx
+++ b/paper/shimozawa.pptx
@@ -226,7 +226,7 @@
           <a:p>
             <a:fld id="{2BFE9D47-A5E2-4416-924B-D108B50498DE}" type="datetimeFigureOut">
               <a:rPr kumimoji="1" lang="ja-JP" altLang="en-US" smtClean="0"/>
-              <a:t>2025/3/2</a:t>
+              <a:t>2025/3/3</a:t>
             </a:fld>
             <a:endParaRPr kumimoji="1" lang="ja-JP" altLang="en-US"/>
           </a:p>
@@ -10151,7 +10151,7 @@
         </p:nvSpPr>
         <p:spPr>
           <a:xfrm>
-            <a:off x="328184" y="4267973"/>
+            <a:off x="229303" y="4263862"/>
             <a:ext cx="1103496" cy="523220"/>
           </a:xfrm>
           <a:prstGeom prst="rect">
@@ -12205,7 +12205,7 @@
         <p:spPr>
           <a:xfrm>
             <a:off x="580210" y="3869086"/>
-            <a:ext cx="8744318" cy="830997"/>
+            <a:ext cx="8744318" cy="461665"/>
           </a:xfrm>
           <a:prstGeom prst="rect">
             <a:avLst/>
@@ -12231,63 +12231,14 @@
                 <a:latin typeface="BIZ UDPゴシック" panose="020B0400000000000000" pitchFamily="50" charset="-128"/>
                 <a:ea typeface="BIZ UDPゴシック" panose="020B0400000000000000" pitchFamily="50" charset="-128"/>
               </a:rPr>
-              <a:t>)</a:t>
-            </a:r>
-            <a:r>
-              <a:rPr lang="en-US" altLang="ja-JP" sz="2400" dirty="0">
-                <a:latin typeface="BIZ UDPゴシック" panose="020B0400000000000000" pitchFamily="50" charset="-128"/>
-                <a:ea typeface="BIZ UDPゴシック" panose="020B0400000000000000" pitchFamily="50" charset="-128"/>
-              </a:rPr>
-              <a:t> 1Gbps</a:t>
+              <a:t>) 802.11ac</a:t>
             </a:r>
             <a:r>
               <a:rPr lang="ja-JP" altLang="en-US" sz="2400" dirty="0">
                 <a:latin typeface="BIZ UDPゴシック" panose="020B0400000000000000" pitchFamily="50" charset="-128"/>
                 <a:ea typeface="BIZ UDPゴシック" panose="020B0400000000000000" pitchFamily="50" charset="-128"/>
               </a:rPr>
-              <a:t>出るって書いてある</a:t>
-            </a:r>
-            <a:r>
-              <a:rPr lang="en-US" altLang="ja-JP" sz="2400" dirty="0" err="1">
-                <a:latin typeface="BIZ UDPゴシック" panose="020B0400000000000000" pitchFamily="50" charset="-128"/>
-                <a:ea typeface="BIZ UDPゴシック" panose="020B0400000000000000" pitchFamily="50" charset="-128"/>
-              </a:rPr>
-              <a:t>wifi</a:t>
-            </a:r>
-            <a:r>
-              <a:rPr lang="ja-JP" altLang="en-US" sz="2400" dirty="0">
-                <a:latin typeface="BIZ UDPゴシック" panose="020B0400000000000000" pitchFamily="50" charset="-128"/>
-                <a:ea typeface="BIZ UDPゴシック" panose="020B0400000000000000" pitchFamily="50" charset="-128"/>
-              </a:rPr>
-              <a:t>ルーター買ったけど</a:t>
-            </a:r>
-            <a:endParaRPr lang="en-US" altLang="ja-JP" sz="2400" dirty="0">
-              <a:latin typeface="BIZ UDPゴシック" panose="020B0400000000000000" pitchFamily="50" charset="-128"/>
-              <a:ea typeface="BIZ UDPゴシック" panose="020B0400000000000000" pitchFamily="50" charset="-128"/>
-            </a:endParaRPr>
-          </a:p>
-          <a:p>
-            <a:pPr algn="ctr"/>
-            <a:r>
-              <a:rPr lang="en-US" altLang="ja-JP" sz="2400" dirty="0">
-                <a:latin typeface="BIZ UDPゴシック" panose="020B0400000000000000" pitchFamily="50" charset="-128"/>
-                <a:ea typeface="BIZ UDPゴシック" panose="020B0400000000000000" pitchFamily="50" charset="-128"/>
-              </a:rPr>
-              <a:t>50%</a:t>
-            </a:r>
-            <a:r>
-              <a:rPr lang="ja-JP" altLang="en-US" sz="2400" dirty="0">
-                <a:latin typeface="BIZ UDPゴシック" panose="020B0400000000000000" pitchFamily="50" charset="-128"/>
-                <a:ea typeface="BIZ UDPゴシック" panose="020B0400000000000000" pitchFamily="50" charset="-128"/>
-              </a:rPr>
-              <a:t>しか出ない</a:t>
-            </a:r>
-            <a:r>
-              <a:rPr lang="en-US" altLang="ja-JP" sz="2400" dirty="0">
-                <a:latin typeface="BIZ UDPゴシック" panose="020B0400000000000000" pitchFamily="50" charset="-128"/>
-                <a:ea typeface="BIZ UDPゴシック" panose="020B0400000000000000" pitchFamily="50" charset="-128"/>
-              </a:rPr>
-              <a:t>……</a:t>
+              <a:t>では</a:t>
             </a:r>
             <a:endParaRPr kumimoji="1" lang="ja-JP" altLang="en-US" sz="2400" dirty="0">
               <a:latin typeface="BIZ UDPゴシック" panose="020B0400000000000000" pitchFamily="50" charset="-128"/>

--- a/paper/shimozawa.pptx
+++ b/paper/shimozawa.pptx
@@ -226,7 +226,7 @@
           <a:p>
             <a:fld id="{2BFE9D47-A5E2-4416-924B-D108B50498DE}" type="datetimeFigureOut">
               <a:rPr kumimoji="1" lang="ja-JP" altLang="en-US" smtClean="0"/>
-              <a:t>2025/3/2</a:t>
+              <a:t>2025/3/4</a:t>
             </a:fld>
             <a:endParaRPr kumimoji="1" lang="ja-JP" altLang="en-US"/>
           </a:p>
@@ -12205,7 +12205,7 @@
         <p:spPr>
           <a:xfrm>
             <a:off x="580210" y="3869086"/>
-            <a:ext cx="8744318" cy="830997"/>
+            <a:ext cx="8744318" cy="461665"/>
           </a:xfrm>
           <a:prstGeom prst="rect">
             <a:avLst/>
@@ -12231,63 +12231,35 @@
                 <a:latin typeface="BIZ UDPゴシック" panose="020B0400000000000000" pitchFamily="50" charset="-128"/>
                 <a:ea typeface="BIZ UDPゴシック" panose="020B0400000000000000" pitchFamily="50" charset="-128"/>
               </a:rPr>
-              <a:t>)</a:t>
+              <a:t>) IEEE</a:t>
+            </a:r>
+            <a:r>
+              <a:rPr lang="ja-JP" altLang="en-US" sz="2400" dirty="0">
+                <a:latin typeface="BIZ UDPゴシック" panose="020B0400000000000000" pitchFamily="50" charset="-128"/>
+                <a:ea typeface="BIZ UDPゴシック" panose="020B0400000000000000" pitchFamily="50" charset="-128"/>
+              </a:rPr>
+              <a:t> </a:t>
             </a:r>
             <a:r>
               <a:rPr lang="en-US" altLang="ja-JP" sz="2400" dirty="0">
                 <a:latin typeface="BIZ UDPゴシック" panose="020B0400000000000000" pitchFamily="50" charset="-128"/>
                 <a:ea typeface="BIZ UDPゴシック" panose="020B0400000000000000" pitchFamily="50" charset="-128"/>
               </a:rPr>
-              <a:t> 1Gbps</a:t>
+              <a:t>802.11ac</a:t>
             </a:r>
             <a:r>
               <a:rPr lang="ja-JP" altLang="en-US" sz="2400" dirty="0">
                 <a:latin typeface="BIZ UDPゴシック" panose="020B0400000000000000" pitchFamily="50" charset="-128"/>
                 <a:ea typeface="BIZ UDPゴシック" panose="020B0400000000000000" pitchFamily="50" charset="-128"/>
               </a:rPr>
-              <a:t>出るって書いてある</a:t>
-            </a:r>
-            <a:r>
-              <a:rPr lang="en-US" altLang="ja-JP" sz="2400" dirty="0" err="1">
-                <a:latin typeface="BIZ UDPゴシック" panose="020B0400000000000000" pitchFamily="50" charset="-128"/>
-                <a:ea typeface="BIZ UDPゴシック" panose="020B0400000000000000" pitchFamily="50" charset="-128"/>
-              </a:rPr>
-              <a:t>wifi</a:t>
-            </a:r>
-            <a:r>
-              <a:rPr lang="ja-JP" altLang="en-US" sz="2400" dirty="0">
-                <a:latin typeface="BIZ UDPゴシック" panose="020B0400000000000000" pitchFamily="50" charset="-128"/>
-                <a:ea typeface="BIZ UDPゴシック" panose="020B0400000000000000" pitchFamily="50" charset="-128"/>
-              </a:rPr>
-              <a:t>ルーター買ったけど</a:t>
-            </a:r>
-            <a:endParaRPr lang="en-US" altLang="ja-JP" sz="2400" dirty="0">
-              <a:latin typeface="BIZ UDPゴシック" panose="020B0400000000000000" pitchFamily="50" charset="-128"/>
-              <a:ea typeface="BIZ UDPゴシック" panose="020B0400000000000000" pitchFamily="50" charset="-128"/>
-            </a:endParaRPr>
-          </a:p>
-          <a:p>
-            <a:pPr algn="ctr"/>
+              <a:t>では</a:t>
+            </a:r>
             <a:r>
               <a:rPr lang="en-US" altLang="ja-JP" sz="2400" dirty="0">
                 <a:latin typeface="BIZ UDPゴシック" panose="020B0400000000000000" pitchFamily="50" charset="-128"/>
                 <a:ea typeface="BIZ UDPゴシック" panose="020B0400000000000000" pitchFamily="50" charset="-128"/>
               </a:rPr>
-              <a:t>50%</a:t>
-            </a:r>
-            <a:r>
-              <a:rPr lang="ja-JP" altLang="en-US" sz="2400" dirty="0">
-                <a:latin typeface="BIZ UDPゴシック" panose="020B0400000000000000" pitchFamily="50" charset="-128"/>
-                <a:ea typeface="BIZ UDPゴシック" panose="020B0400000000000000" pitchFamily="50" charset="-128"/>
-              </a:rPr>
-              <a:t>しか出ない</a:t>
-            </a:r>
-            <a:r>
-              <a:rPr lang="en-US" altLang="ja-JP" sz="2400" dirty="0">
-                <a:latin typeface="BIZ UDPゴシック" panose="020B0400000000000000" pitchFamily="50" charset="-128"/>
-                <a:ea typeface="BIZ UDPゴシック" panose="020B0400000000000000" pitchFamily="50" charset="-128"/>
-              </a:rPr>
-              <a:t>……</a:t>
+              <a:t>MU-MIMO</a:t>
             </a:r>
             <a:endParaRPr kumimoji="1" lang="ja-JP" altLang="en-US" sz="2400" dirty="0">
               <a:latin typeface="BIZ UDPゴシック" panose="020B0400000000000000" pitchFamily="50" charset="-128"/>
@@ -12310,8 +12282,8 @@
         </p:nvSpPr>
         <p:spPr>
           <a:xfrm>
-            <a:off x="12432" y="6490702"/>
-            <a:ext cx="6120680" cy="369332"/>
+            <a:off x="-2570" y="6226191"/>
+            <a:ext cx="7632733" cy="646331"/>
           </a:xfrm>
           <a:prstGeom prst="rect">
             <a:avLst/>
@@ -12380,6 +12352,40 @@
               </a:rPr>
               <a:t>[bps])</a:t>
             </a:r>
+          </a:p>
+          <a:p>
+            <a:r>
+              <a:rPr lang="en-US" altLang="ja-JP" dirty="0">
+                <a:latin typeface="BIZ UDPゴシック" panose="020B0400000000000000" pitchFamily="50" charset="-128"/>
+                <a:ea typeface="BIZ UDPゴシック" panose="020B0400000000000000" pitchFamily="50" charset="-128"/>
+              </a:rPr>
+              <a:t>MU-MIMO : Multi User-</a:t>
+            </a:r>
+            <a:r>
+              <a:rPr lang="en-US" altLang="ja-JP" dirty="0" err="1">
+                <a:latin typeface="BIZ UDPゴシック" panose="020B0400000000000000" pitchFamily="50" charset="-128"/>
+                <a:ea typeface="BIZ UDPゴシック" panose="020B0400000000000000" pitchFamily="50" charset="-128"/>
+              </a:rPr>
+              <a:t>MultipleInput</a:t>
+            </a:r>
+            <a:r>
+              <a:rPr lang="en-US" altLang="ja-JP" dirty="0">
+                <a:latin typeface="BIZ UDPゴシック" panose="020B0400000000000000" pitchFamily="50" charset="-128"/>
+                <a:ea typeface="BIZ UDPゴシック" panose="020B0400000000000000" pitchFamily="50" charset="-128"/>
+              </a:rPr>
+              <a:t> </a:t>
+            </a:r>
+            <a:r>
+              <a:rPr lang="en-US" altLang="ja-JP" dirty="0" err="1">
+                <a:latin typeface="BIZ UDPゴシック" panose="020B0400000000000000" pitchFamily="50" charset="-128"/>
+                <a:ea typeface="BIZ UDPゴシック" panose="020B0400000000000000" pitchFamily="50" charset="-128"/>
+              </a:rPr>
+              <a:t>MultipleOutput</a:t>
+            </a:r>
+            <a:endParaRPr kumimoji="1" lang="en-US" altLang="ja-JP" dirty="0">
+              <a:latin typeface="BIZ UDPゴシック" panose="020B0400000000000000" pitchFamily="50" charset="-128"/>
+              <a:ea typeface="BIZ UDPゴシック" panose="020B0400000000000000" pitchFamily="50" charset="-128"/>
+            </a:endParaRPr>
           </a:p>
         </p:txBody>
       </p:sp>
